--- a/ScalaRepositary/ScalaTrainingPrep/Scala.pptx
+++ b/ScalaRepositary/ScalaTrainingPrep/Scala.pptx
@@ -2,10 +2,16 @@
 <file path=ppt/presentation.xml><?xml version="1.0" encoding="utf-8"?>
 <p:presentation xmlns:a="http://schemas.openxmlformats.org/drawingml/2006/main" xmlns:r="http://schemas.openxmlformats.org/officeDocument/2006/relationships" xmlns:p="http://schemas.openxmlformats.org/presentationml/2006/main" saveSubsetFonts="1">
   <p:sldMasterIdLst>
-    <p:sldMasterId id="2147483648" r:id="rId1"/>
+    <p:sldMasterId id="2147483773" r:id="rId1"/>
   </p:sldMasterIdLst>
+  <p:notesMasterIdLst>
+    <p:notesMasterId r:id="rId6"/>
+  </p:notesMasterIdLst>
   <p:sldIdLst>
     <p:sldId id="256" r:id="rId2"/>
+    <p:sldId id="257" r:id="rId3"/>
+    <p:sldId id="258" r:id="rId4"/>
+    <p:sldId id="259" r:id="rId5"/>
   </p:sldIdLst>
   <p:sldSz cx="12192000" cy="6858000"/>
   <p:notesSz cx="6858000" cy="9144000"/>
@@ -104,11 +110,474 @@
       </a:defRPr>
     </a:lvl9pPr>
   </p:defaultTextStyle>
+  <p:extLst>
+    <p:ext uri="{EFAFB233-063F-42B5-8137-9DF3F51BA10A}">
+      <p15:sldGuideLst xmlns:p15="http://schemas.microsoft.com/office/powerpoint/2012/main"/>
+    </p:ext>
+  </p:extLst>
 </p:presentation>
 </file>
 
+<file path=ppt/notesMasters/notesMaster1.xml><?xml version="1.0" encoding="utf-8"?>
+<p:notesMaster xmlns:a="http://schemas.openxmlformats.org/drawingml/2006/main" xmlns:r="http://schemas.openxmlformats.org/officeDocument/2006/relationships" xmlns:p="http://schemas.openxmlformats.org/presentationml/2006/main">
+  <p:cSld>
+    <p:bg>
+      <p:bgRef idx="1001">
+        <a:schemeClr val="bg1"/>
+      </p:bgRef>
+    </p:bg>
+    <p:spTree>
+      <p:nvGrpSpPr>
+        <p:cNvPr id="1" name=""/>
+        <p:cNvGrpSpPr/>
+        <p:nvPr/>
+      </p:nvGrpSpPr>
+      <p:grpSpPr>
+        <a:xfrm>
+          <a:off x="0" y="0"/>
+          <a:ext cx="0" cy="0"/>
+          <a:chOff x="0" y="0"/>
+          <a:chExt cx="0" cy="0"/>
+        </a:xfrm>
+      </p:grpSpPr>
+      <p:sp>
+        <p:nvSpPr>
+          <p:cNvPr id="2" name="Header Placeholder 1"/>
+          <p:cNvSpPr>
+            <a:spLocks noGrp="1"/>
+          </p:cNvSpPr>
+          <p:nvPr>
+            <p:ph type="hdr" sz="quarter"/>
+          </p:nvPr>
+        </p:nvSpPr>
+        <p:spPr>
+          <a:xfrm>
+            <a:off x="0" y="0"/>
+            <a:ext cx="2971800" cy="458788"/>
+          </a:xfrm>
+          <a:prstGeom prst="rect">
+            <a:avLst/>
+          </a:prstGeom>
+        </p:spPr>
+        <p:txBody>
+          <a:bodyPr vert="horz" lIns="91440" tIns="45720" rIns="91440" bIns="45720" rtlCol="0"/>
+          <a:lstStyle>
+            <a:lvl1pPr algn="l">
+              <a:defRPr sz="1200"/>
+            </a:lvl1pPr>
+          </a:lstStyle>
+          <a:p>
+            <a:endParaRPr lang="en-US"/>
+          </a:p>
+        </p:txBody>
+      </p:sp>
+      <p:sp>
+        <p:nvSpPr>
+          <p:cNvPr id="3" name="Date Placeholder 2"/>
+          <p:cNvSpPr>
+            <a:spLocks noGrp="1"/>
+          </p:cNvSpPr>
+          <p:nvPr>
+            <p:ph type="dt" idx="1"/>
+          </p:nvPr>
+        </p:nvSpPr>
+        <p:spPr>
+          <a:xfrm>
+            <a:off x="3884613" y="0"/>
+            <a:ext cx="2971800" cy="458788"/>
+          </a:xfrm>
+          <a:prstGeom prst="rect">
+            <a:avLst/>
+          </a:prstGeom>
+        </p:spPr>
+        <p:txBody>
+          <a:bodyPr vert="horz" lIns="91440" tIns="45720" rIns="91440" bIns="45720" rtlCol="0"/>
+          <a:lstStyle>
+            <a:lvl1pPr algn="r">
+              <a:defRPr sz="1200"/>
+            </a:lvl1pPr>
+          </a:lstStyle>
+          <a:p>
+            <a:fld id="{3240BC99-1AF2-4BD1-B6C5-9B1A6BD04C8E}" type="datetimeFigureOut">
+              <a:rPr lang="en-US" smtClean="0"/>
+              <a:t>4/11/2016</a:t>
+            </a:fld>
+            <a:endParaRPr lang="en-US"/>
+          </a:p>
+        </p:txBody>
+      </p:sp>
+      <p:sp>
+        <p:nvSpPr>
+          <p:cNvPr id="4" name="Slide Image Placeholder 3"/>
+          <p:cNvSpPr>
+            <a:spLocks noGrp="1" noRot="1" noChangeAspect="1"/>
+          </p:cNvSpPr>
+          <p:nvPr>
+            <p:ph type="sldImg" idx="2"/>
+          </p:nvPr>
+        </p:nvSpPr>
+        <p:spPr>
+          <a:xfrm>
+            <a:off x="685800" y="1143000"/>
+            <a:ext cx="5486400" cy="3086100"/>
+          </a:xfrm>
+          <a:prstGeom prst="rect">
+            <a:avLst/>
+          </a:prstGeom>
+          <a:noFill/>
+          <a:ln w="12700">
+            <a:solidFill>
+              <a:prstClr val="black"/>
+            </a:solidFill>
+          </a:ln>
+        </p:spPr>
+        <p:txBody>
+          <a:bodyPr vert="horz" lIns="91440" tIns="45720" rIns="91440" bIns="45720" rtlCol="0" anchor="ctr"/>
+          <a:lstStyle/>
+          <a:p>
+            <a:endParaRPr lang="en-US"/>
+          </a:p>
+        </p:txBody>
+      </p:sp>
+      <p:sp>
+        <p:nvSpPr>
+          <p:cNvPr id="5" name="Notes Placeholder 4"/>
+          <p:cNvSpPr>
+            <a:spLocks noGrp="1"/>
+          </p:cNvSpPr>
+          <p:nvPr>
+            <p:ph type="body" sz="quarter" idx="3"/>
+          </p:nvPr>
+        </p:nvSpPr>
+        <p:spPr>
+          <a:xfrm>
+            <a:off x="685800" y="4400550"/>
+            <a:ext cx="5486400" cy="3600450"/>
+          </a:xfrm>
+          <a:prstGeom prst="rect">
+            <a:avLst/>
+          </a:prstGeom>
+        </p:spPr>
+        <p:txBody>
+          <a:bodyPr vert="horz" lIns="91440" tIns="45720" rIns="91440" bIns="45720" rtlCol="0"/>
+          <a:lstStyle/>
+          <a:p>
+            <a:pPr lvl="0"/>
+            <a:r>
+              <a:rPr lang="en-US" smtClean="0"/>
+              <a:t>Click to edit Master text styles</a:t>
+            </a:r>
+          </a:p>
+          <a:p>
+            <a:pPr lvl="1"/>
+            <a:r>
+              <a:rPr lang="en-US" smtClean="0"/>
+              <a:t>Second level</a:t>
+            </a:r>
+          </a:p>
+          <a:p>
+            <a:pPr lvl="2"/>
+            <a:r>
+              <a:rPr lang="en-US" smtClean="0"/>
+              <a:t>Third level</a:t>
+            </a:r>
+          </a:p>
+          <a:p>
+            <a:pPr lvl="3"/>
+            <a:r>
+              <a:rPr lang="en-US" smtClean="0"/>
+              <a:t>Fourth level</a:t>
+            </a:r>
+          </a:p>
+          <a:p>
+            <a:pPr lvl="4"/>
+            <a:r>
+              <a:rPr lang="en-US" smtClean="0"/>
+              <a:t>Fifth level</a:t>
+            </a:r>
+            <a:endParaRPr lang="en-US"/>
+          </a:p>
+        </p:txBody>
+      </p:sp>
+      <p:sp>
+        <p:nvSpPr>
+          <p:cNvPr id="6" name="Footer Placeholder 5"/>
+          <p:cNvSpPr>
+            <a:spLocks noGrp="1"/>
+          </p:cNvSpPr>
+          <p:nvPr>
+            <p:ph type="ftr" sz="quarter" idx="4"/>
+          </p:nvPr>
+        </p:nvSpPr>
+        <p:spPr>
+          <a:xfrm>
+            <a:off x="0" y="8685213"/>
+            <a:ext cx="2971800" cy="458787"/>
+          </a:xfrm>
+          <a:prstGeom prst="rect">
+            <a:avLst/>
+          </a:prstGeom>
+        </p:spPr>
+        <p:txBody>
+          <a:bodyPr vert="horz" lIns="91440" tIns="45720" rIns="91440" bIns="45720" rtlCol="0" anchor="b"/>
+          <a:lstStyle>
+            <a:lvl1pPr algn="l">
+              <a:defRPr sz="1200"/>
+            </a:lvl1pPr>
+          </a:lstStyle>
+          <a:p>
+            <a:endParaRPr lang="en-US"/>
+          </a:p>
+        </p:txBody>
+      </p:sp>
+      <p:sp>
+        <p:nvSpPr>
+          <p:cNvPr id="7" name="Slide Number Placeholder 6"/>
+          <p:cNvSpPr>
+            <a:spLocks noGrp="1"/>
+          </p:cNvSpPr>
+          <p:nvPr>
+            <p:ph type="sldNum" sz="quarter" idx="5"/>
+          </p:nvPr>
+        </p:nvSpPr>
+        <p:spPr>
+          <a:xfrm>
+            <a:off x="3884613" y="8685213"/>
+            <a:ext cx="2971800" cy="458787"/>
+          </a:xfrm>
+          <a:prstGeom prst="rect">
+            <a:avLst/>
+          </a:prstGeom>
+        </p:spPr>
+        <p:txBody>
+          <a:bodyPr vert="horz" lIns="91440" tIns="45720" rIns="91440" bIns="45720" rtlCol="0" anchor="b"/>
+          <a:lstStyle>
+            <a:lvl1pPr algn="r">
+              <a:defRPr sz="1200"/>
+            </a:lvl1pPr>
+          </a:lstStyle>
+          <a:p>
+            <a:fld id="{25B1A631-5F94-4836-930B-DE4ECF0DFEFA}" type="slidenum">
+              <a:rPr lang="en-US" smtClean="0"/>
+              <a:t>‹#›</a:t>
+            </a:fld>
+            <a:endParaRPr lang="en-US"/>
+          </a:p>
+        </p:txBody>
+      </p:sp>
+    </p:spTree>
+    <p:extLst>
+      <p:ext uri="{BB962C8B-B14F-4D97-AF65-F5344CB8AC3E}">
+        <p14:creationId xmlns:p14="http://schemas.microsoft.com/office/powerpoint/2010/main" val="3955145665"/>
+      </p:ext>
+    </p:extLst>
+  </p:cSld>
+  <p:clrMap bg1="lt1" tx1="dk1" bg2="lt2" tx2="dk2" accent1="accent1" accent2="accent2" accent3="accent3" accent4="accent4" accent5="accent5" accent6="accent6" hlink="hlink" folHlink="folHlink"/>
+  <p:notesStyle>
+    <a:lvl1pPr marL="0" algn="l" defTabSz="914400" rtl="0" eaLnBrk="1" latinLnBrk="0" hangingPunct="1">
+      <a:defRPr sz="1200" kern="1200">
+        <a:solidFill>
+          <a:schemeClr val="tx1"/>
+        </a:solidFill>
+        <a:latin typeface="+mn-lt"/>
+        <a:ea typeface="+mn-ea"/>
+        <a:cs typeface="+mn-cs"/>
+      </a:defRPr>
+    </a:lvl1pPr>
+    <a:lvl2pPr marL="457200" algn="l" defTabSz="914400" rtl="0" eaLnBrk="1" latinLnBrk="0" hangingPunct="1">
+      <a:defRPr sz="1200" kern="1200">
+        <a:solidFill>
+          <a:schemeClr val="tx1"/>
+        </a:solidFill>
+        <a:latin typeface="+mn-lt"/>
+        <a:ea typeface="+mn-ea"/>
+        <a:cs typeface="+mn-cs"/>
+      </a:defRPr>
+    </a:lvl2pPr>
+    <a:lvl3pPr marL="914400" algn="l" defTabSz="914400" rtl="0" eaLnBrk="1" latinLnBrk="0" hangingPunct="1">
+      <a:defRPr sz="1200" kern="1200">
+        <a:solidFill>
+          <a:schemeClr val="tx1"/>
+        </a:solidFill>
+        <a:latin typeface="+mn-lt"/>
+        <a:ea typeface="+mn-ea"/>
+        <a:cs typeface="+mn-cs"/>
+      </a:defRPr>
+    </a:lvl3pPr>
+    <a:lvl4pPr marL="1371600" algn="l" defTabSz="914400" rtl="0" eaLnBrk="1" latinLnBrk="0" hangingPunct="1">
+      <a:defRPr sz="1200" kern="1200">
+        <a:solidFill>
+          <a:schemeClr val="tx1"/>
+        </a:solidFill>
+        <a:latin typeface="+mn-lt"/>
+        <a:ea typeface="+mn-ea"/>
+        <a:cs typeface="+mn-cs"/>
+      </a:defRPr>
+    </a:lvl4pPr>
+    <a:lvl5pPr marL="1828800" algn="l" defTabSz="914400" rtl="0" eaLnBrk="1" latinLnBrk="0" hangingPunct="1">
+      <a:defRPr sz="1200" kern="1200">
+        <a:solidFill>
+          <a:schemeClr val="tx1"/>
+        </a:solidFill>
+        <a:latin typeface="+mn-lt"/>
+        <a:ea typeface="+mn-ea"/>
+        <a:cs typeface="+mn-cs"/>
+      </a:defRPr>
+    </a:lvl5pPr>
+    <a:lvl6pPr marL="2286000" algn="l" defTabSz="914400" rtl="0" eaLnBrk="1" latinLnBrk="0" hangingPunct="1">
+      <a:defRPr sz="1200" kern="1200">
+        <a:solidFill>
+          <a:schemeClr val="tx1"/>
+        </a:solidFill>
+        <a:latin typeface="+mn-lt"/>
+        <a:ea typeface="+mn-ea"/>
+        <a:cs typeface="+mn-cs"/>
+      </a:defRPr>
+    </a:lvl6pPr>
+    <a:lvl7pPr marL="2743200" algn="l" defTabSz="914400" rtl="0" eaLnBrk="1" latinLnBrk="0" hangingPunct="1">
+      <a:defRPr sz="1200" kern="1200">
+        <a:solidFill>
+          <a:schemeClr val="tx1"/>
+        </a:solidFill>
+        <a:latin typeface="+mn-lt"/>
+        <a:ea typeface="+mn-ea"/>
+        <a:cs typeface="+mn-cs"/>
+      </a:defRPr>
+    </a:lvl7pPr>
+    <a:lvl8pPr marL="3200400" algn="l" defTabSz="914400" rtl="0" eaLnBrk="1" latinLnBrk="0" hangingPunct="1">
+      <a:defRPr sz="1200" kern="1200">
+        <a:solidFill>
+          <a:schemeClr val="tx1"/>
+        </a:solidFill>
+        <a:latin typeface="+mn-lt"/>
+        <a:ea typeface="+mn-ea"/>
+        <a:cs typeface="+mn-cs"/>
+      </a:defRPr>
+    </a:lvl8pPr>
+    <a:lvl9pPr marL="3657600" algn="l" defTabSz="914400" rtl="0" eaLnBrk="1" latinLnBrk="0" hangingPunct="1">
+      <a:defRPr sz="1200" kern="1200">
+        <a:solidFill>
+          <a:schemeClr val="tx1"/>
+        </a:solidFill>
+        <a:latin typeface="+mn-lt"/>
+        <a:ea typeface="+mn-ea"/>
+        <a:cs typeface="+mn-cs"/>
+      </a:defRPr>
+    </a:lvl9pPr>
+  </p:notesStyle>
+</p:notesMaster>
+</file>
+
+<file path=ppt/notesSlides/notesSlide1.xml><?xml version="1.0" encoding="utf-8"?>
+<p:notes xmlns:a="http://schemas.openxmlformats.org/drawingml/2006/main" xmlns:r="http://schemas.openxmlformats.org/officeDocument/2006/relationships" xmlns:p="http://schemas.openxmlformats.org/presentationml/2006/main">
+  <p:cSld>
+    <p:spTree>
+      <p:nvGrpSpPr>
+        <p:cNvPr id="1" name=""/>
+        <p:cNvGrpSpPr/>
+        <p:nvPr/>
+      </p:nvGrpSpPr>
+      <p:grpSpPr>
+        <a:xfrm>
+          <a:off x="0" y="0"/>
+          <a:ext cx="0" cy="0"/>
+          <a:chOff x="0" y="0"/>
+          <a:chExt cx="0" cy="0"/>
+        </a:xfrm>
+      </p:grpSpPr>
+      <p:sp>
+        <p:nvSpPr>
+          <p:cNvPr id="2" name="Slide Image Placeholder 1"/>
+          <p:cNvSpPr>
+            <a:spLocks noGrp="1" noRot="1" noChangeAspect="1"/>
+          </p:cNvSpPr>
+          <p:nvPr>
+            <p:ph type="sldImg"/>
+          </p:nvPr>
+        </p:nvSpPr>
+        <p:spPr/>
+      </p:sp>
+      <p:sp>
+        <p:nvSpPr>
+          <p:cNvPr id="3" name="Notes Placeholder 2"/>
+          <p:cNvSpPr>
+            <a:spLocks noGrp="1"/>
+          </p:cNvSpPr>
+          <p:nvPr>
+            <p:ph type="body" idx="1"/>
+          </p:nvPr>
+        </p:nvSpPr>
+        <p:spPr/>
+        <p:txBody>
+          <a:bodyPr/>
+          <a:lstStyle/>
+          <a:p>
+            <a:r>
+              <a:rPr lang="en-US" sz="1200" b="0" i="0" kern="1200" dirty="0" smtClean="0">
+                <a:solidFill>
+                  <a:schemeClr val="tx1"/>
+                </a:solidFill>
+                <a:effectLst/>
+                <a:latin typeface="+mn-lt"/>
+                <a:ea typeface="+mn-ea"/>
+                <a:cs typeface="+mn-cs"/>
+              </a:rPr>
+              <a:t>In contrast to Java, all values in Scala are objects (including numerical values and functions). Since Scala is class-based, all values are instances of a class. </a:t>
+            </a:r>
+            <a:r>
+              <a:rPr lang="en-US" sz="1200" b="0" i="0" kern="1200" smtClean="0">
+                <a:solidFill>
+                  <a:schemeClr val="tx1"/>
+                </a:solidFill>
+                <a:effectLst/>
+                <a:latin typeface="+mn-lt"/>
+                <a:ea typeface="+mn-ea"/>
+                <a:cs typeface="+mn-cs"/>
+              </a:rPr>
+              <a:t>The diagram below illustrates the class hierarchy</a:t>
+            </a:r>
+            <a:endParaRPr lang="en-US"/>
+          </a:p>
+        </p:txBody>
+      </p:sp>
+      <p:sp>
+        <p:nvSpPr>
+          <p:cNvPr id="4" name="Slide Number Placeholder 3"/>
+          <p:cNvSpPr>
+            <a:spLocks noGrp="1"/>
+          </p:cNvSpPr>
+          <p:nvPr>
+            <p:ph type="sldNum" sz="quarter" idx="10"/>
+          </p:nvPr>
+        </p:nvSpPr>
+        <p:spPr/>
+        <p:txBody>
+          <a:bodyPr/>
+          <a:lstStyle/>
+          <a:p>
+            <a:fld id="{25B1A631-5F94-4836-930B-DE4ECF0DFEFA}" type="slidenum">
+              <a:rPr lang="en-US" smtClean="0"/>
+              <a:t>4</a:t>
+            </a:fld>
+            <a:endParaRPr lang="en-US"/>
+          </a:p>
+        </p:txBody>
+      </p:sp>
+    </p:spTree>
+    <p:extLst>
+      <p:ext uri="{BB962C8B-B14F-4D97-AF65-F5344CB8AC3E}">
+        <p14:creationId xmlns:p14="http://schemas.microsoft.com/office/powerpoint/2010/main" val="2758695769"/>
+      </p:ext>
+    </p:extLst>
+  </p:cSld>
+  <p:clrMapOvr>
+    <a:masterClrMapping/>
+  </p:clrMapOvr>
+</p:notes>
+</file>
+
 <file path=ppt/slideLayouts/slideLayout1.xml><?xml version="1.0" encoding="utf-8"?>
-<p:sldLayout xmlns:a="http://schemas.openxmlformats.org/drawingml/2006/main" xmlns:r="http://schemas.openxmlformats.org/officeDocument/2006/relationships" xmlns:p="http://schemas.openxmlformats.org/presentationml/2006/main" type="title" preserve="1">
+<p:sldLayout xmlns:a="http://schemas.openxmlformats.org/drawingml/2006/main" xmlns:r="http://schemas.openxmlformats.org/officeDocument/2006/relationships" xmlns:p="http://schemas.openxmlformats.org/presentationml/2006/main" showMasterSp="0" type="title" preserve="1">
   <p:cSld name="Title Slide">
     <p:spTree>
       <p:nvGrpSpPr>
@@ -124,6 +593,536 @@
           <a:chExt cx="0" cy="0"/>
         </a:xfrm>
       </p:grpSpPr>
+      <p:grpSp>
+        <p:nvGrpSpPr>
+          <p:cNvPr id="7" name="Group 6"/>
+          <p:cNvGrpSpPr/>
+          <p:nvPr/>
+        </p:nvGrpSpPr>
+        <p:grpSpPr>
+          <a:xfrm>
+            <a:off x="0" y="-8467"/>
+            <a:ext cx="12192000" cy="6866467"/>
+            <a:chOff x="0" y="-8467"/>
+            <a:chExt cx="12192000" cy="6866467"/>
+          </a:xfrm>
+        </p:grpSpPr>
+        <p:cxnSp>
+          <p:nvCxnSpPr>
+            <p:cNvPr id="32" name="Straight Connector 31"/>
+            <p:cNvCxnSpPr/>
+            <p:nvPr/>
+          </p:nvCxnSpPr>
+          <p:spPr>
+            <a:xfrm>
+              <a:off x="9371012" y="0"/>
+              <a:ext cx="1219200" cy="6858000"/>
+            </a:xfrm>
+            <a:prstGeom prst="line">
+              <a:avLst/>
+            </a:prstGeom>
+            <a:ln w="9525">
+              <a:solidFill>
+                <a:schemeClr val="bg1">
+                  <a:lumMod val="75000"/>
+                </a:schemeClr>
+              </a:solidFill>
+            </a:ln>
+          </p:spPr>
+          <p:style>
+            <a:lnRef idx="2">
+              <a:schemeClr val="accent1"/>
+            </a:lnRef>
+            <a:fillRef idx="0">
+              <a:schemeClr val="accent1"/>
+            </a:fillRef>
+            <a:effectRef idx="1">
+              <a:schemeClr val="accent1"/>
+            </a:effectRef>
+            <a:fontRef idx="minor">
+              <a:schemeClr val="tx1"/>
+            </a:fontRef>
+          </p:style>
+        </p:cxnSp>
+        <p:cxnSp>
+          <p:nvCxnSpPr>
+            <p:cNvPr id="21" name="Straight Connector 20"/>
+            <p:cNvCxnSpPr/>
+            <p:nvPr/>
+          </p:nvCxnSpPr>
+          <p:spPr>
+            <a:xfrm flipH="1">
+              <a:off x="7425267" y="3681413"/>
+              <a:ext cx="4763558" cy="3176587"/>
+            </a:xfrm>
+            <a:prstGeom prst="line">
+              <a:avLst/>
+            </a:prstGeom>
+            <a:ln w="9525">
+              <a:solidFill>
+                <a:schemeClr val="bg1">
+                  <a:lumMod val="85000"/>
+                </a:schemeClr>
+              </a:solidFill>
+            </a:ln>
+          </p:spPr>
+          <p:style>
+            <a:lnRef idx="2">
+              <a:schemeClr val="accent1"/>
+            </a:lnRef>
+            <a:fillRef idx="0">
+              <a:schemeClr val="accent1"/>
+            </a:fillRef>
+            <a:effectRef idx="1">
+              <a:schemeClr val="accent1"/>
+            </a:effectRef>
+            <a:fontRef idx="minor">
+              <a:schemeClr val="tx1"/>
+            </a:fontRef>
+          </p:style>
+        </p:cxnSp>
+        <p:sp>
+          <p:nvSpPr>
+            <p:cNvPr id="24" name="Rectangle 23"/>
+            <p:cNvSpPr/>
+            <p:nvPr/>
+          </p:nvSpPr>
+          <p:spPr>
+            <a:xfrm>
+              <a:off x="9181476" y="-8467"/>
+              <a:ext cx="3007349" cy="6866467"/>
+            </a:xfrm>
+            <a:custGeom>
+              <a:avLst/>
+              <a:gdLst/>
+              <a:ahLst/>
+              <a:cxnLst/>
+              <a:rect l="l" t="t" r="r" b="b"/>
+              <a:pathLst>
+                <a:path w="3007349" h="6866467">
+                  <a:moveTo>
+                    <a:pt x="2045532" y="0"/>
+                  </a:moveTo>
+                  <a:lnTo>
+                    <a:pt x="3007349" y="0"/>
+                  </a:lnTo>
+                  <a:lnTo>
+                    <a:pt x="3007349" y="6866467"/>
+                  </a:lnTo>
+                  <a:lnTo>
+                    <a:pt x="0" y="6866467"/>
+                  </a:lnTo>
+                  <a:lnTo>
+                    <a:pt x="2045532" y="0"/>
+                  </a:lnTo>
+                  <a:close/>
+                </a:path>
+              </a:pathLst>
+            </a:custGeom>
+            <a:solidFill>
+              <a:schemeClr val="accent1">
+                <a:alpha val="30000"/>
+              </a:schemeClr>
+            </a:solidFill>
+            <a:ln>
+              <a:noFill/>
+            </a:ln>
+            <a:effectLst/>
+          </p:spPr>
+          <p:style>
+            <a:lnRef idx="1">
+              <a:schemeClr val="accent1"/>
+            </a:lnRef>
+            <a:fillRef idx="3">
+              <a:schemeClr val="accent1"/>
+            </a:fillRef>
+            <a:effectRef idx="2">
+              <a:schemeClr val="accent1"/>
+            </a:effectRef>
+            <a:fontRef idx="minor">
+              <a:schemeClr val="lt1"/>
+            </a:fontRef>
+          </p:style>
+        </p:sp>
+        <p:sp>
+          <p:nvSpPr>
+            <p:cNvPr id="26" name="Rectangle 25"/>
+            <p:cNvSpPr/>
+            <p:nvPr/>
+          </p:nvSpPr>
+          <p:spPr>
+            <a:xfrm>
+              <a:off x="9603442" y="-8467"/>
+              <a:ext cx="2588558" cy="6866467"/>
+            </a:xfrm>
+            <a:custGeom>
+              <a:avLst/>
+              <a:gdLst/>
+              <a:ahLst/>
+              <a:cxnLst/>
+              <a:rect l="l" t="t" r="r" b="b"/>
+              <a:pathLst>
+                <a:path w="2573311" h="6866467">
+                  <a:moveTo>
+                    <a:pt x="0" y="0"/>
+                  </a:moveTo>
+                  <a:lnTo>
+                    <a:pt x="2573311" y="0"/>
+                  </a:lnTo>
+                  <a:lnTo>
+                    <a:pt x="2573311" y="6866467"/>
+                  </a:lnTo>
+                  <a:lnTo>
+                    <a:pt x="1202336" y="6866467"/>
+                  </a:lnTo>
+                  <a:lnTo>
+                    <a:pt x="0" y="0"/>
+                  </a:lnTo>
+                  <a:close/>
+                </a:path>
+              </a:pathLst>
+            </a:custGeom>
+            <a:solidFill>
+              <a:schemeClr val="accent1">
+                <a:alpha val="20000"/>
+              </a:schemeClr>
+            </a:solidFill>
+            <a:ln>
+              <a:noFill/>
+            </a:ln>
+            <a:effectLst/>
+          </p:spPr>
+          <p:style>
+            <a:lnRef idx="1">
+              <a:schemeClr val="accent1"/>
+            </a:lnRef>
+            <a:fillRef idx="3">
+              <a:schemeClr val="accent1"/>
+            </a:fillRef>
+            <a:effectRef idx="2">
+              <a:schemeClr val="accent1"/>
+            </a:effectRef>
+            <a:fontRef idx="minor">
+              <a:schemeClr val="lt1"/>
+            </a:fontRef>
+          </p:style>
+        </p:sp>
+        <p:sp>
+          <p:nvSpPr>
+            <p:cNvPr id="27" name="Isosceles Triangle 26"/>
+            <p:cNvSpPr/>
+            <p:nvPr/>
+          </p:nvSpPr>
+          <p:spPr>
+            <a:xfrm>
+              <a:off x="8932333" y="3048000"/>
+              <a:ext cx="3259667" cy="3810000"/>
+            </a:xfrm>
+            <a:prstGeom prst="triangle">
+              <a:avLst>
+                <a:gd name="adj" fmla="val 100000"/>
+              </a:avLst>
+            </a:prstGeom>
+            <a:solidFill>
+              <a:schemeClr val="accent2">
+                <a:alpha val="72000"/>
+              </a:schemeClr>
+            </a:solidFill>
+            <a:ln>
+              <a:noFill/>
+            </a:ln>
+            <a:effectLst/>
+          </p:spPr>
+          <p:style>
+            <a:lnRef idx="1">
+              <a:schemeClr val="accent1"/>
+            </a:lnRef>
+            <a:fillRef idx="3">
+              <a:schemeClr val="accent1"/>
+            </a:fillRef>
+            <a:effectRef idx="2">
+              <a:schemeClr val="accent1"/>
+            </a:effectRef>
+            <a:fontRef idx="minor">
+              <a:schemeClr val="lt1"/>
+            </a:fontRef>
+          </p:style>
+        </p:sp>
+        <p:sp>
+          <p:nvSpPr>
+            <p:cNvPr id="28" name="Rectangle 27"/>
+            <p:cNvSpPr/>
+            <p:nvPr/>
+          </p:nvSpPr>
+          <p:spPr>
+            <a:xfrm>
+              <a:off x="9334500" y="-8467"/>
+              <a:ext cx="2854326" cy="6866467"/>
+            </a:xfrm>
+            <a:custGeom>
+              <a:avLst/>
+              <a:gdLst/>
+              <a:ahLst/>
+              <a:cxnLst/>
+              <a:rect l="l" t="t" r="r" b="b"/>
+              <a:pathLst>
+                <a:path w="2858013" h="6866467">
+                  <a:moveTo>
+                    <a:pt x="0" y="0"/>
+                  </a:moveTo>
+                  <a:lnTo>
+                    <a:pt x="2858013" y="0"/>
+                  </a:lnTo>
+                  <a:lnTo>
+                    <a:pt x="2858013" y="6866467"/>
+                  </a:lnTo>
+                  <a:lnTo>
+                    <a:pt x="2473942" y="6866467"/>
+                  </a:lnTo>
+                  <a:lnTo>
+                    <a:pt x="0" y="0"/>
+                  </a:lnTo>
+                  <a:close/>
+                </a:path>
+              </a:pathLst>
+            </a:custGeom>
+            <a:solidFill>
+              <a:schemeClr val="accent2">
+                <a:lumMod val="75000"/>
+                <a:alpha val="70000"/>
+              </a:schemeClr>
+            </a:solidFill>
+            <a:ln>
+              <a:noFill/>
+            </a:ln>
+            <a:effectLst/>
+          </p:spPr>
+          <p:style>
+            <a:lnRef idx="1">
+              <a:schemeClr val="accent1"/>
+            </a:lnRef>
+            <a:fillRef idx="3">
+              <a:schemeClr val="accent1"/>
+            </a:fillRef>
+            <a:effectRef idx="2">
+              <a:schemeClr val="accent1"/>
+            </a:effectRef>
+            <a:fontRef idx="minor">
+              <a:schemeClr val="lt1"/>
+            </a:fontRef>
+          </p:style>
+        </p:sp>
+        <p:sp>
+          <p:nvSpPr>
+            <p:cNvPr id="29" name="Rectangle 28"/>
+            <p:cNvSpPr/>
+            <p:nvPr/>
+          </p:nvSpPr>
+          <p:spPr>
+            <a:xfrm>
+              <a:off x="10898730" y="-8467"/>
+              <a:ext cx="1290094" cy="6866467"/>
+            </a:xfrm>
+            <a:custGeom>
+              <a:avLst/>
+              <a:gdLst/>
+              <a:ahLst/>
+              <a:cxnLst/>
+              <a:rect l="l" t="t" r="r" b="b"/>
+              <a:pathLst>
+                <a:path w="1290094" h="6858000">
+                  <a:moveTo>
+                    <a:pt x="1019735" y="0"/>
+                  </a:moveTo>
+                  <a:lnTo>
+                    <a:pt x="1290094" y="0"/>
+                  </a:lnTo>
+                  <a:lnTo>
+                    <a:pt x="1290094" y="6858000"/>
+                  </a:lnTo>
+                  <a:lnTo>
+                    <a:pt x="0" y="6858000"/>
+                  </a:lnTo>
+                  <a:lnTo>
+                    <a:pt x="1019735" y="0"/>
+                  </a:lnTo>
+                  <a:close/>
+                </a:path>
+              </a:pathLst>
+            </a:custGeom>
+            <a:solidFill>
+              <a:schemeClr val="accent1">
+                <a:lumMod val="60000"/>
+                <a:lumOff val="40000"/>
+                <a:alpha val="70000"/>
+              </a:schemeClr>
+            </a:solidFill>
+            <a:ln>
+              <a:noFill/>
+            </a:ln>
+            <a:effectLst/>
+          </p:spPr>
+          <p:style>
+            <a:lnRef idx="1">
+              <a:schemeClr val="accent1"/>
+            </a:lnRef>
+            <a:fillRef idx="3">
+              <a:schemeClr val="accent1"/>
+            </a:fillRef>
+            <a:effectRef idx="2">
+              <a:schemeClr val="accent1"/>
+            </a:effectRef>
+            <a:fontRef idx="minor">
+              <a:schemeClr val="lt1"/>
+            </a:fontRef>
+          </p:style>
+        </p:sp>
+        <p:sp>
+          <p:nvSpPr>
+            <p:cNvPr id="30" name="Rectangle 29"/>
+            <p:cNvSpPr/>
+            <p:nvPr/>
+          </p:nvSpPr>
+          <p:spPr>
+            <a:xfrm>
+              <a:off x="10938999" y="-8467"/>
+              <a:ext cx="1249825" cy="6866467"/>
+            </a:xfrm>
+            <a:custGeom>
+              <a:avLst/>
+              <a:gdLst/>
+              <a:ahLst/>
+              <a:cxnLst/>
+              <a:rect l="l" t="t" r="r" b="b"/>
+              <a:pathLst>
+                <a:path w="1249825" h="6858000">
+                  <a:moveTo>
+                    <a:pt x="0" y="0"/>
+                  </a:moveTo>
+                  <a:lnTo>
+                    <a:pt x="1249825" y="0"/>
+                  </a:lnTo>
+                  <a:lnTo>
+                    <a:pt x="1249825" y="6858000"/>
+                  </a:lnTo>
+                  <a:lnTo>
+                    <a:pt x="1109382" y="6858000"/>
+                  </a:lnTo>
+                  <a:lnTo>
+                    <a:pt x="0" y="0"/>
+                  </a:lnTo>
+                  <a:close/>
+                </a:path>
+              </a:pathLst>
+            </a:custGeom>
+            <a:solidFill>
+              <a:schemeClr val="accent1">
+                <a:alpha val="65000"/>
+              </a:schemeClr>
+            </a:solidFill>
+            <a:ln>
+              <a:noFill/>
+            </a:ln>
+            <a:effectLst/>
+          </p:spPr>
+          <p:style>
+            <a:lnRef idx="1">
+              <a:schemeClr val="accent1"/>
+            </a:lnRef>
+            <a:fillRef idx="3">
+              <a:schemeClr val="accent1"/>
+            </a:fillRef>
+            <a:effectRef idx="2">
+              <a:schemeClr val="accent1"/>
+            </a:effectRef>
+            <a:fontRef idx="minor">
+              <a:schemeClr val="lt1"/>
+            </a:fontRef>
+          </p:style>
+        </p:sp>
+        <p:sp>
+          <p:nvSpPr>
+            <p:cNvPr id="31" name="Isosceles Triangle 30"/>
+            <p:cNvSpPr/>
+            <p:nvPr/>
+          </p:nvSpPr>
+          <p:spPr>
+            <a:xfrm>
+              <a:off x="10371666" y="3589867"/>
+              <a:ext cx="1817159" cy="3268133"/>
+            </a:xfrm>
+            <a:prstGeom prst="triangle">
+              <a:avLst>
+                <a:gd name="adj" fmla="val 100000"/>
+              </a:avLst>
+            </a:prstGeom>
+            <a:solidFill>
+              <a:schemeClr val="accent1">
+                <a:alpha val="80000"/>
+              </a:schemeClr>
+            </a:solidFill>
+            <a:ln>
+              <a:noFill/>
+            </a:ln>
+            <a:effectLst/>
+          </p:spPr>
+          <p:style>
+            <a:lnRef idx="1">
+              <a:schemeClr val="accent1"/>
+            </a:lnRef>
+            <a:fillRef idx="3">
+              <a:schemeClr val="accent1"/>
+            </a:fillRef>
+            <a:effectRef idx="2">
+              <a:schemeClr val="accent1"/>
+            </a:effectRef>
+            <a:fontRef idx="minor">
+              <a:schemeClr val="lt1"/>
+            </a:fontRef>
+          </p:style>
+        </p:sp>
+        <p:sp>
+          <p:nvSpPr>
+            <p:cNvPr id="19" name="Isosceles Triangle 18"/>
+            <p:cNvSpPr/>
+            <p:nvPr/>
+          </p:nvSpPr>
+          <p:spPr>
+            <a:xfrm rot="10800000">
+              <a:off x="0" y="0"/>
+              <a:ext cx="842596" cy="5666154"/>
+            </a:xfrm>
+            <a:prstGeom prst="triangle">
+              <a:avLst>
+                <a:gd name="adj" fmla="val 100000"/>
+              </a:avLst>
+            </a:prstGeom>
+            <a:solidFill>
+              <a:schemeClr val="accent1">
+                <a:alpha val="85000"/>
+              </a:schemeClr>
+            </a:solidFill>
+            <a:ln>
+              <a:noFill/>
+            </a:ln>
+            <a:effectLst/>
+          </p:spPr>
+          <p:style>
+            <a:lnRef idx="1">
+              <a:schemeClr val="accent1"/>
+            </a:lnRef>
+            <a:fillRef idx="3">
+              <a:schemeClr val="accent1"/>
+            </a:fillRef>
+            <a:effectRef idx="2">
+              <a:schemeClr val="accent1"/>
+            </a:effectRef>
+            <a:fontRef idx="minor">
+              <a:schemeClr val="lt1"/>
+            </a:fontRef>
+          </p:style>
+        </p:sp>
+      </p:grpSp>
       <p:sp>
         <p:nvSpPr>
           <p:cNvPr id="2" name="Title 1"/>
@@ -136,15 +1135,21 @@
         </p:nvSpPr>
         <p:spPr>
           <a:xfrm>
-            <a:off x="1524000" y="1122363"/>
-            <a:ext cx="9144000" cy="2387600"/>
+            <a:off x="1507067" y="2404534"/>
+            <a:ext cx="7766936" cy="1646302"/>
           </a:xfrm>
         </p:spPr>
         <p:txBody>
-          <a:bodyPr anchor="b"/>
+          <a:bodyPr anchor="b">
+            <a:noAutofit/>
+          </a:bodyPr>
           <a:lstStyle>
-            <a:lvl1pPr algn="ctr">
-              <a:defRPr sz="6000"/>
+            <a:lvl1pPr algn="r">
+              <a:defRPr sz="5400">
+                <a:solidFill>
+                  <a:schemeClr val="accent1"/>
+                </a:solidFill>
+              </a:defRPr>
             </a:lvl1pPr>
           </a:lstStyle>
           <a:p>
@@ -152,7 +1157,7 @@
               <a:rPr lang="en-US" smtClean="0"/>
               <a:t>Click to edit Master title style</a:t>
             </a:r>
-            <a:endParaRPr lang="en-US"/>
+            <a:endParaRPr lang="en-US" dirty="0"/>
           </a:p>
         </p:txBody>
       </p:sp>
@@ -168,48 +1173,103 @@
         </p:nvSpPr>
         <p:spPr>
           <a:xfrm>
-            <a:off x="1524000" y="3602038"/>
-            <a:ext cx="9144000" cy="1655762"/>
+            <a:off x="1507067" y="4050833"/>
+            <a:ext cx="7766936" cy="1096899"/>
           </a:xfrm>
         </p:spPr>
         <p:txBody>
-          <a:bodyPr/>
+          <a:bodyPr anchor="t"/>
           <a:lstStyle>
-            <a:lvl1pPr marL="0" indent="0" algn="ctr">
-              <a:buNone/>
-              <a:defRPr sz="2400"/>
+            <a:lvl1pPr marL="0" indent="0" algn="r">
+              <a:buNone/>
+              <a:defRPr>
+                <a:solidFill>
+                  <a:schemeClr val="tx1">
+                    <a:lumMod val="50000"/>
+                    <a:lumOff val="50000"/>
+                  </a:schemeClr>
+                </a:solidFill>
+              </a:defRPr>
             </a:lvl1pPr>
             <a:lvl2pPr marL="457200" indent="0" algn="ctr">
               <a:buNone/>
-              <a:defRPr sz="2000"/>
+              <a:defRPr>
+                <a:solidFill>
+                  <a:schemeClr val="tx1">
+                    <a:tint val="75000"/>
+                  </a:schemeClr>
+                </a:solidFill>
+              </a:defRPr>
             </a:lvl2pPr>
             <a:lvl3pPr marL="914400" indent="0" algn="ctr">
               <a:buNone/>
-              <a:defRPr sz="1800"/>
+              <a:defRPr>
+                <a:solidFill>
+                  <a:schemeClr val="tx1">
+                    <a:tint val="75000"/>
+                  </a:schemeClr>
+                </a:solidFill>
+              </a:defRPr>
             </a:lvl3pPr>
             <a:lvl4pPr marL="1371600" indent="0" algn="ctr">
               <a:buNone/>
-              <a:defRPr sz="1600"/>
+              <a:defRPr>
+                <a:solidFill>
+                  <a:schemeClr val="tx1">
+                    <a:tint val="75000"/>
+                  </a:schemeClr>
+                </a:solidFill>
+              </a:defRPr>
             </a:lvl4pPr>
             <a:lvl5pPr marL="1828800" indent="0" algn="ctr">
               <a:buNone/>
-              <a:defRPr sz="1600"/>
+              <a:defRPr>
+                <a:solidFill>
+                  <a:schemeClr val="tx1">
+                    <a:tint val="75000"/>
+                  </a:schemeClr>
+                </a:solidFill>
+              </a:defRPr>
             </a:lvl5pPr>
             <a:lvl6pPr marL="2286000" indent="0" algn="ctr">
               <a:buNone/>
-              <a:defRPr sz="1600"/>
+              <a:defRPr>
+                <a:solidFill>
+                  <a:schemeClr val="tx1">
+                    <a:tint val="75000"/>
+                  </a:schemeClr>
+                </a:solidFill>
+              </a:defRPr>
             </a:lvl6pPr>
             <a:lvl7pPr marL="2743200" indent="0" algn="ctr">
               <a:buNone/>
-              <a:defRPr sz="1600"/>
+              <a:defRPr>
+                <a:solidFill>
+                  <a:schemeClr val="tx1">
+                    <a:tint val="75000"/>
+                  </a:schemeClr>
+                </a:solidFill>
+              </a:defRPr>
             </a:lvl7pPr>
             <a:lvl8pPr marL="3200400" indent="0" algn="ctr">
               <a:buNone/>
-              <a:defRPr sz="1600"/>
+              <a:defRPr>
+                <a:solidFill>
+                  <a:schemeClr val="tx1">
+                    <a:tint val="75000"/>
+                  </a:schemeClr>
+                </a:solidFill>
+              </a:defRPr>
             </a:lvl8pPr>
             <a:lvl9pPr marL="3657600" indent="0" algn="ctr">
               <a:buNone/>
-              <a:defRPr sz="1600"/>
+              <a:defRPr>
+                <a:solidFill>
+                  <a:schemeClr val="tx1">
+                    <a:tint val="75000"/>
+                  </a:schemeClr>
+                </a:solidFill>
+              </a:defRPr>
             </a:lvl9pPr>
           </a:lstStyle>
           <a:p>
@@ -217,7 +1277,7 @@
               <a:rPr lang="en-US" smtClean="0"/>
               <a:t>Click to edit Master subtitle style</a:t>
             </a:r>
-            <a:endParaRPr lang="en-US"/>
+            <a:endParaRPr lang="en-US" dirty="0"/>
           </a:p>
         </p:txBody>
       </p:sp>
@@ -238,7 +1298,7 @@
           <a:p>
             <a:fld id="{A99C5B11-6607-4EFE-9B3F-FCF805DD55B2}" type="datetimeFigureOut">
               <a:rPr lang="en-US" smtClean="0"/>
-              <a:t>4/10/2016</a:t>
+              <a:t>4/11/2016</a:t>
             </a:fld>
             <a:endParaRPr lang="en-US"/>
           </a:p>
@@ -289,7 +1349,7 @@
     </p:spTree>
     <p:extLst>
       <p:ext uri="{BB962C8B-B14F-4D97-AF65-F5344CB8AC3E}">
-        <p14:creationId xmlns:p14="http://schemas.microsoft.com/office/powerpoint/2010/main" val="4041292677"/>
+        <p14:creationId xmlns:p14="http://schemas.microsoft.com/office/powerpoint/2010/main" val="1626254934"/>
       </p:ext>
     </p:extLst>
   </p:cSld>
@@ -300,6 +1360,1619 @@
 </file>
 
 <file path=ppt/slideLayouts/slideLayout10.xml><?xml version="1.0" encoding="utf-8"?>
+<p:sldLayout xmlns:a="http://schemas.openxmlformats.org/drawingml/2006/main" xmlns:r="http://schemas.openxmlformats.org/officeDocument/2006/relationships" xmlns:p="http://schemas.openxmlformats.org/presentationml/2006/main" preserve="1">
+  <p:cSld name="Title and Caption">
+    <p:spTree>
+      <p:nvGrpSpPr>
+        <p:cNvPr id="1" name=""/>
+        <p:cNvGrpSpPr/>
+        <p:nvPr/>
+      </p:nvGrpSpPr>
+      <p:grpSpPr>
+        <a:xfrm>
+          <a:off x="0" y="0"/>
+          <a:ext cx="0" cy="0"/>
+          <a:chOff x="0" y="0"/>
+          <a:chExt cx="0" cy="0"/>
+        </a:xfrm>
+      </p:grpSpPr>
+      <p:sp>
+        <p:nvSpPr>
+          <p:cNvPr id="2" name="Title 1"/>
+          <p:cNvSpPr>
+            <a:spLocks noGrp="1"/>
+          </p:cNvSpPr>
+          <p:nvPr>
+            <p:ph type="title"/>
+          </p:nvPr>
+        </p:nvSpPr>
+        <p:spPr>
+          <a:xfrm>
+            <a:off x="677335" y="609600"/>
+            <a:ext cx="8596668" cy="3403600"/>
+          </a:xfrm>
+        </p:spPr>
+        <p:txBody>
+          <a:bodyPr anchor="ctr">
+            <a:normAutofit/>
+          </a:bodyPr>
+          <a:lstStyle>
+            <a:lvl1pPr algn="l">
+              <a:defRPr sz="4400" b="0" cap="none"/>
+            </a:lvl1pPr>
+          </a:lstStyle>
+          <a:p>
+            <a:r>
+              <a:rPr lang="en-US" smtClean="0"/>
+              <a:t>Click to edit Master title style</a:t>
+            </a:r>
+            <a:endParaRPr lang="en-US" dirty="0"/>
+          </a:p>
+        </p:txBody>
+      </p:sp>
+      <p:sp>
+        <p:nvSpPr>
+          <p:cNvPr id="3" name="Text Placeholder 2"/>
+          <p:cNvSpPr>
+            <a:spLocks noGrp="1"/>
+          </p:cNvSpPr>
+          <p:nvPr>
+            <p:ph type="body" idx="1"/>
+          </p:nvPr>
+        </p:nvSpPr>
+        <p:spPr>
+          <a:xfrm>
+            <a:off x="677335" y="4470400"/>
+            <a:ext cx="8596668" cy="1570962"/>
+          </a:xfrm>
+        </p:spPr>
+        <p:txBody>
+          <a:bodyPr anchor="ctr">
+            <a:normAutofit/>
+          </a:bodyPr>
+          <a:lstStyle>
+            <a:lvl1pPr marL="0" indent="0" algn="l">
+              <a:buNone/>
+              <a:defRPr sz="1800">
+                <a:solidFill>
+                  <a:schemeClr val="tx1">
+                    <a:lumMod val="75000"/>
+                    <a:lumOff val="25000"/>
+                  </a:schemeClr>
+                </a:solidFill>
+              </a:defRPr>
+            </a:lvl1pPr>
+            <a:lvl2pPr marL="457200" indent="0">
+              <a:buNone/>
+              <a:defRPr sz="1800">
+                <a:solidFill>
+                  <a:schemeClr val="tx1">
+                    <a:tint val="75000"/>
+                  </a:schemeClr>
+                </a:solidFill>
+              </a:defRPr>
+            </a:lvl2pPr>
+            <a:lvl3pPr marL="914400" indent="0">
+              <a:buNone/>
+              <a:defRPr sz="1600">
+                <a:solidFill>
+                  <a:schemeClr val="tx1">
+                    <a:tint val="75000"/>
+                  </a:schemeClr>
+                </a:solidFill>
+              </a:defRPr>
+            </a:lvl3pPr>
+            <a:lvl4pPr marL="1371600" indent="0">
+              <a:buNone/>
+              <a:defRPr sz="1400">
+                <a:solidFill>
+                  <a:schemeClr val="tx1">
+                    <a:tint val="75000"/>
+                  </a:schemeClr>
+                </a:solidFill>
+              </a:defRPr>
+            </a:lvl4pPr>
+            <a:lvl5pPr marL="1828800" indent="0">
+              <a:buNone/>
+              <a:defRPr sz="1400">
+                <a:solidFill>
+                  <a:schemeClr val="tx1">
+                    <a:tint val="75000"/>
+                  </a:schemeClr>
+                </a:solidFill>
+              </a:defRPr>
+            </a:lvl5pPr>
+            <a:lvl6pPr marL="2286000" indent="0">
+              <a:buNone/>
+              <a:defRPr sz="1400">
+                <a:solidFill>
+                  <a:schemeClr val="tx1">
+                    <a:tint val="75000"/>
+                  </a:schemeClr>
+                </a:solidFill>
+              </a:defRPr>
+            </a:lvl6pPr>
+            <a:lvl7pPr marL="2743200" indent="0">
+              <a:buNone/>
+              <a:defRPr sz="1400">
+                <a:solidFill>
+                  <a:schemeClr val="tx1">
+                    <a:tint val="75000"/>
+                  </a:schemeClr>
+                </a:solidFill>
+              </a:defRPr>
+            </a:lvl7pPr>
+            <a:lvl8pPr marL="3200400" indent="0">
+              <a:buNone/>
+              <a:defRPr sz="1400">
+                <a:solidFill>
+                  <a:schemeClr val="tx1">
+                    <a:tint val="75000"/>
+                  </a:schemeClr>
+                </a:solidFill>
+              </a:defRPr>
+            </a:lvl8pPr>
+            <a:lvl9pPr marL="3657600" indent="0">
+              <a:buNone/>
+              <a:defRPr sz="1400">
+                <a:solidFill>
+                  <a:schemeClr val="tx1">
+                    <a:tint val="75000"/>
+                  </a:schemeClr>
+                </a:solidFill>
+              </a:defRPr>
+            </a:lvl9pPr>
+          </a:lstStyle>
+          <a:p>
+            <a:pPr lvl="0"/>
+            <a:r>
+              <a:rPr lang="en-US" smtClean="0"/>
+              <a:t>Click to edit Master text styles</a:t>
+            </a:r>
+          </a:p>
+        </p:txBody>
+      </p:sp>
+      <p:sp>
+        <p:nvSpPr>
+          <p:cNvPr id="4" name="Date Placeholder 3"/>
+          <p:cNvSpPr>
+            <a:spLocks noGrp="1"/>
+          </p:cNvSpPr>
+          <p:nvPr>
+            <p:ph type="dt" sz="half" idx="10"/>
+          </p:nvPr>
+        </p:nvSpPr>
+        <p:spPr/>
+        <p:txBody>
+          <a:bodyPr/>
+          <a:lstStyle/>
+          <a:p>
+            <a:fld id="{A99C5B11-6607-4EFE-9B3F-FCF805DD55B2}" type="datetimeFigureOut">
+              <a:rPr lang="en-US" smtClean="0"/>
+              <a:t>4/11/2016</a:t>
+            </a:fld>
+            <a:endParaRPr lang="en-US"/>
+          </a:p>
+        </p:txBody>
+      </p:sp>
+      <p:sp>
+        <p:nvSpPr>
+          <p:cNvPr id="5" name="Footer Placeholder 4"/>
+          <p:cNvSpPr>
+            <a:spLocks noGrp="1"/>
+          </p:cNvSpPr>
+          <p:nvPr>
+            <p:ph type="ftr" sz="quarter" idx="11"/>
+          </p:nvPr>
+        </p:nvSpPr>
+        <p:spPr/>
+        <p:txBody>
+          <a:bodyPr/>
+          <a:lstStyle/>
+          <a:p>
+            <a:endParaRPr lang="en-US"/>
+          </a:p>
+        </p:txBody>
+      </p:sp>
+      <p:sp>
+        <p:nvSpPr>
+          <p:cNvPr id="6" name="Slide Number Placeholder 5"/>
+          <p:cNvSpPr>
+            <a:spLocks noGrp="1"/>
+          </p:cNvSpPr>
+          <p:nvPr>
+            <p:ph type="sldNum" sz="quarter" idx="12"/>
+          </p:nvPr>
+        </p:nvSpPr>
+        <p:spPr/>
+        <p:txBody>
+          <a:bodyPr/>
+          <a:lstStyle/>
+          <a:p>
+            <a:fld id="{200D7B6C-318C-401E-92E0-2E85CFA2444B}" type="slidenum">
+              <a:rPr lang="en-US" smtClean="0"/>
+              <a:t>‹#›</a:t>
+            </a:fld>
+            <a:endParaRPr lang="en-US"/>
+          </a:p>
+        </p:txBody>
+      </p:sp>
+    </p:spTree>
+    <p:extLst>
+      <p:ext uri="{BB962C8B-B14F-4D97-AF65-F5344CB8AC3E}">
+        <p14:creationId xmlns:p14="http://schemas.microsoft.com/office/powerpoint/2010/main" val="3431545318"/>
+      </p:ext>
+    </p:extLst>
+  </p:cSld>
+  <p:clrMapOvr>
+    <a:masterClrMapping/>
+  </p:clrMapOvr>
+</p:sldLayout>
+</file>
+
+<file path=ppt/slideLayouts/slideLayout11.xml><?xml version="1.0" encoding="utf-8"?>
+<p:sldLayout xmlns:a="http://schemas.openxmlformats.org/drawingml/2006/main" xmlns:r="http://schemas.openxmlformats.org/officeDocument/2006/relationships" xmlns:p="http://schemas.openxmlformats.org/presentationml/2006/main" preserve="1">
+  <p:cSld name="Quote with Caption">
+    <p:spTree>
+      <p:nvGrpSpPr>
+        <p:cNvPr id="1" name=""/>
+        <p:cNvGrpSpPr/>
+        <p:nvPr/>
+      </p:nvGrpSpPr>
+      <p:grpSpPr>
+        <a:xfrm>
+          <a:off x="0" y="0"/>
+          <a:ext cx="0" cy="0"/>
+          <a:chOff x="0" y="0"/>
+          <a:chExt cx="0" cy="0"/>
+        </a:xfrm>
+      </p:grpSpPr>
+      <p:sp>
+        <p:nvSpPr>
+          <p:cNvPr id="2" name="Title 1"/>
+          <p:cNvSpPr>
+            <a:spLocks noGrp="1"/>
+          </p:cNvSpPr>
+          <p:nvPr>
+            <p:ph type="title"/>
+          </p:nvPr>
+        </p:nvSpPr>
+        <p:spPr>
+          <a:xfrm>
+            <a:off x="931334" y="609600"/>
+            <a:ext cx="8094134" cy="3022600"/>
+          </a:xfrm>
+        </p:spPr>
+        <p:txBody>
+          <a:bodyPr anchor="ctr">
+            <a:normAutofit/>
+          </a:bodyPr>
+          <a:lstStyle>
+            <a:lvl1pPr algn="l">
+              <a:defRPr sz="4400" b="0" cap="none"/>
+            </a:lvl1pPr>
+          </a:lstStyle>
+          <a:p>
+            <a:r>
+              <a:rPr lang="en-US" smtClean="0"/>
+              <a:t>Click to edit Master title style</a:t>
+            </a:r>
+            <a:endParaRPr lang="en-US" dirty="0"/>
+          </a:p>
+        </p:txBody>
+      </p:sp>
+      <p:sp>
+        <p:nvSpPr>
+          <p:cNvPr id="23" name="Text Placeholder 9"/>
+          <p:cNvSpPr>
+            <a:spLocks noGrp="1"/>
+          </p:cNvSpPr>
+          <p:nvPr>
+            <p:ph type="body" sz="quarter" idx="13"/>
+          </p:nvPr>
+        </p:nvSpPr>
+        <p:spPr>
+          <a:xfrm>
+            <a:off x="1366139" y="3632200"/>
+            <a:ext cx="7224524" cy="381000"/>
+          </a:xfrm>
+        </p:spPr>
+        <p:txBody>
+          <a:bodyPr anchor="ctr">
+            <a:noAutofit/>
+          </a:bodyPr>
+          <a:lstStyle>
+            <a:lvl1pPr marL="0" indent="0">
+              <a:buFontTx/>
+              <a:buNone/>
+              <a:defRPr sz="1600">
+                <a:solidFill>
+                  <a:schemeClr val="tx1">
+                    <a:lumMod val="50000"/>
+                    <a:lumOff val="50000"/>
+                  </a:schemeClr>
+                </a:solidFill>
+              </a:defRPr>
+            </a:lvl1pPr>
+            <a:lvl2pPr marL="457200" indent="0">
+              <a:buFontTx/>
+              <a:buNone/>
+              <a:defRPr/>
+            </a:lvl2pPr>
+            <a:lvl3pPr marL="914400" indent="0">
+              <a:buFontTx/>
+              <a:buNone/>
+              <a:defRPr/>
+            </a:lvl3pPr>
+            <a:lvl4pPr marL="1371600" indent="0">
+              <a:buFontTx/>
+              <a:buNone/>
+              <a:defRPr/>
+            </a:lvl4pPr>
+            <a:lvl5pPr marL="1828800" indent="0">
+              <a:buFontTx/>
+              <a:buNone/>
+              <a:defRPr/>
+            </a:lvl5pPr>
+          </a:lstStyle>
+          <a:p>
+            <a:pPr lvl="0"/>
+            <a:r>
+              <a:rPr lang="en-US" smtClean="0"/>
+              <a:t>Click to edit Master text styles</a:t>
+            </a:r>
+          </a:p>
+        </p:txBody>
+      </p:sp>
+      <p:sp>
+        <p:nvSpPr>
+          <p:cNvPr id="3" name="Text Placeholder 2"/>
+          <p:cNvSpPr>
+            <a:spLocks noGrp="1"/>
+          </p:cNvSpPr>
+          <p:nvPr>
+            <p:ph type="body" idx="1"/>
+          </p:nvPr>
+        </p:nvSpPr>
+        <p:spPr>
+          <a:xfrm>
+            <a:off x="677335" y="4470400"/>
+            <a:ext cx="8596668" cy="1570962"/>
+          </a:xfrm>
+        </p:spPr>
+        <p:txBody>
+          <a:bodyPr anchor="ctr">
+            <a:normAutofit/>
+          </a:bodyPr>
+          <a:lstStyle>
+            <a:lvl1pPr marL="0" indent="0" algn="l">
+              <a:buNone/>
+              <a:defRPr sz="1800">
+                <a:solidFill>
+                  <a:schemeClr val="tx1">
+                    <a:lumMod val="75000"/>
+                    <a:lumOff val="25000"/>
+                  </a:schemeClr>
+                </a:solidFill>
+              </a:defRPr>
+            </a:lvl1pPr>
+            <a:lvl2pPr marL="457200" indent="0">
+              <a:buNone/>
+              <a:defRPr sz="1800">
+                <a:solidFill>
+                  <a:schemeClr val="tx1">
+                    <a:tint val="75000"/>
+                  </a:schemeClr>
+                </a:solidFill>
+              </a:defRPr>
+            </a:lvl2pPr>
+            <a:lvl3pPr marL="914400" indent="0">
+              <a:buNone/>
+              <a:defRPr sz="1600">
+                <a:solidFill>
+                  <a:schemeClr val="tx1">
+                    <a:tint val="75000"/>
+                  </a:schemeClr>
+                </a:solidFill>
+              </a:defRPr>
+            </a:lvl3pPr>
+            <a:lvl4pPr marL="1371600" indent="0">
+              <a:buNone/>
+              <a:defRPr sz="1400">
+                <a:solidFill>
+                  <a:schemeClr val="tx1">
+                    <a:tint val="75000"/>
+                  </a:schemeClr>
+                </a:solidFill>
+              </a:defRPr>
+            </a:lvl4pPr>
+            <a:lvl5pPr marL="1828800" indent="0">
+              <a:buNone/>
+              <a:defRPr sz="1400">
+                <a:solidFill>
+                  <a:schemeClr val="tx1">
+                    <a:tint val="75000"/>
+                  </a:schemeClr>
+                </a:solidFill>
+              </a:defRPr>
+            </a:lvl5pPr>
+            <a:lvl6pPr marL="2286000" indent="0">
+              <a:buNone/>
+              <a:defRPr sz="1400">
+                <a:solidFill>
+                  <a:schemeClr val="tx1">
+                    <a:tint val="75000"/>
+                  </a:schemeClr>
+                </a:solidFill>
+              </a:defRPr>
+            </a:lvl6pPr>
+            <a:lvl7pPr marL="2743200" indent="0">
+              <a:buNone/>
+              <a:defRPr sz="1400">
+                <a:solidFill>
+                  <a:schemeClr val="tx1">
+                    <a:tint val="75000"/>
+                  </a:schemeClr>
+                </a:solidFill>
+              </a:defRPr>
+            </a:lvl7pPr>
+            <a:lvl8pPr marL="3200400" indent="0">
+              <a:buNone/>
+              <a:defRPr sz="1400">
+                <a:solidFill>
+                  <a:schemeClr val="tx1">
+                    <a:tint val="75000"/>
+                  </a:schemeClr>
+                </a:solidFill>
+              </a:defRPr>
+            </a:lvl8pPr>
+            <a:lvl9pPr marL="3657600" indent="0">
+              <a:buNone/>
+              <a:defRPr sz="1400">
+                <a:solidFill>
+                  <a:schemeClr val="tx1">
+                    <a:tint val="75000"/>
+                  </a:schemeClr>
+                </a:solidFill>
+              </a:defRPr>
+            </a:lvl9pPr>
+          </a:lstStyle>
+          <a:p>
+            <a:pPr lvl="0"/>
+            <a:r>
+              <a:rPr lang="en-US" smtClean="0"/>
+              <a:t>Click to edit Master text styles</a:t>
+            </a:r>
+          </a:p>
+        </p:txBody>
+      </p:sp>
+      <p:sp>
+        <p:nvSpPr>
+          <p:cNvPr id="4" name="Date Placeholder 3"/>
+          <p:cNvSpPr>
+            <a:spLocks noGrp="1"/>
+          </p:cNvSpPr>
+          <p:nvPr>
+            <p:ph type="dt" sz="half" idx="10"/>
+          </p:nvPr>
+        </p:nvSpPr>
+        <p:spPr/>
+        <p:txBody>
+          <a:bodyPr/>
+          <a:lstStyle/>
+          <a:p>
+            <a:fld id="{A99C5B11-6607-4EFE-9B3F-FCF805DD55B2}" type="datetimeFigureOut">
+              <a:rPr lang="en-US" smtClean="0"/>
+              <a:t>4/11/2016</a:t>
+            </a:fld>
+            <a:endParaRPr lang="en-US"/>
+          </a:p>
+        </p:txBody>
+      </p:sp>
+      <p:sp>
+        <p:nvSpPr>
+          <p:cNvPr id="5" name="Footer Placeholder 4"/>
+          <p:cNvSpPr>
+            <a:spLocks noGrp="1"/>
+          </p:cNvSpPr>
+          <p:nvPr>
+            <p:ph type="ftr" sz="quarter" idx="11"/>
+          </p:nvPr>
+        </p:nvSpPr>
+        <p:spPr/>
+        <p:txBody>
+          <a:bodyPr/>
+          <a:lstStyle/>
+          <a:p>
+            <a:endParaRPr lang="en-US"/>
+          </a:p>
+        </p:txBody>
+      </p:sp>
+      <p:sp>
+        <p:nvSpPr>
+          <p:cNvPr id="6" name="Slide Number Placeholder 5"/>
+          <p:cNvSpPr>
+            <a:spLocks noGrp="1"/>
+          </p:cNvSpPr>
+          <p:nvPr>
+            <p:ph type="sldNum" sz="quarter" idx="12"/>
+          </p:nvPr>
+        </p:nvSpPr>
+        <p:spPr/>
+        <p:txBody>
+          <a:bodyPr/>
+          <a:lstStyle/>
+          <a:p>
+            <a:fld id="{200D7B6C-318C-401E-92E0-2E85CFA2444B}" type="slidenum">
+              <a:rPr lang="en-US" smtClean="0"/>
+              <a:t>‹#›</a:t>
+            </a:fld>
+            <a:endParaRPr lang="en-US"/>
+          </a:p>
+        </p:txBody>
+      </p:sp>
+      <p:sp>
+        <p:nvSpPr>
+          <p:cNvPr id="20" name="TextBox 19"/>
+          <p:cNvSpPr txBox="1"/>
+          <p:nvPr/>
+        </p:nvSpPr>
+        <p:spPr>
+          <a:xfrm>
+            <a:off x="541870" y="790378"/>
+            <a:ext cx="609600" cy="584776"/>
+          </a:xfrm>
+          <a:prstGeom prst="rect">
+            <a:avLst/>
+          </a:prstGeom>
+        </p:spPr>
+        <p:txBody>
+          <a:bodyPr vert="horz" lIns="91440" tIns="45720" rIns="91440" bIns="45720" rtlCol="0" anchor="ctr">
+            <a:noAutofit/>
+          </a:bodyPr>
+          <a:lstStyle/>
+          <a:p>
+            <a:pPr lvl="0"/>
+            <a:r>
+              <a:rPr lang="en-US" sz="8000" baseline="0" dirty="0">
+                <a:ln w="3175" cmpd="sng">
+                  <a:noFill/>
+                </a:ln>
+                <a:solidFill>
+                  <a:schemeClr val="accent1">
+                    <a:lumMod val="60000"/>
+                    <a:lumOff val="40000"/>
+                  </a:schemeClr>
+                </a:solidFill>
+                <a:effectLst/>
+                <a:latin typeface="Arial"/>
+              </a:rPr>
+              <a:t>“</a:t>
+            </a:r>
+          </a:p>
+        </p:txBody>
+      </p:sp>
+      <p:sp>
+        <p:nvSpPr>
+          <p:cNvPr id="22" name="TextBox 21"/>
+          <p:cNvSpPr txBox="1"/>
+          <p:nvPr/>
+        </p:nvSpPr>
+        <p:spPr>
+          <a:xfrm>
+            <a:off x="8893011" y="2886556"/>
+            <a:ext cx="609600" cy="584776"/>
+          </a:xfrm>
+          <a:prstGeom prst="rect">
+            <a:avLst/>
+          </a:prstGeom>
+        </p:spPr>
+        <p:txBody>
+          <a:bodyPr vert="horz" lIns="91440" tIns="45720" rIns="91440" bIns="45720" rtlCol="0" anchor="ctr">
+            <a:noAutofit/>
+          </a:bodyPr>
+          <a:lstStyle/>
+          <a:p>
+            <a:pPr lvl="0"/>
+            <a:r>
+              <a:rPr lang="en-US" sz="8000" baseline="0" dirty="0">
+                <a:ln w="3175" cmpd="sng">
+                  <a:noFill/>
+                </a:ln>
+                <a:solidFill>
+                  <a:schemeClr val="accent1">
+                    <a:lumMod val="60000"/>
+                    <a:lumOff val="40000"/>
+                  </a:schemeClr>
+                </a:solidFill>
+                <a:latin typeface="Arial"/>
+              </a:rPr>
+              <a:t>”</a:t>
+            </a:r>
+            <a:endParaRPr lang="en-US" dirty="0">
+              <a:solidFill>
+                <a:schemeClr val="accent1">
+                  <a:lumMod val="60000"/>
+                  <a:lumOff val="40000"/>
+                </a:schemeClr>
+              </a:solidFill>
+              <a:latin typeface="Arial"/>
+            </a:endParaRPr>
+          </a:p>
+        </p:txBody>
+      </p:sp>
+    </p:spTree>
+    <p:extLst>
+      <p:ext uri="{BB962C8B-B14F-4D97-AF65-F5344CB8AC3E}">
+        <p14:creationId xmlns:p14="http://schemas.microsoft.com/office/powerpoint/2010/main" val="2401878048"/>
+      </p:ext>
+    </p:extLst>
+  </p:cSld>
+  <p:clrMapOvr>
+    <a:masterClrMapping/>
+  </p:clrMapOvr>
+</p:sldLayout>
+</file>
+
+<file path=ppt/slideLayouts/slideLayout12.xml><?xml version="1.0" encoding="utf-8"?>
+<p:sldLayout xmlns:a="http://schemas.openxmlformats.org/drawingml/2006/main" xmlns:r="http://schemas.openxmlformats.org/officeDocument/2006/relationships" xmlns:p="http://schemas.openxmlformats.org/presentationml/2006/main" preserve="1">
+  <p:cSld name="Name Card">
+    <p:spTree>
+      <p:nvGrpSpPr>
+        <p:cNvPr id="1" name=""/>
+        <p:cNvGrpSpPr/>
+        <p:nvPr/>
+      </p:nvGrpSpPr>
+      <p:grpSpPr>
+        <a:xfrm>
+          <a:off x="0" y="0"/>
+          <a:ext cx="0" cy="0"/>
+          <a:chOff x="0" y="0"/>
+          <a:chExt cx="0" cy="0"/>
+        </a:xfrm>
+      </p:grpSpPr>
+      <p:sp>
+        <p:nvSpPr>
+          <p:cNvPr id="2" name="Title 1"/>
+          <p:cNvSpPr>
+            <a:spLocks noGrp="1"/>
+          </p:cNvSpPr>
+          <p:nvPr>
+            <p:ph type="title"/>
+          </p:nvPr>
+        </p:nvSpPr>
+        <p:spPr>
+          <a:xfrm>
+            <a:off x="677335" y="1931988"/>
+            <a:ext cx="8596668" cy="2595460"/>
+          </a:xfrm>
+        </p:spPr>
+        <p:txBody>
+          <a:bodyPr anchor="b">
+            <a:normAutofit/>
+          </a:bodyPr>
+          <a:lstStyle>
+            <a:lvl1pPr algn="l">
+              <a:defRPr sz="4400" b="0" cap="none"/>
+            </a:lvl1pPr>
+          </a:lstStyle>
+          <a:p>
+            <a:r>
+              <a:rPr lang="en-US" smtClean="0"/>
+              <a:t>Click to edit Master title style</a:t>
+            </a:r>
+            <a:endParaRPr lang="en-US" dirty="0"/>
+          </a:p>
+        </p:txBody>
+      </p:sp>
+      <p:sp>
+        <p:nvSpPr>
+          <p:cNvPr id="3" name="Text Placeholder 2"/>
+          <p:cNvSpPr>
+            <a:spLocks noGrp="1"/>
+          </p:cNvSpPr>
+          <p:nvPr>
+            <p:ph type="body" idx="1"/>
+          </p:nvPr>
+        </p:nvSpPr>
+        <p:spPr>
+          <a:xfrm>
+            <a:off x="677335" y="4527448"/>
+            <a:ext cx="8596668" cy="1513914"/>
+          </a:xfrm>
+        </p:spPr>
+        <p:txBody>
+          <a:bodyPr anchor="t">
+            <a:normAutofit/>
+          </a:bodyPr>
+          <a:lstStyle>
+            <a:lvl1pPr marL="0" indent="0" algn="l">
+              <a:buNone/>
+              <a:defRPr sz="1800">
+                <a:solidFill>
+                  <a:schemeClr val="tx1">
+                    <a:lumMod val="75000"/>
+                    <a:lumOff val="25000"/>
+                  </a:schemeClr>
+                </a:solidFill>
+              </a:defRPr>
+            </a:lvl1pPr>
+            <a:lvl2pPr marL="457200" indent="0">
+              <a:buNone/>
+              <a:defRPr sz="1800">
+                <a:solidFill>
+                  <a:schemeClr val="tx1">
+                    <a:tint val="75000"/>
+                  </a:schemeClr>
+                </a:solidFill>
+              </a:defRPr>
+            </a:lvl2pPr>
+            <a:lvl3pPr marL="914400" indent="0">
+              <a:buNone/>
+              <a:defRPr sz="1600">
+                <a:solidFill>
+                  <a:schemeClr val="tx1">
+                    <a:tint val="75000"/>
+                  </a:schemeClr>
+                </a:solidFill>
+              </a:defRPr>
+            </a:lvl3pPr>
+            <a:lvl4pPr marL="1371600" indent="0">
+              <a:buNone/>
+              <a:defRPr sz="1400">
+                <a:solidFill>
+                  <a:schemeClr val="tx1">
+                    <a:tint val="75000"/>
+                  </a:schemeClr>
+                </a:solidFill>
+              </a:defRPr>
+            </a:lvl4pPr>
+            <a:lvl5pPr marL="1828800" indent="0">
+              <a:buNone/>
+              <a:defRPr sz="1400">
+                <a:solidFill>
+                  <a:schemeClr val="tx1">
+                    <a:tint val="75000"/>
+                  </a:schemeClr>
+                </a:solidFill>
+              </a:defRPr>
+            </a:lvl5pPr>
+            <a:lvl6pPr marL="2286000" indent="0">
+              <a:buNone/>
+              <a:defRPr sz="1400">
+                <a:solidFill>
+                  <a:schemeClr val="tx1">
+                    <a:tint val="75000"/>
+                  </a:schemeClr>
+                </a:solidFill>
+              </a:defRPr>
+            </a:lvl6pPr>
+            <a:lvl7pPr marL="2743200" indent="0">
+              <a:buNone/>
+              <a:defRPr sz="1400">
+                <a:solidFill>
+                  <a:schemeClr val="tx1">
+                    <a:tint val="75000"/>
+                  </a:schemeClr>
+                </a:solidFill>
+              </a:defRPr>
+            </a:lvl7pPr>
+            <a:lvl8pPr marL="3200400" indent="0">
+              <a:buNone/>
+              <a:defRPr sz="1400">
+                <a:solidFill>
+                  <a:schemeClr val="tx1">
+                    <a:tint val="75000"/>
+                  </a:schemeClr>
+                </a:solidFill>
+              </a:defRPr>
+            </a:lvl8pPr>
+            <a:lvl9pPr marL="3657600" indent="0">
+              <a:buNone/>
+              <a:defRPr sz="1400">
+                <a:solidFill>
+                  <a:schemeClr val="tx1">
+                    <a:tint val="75000"/>
+                  </a:schemeClr>
+                </a:solidFill>
+              </a:defRPr>
+            </a:lvl9pPr>
+          </a:lstStyle>
+          <a:p>
+            <a:pPr lvl="0"/>
+            <a:r>
+              <a:rPr lang="en-US" smtClean="0"/>
+              <a:t>Click to edit Master text styles</a:t>
+            </a:r>
+          </a:p>
+        </p:txBody>
+      </p:sp>
+      <p:sp>
+        <p:nvSpPr>
+          <p:cNvPr id="4" name="Date Placeholder 3"/>
+          <p:cNvSpPr>
+            <a:spLocks noGrp="1"/>
+          </p:cNvSpPr>
+          <p:nvPr>
+            <p:ph type="dt" sz="half" idx="10"/>
+          </p:nvPr>
+        </p:nvSpPr>
+        <p:spPr/>
+        <p:txBody>
+          <a:bodyPr/>
+          <a:lstStyle/>
+          <a:p>
+            <a:fld id="{A99C5B11-6607-4EFE-9B3F-FCF805DD55B2}" type="datetimeFigureOut">
+              <a:rPr lang="en-US" smtClean="0"/>
+              <a:t>4/11/2016</a:t>
+            </a:fld>
+            <a:endParaRPr lang="en-US"/>
+          </a:p>
+        </p:txBody>
+      </p:sp>
+      <p:sp>
+        <p:nvSpPr>
+          <p:cNvPr id="5" name="Footer Placeholder 4"/>
+          <p:cNvSpPr>
+            <a:spLocks noGrp="1"/>
+          </p:cNvSpPr>
+          <p:nvPr>
+            <p:ph type="ftr" sz="quarter" idx="11"/>
+          </p:nvPr>
+        </p:nvSpPr>
+        <p:spPr/>
+        <p:txBody>
+          <a:bodyPr/>
+          <a:lstStyle/>
+          <a:p>
+            <a:endParaRPr lang="en-US"/>
+          </a:p>
+        </p:txBody>
+      </p:sp>
+      <p:sp>
+        <p:nvSpPr>
+          <p:cNvPr id="6" name="Slide Number Placeholder 5"/>
+          <p:cNvSpPr>
+            <a:spLocks noGrp="1"/>
+          </p:cNvSpPr>
+          <p:nvPr>
+            <p:ph type="sldNum" sz="quarter" idx="12"/>
+          </p:nvPr>
+        </p:nvSpPr>
+        <p:spPr/>
+        <p:txBody>
+          <a:bodyPr/>
+          <a:lstStyle/>
+          <a:p>
+            <a:fld id="{200D7B6C-318C-401E-92E0-2E85CFA2444B}" type="slidenum">
+              <a:rPr lang="en-US" smtClean="0"/>
+              <a:t>‹#›</a:t>
+            </a:fld>
+            <a:endParaRPr lang="en-US"/>
+          </a:p>
+        </p:txBody>
+      </p:sp>
+    </p:spTree>
+    <p:extLst>
+      <p:ext uri="{BB962C8B-B14F-4D97-AF65-F5344CB8AC3E}">
+        <p14:creationId xmlns:p14="http://schemas.microsoft.com/office/powerpoint/2010/main" val="3296182274"/>
+      </p:ext>
+    </p:extLst>
+  </p:cSld>
+  <p:clrMapOvr>
+    <a:masterClrMapping/>
+  </p:clrMapOvr>
+</p:sldLayout>
+</file>
+
+<file path=ppt/slideLayouts/slideLayout13.xml><?xml version="1.0" encoding="utf-8"?>
+<p:sldLayout xmlns:a="http://schemas.openxmlformats.org/drawingml/2006/main" xmlns:r="http://schemas.openxmlformats.org/officeDocument/2006/relationships" xmlns:p="http://schemas.openxmlformats.org/presentationml/2006/main" preserve="1">
+  <p:cSld name="Quote Name Card">
+    <p:spTree>
+      <p:nvGrpSpPr>
+        <p:cNvPr id="1" name=""/>
+        <p:cNvGrpSpPr/>
+        <p:nvPr/>
+      </p:nvGrpSpPr>
+      <p:grpSpPr>
+        <a:xfrm>
+          <a:off x="0" y="0"/>
+          <a:ext cx="0" cy="0"/>
+          <a:chOff x="0" y="0"/>
+          <a:chExt cx="0" cy="0"/>
+        </a:xfrm>
+      </p:grpSpPr>
+      <p:sp>
+        <p:nvSpPr>
+          <p:cNvPr id="2" name="Title 1"/>
+          <p:cNvSpPr>
+            <a:spLocks noGrp="1"/>
+          </p:cNvSpPr>
+          <p:nvPr>
+            <p:ph type="title"/>
+          </p:nvPr>
+        </p:nvSpPr>
+        <p:spPr>
+          <a:xfrm>
+            <a:off x="931334" y="609600"/>
+            <a:ext cx="8094134" cy="3022600"/>
+          </a:xfrm>
+        </p:spPr>
+        <p:txBody>
+          <a:bodyPr anchor="ctr">
+            <a:normAutofit/>
+          </a:bodyPr>
+          <a:lstStyle>
+            <a:lvl1pPr algn="l">
+              <a:defRPr sz="4400" b="0" cap="none"/>
+            </a:lvl1pPr>
+          </a:lstStyle>
+          <a:p>
+            <a:r>
+              <a:rPr lang="en-US" smtClean="0"/>
+              <a:t>Click to edit Master title style</a:t>
+            </a:r>
+            <a:endParaRPr lang="en-US" dirty="0"/>
+          </a:p>
+        </p:txBody>
+      </p:sp>
+      <p:sp>
+        <p:nvSpPr>
+          <p:cNvPr id="23" name="Text Placeholder 9"/>
+          <p:cNvSpPr>
+            <a:spLocks noGrp="1"/>
+          </p:cNvSpPr>
+          <p:nvPr>
+            <p:ph type="body" sz="quarter" idx="13"/>
+          </p:nvPr>
+        </p:nvSpPr>
+        <p:spPr>
+          <a:xfrm>
+            <a:off x="677332" y="4013200"/>
+            <a:ext cx="8596669" cy="514248"/>
+          </a:xfrm>
+        </p:spPr>
+        <p:txBody>
+          <a:bodyPr anchor="b">
+            <a:noAutofit/>
+          </a:bodyPr>
+          <a:lstStyle>
+            <a:lvl1pPr marL="0" indent="0">
+              <a:buFontTx/>
+              <a:buNone/>
+              <a:defRPr sz="2400">
+                <a:solidFill>
+                  <a:schemeClr val="tx1">
+                    <a:lumMod val="75000"/>
+                    <a:lumOff val="25000"/>
+                  </a:schemeClr>
+                </a:solidFill>
+              </a:defRPr>
+            </a:lvl1pPr>
+            <a:lvl2pPr marL="457200" indent="0">
+              <a:buFontTx/>
+              <a:buNone/>
+              <a:defRPr/>
+            </a:lvl2pPr>
+            <a:lvl3pPr marL="914400" indent="0">
+              <a:buFontTx/>
+              <a:buNone/>
+              <a:defRPr/>
+            </a:lvl3pPr>
+            <a:lvl4pPr marL="1371600" indent="0">
+              <a:buFontTx/>
+              <a:buNone/>
+              <a:defRPr/>
+            </a:lvl4pPr>
+            <a:lvl5pPr marL="1828800" indent="0">
+              <a:buFontTx/>
+              <a:buNone/>
+              <a:defRPr/>
+            </a:lvl5pPr>
+          </a:lstStyle>
+          <a:p>
+            <a:pPr lvl="0"/>
+            <a:r>
+              <a:rPr lang="en-US" smtClean="0"/>
+              <a:t>Click to edit Master text styles</a:t>
+            </a:r>
+          </a:p>
+        </p:txBody>
+      </p:sp>
+      <p:sp>
+        <p:nvSpPr>
+          <p:cNvPr id="3" name="Text Placeholder 2"/>
+          <p:cNvSpPr>
+            <a:spLocks noGrp="1"/>
+          </p:cNvSpPr>
+          <p:nvPr>
+            <p:ph type="body" idx="1"/>
+          </p:nvPr>
+        </p:nvSpPr>
+        <p:spPr>
+          <a:xfrm>
+            <a:off x="677335" y="4527448"/>
+            <a:ext cx="8596668" cy="1513914"/>
+          </a:xfrm>
+        </p:spPr>
+        <p:txBody>
+          <a:bodyPr anchor="t">
+            <a:normAutofit/>
+          </a:bodyPr>
+          <a:lstStyle>
+            <a:lvl1pPr marL="0" indent="0" algn="l">
+              <a:buNone/>
+              <a:defRPr sz="1800">
+                <a:solidFill>
+                  <a:schemeClr val="tx1">
+                    <a:lumMod val="50000"/>
+                    <a:lumOff val="50000"/>
+                  </a:schemeClr>
+                </a:solidFill>
+              </a:defRPr>
+            </a:lvl1pPr>
+            <a:lvl2pPr marL="457200" indent="0">
+              <a:buNone/>
+              <a:defRPr sz="1800">
+                <a:solidFill>
+                  <a:schemeClr val="tx1">
+                    <a:tint val="75000"/>
+                  </a:schemeClr>
+                </a:solidFill>
+              </a:defRPr>
+            </a:lvl2pPr>
+            <a:lvl3pPr marL="914400" indent="0">
+              <a:buNone/>
+              <a:defRPr sz="1600">
+                <a:solidFill>
+                  <a:schemeClr val="tx1">
+                    <a:tint val="75000"/>
+                  </a:schemeClr>
+                </a:solidFill>
+              </a:defRPr>
+            </a:lvl3pPr>
+            <a:lvl4pPr marL="1371600" indent="0">
+              <a:buNone/>
+              <a:defRPr sz="1400">
+                <a:solidFill>
+                  <a:schemeClr val="tx1">
+                    <a:tint val="75000"/>
+                  </a:schemeClr>
+                </a:solidFill>
+              </a:defRPr>
+            </a:lvl4pPr>
+            <a:lvl5pPr marL="1828800" indent="0">
+              <a:buNone/>
+              <a:defRPr sz="1400">
+                <a:solidFill>
+                  <a:schemeClr val="tx1">
+                    <a:tint val="75000"/>
+                  </a:schemeClr>
+                </a:solidFill>
+              </a:defRPr>
+            </a:lvl5pPr>
+            <a:lvl6pPr marL="2286000" indent="0">
+              <a:buNone/>
+              <a:defRPr sz="1400">
+                <a:solidFill>
+                  <a:schemeClr val="tx1">
+                    <a:tint val="75000"/>
+                  </a:schemeClr>
+                </a:solidFill>
+              </a:defRPr>
+            </a:lvl6pPr>
+            <a:lvl7pPr marL="2743200" indent="0">
+              <a:buNone/>
+              <a:defRPr sz="1400">
+                <a:solidFill>
+                  <a:schemeClr val="tx1">
+                    <a:tint val="75000"/>
+                  </a:schemeClr>
+                </a:solidFill>
+              </a:defRPr>
+            </a:lvl7pPr>
+            <a:lvl8pPr marL="3200400" indent="0">
+              <a:buNone/>
+              <a:defRPr sz="1400">
+                <a:solidFill>
+                  <a:schemeClr val="tx1">
+                    <a:tint val="75000"/>
+                  </a:schemeClr>
+                </a:solidFill>
+              </a:defRPr>
+            </a:lvl8pPr>
+            <a:lvl9pPr marL="3657600" indent="0">
+              <a:buNone/>
+              <a:defRPr sz="1400">
+                <a:solidFill>
+                  <a:schemeClr val="tx1">
+                    <a:tint val="75000"/>
+                  </a:schemeClr>
+                </a:solidFill>
+              </a:defRPr>
+            </a:lvl9pPr>
+          </a:lstStyle>
+          <a:p>
+            <a:pPr lvl="0"/>
+            <a:r>
+              <a:rPr lang="en-US" smtClean="0"/>
+              <a:t>Click to edit Master text styles</a:t>
+            </a:r>
+          </a:p>
+        </p:txBody>
+      </p:sp>
+      <p:sp>
+        <p:nvSpPr>
+          <p:cNvPr id="4" name="Date Placeholder 3"/>
+          <p:cNvSpPr>
+            <a:spLocks noGrp="1"/>
+          </p:cNvSpPr>
+          <p:nvPr>
+            <p:ph type="dt" sz="half" idx="10"/>
+          </p:nvPr>
+        </p:nvSpPr>
+        <p:spPr/>
+        <p:txBody>
+          <a:bodyPr/>
+          <a:lstStyle/>
+          <a:p>
+            <a:fld id="{A99C5B11-6607-4EFE-9B3F-FCF805DD55B2}" type="datetimeFigureOut">
+              <a:rPr lang="en-US" smtClean="0"/>
+              <a:t>4/11/2016</a:t>
+            </a:fld>
+            <a:endParaRPr lang="en-US"/>
+          </a:p>
+        </p:txBody>
+      </p:sp>
+      <p:sp>
+        <p:nvSpPr>
+          <p:cNvPr id="5" name="Footer Placeholder 4"/>
+          <p:cNvSpPr>
+            <a:spLocks noGrp="1"/>
+          </p:cNvSpPr>
+          <p:nvPr>
+            <p:ph type="ftr" sz="quarter" idx="11"/>
+          </p:nvPr>
+        </p:nvSpPr>
+        <p:spPr/>
+        <p:txBody>
+          <a:bodyPr/>
+          <a:lstStyle/>
+          <a:p>
+            <a:endParaRPr lang="en-US"/>
+          </a:p>
+        </p:txBody>
+      </p:sp>
+      <p:sp>
+        <p:nvSpPr>
+          <p:cNvPr id="6" name="Slide Number Placeholder 5"/>
+          <p:cNvSpPr>
+            <a:spLocks noGrp="1"/>
+          </p:cNvSpPr>
+          <p:nvPr>
+            <p:ph type="sldNum" sz="quarter" idx="12"/>
+          </p:nvPr>
+        </p:nvSpPr>
+        <p:spPr/>
+        <p:txBody>
+          <a:bodyPr/>
+          <a:lstStyle/>
+          <a:p>
+            <a:fld id="{200D7B6C-318C-401E-92E0-2E85CFA2444B}" type="slidenum">
+              <a:rPr lang="en-US" smtClean="0"/>
+              <a:t>‹#›</a:t>
+            </a:fld>
+            <a:endParaRPr lang="en-US"/>
+          </a:p>
+        </p:txBody>
+      </p:sp>
+      <p:sp>
+        <p:nvSpPr>
+          <p:cNvPr id="24" name="TextBox 23"/>
+          <p:cNvSpPr txBox="1"/>
+          <p:nvPr/>
+        </p:nvSpPr>
+        <p:spPr>
+          <a:xfrm>
+            <a:off x="541870" y="790378"/>
+            <a:ext cx="609600" cy="584776"/>
+          </a:xfrm>
+          <a:prstGeom prst="rect">
+            <a:avLst/>
+          </a:prstGeom>
+        </p:spPr>
+        <p:txBody>
+          <a:bodyPr vert="horz" lIns="91440" tIns="45720" rIns="91440" bIns="45720" rtlCol="0" anchor="ctr">
+            <a:noAutofit/>
+          </a:bodyPr>
+          <a:lstStyle/>
+          <a:p>
+            <a:pPr lvl="0"/>
+            <a:r>
+              <a:rPr lang="en-US" sz="8000" baseline="0" dirty="0">
+                <a:ln w="3175" cmpd="sng">
+                  <a:noFill/>
+                </a:ln>
+                <a:solidFill>
+                  <a:schemeClr val="accent1">
+                    <a:lumMod val="60000"/>
+                    <a:lumOff val="40000"/>
+                  </a:schemeClr>
+                </a:solidFill>
+                <a:effectLst/>
+                <a:latin typeface="Arial"/>
+              </a:rPr>
+              <a:t>“</a:t>
+            </a:r>
+          </a:p>
+        </p:txBody>
+      </p:sp>
+      <p:sp>
+        <p:nvSpPr>
+          <p:cNvPr id="25" name="TextBox 24"/>
+          <p:cNvSpPr txBox="1"/>
+          <p:nvPr/>
+        </p:nvSpPr>
+        <p:spPr>
+          <a:xfrm>
+            <a:off x="8893011" y="2886556"/>
+            <a:ext cx="609600" cy="584776"/>
+          </a:xfrm>
+          <a:prstGeom prst="rect">
+            <a:avLst/>
+          </a:prstGeom>
+        </p:spPr>
+        <p:txBody>
+          <a:bodyPr vert="horz" lIns="91440" tIns="45720" rIns="91440" bIns="45720" rtlCol="0" anchor="ctr">
+            <a:noAutofit/>
+          </a:bodyPr>
+          <a:lstStyle/>
+          <a:p>
+            <a:pPr lvl="0"/>
+            <a:r>
+              <a:rPr lang="en-US" sz="8000" baseline="0" dirty="0">
+                <a:ln w="3175" cmpd="sng">
+                  <a:noFill/>
+                </a:ln>
+                <a:solidFill>
+                  <a:schemeClr val="accent1">
+                    <a:lumMod val="60000"/>
+                    <a:lumOff val="40000"/>
+                  </a:schemeClr>
+                </a:solidFill>
+                <a:effectLst/>
+                <a:latin typeface="Arial"/>
+              </a:rPr>
+              <a:t>”</a:t>
+            </a:r>
+          </a:p>
+        </p:txBody>
+      </p:sp>
+    </p:spTree>
+    <p:extLst>
+      <p:ext uri="{BB962C8B-B14F-4D97-AF65-F5344CB8AC3E}">
+        <p14:creationId xmlns:p14="http://schemas.microsoft.com/office/powerpoint/2010/main" val="1657338055"/>
+      </p:ext>
+    </p:extLst>
+  </p:cSld>
+  <p:clrMapOvr>
+    <a:masterClrMapping/>
+  </p:clrMapOvr>
+</p:sldLayout>
+</file>
+
+<file path=ppt/slideLayouts/slideLayout14.xml><?xml version="1.0" encoding="utf-8"?>
+<p:sldLayout xmlns:a="http://schemas.openxmlformats.org/drawingml/2006/main" xmlns:r="http://schemas.openxmlformats.org/officeDocument/2006/relationships" xmlns:p="http://schemas.openxmlformats.org/presentationml/2006/main" preserve="1">
+  <p:cSld name="True or False">
+    <p:spTree>
+      <p:nvGrpSpPr>
+        <p:cNvPr id="1" name=""/>
+        <p:cNvGrpSpPr/>
+        <p:nvPr/>
+      </p:nvGrpSpPr>
+      <p:grpSpPr>
+        <a:xfrm>
+          <a:off x="0" y="0"/>
+          <a:ext cx="0" cy="0"/>
+          <a:chOff x="0" y="0"/>
+          <a:chExt cx="0" cy="0"/>
+        </a:xfrm>
+      </p:grpSpPr>
+      <p:sp>
+        <p:nvSpPr>
+          <p:cNvPr id="2" name="Title 1"/>
+          <p:cNvSpPr>
+            <a:spLocks noGrp="1"/>
+          </p:cNvSpPr>
+          <p:nvPr>
+            <p:ph type="title"/>
+          </p:nvPr>
+        </p:nvSpPr>
+        <p:spPr>
+          <a:xfrm>
+            <a:off x="685799" y="609600"/>
+            <a:ext cx="8588203" cy="3022600"/>
+          </a:xfrm>
+        </p:spPr>
+        <p:txBody>
+          <a:bodyPr anchor="ctr">
+            <a:normAutofit/>
+          </a:bodyPr>
+          <a:lstStyle>
+            <a:lvl1pPr algn="l">
+              <a:defRPr sz="4400" b="0" cap="none"/>
+            </a:lvl1pPr>
+          </a:lstStyle>
+          <a:p>
+            <a:r>
+              <a:rPr lang="en-US" smtClean="0"/>
+              <a:t>Click to edit Master title style</a:t>
+            </a:r>
+            <a:endParaRPr lang="en-US" dirty="0"/>
+          </a:p>
+        </p:txBody>
+      </p:sp>
+      <p:sp>
+        <p:nvSpPr>
+          <p:cNvPr id="23" name="Text Placeholder 9"/>
+          <p:cNvSpPr>
+            <a:spLocks noGrp="1"/>
+          </p:cNvSpPr>
+          <p:nvPr>
+            <p:ph type="body" sz="quarter" idx="13"/>
+          </p:nvPr>
+        </p:nvSpPr>
+        <p:spPr>
+          <a:xfrm>
+            <a:off x="677332" y="4013200"/>
+            <a:ext cx="8596669" cy="514248"/>
+          </a:xfrm>
+        </p:spPr>
+        <p:txBody>
+          <a:bodyPr anchor="b">
+            <a:noAutofit/>
+          </a:bodyPr>
+          <a:lstStyle>
+            <a:lvl1pPr marL="0" indent="0">
+              <a:buFontTx/>
+              <a:buNone/>
+              <a:defRPr sz="2400">
+                <a:solidFill>
+                  <a:schemeClr val="accent1"/>
+                </a:solidFill>
+              </a:defRPr>
+            </a:lvl1pPr>
+            <a:lvl2pPr marL="457200" indent="0">
+              <a:buFontTx/>
+              <a:buNone/>
+              <a:defRPr/>
+            </a:lvl2pPr>
+            <a:lvl3pPr marL="914400" indent="0">
+              <a:buFontTx/>
+              <a:buNone/>
+              <a:defRPr/>
+            </a:lvl3pPr>
+            <a:lvl4pPr marL="1371600" indent="0">
+              <a:buFontTx/>
+              <a:buNone/>
+              <a:defRPr/>
+            </a:lvl4pPr>
+            <a:lvl5pPr marL="1828800" indent="0">
+              <a:buFontTx/>
+              <a:buNone/>
+              <a:defRPr/>
+            </a:lvl5pPr>
+          </a:lstStyle>
+          <a:p>
+            <a:pPr lvl="0"/>
+            <a:r>
+              <a:rPr lang="en-US" smtClean="0"/>
+              <a:t>Click to edit Master text styles</a:t>
+            </a:r>
+          </a:p>
+        </p:txBody>
+      </p:sp>
+      <p:sp>
+        <p:nvSpPr>
+          <p:cNvPr id="3" name="Text Placeholder 2"/>
+          <p:cNvSpPr>
+            <a:spLocks noGrp="1"/>
+          </p:cNvSpPr>
+          <p:nvPr>
+            <p:ph type="body" idx="1"/>
+          </p:nvPr>
+        </p:nvSpPr>
+        <p:spPr>
+          <a:xfrm>
+            <a:off x="677335" y="4527448"/>
+            <a:ext cx="8596668" cy="1513914"/>
+          </a:xfrm>
+        </p:spPr>
+        <p:txBody>
+          <a:bodyPr anchor="t">
+            <a:normAutofit/>
+          </a:bodyPr>
+          <a:lstStyle>
+            <a:lvl1pPr marL="0" indent="0" algn="l">
+              <a:buNone/>
+              <a:defRPr sz="1800">
+                <a:solidFill>
+                  <a:schemeClr val="tx1">
+                    <a:lumMod val="50000"/>
+                    <a:lumOff val="50000"/>
+                  </a:schemeClr>
+                </a:solidFill>
+              </a:defRPr>
+            </a:lvl1pPr>
+            <a:lvl2pPr marL="457200" indent="0">
+              <a:buNone/>
+              <a:defRPr sz="1800">
+                <a:solidFill>
+                  <a:schemeClr val="tx1">
+                    <a:tint val="75000"/>
+                  </a:schemeClr>
+                </a:solidFill>
+              </a:defRPr>
+            </a:lvl2pPr>
+            <a:lvl3pPr marL="914400" indent="0">
+              <a:buNone/>
+              <a:defRPr sz="1600">
+                <a:solidFill>
+                  <a:schemeClr val="tx1">
+                    <a:tint val="75000"/>
+                  </a:schemeClr>
+                </a:solidFill>
+              </a:defRPr>
+            </a:lvl3pPr>
+            <a:lvl4pPr marL="1371600" indent="0">
+              <a:buNone/>
+              <a:defRPr sz="1400">
+                <a:solidFill>
+                  <a:schemeClr val="tx1">
+                    <a:tint val="75000"/>
+                  </a:schemeClr>
+                </a:solidFill>
+              </a:defRPr>
+            </a:lvl4pPr>
+            <a:lvl5pPr marL="1828800" indent="0">
+              <a:buNone/>
+              <a:defRPr sz="1400">
+                <a:solidFill>
+                  <a:schemeClr val="tx1">
+                    <a:tint val="75000"/>
+                  </a:schemeClr>
+                </a:solidFill>
+              </a:defRPr>
+            </a:lvl5pPr>
+            <a:lvl6pPr marL="2286000" indent="0">
+              <a:buNone/>
+              <a:defRPr sz="1400">
+                <a:solidFill>
+                  <a:schemeClr val="tx1">
+                    <a:tint val="75000"/>
+                  </a:schemeClr>
+                </a:solidFill>
+              </a:defRPr>
+            </a:lvl6pPr>
+            <a:lvl7pPr marL="2743200" indent="0">
+              <a:buNone/>
+              <a:defRPr sz="1400">
+                <a:solidFill>
+                  <a:schemeClr val="tx1">
+                    <a:tint val="75000"/>
+                  </a:schemeClr>
+                </a:solidFill>
+              </a:defRPr>
+            </a:lvl7pPr>
+            <a:lvl8pPr marL="3200400" indent="0">
+              <a:buNone/>
+              <a:defRPr sz="1400">
+                <a:solidFill>
+                  <a:schemeClr val="tx1">
+                    <a:tint val="75000"/>
+                  </a:schemeClr>
+                </a:solidFill>
+              </a:defRPr>
+            </a:lvl8pPr>
+            <a:lvl9pPr marL="3657600" indent="0">
+              <a:buNone/>
+              <a:defRPr sz="1400">
+                <a:solidFill>
+                  <a:schemeClr val="tx1">
+                    <a:tint val="75000"/>
+                  </a:schemeClr>
+                </a:solidFill>
+              </a:defRPr>
+            </a:lvl9pPr>
+          </a:lstStyle>
+          <a:p>
+            <a:pPr lvl="0"/>
+            <a:r>
+              <a:rPr lang="en-US" smtClean="0"/>
+              <a:t>Click to edit Master text styles</a:t>
+            </a:r>
+          </a:p>
+        </p:txBody>
+      </p:sp>
+      <p:sp>
+        <p:nvSpPr>
+          <p:cNvPr id="4" name="Date Placeholder 3"/>
+          <p:cNvSpPr>
+            <a:spLocks noGrp="1"/>
+          </p:cNvSpPr>
+          <p:nvPr>
+            <p:ph type="dt" sz="half" idx="10"/>
+          </p:nvPr>
+        </p:nvSpPr>
+        <p:spPr/>
+        <p:txBody>
+          <a:bodyPr/>
+          <a:lstStyle/>
+          <a:p>
+            <a:fld id="{A99C5B11-6607-4EFE-9B3F-FCF805DD55B2}" type="datetimeFigureOut">
+              <a:rPr lang="en-US" smtClean="0"/>
+              <a:t>4/11/2016</a:t>
+            </a:fld>
+            <a:endParaRPr lang="en-US"/>
+          </a:p>
+        </p:txBody>
+      </p:sp>
+      <p:sp>
+        <p:nvSpPr>
+          <p:cNvPr id="5" name="Footer Placeholder 4"/>
+          <p:cNvSpPr>
+            <a:spLocks noGrp="1"/>
+          </p:cNvSpPr>
+          <p:nvPr>
+            <p:ph type="ftr" sz="quarter" idx="11"/>
+          </p:nvPr>
+        </p:nvSpPr>
+        <p:spPr/>
+        <p:txBody>
+          <a:bodyPr/>
+          <a:lstStyle/>
+          <a:p>
+            <a:endParaRPr lang="en-US"/>
+          </a:p>
+        </p:txBody>
+      </p:sp>
+      <p:sp>
+        <p:nvSpPr>
+          <p:cNvPr id="6" name="Slide Number Placeholder 5"/>
+          <p:cNvSpPr>
+            <a:spLocks noGrp="1"/>
+          </p:cNvSpPr>
+          <p:nvPr>
+            <p:ph type="sldNum" sz="quarter" idx="12"/>
+          </p:nvPr>
+        </p:nvSpPr>
+        <p:spPr/>
+        <p:txBody>
+          <a:bodyPr/>
+          <a:lstStyle/>
+          <a:p>
+            <a:fld id="{200D7B6C-318C-401E-92E0-2E85CFA2444B}" type="slidenum">
+              <a:rPr lang="en-US" smtClean="0"/>
+              <a:t>‹#›</a:t>
+            </a:fld>
+            <a:endParaRPr lang="en-US"/>
+          </a:p>
+        </p:txBody>
+      </p:sp>
+    </p:spTree>
+    <p:extLst>
+      <p:ext uri="{BB962C8B-B14F-4D97-AF65-F5344CB8AC3E}">
+        <p14:creationId xmlns:p14="http://schemas.microsoft.com/office/powerpoint/2010/main" val="2406838486"/>
+      </p:ext>
+    </p:extLst>
+  </p:cSld>
+  <p:clrMapOvr>
+    <a:masterClrMapping/>
+  </p:clrMapOvr>
+</p:sldLayout>
+</file>
+
+<file path=ppt/slideLayouts/slideLayout15.xml><?xml version="1.0" encoding="utf-8"?>
 <p:sldLayout xmlns:a="http://schemas.openxmlformats.org/drawingml/2006/main" xmlns:r="http://schemas.openxmlformats.org/officeDocument/2006/relationships" xmlns:p="http://schemas.openxmlformats.org/presentationml/2006/main" type="vertTx" preserve="1">
   <p:cSld name="Title and Vertical Text">
     <p:spTree>
@@ -335,7 +3008,7 @@
               <a:rPr lang="en-US" smtClean="0"/>
               <a:t>Click to edit Master title style</a:t>
             </a:r>
-            <a:endParaRPr lang="en-US"/>
+            <a:endParaRPr lang="en-US" dirty="0"/>
           </a:p>
         </p:txBody>
       </p:sp>
@@ -387,7 +3060,7 @@
               <a:rPr lang="en-US" smtClean="0"/>
               <a:t>Fifth level</a:t>
             </a:r>
-            <a:endParaRPr lang="en-US"/>
+            <a:endParaRPr lang="en-US" dirty="0"/>
           </a:p>
         </p:txBody>
       </p:sp>
@@ -408,7 +3081,7 @@
           <a:p>
             <a:fld id="{A99C5B11-6607-4EFE-9B3F-FCF805DD55B2}" type="datetimeFigureOut">
               <a:rPr lang="en-US" smtClean="0"/>
-              <a:t>4/10/2016</a:t>
+              <a:t>4/11/2016</a:t>
             </a:fld>
             <a:endParaRPr lang="en-US"/>
           </a:p>
@@ -459,7 +3132,7 @@
     </p:spTree>
     <p:extLst>
       <p:ext uri="{BB962C8B-B14F-4D97-AF65-F5344CB8AC3E}">
-        <p14:creationId xmlns:p14="http://schemas.microsoft.com/office/powerpoint/2010/main" val="523429602"/>
+        <p14:creationId xmlns:p14="http://schemas.microsoft.com/office/powerpoint/2010/main" val="1637167567"/>
       </p:ext>
     </p:extLst>
   </p:cSld>
@@ -469,7 +3142,7 @@
 </p:sldLayout>
 </file>
 
-<file path=ppt/slideLayouts/slideLayout11.xml><?xml version="1.0" encoding="utf-8"?>
+<file path=ppt/slideLayouts/slideLayout16.xml><?xml version="1.0" encoding="utf-8"?>
 <p:sldLayout xmlns:a="http://schemas.openxmlformats.org/drawingml/2006/main" xmlns:r="http://schemas.openxmlformats.org/officeDocument/2006/relationships" xmlns:p="http://schemas.openxmlformats.org/presentationml/2006/main" type="vertTitleAndTx" preserve="1">
   <p:cSld name="Vertical Title and Text">
     <p:spTree>
@@ -498,19 +3171,19 @@
         </p:nvSpPr>
         <p:spPr>
           <a:xfrm>
-            <a:off x="8724900" y="365125"/>
-            <a:ext cx="2628900" cy="5811838"/>
+            <a:off x="7967673" y="609599"/>
+            <a:ext cx="1304743" cy="5251451"/>
           </a:xfrm>
         </p:spPr>
         <p:txBody>
-          <a:bodyPr vert="eaVert"/>
+          <a:bodyPr vert="eaVert" anchor="ctr"/>
           <a:lstStyle/>
           <a:p>
             <a:r>
               <a:rPr lang="en-US" smtClean="0"/>
               <a:t>Click to edit Master title style</a:t>
             </a:r>
-            <a:endParaRPr lang="en-US"/>
+            <a:endParaRPr lang="en-US" dirty="0"/>
           </a:p>
         </p:txBody>
       </p:sp>
@@ -526,8 +3199,8 @@
         </p:nvSpPr>
         <p:spPr>
           <a:xfrm>
-            <a:off x="838200" y="365125"/>
-            <a:ext cx="7734300" cy="5811838"/>
+            <a:off x="677335" y="609600"/>
+            <a:ext cx="7060150" cy="5251450"/>
           </a:xfrm>
         </p:spPr>
         <p:txBody>
@@ -567,7 +3240,7 @@
               <a:rPr lang="en-US" smtClean="0"/>
               <a:t>Fifth level</a:t>
             </a:r>
-            <a:endParaRPr lang="en-US"/>
+            <a:endParaRPr lang="en-US" dirty="0"/>
           </a:p>
         </p:txBody>
       </p:sp>
@@ -588,7 +3261,7 @@
           <a:p>
             <a:fld id="{A99C5B11-6607-4EFE-9B3F-FCF805DD55B2}" type="datetimeFigureOut">
               <a:rPr lang="en-US" smtClean="0"/>
-              <a:t>4/10/2016</a:t>
+              <a:t>4/11/2016</a:t>
             </a:fld>
             <a:endParaRPr lang="en-US"/>
           </a:p>
@@ -639,7 +3312,7 @@
     </p:spTree>
     <p:extLst>
       <p:ext uri="{BB962C8B-B14F-4D97-AF65-F5344CB8AC3E}">
-        <p14:creationId xmlns:p14="http://schemas.microsoft.com/office/powerpoint/2010/main" val="2177401068"/>
+        <p14:creationId xmlns:p14="http://schemas.microsoft.com/office/powerpoint/2010/main" val="1314963763"/>
       </p:ext>
     </p:extLst>
   </p:cSld>
@@ -678,25 +3351,83 @@
         </p:nvSpPr>
         <p:spPr/>
         <p:txBody>
+          <a:bodyPr>
+            <a:normAutofit/>
+          </a:bodyPr>
+          <a:lstStyle>
+            <a:lvl1pPr>
+              <a:defRPr sz="3600"/>
+            </a:lvl1pPr>
+          </a:lstStyle>
+          <a:p>
+            <a:r>
+              <a:rPr lang="en-US" smtClean="0"/>
+              <a:t>Click to edit Master title style</a:t>
+            </a:r>
+            <a:endParaRPr lang="en-US" dirty="0"/>
+          </a:p>
+        </p:txBody>
+      </p:sp>
+      <p:sp>
+        <p:nvSpPr>
+          <p:cNvPr id="3" name="Content Placeholder 2"/>
+          <p:cNvSpPr>
+            <a:spLocks noGrp="1"/>
+          </p:cNvSpPr>
+          <p:nvPr>
+            <p:ph idx="1"/>
+          </p:nvPr>
+        </p:nvSpPr>
+        <p:spPr/>
+        <p:txBody>
           <a:bodyPr/>
           <a:lstStyle/>
           <a:p>
-            <a:r>
-              <a:rPr lang="en-US" smtClean="0"/>
-              <a:t>Click to edit Master title style</a:t>
-            </a:r>
-            <a:endParaRPr lang="en-US"/>
-          </a:p>
-        </p:txBody>
-      </p:sp>
-      <p:sp>
-        <p:nvSpPr>
-          <p:cNvPr id="3" name="Content Placeholder 2"/>
-          <p:cNvSpPr>
-            <a:spLocks noGrp="1"/>
-          </p:cNvSpPr>
-          <p:nvPr>
-            <p:ph idx="1"/>
+            <a:pPr lvl="0"/>
+            <a:r>
+              <a:rPr lang="en-US" smtClean="0"/>
+              <a:t>Click to edit Master text styles</a:t>
+            </a:r>
+          </a:p>
+          <a:p>
+            <a:pPr lvl="1"/>
+            <a:r>
+              <a:rPr lang="en-US" smtClean="0"/>
+              <a:t>Second level</a:t>
+            </a:r>
+          </a:p>
+          <a:p>
+            <a:pPr lvl="2"/>
+            <a:r>
+              <a:rPr lang="en-US" smtClean="0"/>
+              <a:t>Third level</a:t>
+            </a:r>
+          </a:p>
+          <a:p>
+            <a:pPr lvl="3"/>
+            <a:r>
+              <a:rPr lang="en-US" smtClean="0"/>
+              <a:t>Fourth level</a:t>
+            </a:r>
+          </a:p>
+          <a:p>
+            <a:pPr lvl="4"/>
+            <a:r>
+              <a:rPr lang="en-US" smtClean="0"/>
+              <a:t>Fifth level</a:t>
+            </a:r>
+            <a:endParaRPr lang="en-US" dirty="0"/>
+          </a:p>
+        </p:txBody>
+      </p:sp>
+      <p:sp>
+        <p:nvSpPr>
+          <p:cNvPr id="4" name="Date Placeholder 3"/>
+          <p:cNvSpPr>
+            <a:spLocks noGrp="1"/>
+          </p:cNvSpPr>
+          <p:nvPr>
+            <p:ph type="dt" sz="half" idx="10"/>
           </p:nvPr>
         </p:nvSpPr>
         <p:spPr/>
@@ -704,61 +3435,9 @@
           <a:bodyPr/>
           <a:lstStyle/>
           <a:p>
-            <a:pPr lvl="0"/>
-            <a:r>
-              <a:rPr lang="en-US" smtClean="0"/>
-              <a:t>Click to edit Master text styles</a:t>
-            </a:r>
-          </a:p>
-          <a:p>
-            <a:pPr lvl="1"/>
-            <a:r>
-              <a:rPr lang="en-US" smtClean="0"/>
-              <a:t>Second level</a:t>
-            </a:r>
-          </a:p>
-          <a:p>
-            <a:pPr lvl="2"/>
-            <a:r>
-              <a:rPr lang="en-US" smtClean="0"/>
-              <a:t>Third level</a:t>
-            </a:r>
-          </a:p>
-          <a:p>
-            <a:pPr lvl="3"/>
-            <a:r>
-              <a:rPr lang="en-US" smtClean="0"/>
-              <a:t>Fourth level</a:t>
-            </a:r>
-          </a:p>
-          <a:p>
-            <a:pPr lvl="4"/>
-            <a:r>
-              <a:rPr lang="en-US" smtClean="0"/>
-              <a:t>Fifth level</a:t>
-            </a:r>
-            <a:endParaRPr lang="en-US"/>
-          </a:p>
-        </p:txBody>
-      </p:sp>
-      <p:sp>
-        <p:nvSpPr>
-          <p:cNvPr id="4" name="Date Placeholder 3"/>
-          <p:cNvSpPr>
-            <a:spLocks noGrp="1"/>
-          </p:cNvSpPr>
-          <p:nvPr>
-            <p:ph type="dt" sz="half" idx="10"/>
-          </p:nvPr>
-        </p:nvSpPr>
-        <p:spPr/>
-        <p:txBody>
-          <a:bodyPr/>
-          <a:lstStyle/>
-          <a:p>
             <a:fld id="{A99C5B11-6607-4EFE-9B3F-FCF805DD55B2}" type="datetimeFigureOut">
               <a:rPr lang="en-US" smtClean="0"/>
-              <a:t>4/10/2016</a:t>
+              <a:t>4/11/2016</a:t>
             </a:fld>
             <a:endParaRPr lang="en-US"/>
           </a:p>
@@ -809,7 +3488,7 @@
     </p:spTree>
     <p:extLst>
       <p:ext uri="{BB962C8B-B14F-4D97-AF65-F5344CB8AC3E}">
-        <p14:creationId xmlns:p14="http://schemas.microsoft.com/office/powerpoint/2010/main" val="754064594"/>
+        <p14:creationId xmlns:p14="http://schemas.microsoft.com/office/powerpoint/2010/main" val="779689124"/>
       </p:ext>
     </p:extLst>
   </p:cSld>
@@ -848,15 +3527,15 @@
         </p:nvSpPr>
         <p:spPr>
           <a:xfrm>
-            <a:off x="831850" y="1709738"/>
-            <a:ext cx="10515600" cy="2852737"/>
+            <a:off x="677335" y="2700867"/>
+            <a:ext cx="8596668" cy="1826581"/>
           </a:xfrm>
         </p:spPr>
         <p:txBody>
           <a:bodyPr anchor="b"/>
           <a:lstStyle>
-            <a:lvl1pPr>
-              <a:defRPr sz="6000"/>
+            <a:lvl1pPr algn="l">
+              <a:defRPr sz="4000" b="0" cap="none"/>
             </a:lvl1pPr>
           </a:lstStyle>
           <a:p>
@@ -864,7 +3543,7 @@
               <a:rPr lang="en-US" smtClean="0"/>
               <a:t>Click to edit Master title style</a:t>
             </a:r>
-            <a:endParaRPr lang="en-US"/>
+            <a:endParaRPr lang="en-US" dirty="0"/>
           </a:p>
         </p:txBody>
       </p:sp>
@@ -880,102 +3559,103 @@
         </p:nvSpPr>
         <p:spPr>
           <a:xfrm>
-            <a:off x="831850" y="4589463"/>
-            <a:ext cx="10515600" cy="1500187"/>
+            <a:off x="677335" y="4527448"/>
+            <a:ext cx="8596668" cy="860400"/>
           </a:xfrm>
         </p:spPr>
         <p:txBody>
-          <a:bodyPr/>
+          <a:bodyPr anchor="t"/>
           <a:lstStyle>
-            <a:lvl1pPr marL="0" indent="0">
-              <a:buNone/>
-              <a:defRPr sz="2400">
+            <a:lvl1pPr marL="0" indent="0" algn="l">
+              <a:buNone/>
+              <a:defRPr sz="2000">
+                <a:solidFill>
+                  <a:schemeClr val="tx1">
+                    <a:lumMod val="50000"/>
+                    <a:lumOff val="50000"/>
+                  </a:schemeClr>
+                </a:solidFill>
+              </a:defRPr>
+            </a:lvl1pPr>
+            <a:lvl2pPr marL="457200" indent="0">
+              <a:buNone/>
+              <a:defRPr sz="1800">
                 <a:solidFill>
                   <a:schemeClr val="tx1">
                     <a:tint val="75000"/>
                   </a:schemeClr>
                 </a:solidFill>
               </a:defRPr>
-            </a:lvl1pPr>
-            <a:lvl2pPr marL="457200" indent="0">
-              <a:buNone/>
-              <a:defRPr sz="2000">
+            </a:lvl2pPr>
+            <a:lvl3pPr marL="914400" indent="0">
+              <a:buNone/>
+              <a:defRPr sz="1600">
                 <a:solidFill>
                   <a:schemeClr val="tx1">
                     <a:tint val="75000"/>
                   </a:schemeClr>
                 </a:solidFill>
               </a:defRPr>
-            </a:lvl2pPr>
-            <a:lvl3pPr marL="914400" indent="0">
-              <a:buNone/>
-              <a:defRPr sz="1800">
+            </a:lvl3pPr>
+            <a:lvl4pPr marL="1371600" indent="0">
+              <a:buNone/>
+              <a:defRPr sz="1400">
                 <a:solidFill>
                   <a:schemeClr val="tx1">
                     <a:tint val="75000"/>
                   </a:schemeClr>
                 </a:solidFill>
               </a:defRPr>
-            </a:lvl3pPr>
-            <a:lvl4pPr marL="1371600" indent="0">
-              <a:buNone/>
-              <a:defRPr sz="1600">
+            </a:lvl4pPr>
+            <a:lvl5pPr marL="1828800" indent="0">
+              <a:buNone/>
+              <a:defRPr sz="1400">
                 <a:solidFill>
                   <a:schemeClr val="tx1">
                     <a:tint val="75000"/>
                   </a:schemeClr>
                 </a:solidFill>
               </a:defRPr>
-            </a:lvl4pPr>
-            <a:lvl5pPr marL="1828800" indent="0">
-              <a:buNone/>
-              <a:defRPr sz="1600">
+            </a:lvl5pPr>
+            <a:lvl6pPr marL="2286000" indent="0">
+              <a:buNone/>
+              <a:defRPr sz="1400">
                 <a:solidFill>
                   <a:schemeClr val="tx1">
                     <a:tint val="75000"/>
                   </a:schemeClr>
                 </a:solidFill>
               </a:defRPr>
-            </a:lvl5pPr>
-            <a:lvl6pPr marL="2286000" indent="0">
-              <a:buNone/>
-              <a:defRPr sz="1600">
+            </a:lvl6pPr>
+            <a:lvl7pPr marL="2743200" indent="0">
+              <a:buNone/>
+              <a:defRPr sz="1400">
                 <a:solidFill>
                   <a:schemeClr val="tx1">
                     <a:tint val="75000"/>
                   </a:schemeClr>
                 </a:solidFill>
               </a:defRPr>
-            </a:lvl6pPr>
-            <a:lvl7pPr marL="2743200" indent="0">
-              <a:buNone/>
-              <a:defRPr sz="1600">
+            </a:lvl7pPr>
+            <a:lvl8pPr marL="3200400" indent="0">
+              <a:buNone/>
+              <a:defRPr sz="1400">
                 <a:solidFill>
                   <a:schemeClr val="tx1">
                     <a:tint val="75000"/>
                   </a:schemeClr>
                 </a:solidFill>
               </a:defRPr>
-            </a:lvl7pPr>
-            <a:lvl8pPr marL="3200400" indent="0">
-              <a:buNone/>
-              <a:defRPr sz="1600">
+            </a:lvl8pPr>
+            <a:lvl9pPr marL="3657600" indent="0">
+              <a:buNone/>
+              <a:defRPr sz="1400">
                 <a:solidFill>
                   <a:schemeClr val="tx1">
                     <a:tint val="75000"/>
                   </a:schemeClr>
                 </a:solidFill>
               </a:defRPr>
-            </a:lvl8pPr>
-            <a:lvl9pPr marL="3657600" indent="0">
-              <a:buNone/>
-              <a:defRPr sz="1600">
-                <a:solidFill>
-                  <a:schemeClr val="tx1">
-                    <a:tint val="75000"/>
-                  </a:schemeClr>
-                </a:solidFill>
-              </a:defRPr>
             </a:lvl9pPr>
           </a:lstStyle>
           <a:p>
@@ -1004,7 +3684,7 @@
           <a:p>
             <a:fld id="{A99C5B11-6607-4EFE-9B3F-FCF805DD55B2}" type="datetimeFigureOut">
               <a:rPr lang="en-US" smtClean="0"/>
-              <a:t>4/10/2016</a:t>
+              <a:t>4/11/2016</a:t>
             </a:fld>
             <a:endParaRPr lang="en-US"/>
           </a:p>
@@ -1055,7 +3735,7 @@
     </p:spTree>
     <p:extLst>
       <p:ext uri="{BB962C8B-B14F-4D97-AF65-F5344CB8AC3E}">
-        <p14:creationId xmlns:p14="http://schemas.microsoft.com/office/powerpoint/2010/main" val="3525011837"/>
+        <p14:creationId xmlns:p14="http://schemas.microsoft.com/office/powerpoint/2010/main" val="735778032"/>
       </p:ext>
     </p:extLst>
   </p:cSld>
@@ -1101,7 +3781,7 @@
               <a:rPr lang="en-US" smtClean="0"/>
               <a:t>Click to edit Master title style</a:t>
             </a:r>
-            <a:endParaRPr lang="en-US"/>
+            <a:endParaRPr lang="en-US" dirty="0"/>
           </a:p>
         </p:txBody>
       </p:sp>
@@ -1117,8 +3797,8 @@
         </p:nvSpPr>
         <p:spPr>
           <a:xfrm>
-            <a:off x="838200" y="1825625"/>
-            <a:ext cx="5181600" cy="4351338"/>
+            <a:off x="677334" y="2160589"/>
+            <a:ext cx="4184035" cy="3880772"/>
           </a:xfrm>
         </p:spPr>
         <p:txBody>
@@ -1158,7 +3838,7 @@
               <a:rPr lang="en-US" smtClean="0"/>
               <a:t>Fifth level</a:t>
             </a:r>
-            <a:endParaRPr lang="en-US"/>
+            <a:endParaRPr lang="en-US" dirty="0"/>
           </a:p>
         </p:txBody>
       </p:sp>
@@ -1174,8 +3854,8 @@
         </p:nvSpPr>
         <p:spPr>
           <a:xfrm>
-            <a:off x="6172200" y="1825625"/>
-            <a:ext cx="5181600" cy="4351338"/>
+            <a:off x="5089970" y="2160589"/>
+            <a:ext cx="4184034" cy="3880773"/>
           </a:xfrm>
         </p:spPr>
         <p:txBody>
@@ -1215,7 +3895,7 @@
               <a:rPr lang="en-US" smtClean="0"/>
               <a:t>Fifth level</a:t>
             </a:r>
-            <a:endParaRPr lang="en-US"/>
+            <a:endParaRPr lang="en-US" dirty="0"/>
           </a:p>
         </p:txBody>
       </p:sp>
@@ -1236,7 +3916,7 @@
           <a:p>
             <a:fld id="{A99C5B11-6607-4EFE-9B3F-FCF805DD55B2}" type="datetimeFigureOut">
               <a:rPr lang="en-US" smtClean="0"/>
-              <a:t>4/10/2016</a:t>
+              <a:t>4/11/2016</a:t>
             </a:fld>
             <a:endParaRPr lang="en-US"/>
           </a:p>
@@ -1287,13 +3967,18 @@
     </p:spTree>
     <p:extLst>
       <p:ext uri="{BB962C8B-B14F-4D97-AF65-F5344CB8AC3E}">
-        <p14:creationId xmlns:p14="http://schemas.microsoft.com/office/powerpoint/2010/main" val="3027423604"/>
+        <p14:creationId xmlns:p14="http://schemas.microsoft.com/office/powerpoint/2010/main" val="1555273776"/>
       </p:ext>
     </p:extLst>
   </p:cSld>
   <p:clrMapOvr>
     <a:masterClrMapping/>
   </p:clrMapOvr>
+  <p:extLst>
+    <p:ext uri="{DCECCB84-F9BA-43D5-87BE-67443E8EF086}">
+      <p15:sldGuideLst xmlns:p15="http://schemas.microsoft.com/office/powerpoint/2012/main"/>
+    </p:ext>
+  </p:extLst>
 </p:sldLayout>
 </file>
 
@@ -1324,46 +4009,47 @@
             <p:ph type="title"/>
           </p:nvPr>
         </p:nvSpPr>
+        <p:spPr/>
+        <p:txBody>
+          <a:bodyPr/>
+          <a:lstStyle>
+            <a:lvl1pPr>
+              <a:defRPr/>
+            </a:lvl1pPr>
+          </a:lstStyle>
+          <a:p>
+            <a:r>
+              <a:rPr lang="en-US" smtClean="0"/>
+              <a:t>Click to edit Master title style</a:t>
+            </a:r>
+            <a:endParaRPr lang="en-US" dirty="0"/>
+          </a:p>
+        </p:txBody>
+      </p:sp>
+      <p:sp>
+        <p:nvSpPr>
+          <p:cNvPr id="3" name="Text Placeholder 2"/>
+          <p:cNvSpPr>
+            <a:spLocks noGrp="1"/>
+          </p:cNvSpPr>
+          <p:nvPr>
+            <p:ph type="body" idx="1"/>
+          </p:nvPr>
+        </p:nvSpPr>
         <p:spPr>
           <a:xfrm>
-            <a:off x="839788" y="365125"/>
-            <a:ext cx="10515600" cy="1325563"/>
+            <a:off x="675745" y="2160983"/>
+            <a:ext cx="4185623" cy="576262"/>
           </a:xfrm>
         </p:spPr>
         <p:txBody>
-          <a:bodyPr/>
-          <a:lstStyle/>
-          <a:p>
-            <a:r>
-              <a:rPr lang="en-US" smtClean="0"/>
-              <a:t>Click to edit Master title style</a:t>
-            </a:r>
-            <a:endParaRPr lang="en-US"/>
-          </a:p>
-        </p:txBody>
-      </p:sp>
-      <p:sp>
-        <p:nvSpPr>
-          <p:cNvPr id="3" name="Text Placeholder 2"/>
-          <p:cNvSpPr>
-            <a:spLocks noGrp="1"/>
-          </p:cNvSpPr>
-          <p:nvPr>
-            <p:ph type="body" idx="1"/>
-          </p:nvPr>
-        </p:nvSpPr>
-        <p:spPr>
-          <a:xfrm>
-            <a:off x="839788" y="1681163"/>
-            <a:ext cx="5157787" cy="823912"/>
-          </a:xfrm>
-        </p:spPr>
-        <p:txBody>
-          <a:bodyPr anchor="b"/>
+          <a:bodyPr anchor="b">
+            <a:noAutofit/>
+          </a:bodyPr>
           <a:lstStyle>
             <a:lvl1pPr marL="0" indent="0">
               <a:buNone/>
-              <a:defRPr sz="2400" b="1"/>
+              <a:defRPr sz="2400" b="0"/>
             </a:lvl1pPr>
             <a:lvl2pPr marL="457200" indent="0">
               <a:buNone/>
@@ -1419,12 +4105,14 @@
         </p:nvSpPr>
         <p:spPr>
           <a:xfrm>
-            <a:off x="839788" y="2505075"/>
-            <a:ext cx="5157787" cy="3684588"/>
+            <a:off x="675745" y="2737245"/>
+            <a:ext cx="4185623" cy="3304117"/>
           </a:xfrm>
         </p:spPr>
         <p:txBody>
-          <a:bodyPr/>
+          <a:bodyPr>
+            <a:normAutofit/>
+          </a:bodyPr>
           <a:lstStyle/>
           <a:p>
             <a:pPr lvl="0"/>
@@ -1460,7 +4148,7 @@
               <a:rPr lang="en-US" smtClean="0"/>
               <a:t>Fifth level</a:t>
             </a:r>
-            <a:endParaRPr lang="en-US"/>
+            <a:endParaRPr lang="en-US" dirty="0"/>
           </a:p>
         </p:txBody>
       </p:sp>
@@ -1476,16 +4164,18 @@
         </p:nvSpPr>
         <p:spPr>
           <a:xfrm>
-            <a:off x="6172200" y="1681163"/>
-            <a:ext cx="5183188" cy="823912"/>
+            <a:off x="5088383" y="2160983"/>
+            <a:ext cx="4185618" cy="576262"/>
           </a:xfrm>
         </p:spPr>
         <p:txBody>
-          <a:bodyPr anchor="b"/>
+          <a:bodyPr anchor="b">
+            <a:noAutofit/>
+          </a:bodyPr>
           <a:lstStyle>
             <a:lvl1pPr marL="0" indent="0">
               <a:buNone/>
-              <a:defRPr sz="2400" b="1"/>
+              <a:defRPr sz="2400" b="0"/>
             </a:lvl1pPr>
             <a:lvl2pPr marL="457200" indent="0">
               <a:buNone/>
@@ -1541,69 +4231,71 @@
         </p:nvSpPr>
         <p:spPr>
           <a:xfrm>
-            <a:off x="6172200" y="2505075"/>
-            <a:ext cx="5183188" cy="3684588"/>
+            <a:off x="5088384" y="2737245"/>
+            <a:ext cx="4185617" cy="3304117"/>
           </a:xfrm>
         </p:spPr>
         <p:txBody>
+          <a:bodyPr>
+            <a:normAutofit/>
+          </a:bodyPr>
+          <a:lstStyle/>
+          <a:p>
+            <a:pPr lvl="0"/>
+            <a:r>
+              <a:rPr lang="en-US" smtClean="0"/>
+              <a:t>Click to edit Master text styles</a:t>
+            </a:r>
+          </a:p>
+          <a:p>
+            <a:pPr lvl="1"/>
+            <a:r>
+              <a:rPr lang="en-US" smtClean="0"/>
+              <a:t>Second level</a:t>
+            </a:r>
+          </a:p>
+          <a:p>
+            <a:pPr lvl="2"/>
+            <a:r>
+              <a:rPr lang="en-US" smtClean="0"/>
+              <a:t>Third level</a:t>
+            </a:r>
+          </a:p>
+          <a:p>
+            <a:pPr lvl="3"/>
+            <a:r>
+              <a:rPr lang="en-US" smtClean="0"/>
+              <a:t>Fourth level</a:t>
+            </a:r>
+          </a:p>
+          <a:p>
+            <a:pPr lvl="4"/>
+            <a:r>
+              <a:rPr lang="en-US" smtClean="0"/>
+              <a:t>Fifth level</a:t>
+            </a:r>
+            <a:endParaRPr lang="en-US" dirty="0"/>
+          </a:p>
+        </p:txBody>
+      </p:sp>
+      <p:sp>
+        <p:nvSpPr>
+          <p:cNvPr id="7" name="Date Placeholder 6"/>
+          <p:cNvSpPr>
+            <a:spLocks noGrp="1"/>
+          </p:cNvSpPr>
+          <p:nvPr>
+            <p:ph type="dt" sz="half" idx="10"/>
+          </p:nvPr>
+        </p:nvSpPr>
+        <p:spPr/>
+        <p:txBody>
           <a:bodyPr/>
           <a:lstStyle/>
           <a:p>
-            <a:pPr lvl="0"/>
-            <a:r>
-              <a:rPr lang="en-US" smtClean="0"/>
-              <a:t>Click to edit Master text styles</a:t>
-            </a:r>
-          </a:p>
-          <a:p>
-            <a:pPr lvl="1"/>
-            <a:r>
-              <a:rPr lang="en-US" smtClean="0"/>
-              <a:t>Second level</a:t>
-            </a:r>
-          </a:p>
-          <a:p>
-            <a:pPr lvl="2"/>
-            <a:r>
-              <a:rPr lang="en-US" smtClean="0"/>
-              <a:t>Third level</a:t>
-            </a:r>
-          </a:p>
-          <a:p>
-            <a:pPr lvl="3"/>
-            <a:r>
-              <a:rPr lang="en-US" smtClean="0"/>
-              <a:t>Fourth level</a:t>
-            </a:r>
-          </a:p>
-          <a:p>
-            <a:pPr lvl="4"/>
-            <a:r>
-              <a:rPr lang="en-US" smtClean="0"/>
-              <a:t>Fifth level</a:t>
-            </a:r>
-            <a:endParaRPr lang="en-US"/>
-          </a:p>
-        </p:txBody>
-      </p:sp>
-      <p:sp>
-        <p:nvSpPr>
-          <p:cNvPr id="7" name="Date Placeholder 6"/>
-          <p:cNvSpPr>
-            <a:spLocks noGrp="1"/>
-          </p:cNvSpPr>
-          <p:nvPr>
-            <p:ph type="dt" sz="half" idx="10"/>
-          </p:nvPr>
-        </p:nvSpPr>
-        <p:spPr/>
-        <p:txBody>
-          <a:bodyPr/>
-          <a:lstStyle/>
-          <a:p>
             <a:fld id="{A99C5B11-6607-4EFE-9B3F-FCF805DD55B2}" type="datetimeFigureOut">
               <a:rPr lang="en-US" smtClean="0"/>
-              <a:t>4/10/2016</a:t>
+              <a:t>4/11/2016</a:t>
             </a:fld>
             <a:endParaRPr lang="en-US"/>
           </a:p>
@@ -1654,13 +4346,18 @@
     </p:spTree>
     <p:extLst>
       <p:ext uri="{BB962C8B-B14F-4D97-AF65-F5344CB8AC3E}">
-        <p14:creationId xmlns:p14="http://schemas.microsoft.com/office/powerpoint/2010/main" val="299074167"/>
+        <p14:creationId xmlns:p14="http://schemas.microsoft.com/office/powerpoint/2010/main" val="558901157"/>
       </p:ext>
     </p:extLst>
   </p:cSld>
   <p:clrMapOvr>
     <a:masterClrMapping/>
   </p:clrMapOvr>
+  <p:extLst>
+    <p:ext uri="{DCECCB84-F9BA-43D5-87BE-67443E8EF086}">
+      <p15:sldGuideLst xmlns:p15="http://schemas.microsoft.com/office/powerpoint/2012/main"/>
+    </p:ext>
+  </p:extLst>
 </p:sldLayout>
 </file>
 
@@ -1691,37 +4388,42 @@
             <p:ph type="title"/>
           </p:nvPr>
         </p:nvSpPr>
+        <p:spPr>
+          <a:xfrm>
+            <a:off x="677334" y="609600"/>
+            <a:ext cx="8596668" cy="1320800"/>
+          </a:xfrm>
+        </p:spPr>
+        <p:txBody>
+          <a:bodyPr/>
+          <a:lstStyle/>
+          <a:p>
+            <a:r>
+              <a:rPr lang="en-US" smtClean="0"/>
+              <a:t>Click to edit Master title style</a:t>
+            </a:r>
+            <a:endParaRPr lang="en-US" dirty="0"/>
+          </a:p>
+        </p:txBody>
+      </p:sp>
+      <p:sp>
+        <p:nvSpPr>
+          <p:cNvPr id="3" name="Date Placeholder 2"/>
+          <p:cNvSpPr>
+            <a:spLocks noGrp="1"/>
+          </p:cNvSpPr>
+          <p:nvPr>
+            <p:ph type="dt" sz="half" idx="10"/>
+          </p:nvPr>
+        </p:nvSpPr>
         <p:spPr/>
         <p:txBody>
           <a:bodyPr/>
           <a:lstStyle/>
           <a:p>
-            <a:r>
-              <a:rPr lang="en-US" smtClean="0"/>
-              <a:t>Click to edit Master title style</a:t>
-            </a:r>
-            <a:endParaRPr lang="en-US"/>
-          </a:p>
-        </p:txBody>
-      </p:sp>
-      <p:sp>
-        <p:nvSpPr>
-          <p:cNvPr id="3" name="Date Placeholder 2"/>
-          <p:cNvSpPr>
-            <a:spLocks noGrp="1"/>
-          </p:cNvSpPr>
-          <p:nvPr>
-            <p:ph type="dt" sz="half" idx="10"/>
-          </p:nvPr>
-        </p:nvSpPr>
-        <p:spPr/>
-        <p:txBody>
-          <a:bodyPr/>
-          <a:lstStyle/>
-          <a:p>
             <a:fld id="{A99C5B11-6607-4EFE-9B3F-FCF805DD55B2}" type="datetimeFigureOut">
               <a:rPr lang="en-US" smtClean="0"/>
-              <a:t>4/10/2016</a:t>
+              <a:t>4/11/2016</a:t>
             </a:fld>
             <a:endParaRPr lang="en-US"/>
           </a:p>
@@ -1772,7 +4474,7 @@
     </p:spTree>
     <p:extLst>
       <p:ext uri="{BB962C8B-B14F-4D97-AF65-F5344CB8AC3E}">
-        <p14:creationId xmlns:p14="http://schemas.microsoft.com/office/powerpoint/2010/main" val="2905095930"/>
+        <p14:creationId xmlns:p14="http://schemas.microsoft.com/office/powerpoint/2010/main" val="4185987436"/>
       </p:ext>
     </p:extLst>
   </p:cSld>
@@ -1816,7 +4518,7 @@
           <a:p>
             <a:fld id="{A99C5B11-6607-4EFE-9B3F-FCF805DD55B2}" type="datetimeFigureOut">
               <a:rPr lang="en-US" smtClean="0"/>
-              <a:t>4/10/2016</a:t>
+              <a:t>4/11/2016</a:t>
             </a:fld>
             <a:endParaRPr lang="en-US"/>
           </a:p>
@@ -1867,7 +4569,7 @@
     </p:spTree>
     <p:extLst>
       <p:ext uri="{BB962C8B-B14F-4D97-AF65-F5344CB8AC3E}">
-        <p14:creationId xmlns:p14="http://schemas.microsoft.com/office/powerpoint/2010/main" val="1629825141"/>
+        <p14:creationId xmlns:p14="http://schemas.microsoft.com/office/powerpoint/2010/main" val="2382334567"/>
       </p:ext>
     </p:extLst>
   </p:cSld>
@@ -1906,15 +4608,17 @@
         </p:nvSpPr>
         <p:spPr>
           <a:xfrm>
-            <a:off x="839788" y="457200"/>
-            <a:ext cx="3932237" cy="1600200"/>
+            <a:off x="677334" y="1498604"/>
+            <a:ext cx="3854528" cy="1278466"/>
           </a:xfrm>
         </p:spPr>
         <p:txBody>
-          <a:bodyPr anchor="b"/>
+          <a:bodyPr anchor="b">
+            <a:normAutofit/>
+          </a:bodyPr>
           <a:lstStyle>
             <a:lvl1pPr>
-              <a:defRPr sz="3200"/>
+              <a:defRPr sz="2000"/>
             </a:lvl1pPr>
           </a:lstStyle>
           <a:p>
@@ -1922,7 +4626,7 @@
               <a:rPr lang="en-US" smtClean="0"/>
               <a:t>Click to edit Master title style</a:t>
             </a:r>
-            <a:endParaRPr lang="en-US"/>
+            <a:endParaRPr lang="en-US" dirty="0"/>
           </a:p>
         </p:txBody>
       </p:sp>
@@ -1938,41 +4642,15 @@
         </p:nvSpPr>
         <p:spPr>
           <a:xfrm>
-            <a:off x="5183188" y="987425"/>
-            <a:ext cx="6172200" cy="4873625"/>
+            <a:off x="4760461" y="514924"/>
+            <a:ext cx="4513541" cy="5526437"/>
           </a:xfrm>
         </p:spPr>
         <p:txBody>
-          <a:bodyPr/>
-          <a:lstStyle>
-            <a:lvl1pPr>
-              <a:defRPr sz="3200"/>
-            </a:lvl1pPr>
-            <a:lvl2pPr>
-              <a:defRPr sz="2800"/>
-            </a:lvl2pPr>
-            <a:lvl3pPr>
-              <a:defRPr sz="2400"/>
-            </a:lvl3pPr>
-            <a:lvl4pPr>
-              <a:defRPr sz="2000"/>
-            </a:lvl4pPr>
-            <a:lvl5pPr>
-              <a:defRPr sz="2000"/>
-            </a:lvl5pPr>
-            <a:lvl6pPr>
-              <a:defRPr sz="2000"/>
-            </a:lvl6pPr>
-            <a:lvl7pPr>
-              <a:defRPr sz="2000"/>
-            </a:lvl7pPr>
-            <a:lvl8pPr>
-              <a:defRPr sz="2000"/>
-            </a:lvl8pPr>
-            <a:lvl9pPr>
-              <a:defRPr sz="2000"/>
-            </a:lvl9pPr>
-          </a:lstStyle>
+          <a:bodyPr>
+            <a:normAutofit/>
+          </a:bodyPr>
+          <a:lstStyle/>
           <a:p>
             <a:pPr lvl="0"/>
             <a:r>
@@ -2007,7 +4685,7 @@
               <a:rPr lang="en-US" smtClean="0"/>
               <a:t>Fifth level</a:t>
             </a:r>
-            <a:endParaRPr lang="en-US"/>
+            <a:endParaRPr lang="en-US" dirty="0"/>
           </a:p>
         </p:txBody>
       </p:sp>
@@ -2023,46 +4701,48 @@
         </p:nvSpPr>
         <p:spPr>
           <a:xfrm>
-            <a:off x="839788" y="2057400"/>
-            <a:ext cx="3932237" cy="3811588"/>
+            <a:off x="677334" y="2777069"/>
+            <a:ext cx="3854528" cy="2584449"/>
           </a:xfrm>
         </p:spPr>
         <p:txBody>
-          <a:bodyPr/>
+          <a:bodyPr>
+            <a:normAutofit/>
+          </a:bodyPr>
           <a:lstStyle>
             <a:lvl1pPr marL="0" indent="0">
               <a:buNone/>
-              <a:defRPr sz="1600"/>
+              <a:defRPr sz="1400"/>
             </a:lvl1pPr>
-            <a:lvl2pPr marL="457200" indent="0">
+            <a:lvl2pPr marL="457063" indent="0">
               <a:buNone/>
               <a:defRPr sz="1400"/>
             </a:lvl2pPr>
-            <a:lvl3pPr marL="914400" indent="0">
+            <a:lvl3pPr marL="914126" indent="0">
               <a:buNone/>
               <a:defRPr sz="1200"/>
             </a:lvl3pPr>
-            <a:lvl4pPr marL="1371600" indent="0">
+            <a:lvl4pPr marL="1371189" indent="0">
               <a:buNone/>
               <a:defRPr sz="1000"/>
             </a:lvl4pPr>
-            <a:lvl5pPr marL="1828800" indent="0">
+            <a:lvl5pPr marL="1828251" indent="0">
               <a:buNone/>
               <a:defRPr sz="1000"/>
             </a:lvl5pPr>
-            <a:lvl6pPr marL="2286000" indent="0">
+            <a:lvl6pPr marL="2285314" indent="0">
               <a:buNone/>
               <a:defRPr sz="1000"/>
             </a:lvl6pPr>
-            <a:lvl7pPr marL="2743200" indent="0">
+            <a:lvl7pPr marL="2742377" indent="0">
               <a:buNone/>
               <a:defRPr sz="1000"/>
             </a:lvl7pPr>
-            <a:lvl8pPr marL="3200400" indent="0">
+            <a:lvl8pPr marL="3199440" indent="0">
               <a:buNone/>
               <a:defRPr sz="1000"/>
             </a:lvl8pPr>
-            <a:lvl9pPr marL="3657600" indent="0">
+            <a:lvl9pPr marL="3656503" indent="0">
               <a:buNone/>
               <a:defRPr sz="1000"/>
             </a:lvl9pPr>
@@ -2093,7 +4773,7 @@
           <a:p>
             <a:fld id="{A99C5B11-6607-4EFE-9B3F-FCF805DD55B2}" type="datetimeFigureOut">
               <a:rPr lang="en-US" smtClean="0"/>
-              <a:t>4/10/2016</a:t>
+              <a:t>4/11/2016</a:t>
             </a:fld>
             <a:endParaRPr lang="en-US"/>
           </a:p>
@@ -2144,13 +4824,18 @@
     </p:spTree>
     <p:extLst>
       <p:ext uri="{BB962C8B-B14F-4D97-AF65-F5344CB8AC3E}">
-        <p14:creationId xmlns:p14="http://schemas.microsoft.com/office/powerpoint/2010/main" val="3049961134"/>
+        <p14:creationId xmlns:p14="http://schemas.microsoft.com/office/powerpoint/2010/main" val="3209698330"/>
       </p:ext>
     </p:extLst>
   </p:cSld>
   <p:clrMapOvr>
     <a:masterClrMapping/>
   </p:clrMapOvr>
+  <p:extLst>
+    <p:ext uri="{DCECCB84-F9BA-43D5-87BE-67443E8EF086}">
+      <p15:sldGuideLst xmlns:p15="http://schemas.microsoft.com/office/powerpoint/2012/main"/>
+    </p:ext>
+  </p:extLst>
 </p:sldLayout>
 </file>
 
@@ -2183,15 +4868,17 @@
         </p:nvSpPr>
         <p:spPr>
           <a:xfrm>
-            <a:off x="839788" y="457200"/>
-            <a:ext cx="3932237" cy="1600200"/>
+            <a:off x="677334" y="4800600"/>
+            <a:ext cx="8596667" cy="566738"/>
           </a:xfrm>
         </p:spPr>
         <p:txBody>
-          <a:bodyPr anchor="b"/>
+          <a:bodyPr anchor="b">
+            <a:normAutofit/>
+          </a:bodyPr>
           <a:lstStyle>
-            <a:lvl1pPr>
-              <a:defRPr sz="3200"/>
+            <a:lvl1pPr algn="l">
+              <a:defRPr sz="2400" b="0"/>
             </a:lvl1pPr>
           </a:lstStyle>
           <a:p>
@@ -2199,7 +4886,7 @@
               <a:rPr lang="en-US" smtClean="0"/>
               <a:t>Click to edit Master title style</a:t>
             </a:r>
-            <a:endParaRPr lang="en-US"/>
+            <a:endParaRPr lang="en-US" dirty="0"/>
           </a:p>
         </p:txBody>
       </p:sp>
@@ -2207,7 +4894,7 @@
         <p:nvSpPr>
           <p:cNvPr id="3" name="Picture Placeholder 2"/>
           <p:cNvSpPr>
-            <a:spLocks noGrp="1"/>
+            <a:spLocks noGrp="1" noChangeAspect="1"/>
           </p:cNvSpPr>
           <p:nvPr>
             <p:ph type="pic" idx="1"/>
@@ -2215,112 +4902,120 @@
         </p:nvSpPr>
         <p:spPr>
           <a:xfrm>
-            <a:off x="5183188" y="987425"/>
-            <a:ext cx="6172200" cy="4873625"/>
+            <a:off x="677334" y="609600"/>
+            <a:ext cx="8596668" cy="3845718"/>
           </a:xfrm>
         </p:spPr>
         <p:txBody>
-          <a:bodyPr/>
+          <a:bodyPr anchor="t">
+            <a:normAutofit/>
+          </a:bodyPr>
           <a:lstStyle>
-            <a:lvl1pPr marL="0" indent="0">
-              <a:buNone/>
-              <a:defRPr sz="3200"/>
-            </a:lvl1pPr>
-            <a:lvl2pPr marL="457200" indent="0">
-              <a:buNone/>
-              <a:defRPr sz="2800"/>
-            </a:lvl2pPr>
-            <a:lvl3pPr marL="914400" indent="0">
-              <a:buNone/>
-              <a:defRPr sz="2400"/>
-            </a:lvl3pPr>
-            <a:lvl4pPr marL="1371600" indent="0">
-              <a:buNone/>
-              <a:defRPr sz="2000"/>
-            </a:lvl4pPr>
-            <a:lvl5pPr marL="1828800" indent="0">
-              <a:buNone/>
-              <a:defRPr sz="2000"/>
-            </a:lvl5pPr>
-            <a:lvl6pPr marL="2286000" indent="0">
-              <a:buNone/>
-              <a:defRPr sz="2000"/>
-            </a:lvl6pPr>
-            <a:lvl7pPr marL="2743200" indent="0">
-              <a:buNone/>
-              <a:defRPr sz="2000"/>
-            </a:lvl7pPr>
-            <a:lvl8pPr marL="3200400" indent="0">
-              <a:buNone/>
-              <a:defRPr sz="2000"/>
-            </a:lvl8pPr>
-            <a:lvl9pPr marL="3657600" indent="0">
-              <a:buNone/>
-              <a:defRPr sz="2000"/>
-            </a:lvl9pPr>
-          </a:lstStyle>
-          <a:p>
-            <a:endParaRPr lang="en-US"/>
-          </a:p>
-        </p:txBody>
-      </p:sp>
-      <p:sp>
-        <p:nvSpPr>
-          <p:cNvPr id="4" name="Text Placeholder 3"/>
-          <p:cNvSpPr>
-            <a:spLocks noGrp="1"/>
-          </p:cNvSpPr>
-          <p:nvPr>
-            <p:ph type="body" sz="half" idx="2"/>
-          </p:nvPr>
-        </p:nvSpPr>
-        <p:spPr>
-          <a:xfrm>
-            <a:off x="839788" y="2057400"/>
-            <a:ext cx="3932237" cy="3811588"/>
-          </a:xfrm>
-        </p:spPr>
-        <p:txBody>
-          <a:bodyPr/>
-          <a:lstStyle>
-            <a:lvl1pPr marL="0" indent="0">
+            <a:lvl1pPr marL="0" indent="0" algn="ctr">
               <a:buNone/>
               <a:defRPr sz="1600"/>
             </a:lvl1pPr>
             <a:lvl2pPr marL="457200" indent="0">
               <a:buNone/>
-              <a:defRPr sz="1400"/>
+              <a:defRPr sz="1600"/>
             </a:lvl2pPr>
             <a:lvl3pPr marL="914400" indent="0">
               <a:buNone/>
-              <a:defRPr sz="1200"/>
+              <a:defRPr sz="1600"/>
             </a:lvl3pPr>
             <a:lvl4pPr marL="1371600" indent="0">
               <a:buNone/>
-              <a:defRPr sz="1000"/>
+              <a:defRPr sz="1600"/>
             </a:lvl4pPr>
             <a:lvl5pPr marL="1828800" indent="0">
               <a:buNone/>
-              <a:defRPr sz="1000"/>
+              <a:defRPr sz="1600"/>
             </a:lvl5pPr>
             <a:lvl6pPr marL="2286000" indent="0">
               <a:buNone/>
-              <a:defRPr sz="1000"/>
+              <a:defRPr sz="1600"/>
             </a:lvl6pPr>
             <a:lvl7pPr marL="2743200" indent="0">
               <a:buNone/>
-              <a:defRPr sz="1000"/>
+              <a:defRPr sz="1600"/>
             </a:lvl7pPr>
             <a:lvl8pPr marL="3200400" indent="0">
               <a:buNone/>
-              <a:defRPr sz="1000"/>
+              <a:defRPr sz="1600"/>
             </a:lvl8pPr>
             <a:lvl9pPr marL="3657600" indent="0">
               <a:buNone/>
-              <a:defRPr sz="1000"/>
+              <a:defRPr sz="1600"/>
             </a:lvl9pPr>
           </a:lstStyle>
           <a:p>
+            <a:r>
+              <a:rPr lang="en-US" smtClean="0"/>
+              <a:t>Click icon to add picture</a:t>
+            </a:r>
+            <a:endParaRPr lang="en-US" dirty="0"/>
+          </a:p>
+        </p:txBody>
+      </p:sp>
+      <p:sp>
+        <p:nvSpPr>
+          <p:cNvPr id="4" name="Text Placeholder 3"/>
+          <p:cNvSpPr>
+            <a:spLocks noGrp="1"/>
+          </p:cNvSpPr>
+          <p:nvPr>
+            <p:ph type="body" sz="half" idx="2"/>
+          </p:nvPr>
+        </p:nvSpPr>
+        <p:spPr>
+          <a:xfrm>
+            <a:off x="677334" y="5367338"/>
+            <a:ext cx="8596667" cy="674024"/>
+          </a:xfrm>
+        </p:spPr>
+        <p:txBody>
+          <a:bodyPr>
+            <a:normAutofit/>
+          </a:bodyPr>
+          <a:lstStyle>
+            <a:lvl1pPr marL="0" indent="0">
+              <a:buNone/>
+              <a:defRPr sz="1200"/>
+            </a:lvl1pPr>
+            <a:lvl2pPr marL="457200" indent="0">
+              <a:buNone/>
+              <a:defRPr sz="1200"/>
+            </a:lvl2pPr>
+            <a:lvl3pPr marL="914400" indent="0">
+              <a:buNone/>
+              <a:defRPr sz="1000"/>
+            </a:lvl3pPr>
+            <a:lvl4pPr marL="1371600" indent="0">
+              <a:buNone/>
+              <a:defRPr sz="900"/>
+            </a:lvl4pPr>
+            <a:lvl5pPr marL="1828800" indent="0">
+              <a:buNone/>
+              <a:defRPr sz="900"/>
+            </a:lvl5pPr>
+            <a:lvl6pPr marL="2286000" indent="0">
+              <a:buNone/>
+              <a:defRPr sz="900"/>
+            </a:lvl6pPr>
+            <a:lvl7pPr marL="2743200" indent="0">
+              <a:buNone/>
+              <a:defRPr sz="900"/>
+            </a:lvl7pPr>
+            <a:lvl8pPr marL="3200400" indent="0">
+              <a:buNone/>
+              <a:defRPr sz="900"/>
+            </a:lvl8pPr>
+            <a:lvl9pPr marL="3657600" indent="0">
+              <a:buNone/>
+              <a:defRPr sz="900"/>
+            </a:lvl9pPr>
+          </a:lstStyle>
+          <a:p>
             <a:pPr lvl="0"/>
             <a:r>
               <a:rPr lang="en-US" smtClean="0"/>
@@ -2346,7 +5041,7 @@
           <a:p>
             <a:fld id="{A99C5B11-6607-4EFE-9B3F-FCF805DD55B2}" type="datetimeFigureOut">
               <a:rPr lang="en-US" smtClean="0"/>
-              <a:t>4/10/2016</a:t>
+              <a:t>4/11/2016</a:t>
             </a:fld>
             <a:endParaRPr lang="en-US"/>
           </a:p>
@@ -2397,7 +5092,7 @@
     </p:spTree>
     <p:extLst>
       <p:ext uri="{BB962C8B-B14F-4D97-AF65-F5344CB8AC3E}">
-        <p14:creationId xmlns:p14="http://schemas.microsoft.com/office/powerpoint/2010/main" val="4209281517"/>
+        <p14:creationId xmlns:p14="http://schemas.microsoft.com/office/powerpoint/2010/main" val="2690478681"/>
       </p:ext>
     </p:extLst>
   </p:cSld>
@@ -2429,6 +5124,536 @@
           <a:chExt cx="0" cy="0"/>
         </a:xfrm>
       </p:grpSpPr>
+      <p:grpSp>
+        <p:nvGrpSpPr>
+          <p:cNvPr id="7" name="Group 6"/>
+          <p:cNvGrpSpPr/>
+          <p:nvPr/>
+        </p:nvGrpSpPr>
+        <p:grpSpPr>
+          <a:xfrm>
+            <a:off x="0" y="-8467"/>
+            <a:ext cx="12192000" cy="6866467"/>
+            <a:chOff x="0" y="-8467"/>
+            <a:chExt cx="12192000" cy="6866467"/>
+          </a:xfrm>
+        </p:grpSpPr>
+        <p:cxnSp>
+          <p:nvCxnSpPr>
+            <p:cNvPr id="20" name="Straight Connector 19"/>
+            <p:cNvCxnSpPr/>
+            <p:nvPr/>
+          </p:nvCxnSpPr>
+          <p:spPr>
+            <a:xfrm>
+              <a:off x="9371012" y="0"/>
+              <a:ext cx="1219200" cy="6858000"/>
+            </a:xfrm>
+            <a:prstGeom prst="line">
+              <a:avLst/>
+            </a:prstGeom>
+            <a:ln w="9525">
+              <a:solidFill>
+                <a:schemeClr val="bg1">
+                  <a:lumMod val="75000"/>
+                </a:schemeClr>
+              </a:solidFill>
+            </a:ln>
+          </p:spPr>
+          <p:style>
+            <a:lnRef idx="2">
+              <a:schemeClr val="accent1"/>
+            </a:lnRef>
+            <a:fillRef idx="0">
+              <a:schemeClr val="accent1"/>
+            </a:fillRef>
+            <a:effectRef idx="1">
+              <a:schemeClr val="accent1"/>
+            </a:effectRef>
+            <a:fontRef idx="minor">
+              <a:schemeClr val="tx1"/>
+            </a:fontRef>
+          </p:style>
+        </p:cxnSp>
+        <p:cxnSp>
+          <p:nvCxnSpPr>
+            <p:cNvPr id="21" name="Straight Connector 20"/>
+            <p:cNvCxnSpPr/>
+            <p:nvPr/>
+          </p:nvCxnSpPr>
+          <p:spPr>
+            <a:xfrm flipH="1">
+              <a:off x="7425267" y="3681413"/>
+              <a:ext cx="4763558" cy="3176587"/>
+            </a:xfrm>
+            <a:prstGeom prst="line">
+              <a:avLst/>
+            </a:prstGeom>
+            <a:ln w="9525">
+              <a:solidFill>
+                <a:schemeClr val="bg1">
+                  <a:lumMod val="85000"/>
+                </a:schemeClr>
+              </a:solidFill>
+            </a:ln>
+          </p:spPr>
+          <p:style>
+            <a:lnRef idx="2">
+              <a:schemeClr val="accent1"/>
+            </a:lnRef>
+            <a:fillRef idx="0">
+              <a:schemeClr val="accent1"/>
+            </a:fillRef>
+            <a:effectRef idx="1">
+              <a:schemeClr val="accent1"/>
+            </a:effectRef>
+            <a:fontRef idx="minor">
+              <a:schemeClr val="tx1"/>
+            </a:fontRef>
+          </p:style>
+        </p:cxnSp>
+        <p:sp>
+          <p:nvSpPr>
+            <p:cNvPr id="22" name="Rectangle 23"/>
+            <p:cNvSpPr/>
+            <p:nvPr/>
+          </p:nvSpPr>
+          <p:spPr>
+            <a:xfrm>
+              <a:off x="9181476" y="-8467"/>
+              <a:ext cx="3007349" cy="6866467"/>
+            </a:xfrm>
+            <a:custGeom>
+              <a:avLst/>
+              <a:gdLst/>
+              <a:ahLst/>
+              <a:cxnLst/>
+              <a:rect l="l" t="t" r="r" b="b"/>
+              <a:pathLst>
+                <a:path w="3007349" h="6866467">
+                  <a:moveTo>
+                    <a:pt x="2045532" y="0"/>
+                  </a:moveTo>
+                  <a:lnTo>
+                    <a:pt x="3007349" y="0"/>
+                  </a:lnTo>
+                  <a:lnTo>
+                    <a:pt x="3007349" y="6866467"/>
+                  </a:lnTo>
+                  <a:lnTo>
+                    <a:pt x="0" y="6866467"/>
+                  </a:lnTo>
+                  <a:lnTo>
+                    <a:pt x="2045532" y="0"/>
+                  </a:lnTo>
+                  <a:close/>
+                </a:path>
+              </a:pathLst>
+            </a:custGeom>
+            <a:solidFill>
+              <a:schemeClr val="accent1">
+                <a:alpha val="30000"/>
+              </a:schemeClr>
+            </a:solidFill>
+            <a:ln>
+              <a:noFill/>
+            </a:ln>
+            <a:effectLst/>
+          </p:spPr>
+          <p:style>
+            <a:lnRef idx="1">
+              <a:schemeClr val="accent1"/>
+            </a:lnRef>
+            <a:fillRef idx="3">
+              <a:schemeClr val="accent1"/>
+            </a:fillRef>
+            <a:effectRef idx="2">
+              <a:schemeClr val="accent1"/>
+            </a:effectRef>
+            <a:fontRef idx="minor">
+              <a:schemeClr val="lt1"/>
+            </a:fontRef>
+          </p:style>
+        </p:sp>
+        <p:sp>
+          <p:nvSpPr>
+            <p:cNvPr id="23" name="Rectangle 25"/>
+            <p:cNvSpPr/>
+            <p:nvPr/>
+          </p:nvSpPr>
+          <p:spPr>
+            <a:xfrm>
+              <a:off x="9603442" y="-8467"/>
+              <a:ext cx="2588558" cy="6866467"/>
+            </a:xfrm>
+            <a:custGeom>
+              <a:avLst/>
+              <a:gdLst/>
+              <a:ahLst/>
+              <a:cxnLst/>
+              <a:rect l="l" t="t" r="r" b="b"/>
+              <a:pathLst>
+                <a:path w="2573311" h="6866467">
+                  <a:moveTo>
+                    <a:pt x="0" y="0"/>
+                  </a:moveTo>
+                  <a:lnTo>
+                    <a:pt x="2573311" y="0"/>
+                  </a:lnTo>
+                  <a:lnTo>
+                    <a:pt x="2573311" y="6866467"/>
+                  </a:lnTo>
+                  <a:lnTo>
+                    <a:pt x="1202336" y="6866467"/>
+                  </a:lnTo>
+                  <a:lnTo>
+                    <a:pt x="0" y="0"/>
+                  </a:lnTo>
+                  <a:close/>
+                </a:path>
+              </a:pathLst>
+            </a:custGeom>
+            <a:solidFill>
+              <a:schemeClr val="accent1">
+                <a:alpha val="20000"/>
+              </a:schemeClr>
+            </a:solidFill>
+            <a:ln>
+              <a:noFill/>
+            </a:ln>
+            <a:effectLst/>
+          </p:spPr>
+          <p:style>
+            <a:lnRef idx="1">
+              <a:schemeClr val="accent1"/>
+            </a:lnRef>
+            <a:fillRef idx="3">
+              <a:schemeClr val="accent1"/>
+            </a:fillRef>
+            <a:effectRef idx="2">
+              <a:schemeClr val="accent1"/>
+            </a:effectRef>
+            <a:fontRef idx="minor">
+              <a:schemeClr val="lt1"/>
+            </a:fontRef>
+          </p:style>
+        </p:sp>
+        <p:sp>
+          <p:nvSpPr>
+            <p:cNvPr id="24" name="Isosceles Triangle 23"/>
+            <p:cNvSpPr/>
+            <p:nvPr/>
+          </p:nvSpPr>
+          <p:spPr>
+            <a:xfrm>
+              <a:off x="8932333" y="3048000"/>
+              <a:ext cx="3259667" cy="3810000"/>
+            </a:xfrm>
+            <a:prstGeom prst="triangle">
+              <a:avLst>
+                <a:gd name="adj" fmla="val 100000"/>
+              </a:avLst>
+            </a:prstGeom>
+            <a:solidFill>
+              <a:schemeClr val="accent2">
+                <a:alpha val="72000"/>
+              </a:schemeClr>
+            </a:solidFill>
+            <a:ln>
+              <a:noFill/>
+            </a:ln>
+            <a:effectLst/>
+          </p:spPr>
+          <p:style>
+            <a:lnRef idx="1">
+              <a:schemeClr val="accent1"/>
+            </a:lnRef>
+            <a:fillRef idx="3">
+              <a:schemeClr val="accent1"/>
+            </a:fillRef>
+            <a:effectRef idx="2">
+              <a:schemeClr val="accent1"/>
+            </a:effectRef>
+            <a:fontRef idx="minor">
+              <a:schemeClr val="lt1"/>
+            </a:fontRef>
+          </p:style>
+        </p:sp>
+        <p:sp>
+          <p:nvSpPr>
+            <p:cNvPr id="25" name="Rectangle 27"/>
+            <p:cNvSpPr/>
+            <p:nvPr/>
+          </p:nvSpPr>
+          <p:spPr>
+            <a:xfrm>
+              <a:off x="9334500" y="-8467"/>
+              <a:ext cx="2854326" cy="6866467"/>
+            </a:xfrm>
+            <a:custGeom>
+              <a:avLst/>
+              <a:gdLst/>
+              <a:ahLst/>
+              <a:cxnLst/>
+              <a:rect l="l" t="t" r="r" b="b"/>
+              <a:pathLst>
+                <a:path w="2858013" h="6866467">
+                  <a:moveTo>
+                    <a:pt x="0" y="0"/>
+                  </a:moveTo>
+                  <a:lnTo>
+                    <a:pt x="2858013" y="0"/>
+                  </a:lnTo>
+                  <a:lnTo>
+                    <a:pt x="2858013" y="6866467"/>
+                  </a:lnTo>
+                  <a:lnTo>
+                    <a:pt x="2473942" y="6866467"/>
+                  </a:lnTo>
+                  <a:lnTo>
+                    <a:pt x="0" y="0"/>
+                  </a:lnTo>
+                  <a:close/>
+                </a:path>
+              </a:pathLst>
+            </a:custGeom>
+            <a:solidFill>
+              <a:schemeClr val="accent2">
+                <a:lumMod val="75000"/>
+                <a:alpha val="70000"/>
+              </a:schemeClr>
+            </a:solidFill>
+            <a:ln>
+              <a:noFill/>
+            </a:ln>
+            <a:effectLst/>
+          </p:spPr>
+          <p:style>
+            <a:lnRef idx="1">
+              <a:schemeClr val="accent1"/>
+            </a:lnRef>
+            <a:fillRef idx="3">
+              <a:schemeClr val="accent1"/>
+            </a:fillRef>
+            <a:effectRef idx="2">
+              <a:schemeClr val="accent1"/>
+            </a:effectRef>
+            <a:fontRef idx="minor">
+              <a:schemeClr val="lt1"/>
+            </a:fontRef>
+          </p:style>
+        </p:sp>
+        <p:sp>
+          <p:nvSpPr>
+            <p:cNvPr id="26" name="Rectangle 28"/>
+            <p:cNvSpPr/>
+            <p:nvPr/>
+          </p:nvSpPr>
+          <p:spPr>
+            <a:xfrm>
+              <a:off x="10898730" y="-8467"/>
+              <a:ext cx="1290094" cy="6866467"/>
+            </a:xfrm>
+            <a:custGeom>
+              <a:avLst/>
+              <a:gdLst/>
+              <a:ahLst/>
+              <a:cxnLst/>
+              <a:rect l="l" t="t" r="r" b="b"/>
+              <a:pathLst>
+                <a:path w="1290094" h="6858000">
+                  <a:moveTo>
+                    <a:pt x="1019735" y="0"/>
+                  </a:moveTo>
+                  <a:lnTo>
+                    <a:pt x="1290094" y="0"/>
+                  </a:lnTo>
+                  <a:lnTo>
+                    <a:pt x="1290094" y="6858000"/>
+                  </a:lnTo>
+                  <a:lnTo>
+                    <a:pt x="0" y="6858000"/>
+                  </a:lnTo>
+                  <a:lnTo>
+                    <a:pt x="1019735" y="0"/>
+                  </a:lnTo>
+                  <a:close/>
+                </a:path>
+              </a:pathLst>
+            </a:custGeom>
+            <a:solidFill>
+              <a:schemeClr val="accent1">
+                <a:lumMod val="60000"/>
+                <a:lumOff val="40000"/>
+                <a:alpha val="70000"/>
+              </a:schemeClr>
+            </a:solidFill>
+            <a:ln>
+              <a:noFill/>
+            </a:ln>
+            <a:effectLst/>
+          </p:spPr>
+          <p:style>
+            <a:lnRef idx="1">
+              <a:schemeClr val="accent1"/>
+            </a:lnRef>
+            <a:fillRef idx="3">
+              <a:schemeClr val="accent1"/>
+            </a:fillRef>
+            <a:effectRef idx="2">
+              <a:schemeClr val="accent1"/>
+            </a:effectRef>
+            <a:fontRef idx="minor">
+              <a:schemeClr val="lt1"/>
+            </a:fontRef>
+          </p:style>
+        </p:sp>
+        <p:sp>
+          <p:nvSpPr>
+            <p:cNvPr id="27" name="Rectangle 29"/>
+            <p:cNvSpPr/>
+            <p:nvPr/>
+          </p:nvSpPr>
+          <p:spPr>
+            <a:xfrm>
+              <a:off x="10938999" y="-8467"/>
+              <a:ext cx="1249825" cy="6866467"/>
+            </a:xfrm>
+            <a:custGeom>
+              <a:avLst/>
+              <a:gdLst/>
+              <a:ahLst/>
+              <a:cxnLst/>
+              <a:rect l="l" t="t" r="r" b="b"/>
+              <a:pathLst>
+                <a:path w="1249825" h="6858000">
+                  <a:moveTo>
+                    <a:pt x="0" y="0"/>
+                  </a:moveTo>
+                  <a:lnTo>
+                    <a:pt x="1249825" y="0"/>
+                  </a:lnTo>
+                  <a:lnTo>
+                    <a:pt x="1249825" y="6858000"/>
+                  </a:lnTo>
+                  <a:lnTo>
+                    <a:pt x="1109382" y="6858000"/>
+                  </a:lnTo>
+                  <a:lnTo>
+                    <a:pt x="0" y="0"/>
+                  </a:lnTo>
+                  <a:close/>
+                </a:path>
+              </a:pathLst>
+            </a:custGeom>
+            <a:solidFill>
+              <a:schemeClr val="accent1">
+                <a:alpha val="65000"/>
+              </a:schemeClr>
+            </a:solidFill>
+            <a:ln>
+              <a:noFill/>
+            </a:ln>
+            <a:effectLst/>
+          </p:spPr>
+          <p:style>
+            <a:lnRef idx="1">
+              <a:schemeClr val="accent1"/>
+            </a:lnRef>
+            <a:fillRef idx="3">
+              <a:schemeClr val="accent1"/>
+            </a:fillRef>
+            <a:effectRef idx="2">
+              <a:schemeClr val="accent1"/>
+            </a:effectRef>
+            <a:fontRef idx="minor">
+              <a:schemeClr val="lt1"/>
+            </a:fontRef>
+          </p:style>
+        </p:sp>
+        <p:sp>
+          <p:nvSpPr>
+            <p:cNvPr id="28" name="Isosceles Triangle 27"/>
+            <p:cNvSpPr/>
+            <p:nvPr/>
+          </p:nvSpPr>
+          <p:spPr>
+            <a:xfrm>
+              <a:off x="10371666" y="3589867"/>
+              <a:ext cx="1817159" cy="3268133"/>
+            </a:xfrm>
+            <a:prstGeom prst="triangle">
+              <a:avLst>
+                <a:gd name="adj" fmla="val 100000"/>
+              </a:avLst>
+            </a:prstGeom>
+            <a:solidFill>
+              <a:schemeClr val="accent1">
+                <a:alpha val="80000"/>
+              </a:schemeClr>
+            </a:solidFill>
+            <a:ln>
+              <a:noFill/>
+            </a:ln>
+            <a:effectLst/>
+          </p:spPr>
+          <p:style>
+            <a:lnRef idx="1">
+              <a:schemeClr val="accent1"/>
+            </a:lnRef>
+            <a:fillRef idx="3">
+              <a:schemeClr val="accent1"/>
+            </a:fillRef>
+            <a:effectRef idx="2">
+              <a:schemeClr val="accent1"/>
+            </a:effectRef>
+            <a:fontRef idx="minor">
+              <a:schemeClr val="lt1"/>
+            </a:fontRef>
+          </p:style>
+        </p:sp>
+        <p:sp>
+          <p:nvSpPr>
+            <p:cNvPr id="29" name="Isosceles Triangle 28"/>
+            <p:cNvSpPr/>
+            <p:nvPr/>
+          </p:nvSpPr>
+          <p:spPr>
+            <a:xfrm>
+              <a:off x="0" y="4013200"/>
+              <a:ext cx="448733" cy="2844800"/>
+            </a:xfrm>
+            <a:prstGeom prst="triangle">
+              <a:avLst>
+                <a:gd name="adj" fmla="val 0"/>
+              </a:avLst>
+            </a:prstGeom>
+            <a:solidFill>
+              <a:schemeClr val="accent1">
+                <a:alpha val="85000"/>
+              </a:schemeClr>
+            </a:solidFill>
+            <a:ln>
+              <a:noFill/>
+            </a:ln>
+            <a:effectLst/>
+          </p:spPr>
+          <p:style>
+            <a:lnRef idx="1">
+              <a:schemeClr val="accent1"/>
+            </a:lnRef>
+            <a:fillRef idx="3">
+              <a:schemeClr val="accent1"/>
+            </a:fillRef>
+            <a:effectRef idx="2">
+              <a:schemeClr val="accent1"/>
+            </a:effectRef>
+            <a:fontRef idx="minor">
+              <a:schemeClr val="lt1"/>
+            </a:fontRef>
+          </p:style>
+        </p:sp>
+      </p:grpSp>
       <p:sp>
         <p:nvSpPr>
           <p:cNvPr id="2" name="Title Placeholder 1"/>
@@ -2441,15 +5666,15 @@
         </p:nvSpPr>
         <p:spPr>
           <a:xfrm>
-            <a:off x="838200" y="365125"/>
-            <a:ext cx="10515600" cy="1325563"/>
+            <a:off x="677334" y="609600"/>
+            <a:ext cx="8596668" cy="1320800"/>
           </a:xfrm>
           <a:prstGeom prst="rect">
             <a:avLst/>
           </a:prstGeom>
         </p:spPr>
         <p:txBody>
-          <a:bodyPr vert="horz" lIns="91440" tIns="45720" rIns="91440" bIns="45720" rtlCol="0" anchor="ctr">
+          <a:bodyPr vert="horz" lIns="91440" tIns="45720" rIns="91440" bIns="45720" rtlCol="0" anchor="t">
             <a:normAutofit/>
           </a:bodyPr>
           <a:lstStyle/>
@@ -2458,7 +5683,7 @@
               <a:rPr lang="en-US" smtClean="0"/>
               <a:t>Click to edit Master title style</a:t>
             </a:r>
-            <a:endParaRPr lang="en-US"/>
+            <a:endParaRPr lang="en-US" dirty="0"/>
           </a:p>
         </p:txBody>
       </p:sp>
@@ -2474,8 +5699,8 @@
         </p:nvSpPr>
         <p:spPr>
           <a:xfrm>
-            <a:off x="838200" y="1825625"/>
-            <a:ext cx="10515600" cy="4351338"/>
+            <a:off x="677334" y="2160589"/>
+            <a:ext cx="8596668" cy="3880773"/>
           </a:xfrm>
           <a:prstGeom prst="rect">
             <a:avLst/>
@@ -2520,7 +5745,7 @@
               <a:rPr lang="en-US" smtClean="0"/>
               <a:t>Fifth level</a:t>
             </a:r>
-            <a:endParaRPr lang="en-US"/>
+            <a:endParaRPr lang="en-US" dirty="0"/>
           </a:p>
         </p:txBody>
       </p:sp>
@@ -2536,8 +5761,8 @@
         </p:nvSpPr>
         <p:spPr>
           <a:xfrm>
-            <a:off x="838200" y="6356350"/>
-            <a:ext cx="2743200" cy="365125"/>
+            <a:off x="7205133" y="6041362"/>
+            <a:ext cx="911939" cy="365125"/>
           </a:xfrm>
           <a:prstGeom prst="rect">
             <a:avLst/>
@@ -2546,8 +5771,8 @@
         <p:txBody>
           <a:bodyPr vert="horz" lIns="91440" tIns="45720" rIns="91440" bIns="45720" rtlCol="0" anchor="ctr"/>
           <a:lstStyle>
-            <a:lvl1pPr algn="l">
-              <a:defRPr sz="1200">
+            <a:lvl1pPr algn="r">
+              <a:defRPr sz="900">
                 <a:solidFill>
                   <a:schemeClr val="tx1">
                     <a:tint val="75000"/>
@@ -2559,7 +5784,7 @@
           <a:p>
             <a:fld id="{A99C5B11-6607-4EFE-9B3F-FCF805DD55B2}" type="datetimeFigureOut">
               <a:rPr lang="en-US" smtClean="0"/>
-              <a:t>4/10/2016</a:t>
+              <a:t>4/11/2016</a:t>
             </a:fld>
             <a:endParaRPr lang="en-US"/>
           </a:p>
@@ -2577,8 +5802,8 @@
         </p:nvSpPr>
         <p:spPr>
           <a:xfrm>
-            <a:off x="4038600" y="6356350"/>
-            <a:ext cx="4114800" cy="365125"/>
+            <a:off x="677334" y="6041362"/>
+            <a:ext cx="6297612" cy="365125"/>
           </a:xfrm>
           <a:prstGeom prst="rect">
             <a:avLst/>
@@ -2587,8 +5812,8 @@
         <p:txBody>
           <a:bodyPr vert="horz" lIns="91440" tIns="45720" rIns="91440" bIns="45720" rtlCol="0" anchor="ctr"/>
           <a:lstStyle>
-            <a:lvl1pPr algn="ctr">
-              <a:defRPr sz="1200">
+            <a:lvl1pPr algn="l">
+              <a:defRPr sz="900">
                 <a:solidFill>
                   <a:schemeClr val="tx1">
                     <a:tint val="75000"/>
@@ -2614,8 +5839,8 @@
         </p:nvSpPr>
         <p:spPr>
           <a:xfrm>
-            <a:off x="8610600" y="6356350"/>
-            <a:ext cx="2743200" cy="365125"/>
+            <a:off x="8590663" y="6041362"/>
+            <a:ext cx="683339" cy="365125"/>
           </a:xfrm>
           <a:prstGeom prst="rect">
             <a:avLst/>
@@ -2625,11 +5850,9 @@
           <a:bodyPr vert="horz" lIns="91440" tIns="45720" rIns="91440" bIns="45720" rtlCol="0" anchor="ctr"/>
           <a:lstStyle>
             <a:lvl1pPr algn="r">
-              <a:defRPr sz="1200">
-                <a:solidFill>
-                  <a:schemeClr val="tx1">
-                    <a:tint val="75000"/>
-                  </a:schemeClr>
+              <a:defRPr sz="900">
+                <a:solidFill>
+                  <a:schemeClr val="accent1"/>
                 </a:solidFill>
               </a:defRPr>
             </a:lvl1pPr>
@@ -2646,201 +5869,322 @@
     </p:spTree>
     <p:extLst>
       <p:ext uri="{BB962C8B-B14F-4D97-AF65-F5344CB8AC3E}">
-        <p14:creationId xmlns:p14="http://schemas.microsoft.com/office/powerpoint/2010/main" val="4185052773"/>
+        <p14:creationId xmlns:p14="http://schemas.microsoft.com/office/powerpoint/2010/main" val="1203271417"/>
       </p:ext>
     </p:extLst>
   </p:cSld>
   <p:clrMap bg1="lt1" tx1="dk1" bg2="lt2" tx2="dk2" accent1="accent1" accent2="accent2" accent3="accent3" accent4="accent4" accent5="accent5" accent6="accent6" hlink="hlink" folHlink="folHlink"/>
   <p:sldLayoutIdLst>
-    <p:sldLayoutId id="2147483649" r:id="rId1"/>
-    <p:sldLayoutId id="2147483650" r:id="rId2"/>
-    <p:sldLayoutId id="2147483651" r:id="rId3"/>
-    <p:sldLayoutId id="2147483652" r:id="rId4"/>
-    <p:sldLayoutId id="2147483653" r:id="rId5"/>
-    <p:sldLayoutId id="2147483654" r:id="rId6"/>
-    <p:sldLayoutId id="2147483655" r:id="rId7"/>
-    <p:sldLayoutId id="2147483656" r:id="rId8"/>
-    <p:sldLayoutId id="2147483657" r:id="rId9"/>
-    <p:sldLayoutId id="2147483658" r:id="rId10"/>
-    <p:sldLayoutId id="2147483659" r:id="rId11"/>
+    <p:sldLayoutId id="2147483774" r:id="rId1"/>
+    <p:sldLayoutId id="2147483775" r:id="rId2"/>
+    <p:sldLayoutId id="2147483776" r:id="rId3"/>
+    <p:sldLayoutId id="2147483777" r:id="rId4"/>
+    <p:sldLayoutId id="2147483778" r:id="rId5"/>
+    <p:sldLayoutId id="2147483779" r:id="rId6"/>
+    <p:sldLayoutId id="2147483780" r:id="rId7"/>
+    <p:sldLayoutId id="2147483781" r:id="rId8"/>
+    <p:sldLayoutId id="2147483782" r:id="rId9"/>
+    <p:sldLayoutId id="2147483783" r:id="rId10"/>
+    <p:sldLayoutId id="2147483784" r:id="rId11"/>
+    <p:sldLayoutId id="2147483785" r:id="rId12"/>
+    <p:sldLayoutId id="2147483786" r:id="rId13"/>
+    <p:sldLayoutId id="2147483787" r:id="rId14"/>
+    <p:sldLayoutId id="2147483788" r:id="rId15"/>
+    <p:sldLayoutId id="2147483789" r:id="rId16"/>
   </p:sldLayoutIdLst>
   <p:txStyles>
     <p:titleStyle>
-      <a:lvl1pPr algn="l" defTabSz="914400" rtl="0" eaLnBrk="1" latinLnBrk="0" hangingPunct="1">
-        <a:lnSpc>
-          <a:spcPct val="90000"/>
-        </a:lnSpc>
+      <a:lvl1pPr algn="l" defTabSz="457200" rtl="0" eaLnBrk="1" latinLnBrk="0" hangingPunct="1">
         <a:spcBef>
           <a:spcPct val="0"/>
         </a:spcBef>
         <a:buNone/>
-        <a:defRPr sz="4400" kern="1200">
+        <a:defRPr sz="3600" kern="1200">
           <a:solidFill>
-            <a:schemeClr val="tx1"/>
+            <a:schemeClr val="accent1"/>
           </a:solidFill>
           <a:latin typeface="+mj-lt"/>
           <a:ea typeface="+mj-ea"/>
           <a:cs typeface="+mj-cs"/>
         </a:defRPr>
       </a:lvl1pPr>
+      <a:lvl2pPr eaLnBrk="1" hangingPunct="1">
+        <a:defRPr>
+          <a:solidFill>
+            <a:schemeClr val="tx2"/>
+          </a:solidFill>
+        </a:defRPr>
+      </a:lvl2pPr>
+      <a:lvl3pPr eaLnBrk="1" hangingPunct="1">
+        <a:defRPr>
+          <a:solidFill>
+            <a:schemeClr val="tx2"/>
+          </a:solidFill>
+        </a:defRPr>
+      </a:lvl3pPr>
+      <a:lvl4pPr eaLnBrk="1" hangingPunct="1">
+        <a:defRPr>
+          <a:solidFill>
+            <a:schemeClr val="tx2"/>
+          </a:solidFill>
+        </a:defRPr>
+      </a:lvl4pPr>
+      <a:lvl5pPr eaLnBrk="1" hangingPunct="1">
+        <a:defRPr>
+          <a:solidFill>
+            <a:schemeClr val="tx2"/>
+          </a:solidFill>
+        </a:defRPr>
+      </a:lvl5pPr>
+      <a:lvl6pPr eaLnBrk="1" hangingPunct="1">
+        <a:defRPr>
+          <a:solidFill>
+            <a:schemeClr val="tx2"/>
+          </a:solidFill>
+        </a:defRPr>
+      </a:lvl6pPr>
+      <a:lvl7pPr eaLnBrk="1" hangingPunct="1">
+        <a:defRPr>
+          <a:solidFill>
+            <a:schemeClr val="tx2"/>
+          </a:solidFill>
+        </a:defRPr>
+      </a:lvl7pPr>
+      <a:lvl8pPr eaLnBrk="1" hangingPunct="1">
+        <a:defRPr>
+          <a:solidFill>
+            <a:schemeClr val="tx2"/>
+          </a:solidFill>
+        </a:defRPr>
+      </a:lvl8pPr>
+      <a:lvl9pPr eaLnBrk="1" hangingPunct="1">
+        <a:defRPr>
+          <a:solidFill>
+            <a:schemeClr val="tx2"/>
+          </a:solidFill>
+        </a:defRPr>
+      </a:lvl9pPr>
     </p:titleStyle>
     <p:bodyStyle>
-      <a:lvl1pPr marL="228600" indent="-228600" algn="l" defTabSz="914400" rtl="0" eaLnBrk="1" latinLnBrk="0" hangingPunct="1">
-        <a:lnSpc>
-          <a:spcPct val="90000"/>
-        </a:lnSpc>
+      <a:lvl1pPr marL="342900" indent="-342900" algn="l" defTabSz="457200" rtl="0" eaLnBrk="1" latinLnBrk="0" hangingPunct="1">
         <a:spcBef>
           <a:spcPts val="1000"/>
         </a:spcBef>
-        <a:buFont typeface="Arial" panose="020B0604020202020204" pitchFamily="34" charset="0"/>
-        <a:buChar char="•"/>
-        <a:defRPr sz="2800" kern="1200">
+        <a:spcAft>
+          <a:spcPts val="0"/>
+        </a:spcAft>
+        <a:buClr>
+          <a:schemeClr val="accent1"/>
+        </a:buClr>
+        <a:buSzPct val="80000"/>
+        <a:buFont typeface="Wingdings 3" charset="2"/>
+        <a:buChar char=""/>
+        <a:defRPr sz="1800" kern="1200">
           <a:solidFill>
-            <a:schemeClr val="tx1"/>
+            <a:schemeClr val="tx1">
+              <a:lumMod val="75000"/>
+              <a:lumOff val="25000"/>
+            </a:schemeClr>
           </a:solidFill>
           <a:latin typeface="+mn-lt"/>
           <a:ea typeface="+mn-ea"/>
           <a:cs typeface="+mn-cs"/>
         </a:defRPr>
       </a:lvl1pPr>
-      <a:lvl2pPr marL="685800" indent="-228600" algn="l" defTabSz="914400" rtl="0" eaLnBrk="1" latinLnBrk="0" hangingPunct="1">
-        <a:lnSpc>
-          <a:spcPct val="90000"/>
-        </a:lnSpc>
+      <a:lvl2pPr marL="742950" indent="-285750" algn="l" defTabSz="457200" rtl="0" eaLnBrk="1" latinLnBrk="0" hangingPunct="1">
         <a:spcBef>
-          <a:spcPts val="500"/>
+          <a:spcPts val="1000"/>
         </a:spcBef>
-        <a:buFont typeface="Arial" panose="020B0604020202020204" pitchFamily="34" charset="0"/>
-        <a:buChar char="•"/>
-        <a:defRPr sz="2400" kern="1200">
+        <a:spcAft>
+          <a:spcPts val="0"/>
+        </a:spcAft>
+        <a:buClr>
+          <a:schemeClr val="accent1"/>
+        </a:buClr>
+        <a:buSzPct val="80000"/>
+        <a:buFont typeface="Wingdings 3" charset="2"/>
+        <a:buChar char=""/>
+        <a:defRPr sz="1600" kern="1200">
           <a:solidFill>
-            <a:schemeClr val="tx1"/>
+            <a:schemeClr val="tx1">
+              <a:lumMod val="75000"/>
+              <a:lumOff val="25000"/>
+            </a:schemeClr>
           </a:solidFill>
           <a:latin typeface="+mn-lt"/>
           <a:ea typeface="+mn-ea"/>
           <a:cs typeface="+mn-cs"/>
         </a:defRPr>
       </a:lvl2pPr>
-      <a:lvl3pPr marL="1143000" indent="-228600" algn="l" defTabSz="914400" rtl="0" eaLnBrk="1" latinLnBrk="0" hangingPunct="1">
-        <a:lnSpc>
-          <a:spcPct val="90000"/>
-        </a:lnSpc>
+      <a:lvl3pPr marL="1143000" indent="-228600" algn="l" defTabSz="457200" rtl="0" eaLnBrk="1" latinLnBrk="0" hangingPunct="1">
         <a:spcBef>
-          <a:spcPts val="500"/>
+          <a:spcPts val="1000"/>
         </a:spcBef>
-        <a:buFont typeface="Arial" panose="020B0604020202020204" pitchFamily="34" charset="0"/>
-        <a:buChar char="•"/>
-        <a:defRPr sz="2000" kern="1200">
+        <a:spcAft>
+          <a:spcPts val="0"/>
+        </a:spcAft>
+        <a:buClr>
+          <a:schemeClr val="accent1"/>
+        </a:buClr>
+        <a:buSzPct val="80000"/>
+        <a:buFont typeface="Wingdings 3" charset="2"/>
+        <a:buChar char=""/>
+        <a:defRPr sz="1400" kern="1200">
           <a:solidFill>
-            <a:schemeClr val="tx1"/>
+            <a:schemeClr val="tx1">
+              <a:lumMod val="75000"/>
+              <a:lumOff val="25000"/>
+            </a:schemeClr>
           </a:solidFill>
           <a:latin typeface="+mn-lt"/>
           <a:ea typeface="+mn-ea"/>
           <a:cs typeface="+mn-cs"/>
         </a:defRPr>
       </a:lvl3pPr>
-      <a:lvl4pPr marL="1600200" indent="-228600" algn="l" defTabSz="914400" rtl="0" eaLnBrk="1" latinLnBrk="0" hangingPunct="1">
-        <a:lnSpc>
-          <a:spcPct val="90000"/>
-        </a:lnSpc>
+      <a:lvl4pPr marL="1600200" indent="-228600" algn="l" defTabSz="457200" rtl="0" eaLnBrk="1" latinLnBrk="0" hangingPunct="1">
         <a:spcBef>
-          <a:spcPts val="500"/>
+          <a:spcPts val="1000"/>
         </a:spcBef>
-        <a:buFont typeface="Arial" panose="020B0604020202020204" pitchFamily="34" charset="0"/>
-        <a:buChar char="•"/>
-        <a:defRPr sz="1800" kern="1200">
+        <a:spcAft>
+          <a:spcPts val="0"/>
+        </a:spcAft>
+        <a:buClr>
+          <a:schemeClr val="accent1"/>
+        </a:buClr>
+        <a:buSzPct val="80000"/>
+        <a:buFont typeface="Wingdings 3" charset="2"/>
+        <a:buChar char=""/>
+        <a:defRPr sz="1200" kern="1200">
           <a:solidFill>
-            <a:schemeClr val="tx1"/>
+            <a:schemeClr val="tx1">
+              <a:lumMod val="75000"/>
+              <a:lumOff val="25000"/>
+            </a:schemeClr>
           </a:solidFill>
           <a:latin typeface="+mn-lt"/>
           <a:ea typeface="+mn-ea"/>
           <a:cs typeface="+mn-cs"/>
         </a:defRPr>
       </a:lvl4pPr>
-      <a:lvl5pPr marL="2057400" indent="-228600" algn="l" defTabSz="914400" rtl="0" eaLnBrk="1" latinLnBrk="0" hangingPunct="1">
-        <a:lnSpc>
-          <a:spcPct val="90000"/>
-        </a:lnSpc>
+      <a:lvl5pPr marL="2057400" indent="-228600" algn="l" defTabSz="457200" rtl="0" eaLnBrk="1" latinLnBrk="0" hangingPunct="1">
         <a:spcBef>
-          <a:spcPts val="500"/>
+          <a:spcPts val="1000"/>
         </a:spcBef>
-        <a:buFont typeface="Arial" panose="020B0604020202020204" pitchFamily="34" charset="0"/>
-        <a:buChar char="•"/>
-        <a:defRPr sz="1800" kern="1200">
+        <a:spcAft>
+          <a:spcPts val="0"/>
+        </a:spcAft>
+        <a:buClr>
+          <a:schemeClr val="accent1"/>
+        </a:buClr>
+        <a:buSzPct val="80000"/>
+        <a:buFont typeface="Wingdings 3" charset="2"/>
+        <a:buChar char=""/>
+        <a:defRPr sz="1200" kern="1200">
           <a:solidFill>
-            <a:schemeClr val="tx1"/>
+            <a:schemeClr val="tx1">
+              <a:lumMod val="75000"/>
+              <a:lumOff val="25000"/>
+            </a:schemeClr>
           </a:solidFill>
           <a:latin typeface="+mn-lt"/>
           <a:ea typeface="+mn-ea"/>
           <a:cs typeface="+mn-cs"/>
         </a:defRPr>
       </a:lvl5pPr>
-      <a:lvl6pPr marL="2514600" indent="-228600" algn="l" defTabSz="914400" rtl="0" eaLnBrk="1" latinLnBrk="0" hangingPunct="1">
-        <a:lnSpc>
-          <a:spcPct val="90000"/>
-        </a:lnSpc>
+      <a:lvl6pPr marL="2514600" indent="-228600" algn="l" defTabSz="457200" rtl="0" eaLnBrk="1" latinLnBrk="0" hangingPunct="1">
         <a:spcBef>
-          <a:spcPts val="500"/>
+          <a:spcPts val="1000"/>
         </a:spcBef>
-        <a:buFont typeface="Arial" panose="020B0604020202020204" pitchFamily="34" charset="0"/>
-        <a:buChar char="•"/>
-        <a:defRPr sz="1800" kern="1200">
+        <a:spcAft>
+          <a:spcPts val="0"/>
+        </a:spcAft>
+        <a:buClr>
+          <a:schemeClr val="accent1"/>
+        </a:buClr>
+        <a:buSzPct val="80000"/>
+        <a:buFont typeface="Wingdings 3" charset="2"/>
+        <a:buChar char=""/>
+        <a:defRPr sz="1200" kern="1200">
           <a:solidFill>
-            <a:schemeClr val="tx1"/>
+            <a:schemeClr val="tx1">
+              <a:lumMod val="75000"/>
+              <a:lumOff val="25000"/>
+            </a:schemeClr>
           </a:solidFill>
           <a:latin typeface="+mn-lt"/>
           <a:ea typeface="+mn-ea"/>
           <a:cs typeface="+mn-cs"/>
         </a:defRPr>
       </a:lvl6pPr>
-      <a:lvl7pPr marL="2971800" indent="-228600" algn="l" defTabSz="914400" rtl="0" eaLnBrk="1" latinLnBrk="0" hangingPunct="1">
-        <a:lnSpc>
-          <a:spcPct val="90000"/>
-        </a:lnSpc>
+      <a:lvl7pPr marL="2971800" indent="-228600" algn="l" defTabSz="457200" rtl="0" eaLnBrk="1" latinLnBrk="0" hangingPunct="1">
         <a:spcBef>
-          <a:spcPts val="500"/>
+          <a:spcPts val="1000"/>
         </a:spcBef>
-        <a:buFont typeface="Arial" panose="020B0604020202020204" pitchFamily="34" charset="0"/>
-        <a:buChar char="•"/>
-        <a:defRPr sz="1800" kern="1200">
+        <a:spcAft>
+          <a:spcPts val="0"/>
+        </a:spcAft>
+        <a:buClr>
+          <a:schemeClr val="accent1"/>
+        </a:buClr>
+        <a:buSzPct val="80000"/>
+        <a:buFont typeface="Wingdings 3" charset="2"/>
+        <a:buChar char=""/>
+        <a:defRPr sz="1200" kern="1200">
           <a:solidFill>
-            <a:schemeClr val="tx1"/>
+            <a:schemeClr val="tx1">
+              <a:lumMod val="75000"/>
+              <a:lumOff val="25000"/>
+            </a:schemeClr>
           </a:solidFill>
           <a:latin typeface="+mn-lt"/>
           <a:ea typeface="+mn-ea"/>
           <a:cs typeface="+mn-cs"/>
         </a:defRPr>
       </a:lvl7pPr>
-      <a:lvl8pPr marL="3429000" indent="-228600" algn="l" defTabSz="914400" rtl="0" eaLnBrk="1" latinLnBrk="0" hangingPunct="1">
-        <a:lnSpc>
-          <a:spcPct val="90000"/>
-        </a:lnSpc>
+      <a:lvl8pPr marL="3429000" indent="-228600" algn="l" defTabSz="457200" rtl="0" eaLnBrk="1" latinLnBrk="0" hangingPunct="1">
         <a:spcBef>
-          <a:spcPts val="500"/>
+          <a:spcPts val="1000"/>
         </a:spcBef>
-        <a:buFont typeface="Arial" panose="020B0604020202020204" pitchFamily="34" charset="0"/>
-        <a:buChar char="•"/>
-        <a:defRPr sz="1800" kern="1200">
+        <a:spcAft>
+          <a:spcPts val="0"/>
+        </a:spcAft>
+        <a:buClr>
+          <a:schemeClr val="accent1"/>
+        </a:buClr>
+        <a:buSzPct val="80000"/>
+        <a:buFont typeface="Wingdings 3" charset="2"/>
+        <a:buChar char=""/>
+        <a:defRPr sz="1200" kern="1200">
           <a:solidFill>
-            <a:schemeClr val="tx1"/>
+            <a:schemeClr val="tx1">
+              <a:lumMod val="75000"/>
+              <a:lumOff val="25000"/>
+            </a:schemeClr>
           </a:solidFill>
           <a:latin typeface="+mn-lt"/>
           <a:ea typeface="+mn-ea"/>
           <a:cs typeface="+mn-cs"/>
         </a:defRPr>
       </a:lvl8pPr>
-      <a:lvl9pPr marL="3886200" indent="-228600" algn="l" defTabSz="914400" rtl="0" eaLnBrk="1" latinLnBrk="0" hangingPunct="1">
-        <a:lnSpc>
-          <a:spcPct val="90000"/>
-        </a:lnSpc>
+      <a:lvl9pPr marL="3886200" indent="-228600" algn="l" defTabSz="457200" rtl="0" eaLnBrk="1" latinLnBrk="0" hangingPunct="1">
         <a:spcBef>
-          <a:spcPts val="500"/>
+          <a:spcPts val="1000"/>
         </a:spcBef>
-        <a:buFont typeface="Arial" panose="020B0604020202020204" pitchFamily="34" charset="0"/>
-        <a:buChar char="•"/>
-        <a:defRPr sz="1800" kern="1200">
+        <a:spcAft>
+          <a:spcPts val="0"/>
+        </a:spcAft>
+        <a:buClr>
+          <a:schemeClr val="accent1"/>
+        </a:buClr>
+        <a:buSzPct val="80000"/>
+        <a:buFont typeface="Wingdings 3" charset="2"/>
+        <a:buChar char=""/>
+        <a:defRPr sz="1200" kern="1200">
           <a:solidFill>
-            <a:schemeClr val="tx1"/>
+            <a:schemeClr val="tx1">
+              <a:lumMod val="75000"/>
+              <a:lumOff val="25000"/>
+            </a:schemeClr>
           </a:solidFill>
           <a:latin typeface="+mn-lt"/>
           <a:ea typeface="+mn-ea"/>
@@ -2852,7 +6196,7 @@
       <a:defPPr>
         <a:defRPr lang="en-US"/>
       </a:defPPr>
-      <a:lvl1pPr marL="0" algn="l" defTabSz="914400" rtl="0" eaLnBrk="1" latinLnBrk="0" hangingPunct="1">
+      <a:lvl1pPr marL="0" algn="l" defTabSz="457200" rtl="0" eaLnBrk="1" latinLnBrk="0" hangingPunct="1">
         <a:defRPr sz="1800" kern="1200">
           <a:solidFill>
             <a:schemeClr val="tx1"/>
@@ -2862,7 +6206,7 @@
           <a:cs typeface="+mn-cs"/>
         </a:defRPr>
       </a:lvl1pPr>
-      <a:lvl2pPr marL="457200" algn="l" defTabSz="914400" rtl="0" eaLnBrk="1" latinLnBrk="0" hangingPunct="1">
+      <a:lvl2pPr marL="457200" algn="l" defTabSz="457200" rtl="0" eaLnBrk="1" latinLnBrk="0" hangingPunct="1">
         <a:defRPr sz="1800" kern="1200">
           <a:solidFill>
             <a:schemeClr val="tx1"/>
@@ -2872,7 +6216,7 @@
           <a:cs typeface="+mn-cs"/>
         </a:defRPr>
       </a:lvl2pPr>
-      <a:lvl3pPr marL="914400" algn="l" defTabSz="914400" rtl="0" eaLnBrk="1" latinLnBrk="0" hangingPunct="1">
+      <a:lvl3pPr marL="914400" algn="l" defTabSz="457200" rtl="0" eaLnBrk="1" latinLnBrk="0" hangingPunct="1">
         <a:defRPr sz="1800" kern="1200">
           <a:solidFill>
             <a:schemeClr val="tx1"/>
@@ -2882,7 +6226,7 @@
           <a:cs typeface="+mn-cs"/>
         </a:defRPr>
       </a:lvl3pPr>
-      <a:lvl4pPr marL="1371600" algn="l" defTabSz="914400" rtl="0" eaLnBrk="1" latinLnBrk="0" hangingPunct="1">
+      <a:lvl4pPr marL="1371600" algn="l" defTabSz="457200" rtl="0" eaLnBrk="1" latinLnBrk="0" hangingPunct="1">
         <a:defRPr sz="1800" kern="1200">
           <a:solidFill>
             <a:schemeClr val="tx1"/>
@@ -2892,7 +6236,7 @@
           <a:cs typeface="+mn-cs"/>
         </a:defRPr>
       </a:lvl4pPr>
-      <a:lvl5pPr marL="1828800" algn="l" defTabSz="914400" rtl="0" eaLnBrk="1" latinLnBrk="0" hangingPunct="1">
+      <a:lvl5pPr marL="1828800" algn="l" defTabSz="457200" rtl="0" eaLnBrk="1" latinLnBrk="0" hangingPunct="1">
         <a:defRPr sz="1800" kern="1200">
           <a:solidFill>
             <a:schemeClr val="tx1"/>
@@ -2902,7 +6246,7 @@
           <a:cs typeface="+mn-cs"/>
         </a:defRPr>
       </a:lvl5pPr>
-      <a:lvl6pPr marL="2286000" algn="l" defTabSz="914400" rtl="0" eaLnBrk="1" latinLnBrk="0" hangingPunct="1">
+      <a:lvl6pPr marL="2286000" algn="l" defTabSz="457200" rtl="0" eaLnBrk="1" latinLnBrk="0" hangingPunct="1">
         <a:defRPr sz="1800" kern="1200">
           <a:solidFill>
             <a:schemeClr val="tx1"/>
@@ -2912,7 +6256,7 @@
           <a:cs typeface="+mn-cs"/>
         </a:defRPr>
       </a:lvl6pPr>
-      <a:lvl7pPr marL="2743200" algn="l" defTabSz="914400" rtl="0" eaLnBrk="1" latinLnBrk="0" hangingPunct="1">
+      <a:lvl7pPr marL="2743200" algn="l" defTabSz="457200" rtl="0" eaLnBrk="1" latinLnBrk="0" hangingPunct="1">
         <a:defRPr sz="1800" kern="1200">
           <a:solidFill>
             <a:schemeClr val="tx1"/>
@@ -2922,7 +6266,7 @@
           <a:cs typeface="+mn-cs"/>
         </a:defRPr>
       </a:lvl7pPr>
-      <a:lvl8pPr marL="3200400" algn="l" defTabSz="914400" rtl="0" eaLnBrk="1" latinLnBrk="0" hangingPunct="1">
+      <a:lvl8pPr marL="3200400" algn="l" defTabSz="457200" rtl="0" eaLnBrk="1" latinLnBrk="0" hangingPunct="1">
         <a:defRPr sz="1800" kern="1200">
           <a:solidFill>
             <a:schemeClr val="tx1"/>
@@ -2932,7 +6276,7 @@
           <a:cs typeface="+mn-cs"/>
         </a:defRPr>
       </a:lvl8pPr>
-      <a:lvl9pPr marL="3657600" algn="l" defTabSz="914400" rtl="0" eaLnBrk="1" latinLnBrk="0" hangingPunct="1">
+      <a:lvl9pPr marL="3657600" algn="l" defTabSz="457200" rtl="0" eaLnBrk="1" latinLnBrk="0" hangingPunct="1">
         <a:defRPr sz="1800" kern="1200">
           <a:solidFill>
             <a:schemeClr val="tx1"/>
@@ -2944,6 +6288,11 @@
       </a:lvl9pPr>
     </p:otherStyle>
   </p:txStyles>
+  <p:extLst>
+    <p:ext uri="{27BBF7A9-308A-43DC-89C8-2F10F3537804}">
+      <p15:sldGuideLst xmlns:p15="http://schemas.microsoft.com/office/powerpoint/2012/main"/>
+    </p:ext>
+  </p:extLst>
 </p:sldMaster>
 </file>
 
@@ -2974,35 +6323,51 @@
             <p:ph type="ctrTitle"/>
           </p:nvPr>
         </p:nvSpPr>
+        <p:spPr>
+          <a:xfrm>
+            <a:off x="1097280" y="758952"/>
+            <a:ext cx="10058400" cy="2662342"/>
+          </a:xfrm>
+        </p:spPr>
+        <p:txBody>
+          <a:bodyPr/>
+          <a:lstStyle/>
+          <a:p>
+            <a:pPr algn="ctr"/>
+            <a:r>
+              <a:rPr lang="en-US" dirty="0" smtClean="0">
+                <a:solidFill>
+                  <a:srgbClr val="7030A0"/>
+                </a:solidFill>
+                <a:latin typeface="Agency FB" panose="020B0503020202020204" pitchFamily="34" charset="0"/>
+              </a:rPr>
+              <a:t>Scala</a:t>
+            </a:r>
+            <a:endParaRPr lang="en-US" dirty="0">
+              <a:solidFill>
+                <a:srgbClr val="7030A0"/>
+              </a:solidFill>
+              <a:latin typeface="Agency FB" panose="020B0503020202020204" pitchFamily="34" charset="0"/>
+            </a:endParaRPr>
+          </a:p>
+        </p:txBody>
+      </p:sp>
+      <p:sp>
+        <p:nvSpPr>
+          <p:cNvPr id="3" name="Subtitle 2"/>
+          <p:cNvSpPr>
+            <a:spLocks noGrp="1"/>
+          </p:cNvSpPr>
+          <p:nvPr>
+            <p:ph type="subTitle" idx="1"/>
+          </p:nvPr>
+        </p:nvSpPr>
         <p:spPr/>
         <p:txBody>
           <a:bodyPr/>
           <a:lstStyle/>
           <a:p>
-            <a:r>
-              <a:rPr lang="en-US" dirty="0" smtClean="0"/>
-              <a:t>Scala</a:t>
-            </a:r>
             <a:endParaRPr lang="en-US" dirty="0"/>
-          </a:p>
-        </p:txBody>
-      </p:sp>
-      <p:sp>
-        <p:nvSpPr>
-          <p:cNvPr id="3" name="Subtitle 2"/>
-          <p:cNvSpPr>
-            <a:spLocks noGrp="1"/>
-          </p:cNvSpPr>
-          <p:nvPr>
-            <p:ph type="subTitle" idx="1"/>
-          </p:nvPr>
-        </p:nvSpPr>
-        <p:spPr/>
-        <p:txBody>
-          <a:bodyPr/>
-          <a:lstStyle/>
-          <a:p>
-            <a:endParaRPr lang="en-US"/>
           </a:p>
         </p:txBody>
       </p:sp>
@@ -3019,7 +6384,656 @@
 </p:sld>
 </file>
 
+<file path=ppt/slides/slide2.xml><?xml version="1.0" encoding="utf-8"?>
+<p:sld xmlns:a="http://schemas.openxmlformats.org/drawingml/2006/main" xmlns:r="http://schemas.openxmlformats.org/officeDocument/2006/relationships" xmlns:p="http://schemas.openxmlformats.org/presentationml/2006/main">
+  <p:cSld>
+    <p:spTree>
+      <p:nvGrpSpPr>
+        <p:cNvPr id="1" name=""/>
+        <p:cNvGrpSpPr/>
+        <p:nvPr/>
+      </p:nvGrpSpPr>
+      <p:grpSpPr>
+        <a:xfrm>
+          <a:off x="0" y="0"/>
+          <a:ext cx="0" cy="0"/>
+          <a:chOff x="0" y="0"/>
+          <a:chExt cx="0" cy="0"/>
+        </a:xfrm>
+      </p:grpSpPr>
+      <p:sp>
+        <p:nvSpPr>
+          <p:cNvPr id="2" name="Title 1"/>
+          <p:cNvSpPr>
+            <a:spLocks noGrp="1"/>
+          </p:cNvSpPr>
+          <p:nvPr>
+            <p:ph type="title"/>
+          </p:nvPr>
+        </p:nvSpPr>
+        <p:spPr>
+          <a:xfrm>
+            <a:off x="1097280" y="286604"/>
+            <a:ext cx="10058400" cy="709990"/>
+          </a:xfrm>
+        </p:spPr>
+        <p:txBody>
+          <a:bodyPr>
+            <a:normAutofit/>
+          </a:bodyPr>
+          <a:lstStyle/>
+          <a:p>
+            <a:pPr algn="ctr"/>
+            <a:r>
+              <a:rPr lang="en-US" dirty="0" smtClean="0">
+                <a:solidFill>
+                  <a:srgbClr val="7030A0"/>
+                </a:solidFill>
+              </a:rPr>
+              <a:t>Introduction</a:t>
+            </a:r>
+            <a:endParaRPr lang="en-US" dirty="0">
+              <a:solidFill>
+                <a:srgbClr val="7030A0"/>
+              </a:solidFill>
+            </a:endParaRPr>
+          </a:p>
+        </p:txBody>
+      </p:sp>
+      <p:sp>
+        <p:nvSpPr>
+          <p:cNvPr id="3" name="Content Placeholder 2"/>
+          <p:cNvSpPr>
+            <a:spLocks noGrp="1"/>
+          </p:cNvSpPr>
+          <p:nvPr>
+            <p:ph idx="1"/>
+          </p:nvPr>
+        </p:nvSpPr>
+        <p:spPr>
+          <a:xfrm>
+            <a:off x="1097280" y="1181528"/>
+            <a:ext cx="10058400" cy="4430712"/>
+          </a:xfrm>
+        </p:spPr>
+        <p:txBody>
+          <a:bodyPr/>
+          <a:lstStyle/>
+          <a:p>
+            <a:r>
+              <a:rPr lang="en-US" dirty="0" smtClean="0"/>
+              <a:t>Modern</a:t>
+            </a:r>
+          </a:p>
+          <a:p>
+            <a:r>
+              <a:rPr lang="en-US" dirty="0"/>
+              <a:t>M</a:t>
+            </a:r>
+            <a:r>
+              <a:rPr lang="en-US" dirty="0" smtClean="0"/>
+              <a:t>ulti-paradigm</a:t>
+            </a:r>
+          </a:p>
+          <a:p>
+            <a:r>
+              <a:rPr lang="en-US" dirty="0"/>
+              <a:t>P</a:t>
+            </a:r>
+            <a:r>
+              <a:rPr lang="en-US" dirty="0" smtClean="0"/>
+              <a:t>rogramming language</a:t>
+            </a:r>
+          </a:p>
+          <a:p>
+            <a:r>
+              <a:rPr lang="en-US" dirty="0"/>
+              <a:t>designed to express common programming patterns in a concise, elegant, </a:t>
+            </a:r>
+            <a:endParaRPr lang="en-US" dirty="0" smtClean="0"/>
+          </a:p>
+          <a:p>
+            <a:pPr marL="0" indent="0">
+              <a:buNone/>
+            </a:pPr>
+            <a:r>
+              <a:rPr lang="en-US" dirty="0"/>
+              <a:t>	</a:t>
+            </a:r>
+            <a:r>
+              <a:rPr lang="en-US" dirty="0" smtClean="0"/>
+              <a:t>and </a:t>
+            </a:r>
+            <a:r>
+              <a:rPr lang="en-US" dirty="0"/>
+              <a:t>type-safe </a:t>
+            </a:r>
+            <a:r>
+              <a:rPr lang="en-US" dirty="0" smtClean="0"/>
+              <a:t>way</a:t>
+            </a:r>
+          </a:p>
+          <a:p>
+            <a:pPr marL="0" indent="0">
+              <a:buNone/>
+            </a:pPr>
+            <a:endParaRPr lang="en-US" dirty="0"/>
+          </a:p>
+          <a:p>
+            <a:pPr marL="0" indent="0">
+              <a:buNone/>
+            </a:pPr>
+            <a:r>
+              <a:rPr lang="en-US" sz="5400" dirty="0" smtClean="0"/>
+              <a:t>∫</a:t>
+            </a:r>
+            <a:r>
+              <a:rPr lang="en-US" sz="3200" dirty="0" smtClean="0"/>
+              <a:t>(OOPs, Functional Features)</a:t>
+            </a:r>
+            <a:endParaRPr lang="en-US" sz="3200" dirty="0"/>
+          </a:p>
+        </p:txBody>
+      </p:sp>
+    </p:spTree>
+    <p:extLst>
+      <p:ext uri="{BB962C8B-B14F-4D97-AF65-F5344CB8AC3E}">
+        <p14:creationId xmlns:p14="http://schemas.microsoft.com/office/powerpoint/2010/main" val="1522853511"/>
+      </p:ext>
+    </p:extLst>
+  </p:cSld>
+  <p:clrMapOvr>
+    <a:masterClrMapping/>
+  </p:clrMapOvr>
+</p:sld>
+</file>
+
+<file path=ppt/slides/slide3.xml><?xml version="1.0" encoding="utf-8"?>
+<p:sld xmlns:a="http://schemas.openxmlformats.org/drawingml/2006/main" xmlns:r="http://schemas.openxmlformats.org/officeDocument/2006/relationships" xmlns:p="http://schemas.openxmlformats.org/presentationml/2006/main">
+  <p:cSld>
+    <p:spTree>
+      <p:nvGrpSpPr>
+        <p:cNvPr id="1" name=""/>
+        <p:cNvGrpSpPr/>
+        <p:nvPr/>
+      </p:nvGrpSpPr>
+      <p:grpSpPr>
+        <a:xfrm>
+          <a:off x="0" y="0"/>
+          <a:ext cx="0" cy="0"/>
+          <a:chOff x="0" y="0"/>
+          <a:chExt cx="0" cy="0"/>
+        </a:xfrm>
+      </p:grpSpPr>
+      <p:sp>
+        <p:nvSpPr>
+          <p:cNvPr id="2" name="Title 1"/>
+          <p:cNvSpPr>
+            <a:spLocks noGrp="1"/>
+          </p:cNvSpPr>
+          <p:nvPr>
+            <p:ph type="title"/>
+          </p:nvPr>
+        </p:nvSpPr>
+        <p:spPr>
+          <a:xfrm>
+            <a:off x="841720" y="342472"/>
+            <a:ext cx="8596668" cy="736315"/>
+          </a:xfrm>
+        </p:spPr>
+        <p:txBody>
+          <a:bodyPr/>
+          <a:lstStyle/>
+          <a:p>
+            <a:pPr algn="ctr"/>
+            <a:r>
+              <a:rPr lang="en-US" dirty="0" smtClean="0">
+                <a:solidFill>
+                  <a:srgbClr val="7030A0"/>
+                </a:solidFill>
+              </a:rPr>
+              <a:t>Scala is Object-Oriented</a:t>
+            </a:r>
+            <a:endParaRPr lang="en-US" dirty="0"/>
+          </a:p>
+        </p:txBody>
+      </p:sp>
+      <p:sp>
+        <p:nvSpPr>
+          <p:cNvPr id="3" name="Content Placeholder 2"/>
+          <p:cNvSpPr>
+            <a:spLocks noGrp="1"/>
+          </p:cNvSpPr>
+          <p:nvPr>
+            <p:ph idx="1"/>
+          </p:nvPr>
+        </p:nvSpPr>
+        <p:spPr>
+          <a:xfrm>
+            <a:off x="677334" y="1078787"/>
+            <a:ext cx="8596668" cy="4962575"/>
+          </a:xfrm>
+        </p:spPr>
+        <p:txBody>
+          <a:bodyPr/>
+          <a:lstStyle/>
+          <a:p>
+            <a:r>
+              <a:rPr lang="en-US" dirty="0" smtClean="0"/>
+              <a:t>Every value is object – pure OO</a:t>
+            </a:r>
+          </a:p>
+          <a:p>
+            <a:r>
+              <a:rPr lang="en-US" dirty="0" smtClean="0"/>
+              <a:t>Classes – to define types - templates </a:t>
+            </a:r>
+            <a:r>
+              <a:rPr lang="en-US" dirty="0"/>
+              <a:t>that can be instantiated into many objects at runtime</a:t>
+            </a:r>
+            <a:endParaRPr lang="en-US" dirty="0" smtClean="0"/>
+          </a:p>
+          <a:p>
+            <a:r>
+              <a:rPr lang="en-US" dirty="0" smtClean="0"/>
+              <a:t>Traits – to define behavior – similar to interfaces in java8</a:t>
+            </a:r>
+          </a:p>
+          <a:p>
+            <a:r>
+              <a:rPr lang="en-US" dirty="0" smtClean="0"/>
+              <a:t>Inheritance is there </a:t>
+            </a:r>
+            <a:r>
+              <a:rPr lang="en-US" smtClean="0"/>
+              <a:t>– sub classing </a:t>
+            </a:r>
+            <a:r>
+              <a:rPr lang="en-US" dirty="0" smtClean="0"/>
+              <a:t>is allowed</a:t>
+            </a:r>
+            <a:endParaRPr lang="en-US" dirty="0"/>
+          </a:p>
+        </p:txBody>
+      </p:sp>
+    </p:spTree>
+    <p:extLst>
+      <p:ext uri="{BB962C8B-B14F-4D97-AF65-F5344CB8AC3E}">
+        <p14:creationId xmlns:p14="http://schemas.microsoft.com/office/powerpoint/2010/main" val="3006838086"/>
+      </p:ext>
+    </p:extLst>
+  </p:cSld>
+  <p:clrMapOvr>
+    <a:masterClrMapping/>
+  </p:clrMapOvr>
+  <p:timing>
+    <p:tnLst>
+      <p:par>
+        <p:cTn id="1" dur="indefinite" restart="never" nodeType="tmRoot"/>
+      </p:par>
+    </p:tnLst>
+  </p:timing>
+</p:sld>
+</file>
+
+<file path=ppt/slides/slide4.xml><?xml version="1.0" encoding="utf-8"?>
+<p:sld xmlns:a="http://schemas.openxmlformats.org/drawingml/2006/main" xmlns:r="http://schemas.openxmlformats.org/officeDocument/2006/relationships" xmlns:p="http://schemas.openxmlformats.org/presentationml/2006/main">
+  <p:cSld>
+    <p:spTree>
+      <p:nvGrpSpPr>
+        <p:cNvPr id="1" name=""/>
+        <p:cNvGrpSpPr/>
+        <p:nvPr/>
+      </p:nvGrpSpPr>
+      <p:grpSpPr>
+        <a:xfrm>
+          <a:off x="0" y="0"/>
+          <a:ext cx="0" cy="0"/>
+          <a:chOff x="0" y="0"/>
+          <a:chExt cx="0" cy="0"/>
+        </a:xfrm>
+      </p:grpSpPr>
+      <p:sp>
+        <p:nvSpPr>
+          <p:cNvPr id="2" name="Title 1"/>
+          <p:cNvSpPr>
+            <a:spLocks noGrp="1"/>
+          </p:cNvSpPr>
+          <p:nvPr>
+            <p:ph type="title"/>
+          </p:nvPr>
+        </p:nvSpPr>
+        <p:spPr>
+          <a:xfrm>
+            <a:off x="677334" y="414391"/>
+            <a:ext cx="8596668" cy="859604"/>
+          </a:xfrm>
+        </p:spPr>
+        <p:txBody>
+          <a:bodyPr/>
+          <a:lstStyle/>
+          <a:p>
+            <a:pPr algn="ctr"/>
+            <a:r>
+              <a:rPr lang="en-US" dirty="0" smtClean="0">
+                <a:solidFill>
+                  <a:srgbClr val="7030A0"/>
+                </a:solidFill>
+              </a:rPr>
+              <a:t>Unified Types</a:t>
+            </a:r>
+            <a:endParaRPr lang="en-US" dirty="0"/>
+          </a:p>
+        </p:txBody>
+      </p:sp>
+      <p:pic>
+        <p:nvPicPr>
+          <p:cNvPr id="5" name="Content Placeholder 4"/>
+          <p:cNvPicPr>
+            <a:picLocks noGrp="1" noChangeAspect="1"/>
+          </p:cNvPicPr>
+          <p:nvPr>
+            <p:ph idx="1"/>
+          </p:nvPr>
+        </p:nvPicPr>
+        <p:blipFill>
+          <a:blip r:embed="rId3">
+            <a:extLst>
+              <a:ext uri="{28A0092B-C50C-407E-A947-70E740481C1C}">
+                <a14:useLocalDpi xmlns:a14="http://schemas.microsoft.com/office/drawing/2010/main" val="0"/>
+              </a:ext>
+            </a:extLst>
+          </a:blip>
+          <a:stretch>
+            <a:fillRect/>
+          </a:stretch>
+        </p:blipFill>
+        <p:spPr>
+          <a:xfrm>
+            <a:off x="2308213" y="1532499"/>
+            <a:ext cx="5705475" cy="3781425"/>
+          </a:xfrm>
+        </p:spPr>
+      </p:pic>
+    </p:spTree>
+    <p:extLst>
+      <p:ext uri="{BB962C8B-B14F-4D97-AF65-F5344CB8AC3E}">
+        <p14:creationId xmlns:p14="http://schemas.microsoft.com/office/powerpoint/2010/main" val="1743860095"/>
+      </p:ext>
+    </p:extLst>
+  </p:cSld>
+  <p:clrMapOvr>
+    <a:masterClrMapping/>
+  </p:clrMapOvr>
+  <p:timing>
+    <p:tnLst>
+      <p:par>
+        <p:cTn id="1" dur="indefinite" restart="never" nodeType="tmRoot"/>
+      </p:par>
+    </p:tnLst>
+  </p:timing>
+</p:sld>
+</file>
+
 <file path=ppt/theme/theme1.xml><?xml version="1.0" encoding="utf-8"?>
+<a:theme xmlns:a="http://schemas.openxmlformats.org/drawingml/2006/main" name="Facet">
+  <a:themeElements>
+    <a:clrScheme name="Facet">
+      <a:dk1>
+        <a:sysClr val="windowText" lastClr="000000"/>
+      </a:dk1>
+      <a:lt1>
+        <a:sysClr val="window" lastClr="FFFFFF"/>
+      </a:lt1>
+      <a:dk2>
+        <a:srgbClr val="2C3C43"/>
+      </a:dk2>
+      <a:lt2>
+        <a:srgbClr val="EBEBEB"/>
+      </a:lt2>
+      <a:accent1>
+        <a:srgbClr val="90C226"/>
+      </a:accent1>
+      <a:accent2>
+        <a:srgbClr val="54A021"/>
+      </a:accent2>
+      <a:accent3>
+        <a:srgbClr val="E6B91E"/>
+      </a:accent3>
+      <a:accent4>
+        <a:srgbClr val="E76618"/>
+      </a:accent4>
+      <a:accent5>
+        <a:srgbClr val="C42F1A"/>
+      </a:accent5>
+      <a:accent6>
+        <a:srgbClr val="918655"/>
+      </a:accent6>
+      <a:hlink>
+        <a:srgbClr val="99CA3C"/>
+      </a:hlink>
+      <a:folHlink>
+        <a:srgbClr val="B9D181"/>
+      </a:folHlink>
+    </a:clrScheme>
+    <a:fontScheme name="Facet">
+      <a:majorFont>
+        <a:latin typeface="Trebuchet MS" panose="020B0603020202020204"/>
+        <a:ea typeface=""/>
+        <a:cs typeface=""/>
+        <a:font script="Jpan" typeface="メイリオ"/>
+        <a:font script="Hang" typeface="맑은 고딕"/>
+        <a:font script="Hans" typeface="方正姚体"/>
+        <a:font script="Hant" typeface="微軟正黑體"/>
+        <a:font script="Arab" typeface="Tahoma"/>
+        <a:font script="Hebr" typeface="Arial"/>
+        <a:font script="Thai" typeface="Cordia New"/>
+        <a:font script="Ethi" typeface="Nyala"/>
+        <a:font script="Beng" typeface="Vrinda"/>
+        <a:font script="Gujr" typeface="Shruti"/>
+        <a:font script="Khmr" typeface="DaunPenh"/>
+        <a:font script="Knda" typeface="Tunga"/>
+        <a:font script="Guru" typeface="Raavi"/>
+        <a:font script="Cans" typeface="Euphemia"/>
+        <a:font script="Cher" typeface="Plantagenet Cherokee"/>
+        <a:font script="Yiii" typeface="Microsoft Yi Baiti"/>
+        <a:font script="Tibt" typeface="Microsoft Himalaya"/>
+        <a:font script="Thaa" typeface="MV Boli"/>
+        <a:font script="Deva" typeface="Mangal"/>
+        <a:font script="Telu" typeface="Gautami"/>
+        <a:font script="Taml" typeface="Latha"/>
+        <a:font script="Syrc" typeface="Estrangelo Edessa"/>
+        <a:font script="Orya" typeface="Kalinga"/>
+        <a:font script="Mlym" typeface="Kartika"/>
+        <a:font script="Laoo" typeface="DokChampa"/>
+        <a:font script="Sinh" typeface="Iskoola Pota"/>
+        <a:font script="Mong" typeface="Mongolian Baiti"/>
+        <a:font script="Viet" typeface="Tahoma"/>
+        <a:font script="Uigh" typeface="Microsoft Uighur"/>
+        <a:font script="Geor" typeface="Sylfaen"/>
+      </a:majorFont>
+      <a:minorFont>
+        <a:latin typeface="Trebuchet MS" panose="020B0603020202020204"/>
+        <a:ea typeface=""/>
+        <a:cs typeface=""/>
+        <a:font script="Jpan" typeface="メイリオ"/>
+        <a:font script="Hang" typeface="HY그래픽M"/>
+        <a:font script="Hans" typeface="华文新魏"/>
+        <a:font script="Hant" typeface="微軟正黑體"/>
+        <a:font script="Arab" typeface="Tahoma"/>
+        <a:font script="Hebr" typeface="Gisha"/>
+        <a:font script="Thai" typeface="IrisUPC"/>
+        <a:font script="Ethi" typeface="Nyala"/>
+        <a:font script="Beng" typeface="Vrinda"/>
+        <a:font script="Gujr" typeface="Shruti"/>
+        <a:font script="Khmr" typeface="DaunPenh"/>
+        <a:font script="Knda" typeface="Tunga"/>
+        <a:font script="Guru" typeface="Raavi"/>
+        <a:font script="Cans" typeface="Euphemia"/>
+        <a:font script="Cher" typeface="Plantagenet Cherokee"/>
+        <a:font script="Yiii" typeface="Microsoft Yi Baiti"/>
+        <a:font script="Tibt" typeface="Microsoft Himalaya"/>
+        <a:font script="Thaa" typeface="MV Boli"/>
+        <a:font script="Deva" typeface="Mangal"/>
+        <a:font script="Telu" typeface="Gautami"/>
+        <a:font script="Taml" typeface="Latha"/>
+        <a:font script="Syrc" typeface="Estrangelo Edessa"/>
+        <a:font script="Orya" typeface="Kalinga"/>
+        <a:font script="Mlym" typeface="Kartika"/>
+        <a:font script="Laoo" typeface="DokChampa"/>
+        <a:font script="Sinh" typeface="Iskoola Pota"/>
+        <a:font script="Mong" typeface="Mongolian Baiti"/>
+        <a:font script="Viet" typeface="Arial"/>
+        <a:font script="Uigh" typeface="Microsoft Uighur"/>
+        <a:font script="Geor" typeface="Sylfaen"/>
+      </a:minorFont>
+    </a:fontScheme>
+    <a:fmtScheme name="Facet">
+      <a:fillStyleLst>
+        <a:solidFill>
+          <a:schemeClr val="phClr"/>
+        </a:solidFill>
+        <a:gradFill rotWithShape="1">
+          <a:gsLst>
+            <a:gs pos="0">
+              <a:schemeClr val="phClr">
+                <a:tint val="65000"/>
+                <a:lumMod val="110000"/>
+              </a:schemeClr>
+            </a:gs>
+            <a:gs pos="88000">
+              <a:schemeClr val="phClr">
+                <a:tint val="90000"/>
+              </a:schemeClr>
+            </a:gs>
+          </a:gsLst>
+          <a:lin ang="5400000" scaled="0"/>
+        </a:gradFill>
+        <a:gradFill rotWithShape="1">
+          <a:gsLst>
+            <a:gs pos="0">
+              <a:schemeClr val="phClr">
+                <a:tint val="96000"/>
+                <a:lumMod val="100000"/>
+              </a:schemeClr>
+            </a:gs>
+            <a:gs pos="78000">
+              <a:schemeClr val="phClr">
+                <a:shade val="94000"/>
+                <a:lumMod val="94000"/>
+              </a:schemeClr>
+            </a:gs>
+          </a:gsLst>
+          <a:lin ang="5400000" scaled="0"/>
+        </a:gradFill>
+      </a:fillStyleLst>
+      <a:lnStyleLst>
+        <a:ln w="12700" cap="rnd" cmpd="sng" algn="ctr">
+          <a:solidFill>
+            <a:schemeClr val="phClr"/>
+          </a:solidFill>
+          <a:prstDash val="solid"/>
+        </a:ln>
+        <a:ln w="19050" cap="rnd" cmpd="sng" algn="ctr">
+          <a:solidFill>
+            <a:schemeClr val="phClr"/>
+          </a:solidFill>
+          <a:prstDash val="solid"/>
+        </a:ln>
+        <a:ln w="25400" cap="rnd" cmpd="sng" algn="ctr">
+          <a:solidFill>
+            <a:schemeClr val="phClr"/>
+          </a:solidFill>
+          <a:prstDash val="solid"/>
+        </a:ln>
+      </a:lnStyleLst>
+      <a:effectStyleLst>
+        <a:effectStyle>
+          <a:effectLst/>
+        </a:effectStyle>
+        <a:effectStyle>
+          <a:effectLst>
+            <a:outerShdw blurRad="38100" dist="25400" dir="5400000" rotWithShape="0">
+              <a:srgbClr val="000000">
+                <a:alpha val="35000"/>
+              </a:srgbClr>
+            </a:outerShdw>
+          </a:effectLst>
+        </a:effectStyle>
+        <a:effectStyle>
+          <a:effectLst>
+            <a:outerShdw blurRad="50800" dist="38100" dir="5400000" rotWithShape="0">
+              <a:srgbClr val="000000">
+                <a:alpha val="35000"/>
+              </a:srgbClr>
+            </a:outerShdw>
+          </a:effectLst>
+          <a:scene3d>
+            <a:camera prst="orthographicFront">
+              <a:rot lat="0" lon="0" rev="0"/>
+            </a:camera>
+            <a:lightRig rig="threePt" dir="tl"/>
+          </a:scene3d>
+          <a:sp3d prstMaterial="plastic">
+            <a:bevelT w="0" h="0"/>
+          </a:sp3d>
+        </a:effectStyle>
+      </a:effectStyleLst>
+      <a:bgFillStyleLst>
+        <a:solidFill>
+          <a:schemeClr val="phClr"/>
+        </a:solidFill>
+        <a:gradFill rotWithShape="1">
+          <a:gsLst>
+            <a:gs pos="0">
+              <a:schemeClr val="phClr">
+                <a:tint val="90000"/>
+                <a:lumMod val="104000"/>
+              </a:schemeClr>
+            </a:gs>
+            <a:gs pos="94000">
+              <a:schemeClr val="phClr">
+                <a:shade val="96000"/>
+                <a:lumMod val="82000"/>
+              </a:schemeClr>
+            </a:gs>
+          </a:gsLst>
+          <a:lin ang="5400000" scaled="0"/>
+        </a:gradFill>
+        <a:gradFill rotWithShape="1">
+          <a:gsLst>
+            <a:gs pos="0">
+              <a:schemeClr val="phClr">
+                <a:tint val="90000"/>
+                <a:lumMod val="110000"/>
+              </a:schemeClr>
+            </a:gs>
+            <a:gs pos="100000">
+              <a:schemeClr val="phClr">
+                <a:shade val="94000"/>
+                <a:lumMod val="96000"/>
+              </a:schemeClr>
+            </a:gs>
+          </a:gsLst>
+          <a:path path="circle">
+            <a:fillToRect l="50000" t="50000" r="100000" b="100000"/>
+          </a:path>
+        </a:gradFill>
+      </a:bgFillStyleLst>
+    </a:fmtScheme>
+  </a:themeElements>
+  <a:objectDefaults/>
+  <a:extraClrSchemeLst/>
+  <a:extLst>
+    <a:ext uri="{05A4C25C-085E-4340-85A3-A5531E510DB2}">
+      <thm15:themeFamily xmlns:thm15="http://schemas.microsoft.com/office/thememl/2012/main" name="Facet" id="{C0C680CD-088A-49FC-A102-D699147F32B2}" vid="{CFBC31BA-B70F-4F30-BCAA-4F3011E16C4D}"/>
+    </a:ext>
+  </a:extLst>
+</a:theme>
+</file>
+
+<file path=ppt/theme/theme2.xml><?xml version="1.0" encoding="utf-8"?>
 <a:theme xmlns:a="http://schemas.openxmlformats.org/drawingml/2006/main" name="Office Theme">
   <a:themeElements>
     <a:clrScheme name="Office">

--- a/ScalaRepositary/ScalaTrainingPrep/Scala.pptx
+++ b/ScalaRepositary/ScalaTrainingPrep/Scala.pptx
@@ -5,13 +5,14 @@
     <p:sldMasterId id="2147483773" r:id="rId1"/>
   </p:sldMasterIdLst>
   <p:notesMasterIdLst>
-    <p:notesMasterId r:id="rId6"/>
+    <p:notesMasterId r:id="rId7"/>
   </p:notesMasterIdLst>
   <p:sldIdLst>
     <p:sldId id="256" r:id="rId2"/>
     <p:sldId id="257" r:id="rId3"/>
     <p:sldId id="258" r:id="rId4"/>
     <p:sldId id="259" r:id="rId5"/>
+    <p:sldId id="260" r:id="rId6"/>
   </p:sldIdLst>
   <p:sldSz cx="12192000" cy="6858000"/>
   <p:notesSz cx="6858000" cy="9144000"/>
@@ -200,7 +201,7 @@
           <a:p>
             <a:fld id="{3240BC99-1AF2-4BD1-B6C5-9B1A6BD04C8E}" type="datetimeFigureOut">
               <a:rPr lang="en-US" smtClean="0"/>
-              <a:t>4/11/2016</a:t>
+              <a:t>4/15/2016</a:t>
             </a:fld>
             <a:endParaRPr lang="en-US"/>
           </a:p>
@@ -1286,7 +1287,7 @@
           <a:p>
             <a:fld id="{A99C5B11-6607-4EFE-9B3F-FCF805DD55B2}" type="datetimeFigureOut">
               <a:rPr lang="en-US" smtClean="0"/>
-              <a:t>4/11/2016</a:t>
+              <a:t>4/15/2016</a:t>
             </a:fld>
             <a:endParaRPr lang="en-US"/>
           </a:p>
@@ -1537,7 +1538,7 @@
           <a:p>
             <a:fld id="{A99C5B11-6607-4EFE-9B3F-FCF805DD55B2}" type="datetimeFigureOut">
               <a:rPr lang="en-US" smtClean="0"/>
-              <a:t>4/11/2016</a:t>
+              <a:t>4/15/2016</a:t>
             </a:fld>
             <a:endParaRPr lang="en-US"/>
           </a:p>
@@ -1851,7 +1852,7 @@
           <a:p>
             <a:fld id="{A99C5B11-6607-4EFE-9B3F-FCF805DD55B2}" type="datetimeFigureOut">
               <a:rPr lang="en-US" smtClean="0"/>
-              <a:t>4/11/2016</a:t>
+              <a:t>4/15/2016</a:t>
             </a:fld>
             <a:endParaRPr lang="en-US"/>
           </a:p>
@@ -2192,7 +2193,7 @@
           <a:p>
             <a:fld id="{A99C5B11-6607-4EFE-9B3F-FCF805DD55B2}" type="datetimeFigureOut">
               <a:rPr lang="en-US" smtClean="0"/>
-              <a:t>4/11/2016</a:t>
+              <a:t>4/15/2016</a:t>
             </a:fld>
             <a:endParaRPr lang="en-US"/>
           </a:p>
@@ -2506,7 +2507,7 @@
           <a:p>
             <a:fld id="{A99C5B11-6607-4EFE-9B3F-FCF805DD55B2}" type="datetimeFigureOut">
               <a:rPr lang="en-US" smtClean="0"/>
-              <a:t>4/11/2016</a:t>
+              <a:t>4/15/2016</a:t>
             </a:fld>
             <a:endParaRPr lang="en-US"/>
           </a:p>
@@ -2899,7 +2900,7 @@
           <a:p>
             <a:fld id="{A99C5B11-6607-4EFE-9B3F-FCF805DD55B2}" type="datetimeFigureOut">
               <a:rPr lang="en-US" smtClean="0"/>
-              <a:t>4/11/2016</a:t>
+              <a:t>4/15/2016</a:t>
             </a:fld>
             <a:endParaRPr lang="en-US"/>
           </a:p>
@@ -3069,7 +3070,7 @@
           <a:p>
             <a:fld id="{A99C5B11-6607-4EFE-9B3F-FCF805DD55B2}" type="datetimeFigureOut">
               <a:rPr lang="en-US" smtClean="0"/>
-              <a:t>4/11/2016</a:t>
+              <a:t>4/15/2016</a:t>
             </a:fld>
             <a:endParaRPr lang="en-US"/>
           </a:p>
@@ -3249,7 +3250,7 @@
           <a:p>
             <a:fld id="{A99C5B11-6607-4EFE-9B3F-FCF805DD55B2}" type="datetimeFigureOut">
               <a:rPr lang="en-US" smtClean="0"/>
-              <a:t>4/11/2016</a:t>
+              <a:t>4/15/2016</a:t>
             </a:fld>
             <a:endParaRPr lang="en-US"/>
           </a:p>
@@ -3425,7 +3426,7 @@
           <a:p>
             <a:fld id="{A99C5B11-6607-4EFE-9B3F-FCF805DD55B2}" type="datetimeFigureOut">
               <a:rPr lang="en-US" smtClean="0"/>
-              <a:t>4/11/2016</a:t>
+              <a:t>4/15/2016</a:t>
             </a:fld>
             <a:endParaRPr lang="en-US"/>
           </a:p>
@@ -3672,7 +3673,7 @@
           <a:p>
             <a:fld id="{A99C5B11-6607-4EFE-9B3F-FCF805DD55B2}" type="datetimeFigureOut">
               <a:rPr lang="en-US" smtClean="0"/>
-              <a:t>4/11/2016</a:t>
+              <a:t>4/15/2016</a:t>
             </a:fld>
             <a:endParaRPr lang="en-US"/>
           </a:p>
@@ -3904,7 +3905,7 @@
           <a:p>
             <a:fld id="{A99C5B11-6607-4EFE-9B3F-FCF805DD55B2}" type="datetimeFigureOut">
               <a:rPr lang="en-US" smtClean="0"/>
-              <a:t>4/11/2016</a:t>
+              <a:t>4/15/2016</a:t>
             </a:fld>
             <a:endParaRPr lang="en-US"/>
           </a:p>
@@ -4283,7 +4284,7 @@
           <a:p>
             <a:fld id="{A99C5B11-6607-4EFE-9B3F-FCF805DD55B2}" type="datetimeFigureOut">
               <a:rPr lang="en-US" smtClean="0"/>
-              <a:t>4/11/2016</a:t>
+              <a:t>4/15/2016</a:t>
             </a:fld>
             <a:endParaRPr lang="en-US"/>
           </a:p>
@@ -4411,7 +4412,7 @@
           <a:p>
             <a:fld id="{A99C5B11-6607-4EFE-9B3F-FCF805DD55B2}" type="datetimeFigureOut">
               <a:rPr lang="en-US" smtClean="0"/>
-              <a:t>4/11/2016</a:t>
+              <a:t>4/15/2016</a:t>
             </a:fld>
             <a:endParaRPr lang="en-US"/>
           </a:p>
@@ -4506,7 +4507,7 @@
           <a:p>
             <a:fld id="{A99C5B11-6607-4EFE-9B3F-FCF805DD55B2}" type="datetimeFigureOut">
               <a:rPr lang="en-US" smtClean="0"/>
-              <a:t>4/11/2016</a:t>
+              <a:t>4/15/2016</a:t>
             </a:fld>
             <a:endParaRPr lang="en-US"/>
           </a:p>
@@ -4761,7 +4762,7 @@
           <a:p>
             <a:fld id="{A99C5B11-6607-4EFE-9B3F-FCF805DD55B2}" type="datetimeFigureOut">
               <a:rPr lang="en-US" smtClean="0"/>
-              <a:t>4/11/2016</a:t>
+              <a:t>4/15/2016</a:t>
             </a:fld>
             <a:endParaRPr lang="en-US"/>
           </a:p>
@@ -5029,7 +5030,7 @@
           <a:p>
             <a:fld id="{A99C5B11-6607-4EFE-9B3F-FCF805DD55B2}" type="datetimeFigureOut">
               <a:rPr lang="en-US" smtClean="0"/>
-              <a:t>4/11/2016</a:t>
+              <a:t>4/15/2016</a:t>
             </a:fld>
             <a:endParaRPr lang="en-US"/>
           </a:p>
@@ -5772,7 +5773,7 @@
           <a:p>
             <a:fld id="{A99C5B11-6607-4EFE-9B3F-FCF805DD55B2}" type="datetimeFigureOut">
               <a:rPr lang="en-US" smtClean="0"/>
-              <a:t>4/11/2016</a:t>
+              <a:t>4/15/2016</a:t>
             </a:fld>
             <a:endParaRPr lang="en-US"/>
           </a:p>
@@ -6455,13 +6456,10 @@
           </a:p>
           <a:p>
             <a:r>
-              <a:rPr lang="en-US" dirty="0"/>
-              <a:t>M</a:t>
-            </a:r>
-            <a:r>
               <a:rPr lang="en-US" dirty="0" smtClean="0"/>
-              <a:t>ulti-paradigm</a:t>
-            </a:r>
+              <a:t>Multi-paradigm – why ?</a:t>
+            </a:r>
+            <a:endParaRPr lang="en-US" dirty="0" smtClean="0"/>
           </a:p>
           <a:p>
             <a:r>
@@ -6476,7 +6474,15 @@
           <a:p>
             <a:r>
               <a:rPr lang="en-US" dirty="0"/>
-              <a:t>designed to express common programming patterns in a concise, elegant, </a:t>
+              <a:t>designed to express common programming patterns in a </a:t>
+            </a:r>
+            <a:r>
+              <a:rPr lang="en-US" i="1" dirty="0" smtClean="0"/>
+              <a:t>concise (?),</a:t>
+            </a:r>
+            <a:r>
+              <a:rPr lang="en-US" dirty="0" smtClean="0"/>
+              <a:t> elegant(?), </a:t>
             </a:r>
             <a:endParaRPr lang="en-US" dirty="0" smtClean="0"/>
           </a:p>
@@ -6493,13 +6499,19 @@
               <a:t>and </a:t>
             </a:r>
             <a:r>
-              <a:rPr lang="en-US" dirty="0"/>
-              <a:t>type-safe </a:t>
+              <a:rPr lang="en-US" dirty="0" smtClean="0"/>
+              <a:t>type-safe(?) </a:t>
             </a:r>
             <a:r>
               <a:rPr lang="en-US" dirty="0" smtClean="0"/>
               <a:t>way</a:t>
             </a:r>
+          </a:p>
+          <a:p>
+            <a:pPr marL="0" indent="0">
+              <a:buNone/>
+            </a:pPr>
+            <a:endParaRPr lang="en-US" dirty="0" smtClean="0"/>
           </a:p>
           <a:p>
             <a:pPr marL="0" indent="0">
@@ -6631,16 +6643,44 @@
           <a:p>
             <a:r>
               <a:rPr lang="en-US" dirty="0" smtClean="0"/>
-              <a:t>Inheritance is there </a:t>
-            </a:r>
-            <a:r>
-              <a:rPr lang="en-US" smtClean="0"/>
-              <a:t>– sub classing </a:t>
+              <a:t>Inheritance is there – sub classing is </a:t>
             </a:r>
             <a:r>
               <a:rPr lang="en-US" dirty="0" smtClean="0"/>
-              <a:t>is allowed</a:t>
-            </a:r>
+              <a:t>allowed</a:t>
+            </a:r>
+          </a:p>
+          <a:p>
+            <a:r>
+              <a:rPr lang="en-US" dirty="0" smtClean="0"/>
+              <a:t>Supports </a:t>
+            </a:r>
+            <a:r>
+              <a:rPr lang="en-US" dirty="0" err="1" smtClean="0"/>
+              <a:t>mixin</a:t>
+            </a:r>
+            <a:r>
+              <a:rPr lang="en-US" dirty="0" smtClean="0"/>
+              <a:t>-based composition</a:t>
+            </a:r>
+            <a:r>
+              <a:rPr lang="en-US" dirty="0"/>
+              <a:t> </a:t>
+            </a:r>
+            <a:r>
+              <a:rPr lang="en-US" dirty="0" smtClean="0"/>
+              <a:t>mechanism  : </a:t>
+            </a:r>
+            <a:r>
+              <a:rPr lang="en-US" dirty="0"/>
+              <a:t>a clean replacement for multiple inheritance</a:t>
+            </a:r>
+            <a:endParaRPr lang="en-US" dirty="0" smtClean="0"/>
+          </a:p>
+          <a:p>
+            <a:pPr marL="0" indent="0">
+              <a:buNone/>
+            </a:pPr>
             <a:endParaRPr lang="en-US" dirty="0"/>
           </a:p>
         </p:txBody>
@@ -6744,6 +6784,63 @@
           </a:xfrm>
         </p:spPr>
       </p:pic>
+      <p:sp>
+        <p:nvSpPr>
+          <p:cNvPr id="3" name="TextBox 2"/>
+          <p:cNvSpPr txBox="1"/>
+          <p:nvPr/>
+        </p:nvSpPr>
+        <p:spPr>
+          <a:xfrm>
+            <a:off x="925286" y="6106886"/>
+            <a:ext cx="6934641" cy="369332"/>
+          </a:xfrm>
+          <a:prstGeom prst="rect">
+            <a:avLst/>
+          </a:prstGeom>
+          <a:noFill/>
+        </p:spPr>
+        <p:txBody>
+          <a:bodyPr wrap="square" rtlCol="0">
+            <a:spAutoFit/>
+          </a:bodyPr>
+          <a:lstStyle/>
+          <a:p>
+            <a:r>
+              <a:rPr lang="en-US" dirty="0" smtClean="0"/>
+              <a:t>All </a:t>
+            </a:r>
+            <a:r>
+              <a:rPr lang="en-US" b="1" dirty="0" smtClean="0">
+                <a:solidFill>
+                  <a:schemeClr val="accent5"/>
+                </a:solidFill>
+              </a:rPr>
+              <a:t>values</a:t>
+            </a:r>
+            <a:r>
+              <a:rPr lang="en-US" dirty="0" smtClean="0">
+                <a:solidFill>
+                  <a:schemeClr val="accent5"/>
+                </a:solidFill>
+              </a:rPr>
+              <a:t> </a:t>
+            </a:r>
+            <a:r>
+              <a:rPr lang="en-US" dirty="0" smtClean="0"/>
+              <a:t>in </a:t>
+            </a:r>
+            <a:r>
+              <a:rPr lang="en-US" dirty="0" err="1" smtClean="0"/>
+              <a:t>scala</a:t>
+            </a:r>
+            <a:r>
+              <a:rPr lang="en-US" dirty="0" smtClean="0"/>
+              <a:t> are objects : numerical values and functions</a:t>
+            </a:r>
+          </a:p>
+        </p:txBody>
+      </p:sp>
     </p:spTree>
     <p:extLst>
       <p:ext uri="{BB962C8B-B14F-4D97-AF65-F5344CB8AC3E}">
@@ -6761,6 +6858,245 @@
       </p:par>
     </p:tnLst>
   </p:timing>
+</p:sld>
+</file>
+
+<file path=ppt/slides/slide5.xml><?xml version="1.0" encoding="utf-8"?>
+<p:sld xmlns:a="http://schemas.openxmlformats.org/drawingml/2006/main" xmlns:r="http://schemas.openxmlformats.org/officeDocument/2006/relationships" xmlns:p="http://schemas.openxmlformats.org/presentationml/2006/main">
+  <p:cSld>
+    <p:spTree>
+      <p:nvGrpSpPr>
+        <p:cNvPr id="1" name=""/>
+        <p:cNvGrpSpPr/>
+        <p:nvPr/>
+      </p:nvGrpSpPr>
+      <p:grpSpPr>
+        <a:xfrm>
+          <a:off x="0" y="0"/>
+          <a:ext cx="0" cy="0"/>
+          <a:chOff x="0" y="0"/>
+          <a:chExt cx="0" cy="0"/>
+        </a:xfrm>
+      </p:grpSpPr>
+      <p:sp>
+        <p:nvSpPr>
+          <p:cNvPr id="2" name="Title 1"/>
+          <p:cNvSpPr>
+            <a:spLocks noGrp="1"/>
+          </p:cNvSpPr>
+          <p:nvPr>
+            <p:ph type="title"/>
+          </p:nvPr>
+        </p:nvSpPr>
+        <p:spPr>
+          <a:xfrm>
+            <a:off x="677334" y="152400"/>
+            <a:ext cx="8596668" cy="816428"/>
+          </a:xfrm>
+        </p:spPr>
+        <p:txBody>
+          <a:bodyPr>
+            <a:normAutofit fontScale="90000"/>
+          </a:bodyPr>
+          <a:lstStyle/>
+          <a:p>
+            <a:pPr algn="ctr"/>
+            <a:r>
+              <a:rPr lang="en-US" sz="4000" dirty="0">
+                <a:solidFill>
+                  <a:srgbClr val="7030A0"/>
+                </a:solidFill>
+              </a:rPr>
+              <a:t>Scala Class Hierarchy</a:t>
+            </a:r>
+            <a:r>
+              <a:rPr lang="en-US" b="1" dirty="0"/>
+              <a:t/>
+            </a:r>
+            <a:br>
+              <a:rPr lang="en-US" b="1" dirty="0"/>
+            </a:br>
+            <a:endParaRPr lang="en-US" dirty="0"/>
+          </a:p>
+        </p:txBody>
+      </p:sp>
+      <p:sp>
+        <p:nvSpPr>
+          <p:cNvPr id="3" name="Content Placeholder 2"/>
+          <p:cNvSpPr>
+            <a:spLocks noGrp="1"/>
+          </p:cNvSpPr>
+          <p:nvPr>
+            <p:ph idx="1"/>
+          </p:nvPr>
+        </p:nvSpPr>
+        <p:spPr>
+          <a:xfrm>
+            <a:off x="677334" y="849086"/>
+            <a:ext cx="8596668" cy="5519057"/>
+          </a:xfrm>
+        </p:spPr>
+        <p:txBody>
+          <a:bodyPr>
+            <a:normAutofit/>
+          </a:bodyPr>
+          <a:lstStyle/>
+          <a:p>
+            <a:r>
+              <a:rPr lang="en-US" dirty="0" smtClean="0"/>
+              <a:t>Super class of all classes : </a:t>
+            </a:r>
+            <a:r>
+              <a:rPr lang="en-US" dirty="0" err="1" smtClean="0"/>
+              <a:t>scala.Any</a:t>
+            </a:r>
+            <a:endParaRPr lang="en-US" dirty="0"/>
+          </a:p>
+          <a:p>
+            <a:r>
+              <a:rPr lang="en-US" dirty="0" smtClean="0"/>
+              <a:t>Any –---has two direct sub classes-</a:t>
+            </a:r>
+            <a:r>
+              <a:rPr lang="en-US" dirty="0" smtClean="0">
+                <a:sym typeface="Wingdings" panose="05000000000000000000" pitchFamily="2" charset="2"/>
+              </a:rPr>
+              <a:t> </a:t>
+            </a:r>
+            <a:r>
+              <a:rPr lang="en-US" dirty="0" err="1" smtClean="0"/>
+              <a:t>scala.AnyVal</a:t>
+            </a:r>
+            <a:r>
+              <a:rPr lang="en-US" dirty="0" smtClean="0"/>
+              <a:t> and </a:t>
+            </a:r>
+            <a:r>
+              <a:rPr lang="en-US" dirty="0" err="1" smtClean="0"/>
+              <a:t>scala.AnyRef</a:t>
+            </a:r>
+            <a:endParaRPr lang="en-US" dirty="0" smtClean="0"/>
+          </a:p>
+          <a:p>
+            <a:r>
+              <a:rPr lang="en-US" dirty="0" err="1" smtClean="0"/>
+              <a:t>scala.AnyVal</a:t>
+            </a:r>
+            <a:r>
+              <a:rPr lang="en-US" dirty="0" smtClean="0"/>
+              <a:t> represents  value classes</a:t>
+            </a:r>
+          </a:p>
+          <a:p>
+            <a:r>
+              <a:rPr lang="en-US" dirty="0" err="1" smtClean="0"/>
+              <a:t>scala.AnyRef</a:t>
+            </a:r>
+            <a:r>
+              <a:rPr lang="en-US" dirty="0" smtClean="0"/>
+              <a:t> represents reference classes</a:t>
+            </a:r>
+          </a:p>
+          <a:p>
+            <a:r>
+              <a:rPr lang="en-US" dirty="0" smtClean="0"/>
+              <a:t>All </a:t>
+            </a:r>
+            <a:r>
+              <a:rPr lang="en-US" dirty="0"/>
+              <a:t>value classes are predefined; they correspond to the primitive types of Java-like </a:t>
+            </a:r>
+            <a:r>
+              <a:rPr lang="en-US" dirty="0" smtClean="0"/>
+              <a:t>languages</a:t>
+            </a:r>
+          </a:p>
+          <a:p>
+            <a:r>
+              <a:rPr lang="en-US" dirty="0"/>
+              <a:t>All other classes define reference </a:t>
+            </a:r>
+            <a:r>
+              <a:rPr lang="en-US" dirty="0" smtClean="0"/>
+              <a:t>types</a:t>
+            </a:r>
+          </a:p>
+          <a:p>
+            <a:r>
+              <a:rPr lang="en-US" dirty="0"/>
+              <a:t>User-defined classes define reference types by </a:t>
+            </a:r>
+            <a:r>
+              <a:rPr lang="en-US" dirty="0" smtClean="0"/>
+              <a:t>default i.e.  they always  (indirectly) subclass </a:t>
+            </a:r>
+            <a:r>
+              <a:rPr lang="en-US" dirty="0" err="1" smtClean="0"/>
+              <a:t>scala.AnyRef</a:t>
+            </a:r>
+            <a:endParaRPr lang="en-US" dirty="0"/>
+          </a:p>
+          <a:p>
+            <a:r>
+              <a:rPr lang="en-US" dirty="0" smtClean="0"/>
+              <a:t>Every user-defined  class  in Scala implicitly  extends the trait </a:t>
+            </a:r>
+            <a:r>
+              <a:rPr lang="en-US" dirty="0" err="1" smtClean="0"/>
+              <a:t>scala.ScalaObject</a:t>
+            </a:r>
+            <a:endParaRPr lang="en-US" dirty="0" smtClean="0"/>
+          </a:p>
+          <a:p>
+            <a:r>
+              <a:rPr lang="en-US" dirty="0"/>
+              <a:t> Classes from the infrastructure on which Scala is running (e.g. the Java </a:t>
+            </a:r>
+            <a:r>
+              <a:rPr lang="en-US" dirty="0" smtClean="0"/>
+              <a:t>runtime </a:t>
+            </a:r>
+            <a:r>
+              <a:rPr lang="en-US" dirty="0"/>
+              <a:t>environment) do not extend </a:t>
+            </a:r>
+            <a:r>
+              <a:rPr lang="en-US" dirty="0" err="1" smtClean="0"/>
+              <a:t>scala.ScalaObject</a:t>
+            </a:r>
+            <a:endParaRPr lang="en-US" dirty="0" smtClean="0"/>
+          </a:p>
+          <a:p>
+            <a:r>
+              <a:rPr lang="en-US" dirty="0" err="1" smtClean="0"/>
+              <a:t>scala.AnyRef</a:t>
+            </a:r>
+            <a:r>
+              <a:rPr lang="en-US" dirty="0" smtClean="0"/>
+              <a:t> </a:t>
+            </a:r>
+            <a:r>
+              <a:rPr lang="en-US" dirty="0"/>
+              <a:t>corresponds to </a:t>
+            </a:r>
+            <a:r>
+              <a:rPr lang="en-US" dirty="0" err="1"/>
+              <a:t>java.lang.Object</a:t>
+            </a:r>
+            <a:endParaRPr lang="en-US" dirty="0"/>
+          </a:p>
+        </p:txBody>
+      </p:sp>
+    </p:spTree>
+    <p:extLst>
+      <p:ext uri="{BB962C8B-B14F-4D97-AF65-F5344CB8AC3E}">
+        <p14:creationId xmlns:p14="http://schemas.microsoft.com/office/powerpoint/2010/main" val="2578899568"/>
+      </p:ext>
+    </p:extLst>
+  </p:cSld>
+  <p:clrMapOvr>
+    <a:masterClrMapping/>
+  </p:clrMapOvr>
 </p:sld>
 </file>
 

--- a/ScalaRepositary/ScalaTrainingPrep/Scala.pptx
+++ b/ScalaRepositary/ScalaTrainingPrep/Scala.pptx
@@ -5,7 +5,7 @@
     <p:sldMasterId id="2147483773" r:id="rId1"/>
   </p:sldMasterIdLst>
   <p:notesMasterIdLst>
-    <p:notesMasterId r:id="rId7"/>
+    <p:notesMasterId r:id="rId13"/>
   </p:notesMasterIdLst>
   <p:sldIdLst>
     <p:sldId id="256" r:id="rId2"/>
@@ -13,6 +13,12 @@
     <p:sldId id="258" r:id="rId4"/>
     <p:sldId id="259" r:id="rId5"/>
     <p:sldId id="260" r:id="rId6"/>
+    <p:sldId id="263" r:id="rId7"/>
+    <p:sldId id="264" r:id="rId8"/>
+    <p:sldId id="266" r:id="rId9"/>
+    <p:sldId id="262" r:id="rId10"/>
+    <p:sldId id="268" r:id="rId11"/>
+    <p:sldId id="267" r:id="rId12"/>
   </p:sldIdLst>
   <p:sldSz cx="12192000" cy="6858000"/>
   <p:notesSz cx="6858000" cy="9144000"/>
@@ -201,7 +207,7 @@
           <a:p>
             <a:fld id="{3240BC99-1AF2-4BD1-B6C5-9B1A6BD04C8E}" type="datetimeFigureOut">
               <a:rPr lang="en-US" smtClean="0"/>
-              <a:t>4/15/2016</a:t>
+              <a:t>4/19/2016</a:t>
             </a:fld>
             <a:endParaRPr lang="en-US"/>
           </a:p>
@@ -556,6 +562,131 @@
     <p:extLst>
       <p:ext uri="{BB962C8B-B14F-4D97-AF65-F5344CB8AC3E}">
         <p14:creationId xmlns:p14="http://schemas.microsoft.com/office/powerpoint/2010/main" val="2758695769"/>
+      </p:ext>
+    </p:extLst>
+  </p:cSld>
+  <p:clrMapOvr>
+    <a:masterClrMapping/>
+  </p:clrMapOvr>
+</p:notes>
+</file>
+
+<file path=ppt/notesSlides/notesSlide2.xml><?xml version="1.0" encoding="utf-8"?>
+<p:notes xmlns:a="http://schemas.openxmlformats.org/drawingml/2006/main" xmlns:r="http://schemas.openxmlformats.org/officeDocument/2006/relationships" xmlns:p="http://schemas.openxmlformats.org/presentationml/2006/main">
+  <p:cSld>
+    <p:spTree>
+      <p:nvGrpSpPr>
+        <p:cNvPr id="1" name=""/>
+        <p:cNvGrpSpPr/>
+        <p:nvPr/>
+      </p:nvGrpSpPr>
+      <p:grpSpPr>
+        <a:xfrm>
+          <a:off x="0" y="0"/>
+          <a:ext cx="0" cy="0"/>
+          <a:chOff x="0" y="0"/>
+          <a:chExt cx="0" cy="0"/>
+        </a:xfrm>
+      </p:grpSpPr>
+      <p:sp>
+        <p:nvSpPr>
+          <p:cNvPr id="2" name="Slide Image Placeholder 1"/>
+          <p:cNvSpPr>
+            <a:spLocks noGrp="1" noRot="1" noChangeAspect="1"/>
+          </p:cNvSpPr>
+          <p:nvPr>
+            <p:ph type="sldImg"/>
+          </p:nvPr>
+        </p:nvSpPr>
+        <p:spPr/>
+      </p:sp>
+      <p:sp>
+        <p:nvSpPr>
+          <p:cNvPr id="3" name="Notes Placeholder 2"/>
+          <p:cNvSpPr>
+            <a:spLocks noGrp="1"/>
+          </p:cNvSpPr>
+          <p:nvPr>
+            <p:ph type="body" idx="1"/>
+          </p:nvPr>
+        </p:nvSpPr>
+        <p:spPr/>
+        <p:txBody>
+          <a:bodyPr/>
+          <a:lstStyle/>
+          <a:p>
+            <a:r>
+              <a:rPr lang="en-US" dirty="0" smtClean="0">
+                <a:hlinkClick r:id="rId3"/>
+              </a:rPr>
+              <a:t>http://joelabrahamsson.com/learning-scala-part-five-methods/</a:t>
+            </a:r>
+            <a:endParaRPr lang="en-US" dirty="0" smtClean="0"/>
+          </a:p>
+          <a:p>
+            <a:r>
+              <a:rPr lang="en-US" dirty="0" smtClean="0"/>
+              <a:t>http://docs.scala-lang.org/tutorials/scala-for-java-programmers.html</a:t>
+            </a:r>
+          </a:p>
+          <a:p>
+            <a:pPr marL="0" marR="0" indent="0" algn="l" defTabSz="914400" rtl="0" eaLnBrk="1" fontAlgn="auto" latinLnBrk="0" hangingPunct="1">
+              <a:lnSpc>
+                <a:spcPct val="100000"/>
+              </a:lnSpc>
+              <a:spcBef>
+                <a:spcPts val="0"/>
+              </a:spcBef>
+              <a:spcAft>
+                <a:spcPts val="0"/>
+              </a:spcAft>
+              <a:buClrTx/>
+              <a:buSzTx/>
+              <a:buFontTx/>
+              <a:buNone/>
+              <a:tabLst/>
+              <a:defRPr/>
+            </a:pPr>
+            <a:r>
+              <a:rPr lang="en-US" dirty="0" smtClean="0"/>
+              <a:t>http://www.scala-lang.org/old/node/8422.html</a:t>
+            </a:r>
+          </a:p>
+          <a:p>
+            <a:endParaRPr lang="en-US" dirty="0" smtClean="0"/>
+          </a:p>
+          <a:p>
+            <a:endParaRPr lang="en-US" dirty="0"/>
+          </a:p>
+        </p:txBody>
+      </p:sp>
+      <p:sp>
+        <p:nvSpPr>
+          <p:cNvPr id="4" name="Slide Number Placeholder 3"/>
+          <p:cNvSpPr>
+            <a:spLocks noGrp="1"/>
+          </p:cNvSpPr>
+          <p:nvPr>
+            <p:ph type="sldNum" sz="quarter" idx="10"/>
+          </p:nvPr>
+        </p:nvSpPr>
+        <p:spPr/>
+        <p:txBody>
+          <a:bodyPr/>
+          <a:lstStyle/>
+          <a:p>
+            <a:fld id="{25B1A631-5F94-4836-930B-DE4ECF0DFEFA}" type="slidenum">
+              <a:rPr lang="en-US" smtClean="0"/>
+              <a:t>10</a:t>
+            </a:fld>
+            <a:endParaRPr lang="en-US"/>
+          </a:p>
+        </p:txBody>
+      </p:sp>
+    </p:spTree>
+    <p:extLst>
+      <p:ext uri="{BB962C8B-B14F-4D97-AF65-F5344CB8AC3E}">
+        <p14:creationId xmlns:p14="http://schemas.microsoft.com/office/powerpoint/2010/main" val="833798152"/>
       </p:ext>
     </p:extLst>
   </p:cSld>
@@ -1287,7 +1418,7 @@
           <a:p>
             <a:fld id="{A99C5B11-6607-4EFE-9B3F-FCF805DD55B2}" type="datetimeFigureOut">
               <a:rPr lang="en-US" smtClean="0"/>
-              <a:t>4/15/2016</a:t>
+              <a:t>4/19/2016</a:t>
             </a:fld>
             <a:endParaRPr lang="en-US"/>
           </a:p>
@@ -1538,7 +1669,7 @@
           <a:p>
             <a:fld id="{A99C5B11-6607-4EFE-9B3F-FCF805DD55B2}" type="datetimeFigureOut">
               <a:rPr lang="en-US" smtClean="0"/>
-              <a:t>4/15/2016</a:t>
+              <a:t>4/19/2016</a:t>
             </a:fld>
             <a:endParaRPr lang="en-US"/>
           </a:p>
@@ -1852,7 +1983,7 @@
           <a:p>
             <a:fld id="{A99C5B11-6607-4EFE-9B3F-FCF805DD55B2}" type="datetimeFigureOut">
               <a:rPr lang="en-US" smtClean="0"/>
-              <a:t>4/15/2016</a:t>
+              <a:t>4/19/2016</a:t>
             </a:fld>
             <a:endParaRPr lang="en-US"/>
           </a:p>
@@ -2193,7 +2324,7 @@
           <a:p>
             <a:fld id="{A99C5B11-6607-4EFE-9B3F-FCF805DD55B2}" type="datetimeFigureOut">
               <a:rPr lang="en-US" smtClean="0"/>
-              <a:t>4/15/2016</a:t>
+              <a:t>4/19/2016</a:t>
             </a:fld>
             <a:endParaRPr lang="en-US"/>
           </a:p>
@@ -2507,7 +2638,7 @@
           <a:p>
             <a:fld id="{A99C5B11-6607-4EFE-9B3F-FCF805DD55B2}" type="datetimeFigureOut">
               <a:rPr lang="en-US" smtClean="0"/>
-              <a:t>4/15/2016</a:t>
+              <a:t>4/19/2016</a:t>
             </a:fld>
             <a:endParaRPr lang="en-US"/>
           </a:p>
@@ -2900,7 +3031,7 @@
           <a:p>
             <a:fld id="{A99C5B11-6607-4EFE-9B3F-FCF805DD55B2}" type="datetimeFigureOut">
               <a:rPr lang="en-US" smtClean="0"/>
-              <a:t>4/15/2016</a:t>
+              <a:t>4/19/2016</a:t>
             </a:fld>
             <a:endParaRPr lang="en-US"/>
           </a:p>
@@ -3070,7 +3201,7 @@
           <a:p>
             <a:fld id="{A99C5B11-6607-4EFE-9B3F-FCF805DD55B2}" type="datetimeFigureOut">
               <a:rPr lang="en-US" smtClean="0"/>
-              <a:t>4/15/2016</a:t>
+              <a:t>4/19/2016</a:t>
             </a:fld>
             <a:endParaRPr lang="en-US"/>
           </a:p>
@@ -3250,7 +3381,7 @@
           <a:p>
             <a:fld id="{A99C5B11-6607-4EFE-9B3F-FCF805DD55B2}" type="datetimeFigureOut">
               <a:rPr lang="en-US" smtClean="0"/>
-              <a:t>4/15/2016</a:t>
+              <a:t>4/19/2016</a:t>
             </a:fld>
             <a:endParaRPr lang="en-US"/>
           </a:p>
@@ -3426,7 +3557,7 @@
           <a:p>
             <a:fld id="{A99C5B11-6607-4EFE-9B3F-FCF805DD55B2}" type="datetimeFigureOut">
               <a:rPr lang="en-US" smtClean="0"/>
-              <a:t>4/15/2016</a:t>
+              <a:t>4/19/2016</a:t>
             </a:fld>
             <a:endParaRPr lang="en-US"/>
           </a:p>
@@ -3673,7 +3804,7 @@
           <a:p>
             <a:fld id="{A99C5B11-6607-4EFE-9B3F-FCF805DD55B2}" type="datetimeFigureOut">
               <a:rPr lang="en-US" smtClean="0"/>
-              <a:t>4/15/2016</a:t>
+              <a:t>4/19/2016</a:t>
             </a:fld>
             <a:endParaRPr lang="en-US"/>
           </a:p>
@@ -3905,7 +4036,7 @@
           <a:p>
             <a:fld id="{A99C5B11-6607-4EFE-9B3F-FCF805DD55B2}" type="datetimeFigureOut">
               <a:rPr lang="en-US" smtClean="0"/>
-              <a:t>4/15/2016</a:t>
+              <a:t>4/19/2016</a:t>
             </a:fld>
             <a:endParaRPr lang="en-US"/>
           </a:p>
@@ -4284,7 +4415,7 @@
           <a:p>
             <a:fld id="{A99C5B11-6607-4EFE-9B3F-FCF805DD55B2}" type="datetimeFigureOut">
               <a:rPr lang="en-US" smtClean="0"/>
-              <a:t>4/15/2016</a:t>
+              <a:t>4/19/2016</a:t>
             </a:fld>
             <a:endParaRPr lang="en-US"/>
           </a:p>
@@ -4412,7 +4543,7 @@
           <a:p>
             <a:fld id="{A99C5B11-6607-4EFE-9B3F-FCF805DD55B2}" type="datetimeFigureOut">
               <a:rPr lang="en-US" smtClean="0"/>
-              <a:t>4/15/2016</a:t>
+              <a:t>4/19/2016</a:t>
             </a:fld>
             <a:endParaRPr lang="en-US"/>
           </a:p>
@@ -4507,7 +4638,7 @@
           <a:p>
             <a:fld id="{A99C5B11-6607-4EFE-9B3F-FCF805DD55B2}" type="datetimeFigureOut">
               <a:rPr lang="en-US" smtClean="0"/>
-              <a:t>4/15/2016</a:t>
+              <a:t>4/19/2016</a:t>
             </a:fld>
             <a:endParaRPr lang="en-US"/>
           </a:p>
@@ -4762,7 +4893,7 @@
           <a:p>
             <a:fld id="{A99C5B11-6607-4EFE-9B3F-FCF805DD55B2}" type="datetimeFigureOut">
               <a:rPr lang="en-US" smtClean="0"/>
-              <a:t>4/15/2016</a:t>
+              <a:t>4/19/2016</a:t>
             </a:fld>
             <a:endParaRPr lang="en-US"/>
           </a:p>
@@ -5030,7 +5161,7 @@
           <a:p>
             <a:fld id="{A99C5B11-6607-4EFE-9B3F-FCF805DD55B2}" type="datetimeFigureOut">
               <a:rPr lang="en-US" smtClean="0"/>
-              <a:t>4/15/2016</a:t>
+              <a:t>4/19/2016</a:t>
             </a:fld>
             <a:endParaRPr lang="en-US"/>
           </a:p>
@@ -5773,7 +5904,7 @@
           <a:p>
             <a:fld id="{A99C5B11-6607-4EFE-9B3F-FCF805DD55B2}" type="datetimeFigureOut">
               <a:rPr lang="en-US" smtClean="0"/>
-              <a:t>4/15/2016</a:t>
+              <a:t>4/19/2016</a:t>
             </a:fld>
             <a:endParaRPr lang="en-US"/>
           </a:p>
@@ -6373,6 +6504,551 @@
 </p:sld>
 </file>
 
+<file path=ppt/slides/slide10.xml><?xml version="1.0" encoding="utf-8"?>
+<p:sld xmlns:a="http://schemas.openxmlformats.org/drawingml/2006/main" xmlns:r="http://schemas.openxmlformats.org/officeDocument/2006/relationships" xmlns:p="http://schemas.openxmlformats.org/presentationml/2006/main">
+  <p:cSld>
+    <p:spTree>
+      <p:nvGrpSpPr>
+        <p:cNvPr id="1" name=""/>
+        <p:cNvGrpSpPr/>
+        <p:nvPr/>
+      </p:nvGrpSpPr>
+      <p:grpSpPr>
+        <a:xfrm>
+          <a:off x="0" y="0"/>
+          <a:ext cx="0" cy="0"/>
+          <a:chOff x="0" y="0"/>
+          <a:chExt cx="0" cy="0"/>
+        </a:xfrm>
+      </p:grpSpPr>
+      <p:sp>
+        <p:nvSpPr>
+          <p:cNvPr id="2" name="Title 1"/>
+          <p:cNvSpPr>
+            <a:spLocks noGrp="1"/>
+          </p:cNvSpPr>
+          <p:nvPr>
+            <p:ph type="title"/>
+          </p:nvPr>
+        </p:nvSpPr>
+        <p:spPr>
+          <a:xfrm>
+            <a:off x="677334" y="152400"/>
+            <a:ext cx="8596668" cy="816428"/>
+          </a:xfrm>
+        </p:spPr>
+        <p:txBody>
+          <a:bodyPr>
+            <a:normAutofit fontScale="90000"/>
+          </a:bodyPr>
+          <a:lstStyle/>
+          <a:p>
+            <a:pPr algn="ctr"/>
+            <a:r>
+              <a:rPr lang="en-US" sz="4000" dirty="0">
+                <a:solidFill>
+                  <a:srgbClr val="7030A0"/>
+                </a:solidFill>
+              </a:rPr>
+              <a:t>Scala </a:t>
+            </a:r>
+            <a:r>
+              <a:rPr lang="en-US" sz="4000" dirty="0" smtClean="0">
+                <a:solidFill>
+                  <a:srgbClr val="7030A0"/>
+                </a:solidFill>
+              </a:rPr>
+              <a:t>Methods</a:t>
+            </a:r>
+            <a:r>
+              <a:rPr lang="en-US" b="1" dirty="0"/>
+              <a:t/>
+            </a:r>
+            <a:br>
+              <a:rPr lang="en-US" b="1" dirty="0"/>
+            </a:br>
+            <a:endParaRPr lang="en-US" dirty="0"/>
+          </a:p>
+        </p:txBody>
+      </p:sp>
+      <p:sp>
+        <p:nvSpPr>
+          <p:cNvPr id="3" name="Content Placeholder 2"/>
+          <p:cNvSpPr>
+            <a:spLocks noGrp="1"/>
+          </p:cNvSpPr>
+          <p:nvPr>
+            <p:ph idx="1"/>
+          </p:nvPr>
+        </p:nvSpPr>
+        <p:spPr>
+          <a:xfrm>
+            <a:off x="677334" y="849086"/>
+            <a:ext cx="8596668" cy="5519057"/>
+          </a:xfrm>
+        </p:spPr>
+        <p:txBody>
+          <a:bodyPr>
+            <a:normAutofit/>
+          </a:bodyPr>
+          <a:lstStyle/>
+          <a:p>
+            <a:pPr marL="0" indent="0">
+              <a:spcBef>
+                <a:spcPts val="0"/>
+              </a:spcBef>
+              <a:buNone/>
+            </a:pPr>
+            <a:r>
+              <a:rPr lang="en-US" sz="1300" dirty="0" err="1" smtClean="0">
+                <a:solidFill>
+                  <a:schemeClr val="dk1"/>
+                </a:solidFill>
+              </a:rPr>
+              <a:t>def</a:t>
+            </a:r>
+            <a:r>
+              <a:rPr lang="en-US" sz="1300" dirty="0" smtClean="0">
+                <a:solidFill>
+                  <a:schemeClr val="dk1"/>
+                </a:solidFill>
+              </a:rPr>
+              <a:t> </a:t>
+            </a:r>
+            <a:r>
+              <a:rPr lang="en-US" sz="1300" dirty="0">
+                <a:solidFill>
+                  <a:schemeClr val="dk1"/>
+                </a:solidFill>
+              </a:rPr>
+              <a:t>ellipse(original: String, </a:t>
+            </a:r>
+            <a:r>
+              <a:rPr lang="en-US" sz="1300" dirty="0" err="1">
+                <a:solidFill>
+                  <a:schemeClr val="dk1"/>
+                </a:solidFill>
+              </a:rPr>
+              <a:t>maxLength</a:t>
+            </a:r>
+            <a:r>
+              <a:rPr lang="en-US" sz="1300" dirty="0">
+                <a:solidFill>
+                  <a:schemeClr val="dk1"/>
+                </a:solidFill>
+              </a:rPr>
+              <a:t>: </a:t>
+            </a:r>
+            <a:r>
+              <a:rPr lang="en-US" sz="1300" dirty="0" err="1">
+                <a:solidFill>
+                  <a:schemeClr val="dk1"/>
+                </a:solidFill>
+              </a:rPr>
+              <a:t>Int</a:t>
+            </a:r>
+            <a:r>
+              <a:rPr lang="en-US" sz="1300" dirty="0">
+                <a:solidFill>
+                  <a:schemeClr val="dk1"/>
+                </a:solidFill>
+              </a:rPr>
+              <a:t>) : String = {</a:t>
+            </a:r>
+          </a:p>
+          <a:p>
+            <a:pPr marL="0" indent="0">
+              <a:spcBef>
+                <a:spcPts val="0"/>
+              </a:spcBef>
+              <a:buNone/>
+            </a:pPr>
+            <a:r>
+              <a:rPr lang="en-US" sz="1300" dirty="0">
+                <a:solidFill>
+                  <a:schemeClr val="dk1"/>
+                </a:solidFill>
+              </a:rPr>
+              <a:t>    </a:t>
+            </a:r>
+            <a:r>
+              <a:rPr lang="en-US" sz="1300" dirty="0" smtClean="0">
+                <a:solidFill>
+                  <a:schemeClr val="dk1"/>
+                </a:solidFill>
+              </a:rPr>
+              <a:t>			return </a:t>
+            </a:r>
+            <a:r>
+              <a:rPr lang="en-US" sz="1300" dirty="0">
+                <a:solidFill>
+                  <a:schemeClr val="dk1"/>
+                </a:solidFill>
+              </a:rPr>
+              <a:t>"Not implemented yet";</a:t>
+            </a:r>
+          </a:p>
+          <a:p>
+            <a:pPr marL="0" indent="0">
+              <a:spcBef>
+                <a:spcPts val="0"/>
+              </a:spcBef>
+              <a:buNone/>
+            </a:pPr>
+            <a:r>
+              <a:rPr lang="en-US" sz="1300" dirty="0" smtClean="0">
+                <a:solidFill>
+                  <a:schemeClr val="dk1"/>
+                </a:solidFill>
+              </a:rPr>
+              <a:t>		</a:t>
+            </a:r>
+            <a:r>
+              <a:rPr lang="en-US" sz="1300" dirty="0" smtClean="0">
+                <a:solidFill>
+                  <a:schemeClr val="dk1"/>
+                </a:solidFill>
+              </a:rPr>
+              <a:t>}</a:t>
+            </a:r>
+          </a:p>
+          <a:p>
+            <a:pPr marL="0" indent="0">
+              <a:spcBef>
+                <a:spcPts val="0"/>
+              </a:spcBef>
+              <a:buNone/>
+            </a:pPr>
+            <a:endParaRPr lang="en-US" sz="1300" dirty="0">
+              <a:solidFill>
+                <a:schemeClr val="dk1"/>
+              </a:solidFill>
+            </a:endParaRPr>
+          </a:p>
+          <a:p>
+            <a:pPr marL="0" indent="0">
+              <a:spcBef>
+                <a:spcPts val="0"/>
+              </a:spcBef>
+              <a:buNone/>
+            </a:pPr>
+            <a:r>
+              <a:rPr lang="en-US" sz="1300" dirty="0" smtClean="0">
+                <a:solidFill>
+                  <a:schemeClr val="dk1"/>
+                </a:solidFill>
+              </a:rPr>
+              <a:t>Can be reduced to </a:t>
+            </a:r>
+          </a:p>
+          <a:p>
+            <a:pPr marL="0" indent="0">
+              <a:spcBef>
+                <a:spcPts val="0"/>
+              </a:spcBef>
+              <a:buNone/>
+            </a:pPr>
+            <a:endParaRPr lang="en-US" sz="1300" dirty="0">
+              <a:solidFill>
+                <a:schemeClr val="dk1"/>
+              </a:solidFill>
+            </a:endParaRPr>
+          </a:p>
+          <a:p>
+            <a:pPr marL="0" indent="0">
+              <a:spcBef>
+                <a:spcPts val="0"/>
+              </a:spcBef>
+              <a:buNone/>
+            </a:pPr>
+            <a:r>
+              <a:rPr lang="en-US" sz="1300" dirty="0" err="1">
+                <a:solidFill>
+                  <a:schemeClr val="dk1"/>
+                </a:solidFill>
+              </a:rPr>
+              <a:t>def</a:t>
+            </a:r>
+            <a:r>
+              <a:rPr lang="en-US" sz="1300" dirty="0">
+                <a:solidFill>
+                  <a:schemeClr val="dk1"/>
+                </a:solidFill>
+              </a:rPr>
+              <a:t> ellipse(original: String, </a:t>
+            </a:r>
+            <a:r>
+              <a:rPr lang="en-US" sz="1300" dirty="0" err="1">
+                <a:solidFill>
+                  <a:schemeClr val="dk1"/>
+                </a:solidFill>
+              </a:rPr>
+              <a:t>maxLength</a:t>
+            </a:r>
+            <a:r>
+              <a:rPr lang="en-US" sz="1300" dirty="0">
+                <a:solidFill>
+                  <a:schemeClr val="dk1"/>
+                </a:solidFill>
+              </a:rPr>
+              <a:t>: </a:t>
+            </a:r>
+            <a:r>
+              <a:rPr lang="en-US" sz="1300" dirty="0" err="1">
+                <a:solidFill>
+                  <a:schemeClr val="dk1"/>
+                </a:solidFill>
+              </a:rPr>
+              <a:t>Int</a:t>
+            </a:r>
+            <a:r>
+              <a:rPr lang="en-US" sz="1300" dirty="0">
+                <a:solidFill>
+                  <a:schemeClr val="dk1"/>
+                </a:solidFill>
+              </a:rPr>
+              <a:t>) = {</a:t>
+            </a:r>
+          </a:p>
+          <a:p>
+            <a:pPr marL="0" indent="0">
+              <a:spcBef>
+                <a:spcPts val="0"/>
+              </a:spcBef>
+              <a:buNone/>
+            </a:pPr>
+            <a:r>
+              <a:rPr lang="en-US" sz="1300" dirty="0">
+                <a:solidFill>
+                  <a:schemeClr val="dk1"/>
+                </a:solidFill>
+              </a:rPr>
+              <a:t>    "Not implemented yet";</a:t>
+            </a:r>
+          </a:p>
+          <a:p>
+            <a:pPr marL="0" indent="0">
+              <a:spcBef>
+                <a:spcPts val="0"/>
+              </a:spcBef>
+              <a:buNone/>
+            </a:pPr>
+            <a:r>
+              <a:rPr lang="en-US" sz="1300" dirty="0" smtClean="0">
+                <a:solidFill>
+                  <a:schemeClr val="dk1"/>
+                </a:solidFill>
+              </a:rPr>
+              <a:t>}</a:t>
+            </a:r>
+          </a:p>
+          <a:p>
+            <a:pPr marL="0" indent="0">
+              <a:spcBef>
+                <a:spcPts val="0"/>
+              </a:spcBef>
+              <a:buNone/>
+            </a:pPr>
+            <a:endParaRPr lang="en-US" sz="1300" dirty="0">
+              <a:solidFill>
+                <a:schemeClr val="dk1"/>
+              </a:solidFill>
+            </a:endParaRPr>
+          </a:p>
+          <a:p>
+            <a:pPr marL="0" indent="0">
+              <a:spcBef>
+                <a:spcPts val="0"/>
+              </a:spcBef>
+              <a:buNone/>
+            </a:pPr>
+            <a:endParaRPr lang="en-US" sz="1300" dirty="0" smtClean="0">
+              <a:solidFill>
+                <a:schemeClr val="dk1"/>
+              </a:solidFill>
+            </a:endParaRPr>
+          </a:p>
+          <a:p>
+            <a:pPr>
+              <a:spcBef>
+                <a:spcPts val="0"/>
+              </a:spcBef>
+              <a:buFont typeface="Wingdings" panose="05000000000000000000" pitchFamily="2" charset="2"/>
+              <a:buChar char="§"/>
+            </a:pPr>
+            <a:r>
+              <a:rPr lang="en-US" dirty="0"/>
+              <a:t>Return type is </a:t>
+            </a:r>
+            <a:r>
+              <a:rPr lang="en-US" dirty="0" smtClean="0"/>
+              <a:t>understood : no need to mention specifically</a:t>
+            </a:r>
+          </a:p>
+          <a:p>
+            <a:pPr>
+              <a:spcBef>
+                <a:spcPts val="0"/>
+              </a:spcBef>
+              <a:buFont typeface="Wingdings" panose="05000000000000000000" pitchFamily="2" charset="2"/>
+              <a:buChar char="§"/>
+            </a:pPr>
+            <a:r>
+              <a:rPr lang="en-US" dirty="0" smtClean="0"/>
+              <a:t>“return” keyword is also not needed.</a:t>
+            </a:r>
+          </a:p>
+          <a:p>
+            <a:pPr>
+              <a:spcBef>
+                <a:spcPts val="0"/>
+              </a:spcBef>
+              <a:buFont typeface="Wingdings" panose="05000000000000000000" pitchFamily="2" charset="2"/>
+              <a:buChar char="§"/>
+            </a:pPr>
+            <a:r>
+              <a:rPr lang="en-US" dirty="0" smtClean="0"/>
+              <a:t>Parameters are must</a:t>
+            </a:r>
+          </a:p>
+          <a:p>
+            <a:pPr>
+              <a:spcBef>
+                <a:spcPts val="0"/>
+              </a:spcBef>
+              <a:buFont typeface="Wingdings" panose="05000000000000000000" pitchFamily="2" charset="2"/>
+              <a:buChar char="§"/>
+            </a:pPr>
+            <a:r>
+              <a:rPr lang="en-US" dirty="0"/>
+              <a:t>If </a:t>
+            </a:r>
+            <a:r>
+              <a:rPr lang="en-US" dirty="0" smtClean="0"/>
+              <a:t> the return type is Unit then you can omit </a:t>
+            </a:r>
+            <a:r>
+              <a:rPr lang="en-US" dirty="0"/>
+              <a:t>the '=', </a:t>
+            </a:r>
+            <a:r>
+              <a:rPr lang="en-US" dirty="0" smtClean="0"/>
+              <a:t>you </a:t>
+            </a:r>
+            <a:r>
+              <a:rPr lang="en-US" dirty="0"/>
+              <a:t>should include the '='</a:t>
+            </a:r>
+            <a:endParaRPr lang="en-US" dirty="0"/>
+          </a:p>
+          <a:p>
+            <a:pPr marL="0" indent="0">
+              <a:spcBef>
+                <a:spcPts val="0"/>
+              </a:spcBef>
+              <a:buNone/>
+            </a:pPr>
+            <a:endParaRPr lang="en-US" sz="1300" dirty="0"/>
+          </a:p>
+          <a:p>
+            <a:pPr marL="0" indent="0">
+              <a:spcBef>
+                <a:spcPts val="0"/>
+              </a:spcBef>
+              <a:buNone/>
+            </a:pPr>
+            <a:endParaRPr lang="en-US" sz="1300" dirty="0">
+              <a:solidFill>
+                <a:schemeClr val="dk1"/>
+              </a:solidFill>
+            </a:endParaRPr>
+          </a:p>
+          <a:p>
+            <a:endParaRPr lang="en-US" dirty="0"/>
+          </a:p>
+        </p:txBody>
+      </p:sp>
+    </p:spTree>
+    <p:extLst>
+      <p:ext uri="{BB962C8B-B14F-4D97-AF65-F5344CB8AC3E}">
+        <p14:creationId xmlns:p14="http://schemas.microsoft.com/office/powerpoint/2010/main" val="3015918095"/>
+      </p:ext>
+    </p:extLst>
+  </p:cSld>
+  <p:clrMapOvr>
+    <a:masterClrMapping/>
+  </p:clrMapOvr>
+</p:sld>
+</file>
+
+<file path=ppt/slides/slide11.xml><?xml version="1.0" encoding="utf-8"?>
+<p:sld xmlns:a="http://schemas.openxmlformats.org/drawingml/2006/main" xmlns:r="http://schemas.openxmlformats.org/officeDocument/2006/relationships" xmlns:p="http://schemas.openxmlformats.org/presentationml/2006/main">
+  <p:cSld>
+    <p:spTree>
+      <p:nvGrpSpPr>
+        <p:cNvPr id="1" name=""/>
+        <p:cNvGrpSpPr/>
+        <p:nvPr/>
+      </p:nvGrpSpPr>
+      <p:grpSpPr>
+        <a:xfrm>
+          <a:off x="0" y="0"/>
+          <a:ext cx="0" cy="0"/>
+          <a:chOff x="0" y="0"/>
+          <a:chExt cx="0" cy="0"/>
+        </a:xfrm>
+      </p:grpSpPr>
+      <p:sp>
+        <p:nvSpPr>
+          <p:cNvPr id="2" name="Title 1"/>
+          <p:cNvSpPr>
+            <a:spLocks noGrp="1"/>
+          </p:cNvSpPr>
+          <p:nvPr>
+            <p:ph type="title"/>
+          </p:nvPr>
+        </p:nvSpPr>
+        <p:spPr/>
+        <p:txBody>
+          <a:bodyPr/>
+          <a:lstStyle/>
+          <a:p>
+            <a:endParaRPr lang="en-US"/>
+          </a:p>
+        </p:txBody>
+      </p:sp>
+      <p:sp>
+        <p:nvSpPr>
+          <p:cNvPr id="3" name="Content Placeholder 2"/>
+          <p:cNvSpPr>
+            <a:spLocks noGrp="1"/>
+          </p:cNvSpPr>
+          <p:nvPr>
+            <p:ph idx="1"/>
+          </p:nvPr>
+        </p:nvSpPr>
+        <p:spPr/>
+        <p:txBody>
+          <a:bodyPr/>
+          <a:lstStyle/>
+          <a:p>
+            <a:endParaRPr lang="en-US" dirty="0"/>
+          </a:p>
+        </p:txBody>
+      </p:sp>
+    </p:spTree>
+    <p:extLst>
+      <p:ext uri="{BB962C8B-B14F-4D97-AF65-F5344CB8AC3E}">
+        <p14:creationId xmlns:p14="http://schemas.microsoft.com/office/powerpoint/2010/main" val="3219890955"/>
+      </p:ext>
+    </p:extLst>
+  </p:cSld>
+  <p:clrMapOvr>
+    <a:masterClrMapping/>
+  </p:clrMapOvr>
+</p:sld>
+</file>
+
 <file path=ppt/slides/slide2.xml><?xml version="1.0" encoding="utf-8"?>
 <p:sld xmlns:a="http://schemas.openxmlformats.org/drawingml/2006/main" xmlns:r="http://schemas.openxmlformats.org/officeDocument/2006/relationships" xmlns:p="http://schemas.openxmlformats.org/presentationml/2006/main">
   <p:cSld>
@@ -6459,7 +7135,6 @@
               <a:rPr lang="en-US" dirty="0" smtClean="0"/>
               <a:t>Multi-paradigm – why ?</a:t>
             </a:r>
-            <a:endParaRPr lang="en-US" dirty="0" smtClean="0"/>
           </a:p>
           <a:p>
             <a:r>
@@ -6484,7 +7159,6 @@
               <a:rPr lang="en-US" dirty="0" smtClean="0"/>
               <a:t> elegant(?), </a:t>
             </a:r>
-            <a:endParaRPr lang="en-US" dirty="0" smtClean="0"/>
           </a:p>
           <a:p>
             <a:pPr marL="0" indent="0">
@@ -6496,15 +7170,7 @@
             </a:r>
             <a:r>
               <a:rPr lang="en-US" dirty="0" smtClean="0"/>
-              <a:t>and </a:t>
-            </a:r>
-            <a:r>
-              <a:rPr lang="en-US" dirty="0" smtClean="0"/>
-              <a:t>type-safe(?) </a:t>
-            </a:r>
-            <a:r>
-              <a:rPr lang="en-US" dirty="0" smtClean="0"/>
-              <a:t>way</a:t>
+              <a:t>and type-safe(?) way</a:t>
             </a:r>
           </a:p>
           <a:p>
@@ -6643,11 +7309,7 @@
           <a:p>
             <a:r>
               <a:rPr lang="en-US" dirty="0" smtClean="0"/>
-              <a:t>Inheritance is there – sub classing is </a:t>
-            </a:r>
-            <a:r>
-              <a:rPr lang="en-US" dirty="0" smtClean="0"/>
-              <a:t>allowed</a:t>
+              <a:t>Inheritance is there – sub classing is allowed</a:t>
             </a:r>
           </a:p>
           <a:p>
@@ -7091,6 +7753,4039 @@
     <p:extLst>
       <p:ext uri="{BB962C8B-B14F-4D97-AF65-F5344CB8AC3E}">
         <p14:creationId xmlns:p14="http://schemas.microsoft.com/office/powerpoint/2010/main" val="2578899568"/>
+      </p:ext>
+    </p:extLst>
+  </p:cSld>
+  <p:clrMapOvr>
+    <a:masterClrMapping/>
+  </p:clrMapOvr>
+</p:sld>
+</file>
+
+<file path=ppt/slides/slide6.xml><?xml version="1.0" encoding="utf-8"?>
+<p:sld xmlns:a="http://schemas.openxmlformats.org/drawingml/2006/main" xmlns:r="http://schemas.openxmlformats.org/officeDocument/2006/relationships" xmlns:p="http://schemas.openxmlformats.org/presentationml/2006/main">
+  <p:cSld>
+    <p:spTree>
+      <p:nvGrpSpPr>
+        <p:cNvPr id="1" name=""/>
+        <p:cNvGrpSpPr/>
+        <p:nvPr/>
+      </p:nvGrpSpPr>
+      <p:grpSpPr>
+        <a:xfrm>
+          <a:off x="0" y="0"/>
+          <a:ext cx="0" cy="0"/>
+          <a:chOff x="0" y="0"/>
+          <a:chExt cx="0" cy="0"/>
+        </a:xfrm>
+      </p:grpSpPr>
+      <p:sp>
+        <p:nvSpPr>
+          <p:cNvPr id="2" name="Title 1"/>
+          <p:cNvSpPr>
+            <a:spLocks noGrp="1"/>
+          </p:cNvSpPr>
+          <p:nvPr>
+            <p:ph type="title"/>
+          </p:nvPr>
+        </p:nvSpPr>
+        <p:spPr>
+          <a:xfrm>
+            <a:off x="677334" y="0"/>
+            <a:ext cx="8596668" cy="653144"/>
+          </a:xfrm>
+        </p:spPr>
+        <p:txBody>
+          <a:bodyPr>
+            <a:normAutofit/>
+          </a:bodyPr>
+          <a:lstStyle/>
+          <a:p>
+            <a:pPr algn="ctr"/>
+            <a:r>
+              <a:rPr lang="en-US" dirty="0" smtClean="0">
+                <a:solidFill>
+                  <a:srgbClr val="7030A0"/>
+                </a:solidFill>
+              </a:rPr>
+              <a:t>Scala </a:t>
+            </a:r>
+            <a:r>
+              <a:rPr lang="en-US" dirty="0" err="1" smtClean="0">
+                <a:solidFill>
+                  <a:srgbClr val="7030A0"/>
+                </a:solidFill>
+              </a:rPr>
+              <a:t>AnyRef</a:t>
+            </a:r>
+            <a:endParaRPr lang="en-US" dirty="0"/>
+          </a:p>
+        </p:txBody>
+      </p:sp>
+      <p:graphicFrame>
+        <p:nvGraphicFramePr>
+          <p:cNvPr id="6" name="Content Placeholder 5"/>
+          <p:cNvGraphicFramePr>
+            <a:graphicFrameLocks noGrp="1"/>
+          </p:cNvGraphicFramePr>
+          <p:nvPr>
+            <p:ph idx="1"/>
+            <p:extLst>
+              <p:ext uri="{D42A27DB-BD31-4B8C-83A1-F6EECF244321}">
+                <p14:modId xmlns:p14="http://schemas.microsoft.com/office/powerpoint/2010/main" val="1407286854"/>
+              </p:ext>
+            </p:extLst>
+          </p:nvPr>
+        </p:nvGraphicFramePr>
+        <p:xfrm>
+          <a:off x="677863" y="652463"/>
+          <a:ext cx="8596312" cy="5553846"/>
+        </p:xfrm>
+        <a:graphic>
+          <a:graphicData uri="http://schemas.openxmlformats.org/drawingml/2006/table">
+            <a:tbl>
+              <a:tblPr firstRow="1" bandRow="1">
+                <a:tableStyleId>{5C22544A-7EE6-4342-B048-85BDC9FD1C3A}</a:tableStyleId>
+              </a:tblPr>
+              <a:tblGrid>
+                <a:gridCol w="2511651"/>
+                <a:gridCol w="6084661"/>
+              </a:tblGrid>
+              <a:tr h="425223">
+                <a:tc>
+                  <a:txBody>
+                    <a:bodyPr/>
+                    <a:lstStyle/>
+                    <a:p>
+                      <a:r>
+                        <a:rPr lang="en-US" dirty="0" smtClean="0"/>
+                        <a:t>Method name-Sig</a:t>
+                      </a:r>
+                      <a:endParaRPr lang="en-US" dirty="0"/>
+                    </a:p>
+                  </a:txBody>
+                  <a:tcPr/>
+                </a:tc>
+                <a:tc>
+                  <a:txBody>
+                    <a:bodyPr/>
+                    <a:lstStyle/>
+                    <a:p>
+                      <a:r>
+                        <a:rPr lang="en-US" dirty="0" smtClean="0"/>
+                        <a:t>Method description</a:t>
+                      </a:r>
+                      <a:endParaRPr lang="en-US" dirty="0"/>
+                    </a:p>
+                  </a:txBody>
+                  <a:tcPr/>
+                </a:tc>
+              </a:tr>
+              <a:tr h="261257">
+                <a:tc>
+                  <a:txBody>
+                    <a:bodyPr/>
+                    <a:lstStyle/>
+                    <a:p>
+                      <a:pPr marL="0" marR="0" indent="0" algn="l" defTabSz="457200" rtl="0" eaLnBrk="1" fontAlgn="auto" latinLnBrk="0" hangingPunct="1">
+                        <a:lnSpc>
+                          <a:spcPct val="100000"/>
+                        </a:lnSpc>
+                        <a:spcBef>
+                          <a:spcPts val="0"/>
+                        </a:spcBef>
+                        <a:spcAft>
+                          <a:spcPts val="0"/>
+                        </a:spcAft>
+                        <a:buClrTx/>
+                        <a:buSzTx/>
+                        <a:buFontTx/>
+                        <a:buNone/>
+                        <a:tabLst/>
+                        <a:defRPr/>
+                      </a:pPr>
+                      <a:r>
+                        <a:rPr lang="en-US" sz="1200" dirty="0" smtClean="0"/>
+                        <a:t>!= (arg0 : </a:t>
+                      </a:r>
+                      <a:r>
+                        <a:rPr lang="en-US" sz="1200" dirty="0" err="1" smtClean="0"/>
+                        <a:t>AnyRef</a:t>
+                      </a:r>
+                      <a:r>
+                        <a:rPr lang="en-US" sz="1200" dirty="0" smtClean="0"/>
+                        <a:t>) : Boolean</a:t>
+                      </a:r>
+                    </a:p>
+                  </a:txBody>
+                  <a:tcPr/>
+                </a:tc>
+                <a:tc>
+                  <a:txBody>
+                    <a:bodyPr/>
+                    <a:lstStyle/>
+                    <a:p>
+                      <a:r>
+                        <a:rPr lang="en-US" sz="1200" kern="1200" dirty="0" smtClean="0">
+                          <a:solidFill>
+                            <a:schemeClr val="dk1"/>
+                          </a:solidFill>
+                          <a:latin typeface="+mn-lt"/>
+                          <a:ea typeface="+mn-ea"/>
+                          <a:cs typeface="+mn-cs"/>
+                        </a:rPr>
+                        <a:t>false if the receiver object is equivalent to the argument; true otherwise.</a:t>
+                      </a:r>
+                      <a:endParaRPr lang="en-US" sz="1200" kern="1200" dirty="0">
+                        <a:solidFill>
+                          <a:schemeClr val="dk1"/>
+                        </a:solidFill>
+                        <a:latin typeface="+mn-lt"/>
+                        <a:ea typeface="+mn-ea"/>
+                        <a:cs typeface="+mn-cs"/>
+                      </a:endParaRPr>
+                    </a:p>
+                  </a:txBody>
+                  <a:tcPr/>
+                </a:tc>
+              </a:tr>
+              <a:tr h="298268">
+                <a:tc>
+                  <a:txBody>
+                    <a:bodyPr/>
+                    <a:lstStyle/>
+                    <a:p>
+                      <a:pPr marL="0" marR="0" indent="0" algn="l" defTabSz="457200" rtl="0" eaLnBrk="1" fontAlgn="auto" latinLnBrk="0" hangingPunct="1">
+                        <a:lnSpc>
+                          <a:spcPct val="100000"/>
+                        </a:lnSpc>
+                        <a:spcBef>
+                          <a:spcPts val="0"/>
+                        </a:spcBef>
+                        <a:spcAft>
+                          <a:spcPts val="0"/>
+                        </a:spcAft>
+                        <a:buClrTx/>
+                        <a:buSzTx/>
+                        <a:buFontTx/>
+                        <a:buNone/>
+                        <a:tabLst/>
+                        <a:defRPr/>
+                      </a:pPr>
+                      <a:r>
+                        <a:rPr lang="en-US" sz="1200" kern="1200" dirty="0" smtClean="0">
+                          <a:solidFill>
+                            <a:schemeClr val="dk1"/>
+                          </a:solidFill>
+                          <a:latin typeface="+mn-lt"/>
+                          <a:ea typeface="+mn-ea"/>
+                          <a:cs typeface="+mn-cs"/>
+                        </a:rPr>
+                        <a:t>== (arg0 : </a:t>
+                      </a:r>
+                      <a:r>
+                        <a:rPr lang="en-US" sz="1200" kern="1200" dirty="0" err="1" smtClean="0">
+                          <a:solidFill>
+                            <a:schemeClr val="dk1"/>
+                          </a:solidFill>
+                          <a:latin typeface="+mn-lt"/>
+                          <a:ea typeface="+mn-ea"/>
+                          <a:cs typeface="+mn-cs"/>
+                        </a:rPr>
+                        <a:t>AnyRef</a:t>
+                      </a:r>
+                      <a:r>
+                        <a:rPr lang="en-US" sz="1200" kern="1200" dirty="0" smtClean="0">
+                          <a:solidFill>
+                            <a:schemeClr val="dk1"/>
+                          </a:solidFill>
+                          <a:latin typeface="+mn-lt"/>
+                          <a:ea typeface="+mn-ea"/>
+                          <a:cs typeface="+mn-cs"/>
+                        </a:rPr>
+                        <a:t>) : Boolean</a:t>
+                      </a:r>
+                      <a:endParaRPr lang="en-US" sz="1200" kern="1200" dirty="0">
+                        <a:solidFill>
+                          <a:schemeClr val="dk1"/>
+                        </a:solidFill>
+                        <a:latin typeface="+mn-lt"/>
+                        <a:ea typeface="+mn-ea"/>
+                        <a:cs typeface="+mn-cs"/>
+                      </a:endParaRPr>
+                    </a:p>
+                  </a:txBody>
+                  <a:tcPr/>
+                </a:tc>
+                <a:tc>
+                  <a:txBody>
+                    <a:bodyPr/>
+                    <a:lstStyle/>
+                    <a:p>
+                      <a:pPr marL="0" marR="0" indent="0" algn="l" defTabSz="457200" rtl="0" eaLnBrk="1" fontAlgn="auto" latinLnBrk="0" hangingPunct="1">
+                        <a:lnSpc>
+                          <a:spcPct val="100000"/>
+                        </a:lnSpc>
+                        <a:spcBef>
+                          <a:spcPts val="0"/>
+                        </a:spcBef>
+                        <a:spcAft>
+                          <a:spcPts val="0"/>
+                        </a:spcAft>
+                        <a:buClrTx/>
+                        <a:buSzTx/>
+                        <a:buFontTx/>
+                        <a:buNone/>
+                        <a:tabLst/>
+                        <a:defRPr/>
+                      </a:pPr>
+                      <a:r>
+                        <a:rPr lang="en-US" sz="1200" kern="1200" dirty="0" smtClean="0">
+                          <a:solidFill>
+                            <a:srgbClr val="FF0000"/>
+                          </a:solidFill>
+                          <a:latin typeface="+mn-lt"/>
+                          <a:ea typeface="+mn-ea"/>
+                          <a:cs typeface="+mn-cs"/>
+                        </a:rPr>
+                        <a:t>o == arg0 </a:t>
+                      </a:r>
+                      <a:r>
+                        <a:rPr lang="en-US" sz="1200" kern="1200" dirty="0" smtClean="0">
+                          <a:solidFill>
+                            <a:schemeClr val="dk1"/>
+                          </a:solidFill>
+                          <a:latin typeface="+mn-lt"/>
+                          <a:ea typeface="+mn-ea"/>
+                          <a:cs typeface="+mn-cs"/>
+                        </a:rPr>
+                        <a:t>is the same as </a:t>
+                      </a:r>
+                      <a:r>
+                        <a:rPr lang="en-US" sz="1200" kern="1200" dirty="0" smtClean="0">
+                          <a:solidFill>
+                            <a:srgbClr val="FF0000"/>
+                          </a:solidFill>
+                          <a:latin typeface="+mn-lt"/>
+                          <a:ea typeface="+mn-ea"/>
+                          <a:cs typeface="+mn-cs"/>
+                        </a:rPr>
+                        <a:t>if (o </a:t>
+                      </a:r>
+                      <a:r>
+                        <a:rPr lang="en-US" sz="1200" kern="1200" dirty="0" err="1" smtClean="0">
+                          <a:solidFill>
+                            <a:srgbClr val="FF0000"/>
+                          </a:solidFill>
+                          <a:latin typeface="+mn-lt"/>
+                          <a:ea typeface="+mn-ea"/>
+                          <a:cs typeface="+mn-cs"/>
+                        </a:rPr>
+                        <a:t>eq</a:t>
+                      </a:r>
+                      <a:r>
+                        <a:rPr lang="en-US" sz="1200" kern="1200" dirty="0" smtClean="0">
+                          <a:solidFill>
+                            <a:srgbClr val="FF0000"/>
+                          </a:solidFill>
+                          <a:latin typeface="+mn-lt"/>
+                          <a:ea typeface="+mn-ea"/>
+                          <a:cs typeface="+mn-cs"/>
+                        </a:rPr>
+                        <a:t> null) arg0 </a:t>
+                      </a:r>
+                      <a:r>
+                        <a:rPr lang="en-US" sz="1200" kern="1200" dirty="0" err="1" smtClean="0">
+                          <a:solidFill>
+                            <a:srgbClr val="FF0000"/>
+                          </a:solidFill>
+                          <a:latin typeface="+mn-lt"/>
+                          <a:ea typeface="+mn-ea"/>
+                          <a:cs typeface="+mn-cs"/>
+                        </a:rPr>
+                        <a:t>eq</a:t>
+                      </a:r>
+                      <a:r>
+                        <a:rPr lang="en-US" sz="1200" kern="1200" dirty="0" smtClean="0">
+                          <a:solidFill>
+                            <a:srgbClr val="FF0000"/>
+                          </a:solidFill>
+                          <a:latin typeface="+mn-lt"/>
+                          <a:ea typeface="+mn-ea"/>
+                          <a:cs typeface="+mn-cs"/>
+                        </a:rPr>
+                        <a:t> null else </a:t>
+                      </a:r>
+                      <a:r>
+                        <a:rPr lang="en-US" sz="1200" kern="1200" dirty="0" err="1" smtClean="0">
+                          <a:solidFill>
+                            <a:srgbClr val="FF0000"/>
+                          </a:solidFill>
+                          <a:latin typeface="+mn-lt"/>
+                          <a:ea typeface="+mn-ea"/>
+                          <a:cs typeface="+mn-cs"/>
+                        </a:rPr>
+                        <a:t>o.equals</a:t>
+                      </a:r>
+                      <a:r>
+                        <a:rPr lang="en-US" sz="1200" kern="1200" dirty="0" smtClean="0">
+                          <a:solidFill>
+                            <a:srgbClr val="FF0000"/>
+                          </a:solidFill>
+                          <a:latin typeface="+mn-lt"/>
+                          <a:ea typeface="+mn-ea"/>
+                          <a:cs typeface="+mn-cs"/>
+                        </a:rPr>
+                        <a:t>(arg0)</a:t>
+                      </a:r>
+                      <a:endParaRPr lang="en-US" sz="1200" kern="1200" dirty="0">
+                        <a:solidFill>
+                          <a:schemeClr val="dk1"/>
+                        </a:solidFill>
+                        <a:latin typeface="+mn-lt"/>
+                        <a:ea typeface="+mn-ea"/>
+                        <a:cs typeface="+mn-cs"/>
+                      </a:endParaRPr>
+                    </a:p>
+                  </a:txBody>
+                  <a:tcPr/>
+                </a:tc>
+              </a:tr>
+              <a:tr h="293915">
+                <a:tc>
+                  <a:txBody>
+                    <a:bodyPr/>
+                    <a:lstStyle/>
+                    <a:p>
+                      <a:pPr marL="0" marR="0" indent="0" algn="l" defTabSz="457200" rtl="0" eaLnBrk="1" fontAlgn="auto" latinLnBrk="0" hangingPunct="1">
+                        <a:lnSpc>
+                          <a:spcPct val="100000"/>
+                        </a:lnSpc>
+                        <a:spcBef>
+                          <a:spcPts val="0"/>
+                        </a:spcBef>
+                        <a:spcAft>
+                          <a:spcPts val="0"/>
+                        </a:spcAft>
+                        <a:buClrTx/>
+                        <a:buSzTx/>
+                        <a:buFontTx/>
+                        <a:buNone/>
+                        <a:tabLst/>
+                        <a:defRPr/>
+                      </a:pPr>
+                      <a:r>
+                        <a:rPr lang="en-US" sz="1200" kern="1200" dirty="0" smtClean="0">
+                          <a:solidFill>
+                            <a:schemeClr val="dk1"/>
+                          </a:solidFill>
+                          <a:latin typeface="+mn-lt"/>
+                          <a:ea typeface="+mn-ea"/>
+                          <a:cs typeface="+mn-cs"/>
+                        </a:rPr>
+                        <a:t>clone : </a:t>
+                      </a:r>
+                      <a:r>
+                        <a:rPr lang="en-US" sz="1200" kern="1200" dirty="0" err="1" smtClean="0">
+                          <a:solidFill>
+                            <a:schemeClr val="dk1"/>
+                          </a:solidFill>
+                          <a:latin typeface="+mn-lt"/>
+                          <a:ea typeface="+mn-ea"/>
+                          <a:cs typeface="+mn-cs"/>
+                        </a:rPr>
+                        <a:t>AnyRef</a:t>
+                      </a:r>
+                      <a:endParaRPr lang="en-US" sz="1200" kern="1200" dirty="0">
+                        <a:solidFill>
+                          <a:schemeClr val="dk1"/>
+                        </a:solidFill>
+                        <a:latin typeface="+mn-lt"/>
+                        <a:ea typeface="+mn-ea"/>
+                        <a:cs typeface="+mn-cs"/>
+                      </a:endParaRPr>
+                    </a:p>
+                  </a:txBody>
+                  <a:tcPr/>
+                </a:tc>
+                <a:tc>
+                  <a:txBody>
+                    <a:bodyPr/>
+                    <a:lstStyle/>
+                    <a:p>
+                      <a:r>
+                        <a:rPr lang="en-US" sz="1200" kern="1200" dirty="0" smtClean="0">
+                          <a:solidFill>
+                            <a:schemeClr val="dk1"/>
+                          </a:solidFill>
+                          <a:latin typeface="+mn-lt"/>
+                          <a:ea typeface="+mn-ea"/>
+                          <a:cs typeface="+mn-cs"/>
+                        </a:rPr>
+                        <a:t>This method creates and returns a copy of the receiver object</a:t>
+                      </a:r>
+                      <a:endParaRPr lang="en-US" sz="1200" kern="1200" dirty="0">
+                        <a:solidFill>
+                          <a:schemeClr val="dk1"/>
+                        </a:solidFill>
+                        <a:latin typeface="+mn-lt"/>
+                        <a:ea typeface="+mn-ea"/>
+                        <a:cs typeface="+mn-cs"/>
+                      </a:endParaRPr>
+                    </a:p>
+                  </a:txBody>
+                  <a:tcPr/>
+                </a:tc>
+              </a:tr>
+              <a:tr h="370840">
+                <a:tc>
+                  <a:txBody>
+                    <a:bodyPr/>
+                    <a:lstStyle/>
+                    <a:p>
+                      <a:pPr marL="0" marR="0" indent="0" algn="l" defTabSz="457200" rtl="0" eaLnBrk="1" fontAlgn="auto" latinLnBrk="0" hangingPunct="1">
+                        <a:lnSpc>
+                          <a:spcPct val="100000"/>
+                        </a:lnSpc>
+                        <a:spcBef>
+                          <a:spcPts val="0"/>
+                        </a:spcBef>
+                        <a:spcAft>
+                          <a:spcPts val="0"/>
+                        </a:spcAft>
+                        <a:buClrTx/>
+                        <a:buSzTx/>
+                        <a:buFontTx/>
+                        <a:buNone/>
+                        <a:tabLst/>
+                        <a:defRPr/>
+                      </a:pPr>
+                      <a:r>
+                        <a:rPr lang="en-US" sz="1200" kern="1200" dirty="0" err="1" smtClean="0">
+                          <a:solidFill>
+                            <a:schemeClr val="dk1"/>
+                          </a:solidFill>
+                          <a:latin typeface="+mn-lt"/>
+                          <a:ea typeface="+mn-ea"/>
+                          <a:cs typeface="+mn-cs"/>
+                        </a:rPr>
+                        <a:t>eq</a:t>
+                      </a:r>
+                      <a:r>
+                        <a:rPr lang="en-US" sz="1200" kern="1200" dirty="0" smtClean="0">
+                          <a:solidFill>
+                            <a:schemeClr val="dk1"/>
+                          </a:solidFill>
+                          <a:latin typeface="+mn-lt"/>
+                          <a:ea typeface="+mn-ea"/>
+                          <a:cs typeface="+mn-cs"/>
+                        </a:rPr>
+                        <a:t> (arg0 : </a:t>
+                      </a:r>
+                      <a:r>
+                        <a:rPr lang="en-US" sz="1200" kern="1200" dirty="0" err="1" smtClean="0">
+                          <a:solidFill>
+                            <a:schemeClr val="dk1"/>
+                          </a:solidFill>
+                          <a:latin typeface="+mn-lt"/>
+                          <a:ea typeface="+mn-ea"/>
+                          <a:cs typeface="+mn-cs"/>
+                        </a:rPr>
+                        <a:t>AnyRef</a:t>
+                      </a:r>
+                      <a:r>
+                        <a:rPr lang="en-US" sz="1200" kern="1200" dirty="0" smtClean="0">
+                          <a:solidFill>
+                            <a:schemeClr val="dk1"/>
+                          </a:solidFill>
+                          <a:latin typeface="+mn-lt"/>
+                          <a:ea typeface="+mn-ea"/>
+                          <a:cs typeface="+mn-cs"/>
+                        </a:rPr>
+                        <a:t>) : Boolean</a:t>
+                      </a:r>
+                      <a:endParaRPr lang="en-US" sz="1200" kern="1200" dirty="0">
+                        <a:solidFill>
+                          <a:schemeClr val="dk1"/>
+                        </a:solidFill>
+                        <a:latin typeface="+mn-lt"/>
+                        <a:ea typeface="+mn-ea"/>
+                        <a:cs typeface="+mn-cs"/>
+                      </a:endParaRPr>
+                    </a:p>
+                  </a:txBody>
+                  <a:tcPr/>
+                </a:tc>
+                <a:tc>
+                  <a:txBody>
+                    <a:bodyPr/>
+                    <a:lstStyle/>
+                    <a:p>
+                      <a:pPr marL="0" algn="l" defTabSz="457200" rtl="0" eaLnBrk="1" latinLnBrk="0" hangingPunct="1"/>
+                      <a:r>
+                        <a:rPr lang="en-US" sz="1200" kern="1200" dirty="0" smtClean="0">
+                          <a:solidFill>
+                            <a:schemeClr val="dk1"/>
+                          </a:solidFill>
+                          <a:latin typeface="+mn-lt"/>
+                          <a:ea typeface="+mn-ea"/>
+                          <a:cs typeface="+mn-cs"/>
+                        </a:rPr>
+                        <a:t>This method is used to test whether the argument (arg0) is a reference to the receiver object (this).</a:t>
+                      </a:r>
+                      <a:endParaRPr lang="en-US" sz="1200" kern="1200" dirty="0">
+                        <a:solidFill>
+                          <a:schemeClr val="dk1"/>
+                        </a:solidFill>
+                        <a:latin typeface="+mn-lt"/>
+                        <a:ea typeface="+mn-ea"/>
+                        <a:cs typeface="+mn-cs"/>
+                      </a:endParaRPr>
+                    </a:p>
+                  </a:txBody>
+                  <a:tcPr/>
+                </a:tc>
+              </a:tr>
+              <a:tr h="370840">
+                <a:tc>
+                  <a:txBody>
+                    <a:bodyPr/>
+                    <a:lstStyle/>
+                    <a:p>
+                      <a:pPr marL="0" marR="0" indent="0" algn="l" defTabSz="457200" rtl="0" eaLnBrk="1" fontAlgn="auto" latinLnBrk="0" hangingPunct="1">
+                        <a:lnSpc>
+                          <a:spcPct val="100000"/>
+                        </a:lnSpc>
+                        <a:spcBef>
+                          <a:spcPts val="0"/>
+                        </a:spcBef>
+                        <a:spcAft>
+                          <a:spcPts val="0"/>
+                        </a:spcAft>
+                        <a:buClrTx/>
+                        <a:buSzTx/>
+                        <a:buFontTx/>
+                        <a:buNone/>
+                        <a:tabLst/>
+                        <a:defRPr/>
+                      </a:pPr>
+                      <a:r>
+                        <a:rPr lang="en-US" sz="1200" kern="1200" dirty="0" smtClean="0">
+                          <a:solidFill>
+                            <a:schemeClr val="dk1"/>
+                          </a:solidFill>
+                          <a:latin typeface="+mn-lt"/>
+                          <a:ea typeface="+mn-ea"/>
+                          <a:cs typeface="+mn-cs"/>
+                        </a:rPr>
+                        <a:t>equals (arg0 : Any) : Boolean</a:t>
+                      </a:r>
+                      <a:endParaRPr lang="en-US" sz="1200" kern="1200" dirty="0">
+                        <a:solidFill>
+                          <a:schemeClr val="dk1"/>
+                        </a:solidFill>
+                        <a:latin typeface="+mn-lt"/>
+                        <a:ea typeface="+mn-ea"/>
+                        <a:cs typeface="+mn-cs"/>
+                      </a:endParaRPr>
+                    </a:p>
+                  </a:txBody>
+                  <a:tcPr/>
+                </a:tc>
+                <a:tc>
+                  <a:txBody>
+                    <a:bodyPr/>
+                    <a:lstStyle/>
+                    <a:p>
+                      <a:pPr marL="0" algn="l" defTabSz="457200" rtl="0" eaLnBrk="1" latinLnBrk="0" hangingPunct="1"/>
+                      <a:r>
+                        <a:rPr lang="en-US" sz="1200" kern="1200" dirty="0" smtClean="0">
+                          <a:solidFill>
+                            <a:schemeClr val="dk1"/>
+                          </a:solidFill>
+                          <a:latin typeface="+mn-lt"/>
+                          <a:ea typeface="+mn-ea"/>
+                          <a:cs typeface="+mn-cs"/>
+                        </a:rPr>
+                        <a:t>This method is used to compare the receiver object (this) with the argument object (arg0) for equivalence.</a:t>
+                      </a:r>
+                      <a:endParaRPr lang="en-US" sz="1200" kern="1200" dirty="0">
+                        <a:solidFill>
+                          <a:schemeClr val="dk1"/>
+                        </a:solidFill>
+                        <a:latin typeface="+mn-lt"/>
+                        <a:ea typeface="+mn-ea"/>
+                        <a:cs typeface="+mn-cs"/>
+                      </a:endParaRPr>
+                    </a:p>
+                  </a:txBody>
+                  <a:tcPr/>
+                </a:tc>
+              </a:tr>
+              <a:tr h="370840">
+                <a:tc>
+                  <a:txBody>
+                    <a:bodyPr/>
+                    <a:lstStyle/>
+                    <a:p>
+                      <a:pPr marL="0" marR="0" indent="0" algn="l" defTabSz="457200" rtl="0" eaLnBrk="1" fontAlgn="auto" latinLnBrk="0" hangingPunct="1">
+                        <a:lnSpc>
+                          <a:spcPct val="100000"/>
+                        </a:lnSpc>
+                        <a:spcBef>
+                          <a:spcPts val="0"/>
+                        </a:spcBef>
+                        <a:spcAft>
+                          <a:spcPts val="0"/>
+                        </a:spcAft>
+                        <a:buClrTx/>
+                        <a:buSzTx/>
+                        <a:buFontTx/>
+                        <a:buNone/>
+                        <a:tabLst/>
+                        <a:defRPr/>
+                      </a:pPr>
+                      <a:r>
+                        <a:rPr lang="en-US" sz="1200" kern="1200" dirty="0" smtClean="0">
+                          <a:solidFill>
+                            <a:schemeClr val="dk1"/>
+                          </a:solidFill>
+                          <a:latin typeface="+mn-lt"/>
+                          <a:ea typeface="+mn-ea"/>
+                          <a:cs typeface="+mn-cs"/>
+                        </a:rPr>
+                        <a:t>finalize : Unit</a:t>
+                      </a:r>
+                      <a:endParaRPr lang="en-US" sz="1200" kern="1200" dirty="0">
+                        <a:solidFill>
+                          <a:schemeClr val="dk1"/>
+                        </a:solidFill>
+                        <a:latin typeface="+mn-lt"/>
+                        <a:ea typeface="+mn-ea"/>
+                        <a:cs typeface="+mn-cs"/>
+                      </a:endParaRPr>
+                    </a:p>
+                  </a:txBody>
+                  <a:tcPr/>
+                </a:tc>
+                <a:tc>
+                  <a:txBody>
+                    <a:bodyPr/>
+                    <a:lstStyle/>
+                    <a:p>
+                      <a:pPr marL="0" algn="l" defTabSz="457200" rtl="0" eaLnBrk="1" latinLnBrk="0" hangingPunct="1"/>
+                      <a:r>
+                        <a:rPr lang="en-US" sz="1200" kern="1200" dirty="0" smtClean="0">
+                          <a:solidFill>
+                            <a:schemeClr val="dk1"/>
+                          </a:solidFill>
+                          <a:latin typeface="+mn-lt"/>
+                          <a:ea typeface="+mn-ea"/>
+                          <a:cs typeface="+mn-cs"/>
+                        </a:rPr>
+                        <a:t>This method is called by the garbage collector on the receiver object when garbage collection determines that there are no more references to the object.</a:t>
+                      </a:r>
+                      <a:endParaRPr lang="en-US" sz="1200" kern="1200" dirty="0">
+                        <a:solidFill>
+                          <a:schemeClr val="dk1"/>
+                        </a:solidFill>
+                        <a:latin typeface="+mn-lt"/>
+                        <a:ea typeface="+mn-ea"/>
+                        <a:cs typeface="+mn-cs"/>
+                      </a:endParaRPr>
+                    </a:p>
+                  </a:txBody>
+                  <a:tcPr/>
+                </a:tc>
+              </a:tr>
+              <a:tr h="370840">
+                <a:tc>
+                  <a:txBody>
+                    <a:bodyPr/>
+                    <a:lstStyle/>
+                    <a:p>
+                      <a:pPr marL="0" marR="0" indent="0" algn="l" defTabSz="457200" rtl="0" eaLnBrk="1" fontAlgn="auto" latinLnBrk="0" hangingPunct="1">
+                        <a:lnSpc>
+                          <a:spcPct val="100000"/>
+                        </a:lnSpc>
+                        <a:spcBef>
+                          <a:spcPts val="0"/>
+                        </a:spcBef>
+                        <a:spcAft>
+                          <a:spcPts val="0"/>
+                        </a:spcAft>
+                        <a:buClrTx/>
+                        <a:buSzTx/>
+                        <a:buFontTx/>
+                        <a:buNone/>
+                        <a:tabLst/>
+                        <a:defRPr/>
+                      </a:pPr>
+                      <a:r>
+                        <a:rPr lang="en-US" sz="1200" kern="1200" dirty="0" err="1" smtClean="0">
+                          <a:solidFill>
+                            <a:schemeClr val="dk1"/>
+                          </a:solidFill>
+                          <a:latin typeface="+mn-lt"/>
+                          <a:ea typeface="+mn-ea"/>
+                          <a:cs typeface="+mn-cs"/>
+                        </a:rPr>
+                        <a:t>getClass</a:t>
+                      </a:r>
+                      <a:r>
+                        <a:rPr lang="en-US" sz="1200" kern="1200" dirty="0" smtClean="0">
+                          <a:solidFill>
+                            <a:schemeClr val="dk1"/>
+                          </a:solidFill>
+                          <a:latin typeface="+mn-lt"/>
+                          <a:ea typeface="+mn-ea"/>
+                          <a:cs typeface="+mn-cs"/>
+                        </a:rPr>
+                        <a:t> : </a:t>
+                      </a:r>
+                      <a:r>
+                        <a:rPr lang="en-US" sz="1200" kern="1200" dirty="0" err="1" smtClean="0">
+                          <a:solidFill>
+                            <a:schemeClr val="dk1"/>
+                          </a:solidFill>
+                          <a:latin typeface="+mn-lt"/>
+                          <a:ea typeface="+mn-ea"/>
+                          <a:cs typeface="+mn-cs"/>
+                        </a:rPr>
+                        <a:t>java.lang.Class</a:t>
+                      </a:r>
+                      <a:r>
+                        <a:rPr lang="en-US" sz="1200" kern="1200" dirty="0" smtClean="0">
+                          <a:solidFill>
+                            <a:schemeClr val="dk1"/>
+                          </a:solidFill>
+                          <a:latin typeface="+mn-lt"/>
+                          <a:ea typeface="+mn-ea"/>
+                          <a:cs typeface="+mn-cs"/>
+                        </a:rPr>
+                        <a:t>[</a:t>
+                      </a:r>
+                      <a:r>
+                        <a:rPr lang="en-US" sz="1200" kern="1200" dirty="0" err="1" smtClean="0">
+                          <a:solidFill>
+                            <a:schemeClr val="dk1"/>
+                          </a:solidFill>
+                          <a:latin typeface="+mn-lt"/>
+                          <a:ea typeface="+mn-ea"/>
+                          <a:cs typeface="+mn-cs"/>
+                        </a:rPr>
+                        <a:t>AnyRef</a:t>
+                      </a:r>
+                      <a:r>
+                        <a:rPr lang="en-US" sz="1200" kern="1200" dirty="0" smtClean="0">
+                          <a:solidFill>
+                            <a:schemeClr val="dk1"/>
+                          </a:solidFill>
+                          <a:latin typeface="+mn-lt"/>
+                          <a:ea typeface="+mn-ea"/>
+                          <a:cs typeface="+mn-cs"/>
+                        </a:rPr>
+                        <a:t>]</a:t>
+                      </a:r>
+                      <a:endParaRPr lang="en-US" sz="1200" kern="1200" dirty="0">
+                        <a:solidFill>
+                          <a:schemeClr val="dk1"/>
+                        </a:solidFill>
+                        <a:latin typeface="+mn-lt"/>
+                        <a:ea typeface="+mn-ea"/>
+                        <a:cs typeface="+mn-cs"/>
+                      </a:endParaRPr>
+                    </a:p>
+                  </a:txBody>
+                  <a:tcPr/>
+                </a:tc>
+                <a:tc>
+                  <a:txBody>
+                    <a:bodyPr/>
+                    <a:lstStyle/>
+                    <a:p>
+                      <a:r>
+                        <a:rPr lang="en-US" sz="1200" kern="1200" dirty="0" smtClean="0">
+                          <a:solidFill>
+                            <a:schemeClr val="dk1"/>
+                          </a:solidFill>
+                          <a:latin typeface="+mn-lt"/>
+                          <a:ea typeface="+mn-ea"/>
+                          <a:cs typeface="+mn-cs"/>
+                        </a:rPr>
+                        <a:t>Returns a representation that corresponds to the dynamic class of the receiver object.</a:t>
+                      </a:r>
+                      <a:endParaRPr lang="en-US" sz="1200" kern="1200" dirty="0">
+                        <a:solidFill>
+                          <a:schemeClr val="dk1"/>
+                        </a:solidFill>
+                        <a:latin typeface="+mn-lt"/>
+                        <a:ea typeface="+mn-ea"/>
+                        <a:cs typeface="+mn-cs"/>
+                      </a:endParaRPr>
+                    </a:p>
+                  </a:txBody>
+                  <a:tcPr/>
+                </a:tc>
+              </a:tr>
+              <a:tr h="261257">
+                <a:tc>
+                  <a:txBody>
+                    <a:bodyPr/>
+                    <a:lstStyle/>
+                    <a:p>
+                      <a:pPr marL="0" marR="0" indent="0" algn="l" defTabSz="457200" rtl="0" eaLnBrk="1" fontAlgn="auto" latinLnBrk="0" hangingPunct="1">
+                        <a:lnSpc>
+                          <a:spcPct val="100000"/>
+                        </a:lnSpc>
+                        <a:spcBef>
+                          <a:spcPts val="0"/>
+                        </a:spcBef>
+                        <a:spcAft>
+                          <a:spcPts val="0"/>
+                        </a:spcAft>
+                        <a:buClrTx/>
+                        <a:buSzTx/>
+                        <a:buFontTx/>
+                        <a:buNone/>
+                        <a:tabLst/>
+                        <a:defRPr/>
+                      </a:pPr>
+                      <a:r>
+                        <a:rPr lang="en-US" sz="1200" kern="1200" dirty="0" err="1" smtClean="0">
+                          <a:solidFill>
+                            <a:schemeClr val="dk1"/>
+                          </a:solidFill>
+                          <a:latin typeface="+mn-lt"/>
+                          <a:ea typeface="+mn-ea"/>
+                          <a:cs typeface="+mn-cs"/>
+                        </a:rPr>
+                        <a:t>hashCode</a:t>
+                      </a:r>
+                      <a:r>
+                        <a:rPr lang="en-US" sz="1200" kern="1200" dirty="0" smtClean="0">
+                          <a:solidFill>
+                            <a:schemeClr val="dk1"/>
+                          </a:solidFill>
+                          <a:latin typeface="+mn-lt"/>
+                          <a:ea typeface="+mn-ea"/>
+                          <a:cs typeface="+mn-cs"/>
+                        </a:rPr>
+                        <a:t> : </a:t>
+                      </a:r>
+                      <a:r>
+                        <a:rPr lang="en-US" sz="1200" kern="1200" dirty="0" err="1" smtClean="0">
+                          <a:solidFill>
+                            <a:schemeClr val="dk1"/>
+                          </a:solidFill>
+                          <a:latin typeface="+mn-lt"/>
+                          <a:ea typeface="+mn-ea"/>
+                          <a:cs typeface="+mn-cs"/>
+                        </a:rPr>
+                        <a:t>Int</a:t>
+                      </a:r>
+                      <a:endParaRPr lang="en-US" sz="1200" kern="1200" dirty="0">
+                        <a:solidFill>
+                          <a:schemeClr val="dk1"/>
+                        </a:solidFill>
+                        <a:latin typeface="+mn-lt"/>
+                        <a:ea typeface="+mn-ea"/>
+                        <a:cs typeface="+mn-cs"/>
+                      </a:endParaRPr>
+                    </a:p>
+                  </a:txBody>
+                  <a:tcPr/>
+                </a:tc>
+                <a:tc>
+                  <a:txBody>
+                    <a:bodyPr/>
+                    <a:lstStyle/>
+                    <a:p>
+                      <a:r>
+                        <a:rPr lang="en-US" sz="1200" kern="1200" dirty="0" smtClean="0">
+                          <a:solidFill>
+                            <a:schemeClr val="dk1"/>
+                          </a:solidFill>
+                          <a:latin typeface="+mn-lt"/>
+                          <a:ea typeface="+mn-ea"/>
+                          <a:cs typeface="+mn-cs"/>
+                        </a:rPr>
+                        <a:t>Returns a hash code value for the object.</a:t>
+                      </a:r>
+                      <a:endParaRPr lang="en-US" sz="1200" kern="1200" dirty="0">
+                        <a:solidFill>
+                          <a:schemeClr val="dk1"/>
+                        </a:solidFill>
+                        <a:latin typeface="+mn-lt"/>
+                        <a:ea typeface="+mn-ea"/>
+                        <a:cs typeface="+mn-cs"/>
+                      </a:endParaRPr>
+                    </a:p>
+                  </a:txBody>
+                  <a:tcPr/>
+                </a:tc>
+              </a:tr>
+              <a:tr h="283029">
+                <a:tc>
+                  <a:txBody>
+                    <a:bodyPr/>
+                    <a:lstStyle/>
+                    <a:p>
+                      <a:pPr marL="0" marR="0" indent="0" algn="l" defTabSz="457200" rtl="0" eaLnBrk="1" fontAlgn="auto" latinLnBrk="0" hangingPunct="1">
+                        <a:lnSpc>
+                          <a:spcPct val="100000"/>
+                        </a:lnSpc>
+                        <a:spcBef>
+                          <a:spcPts val="0"/>
+                        </a:spcBef>
+                        <a:spcAft>
+                          <a:spcPts val="0"/>
+                        </a:spcAft>
+                        <a:buClrTx/>
+                        <a:buSzTx/>
+                        <a:buFontTx/>
+                        <a:buNone/>
+                        <a:tabLst/>
+                        <a:defRPr/>
+                      </a:pPr>
+                      <a:r>
+                        <a:rPr lang="en-US" sz="1200" kern="1200" dirty="0" smtClean="0">
+                          <a:solidFill>
+                            <a:schemeClr val="dk1"/>
+                          </a:solidFill>
+                          <a:latin typeface="+mn-lt"/>
+                          <a:ea typeface="+mn-ea"/>
+                          <a:cs typeface="+mn-cs"/>
+                        </a:rPr>
+                        <a:t>ne (arg0 : </a:t>
+                      </a:r>
+                      <a:r>
+                        <a:rPr lang="en-US" sz="1200" kern="1200" dirty="0" err="1" smtClean="0">
+                          <a:solidFill>
+                            <a:schemeClr val="dk1"/>
+                          </a:solidFill>
+                          <a:latin typeface="+mn-lt"/>
+                          <a:ea typeface="+mn-ea"/>
+                          <a:cs typeface="+mn-cs"/>
+                        </a:rPr>
+                        <a:t>AnyRef</a:t>
+                      </a:r>
+                      <a:r>
+                        <a:rPr lang="en-US" sz="1200" kern="1200" dirty="0" smtClean="0">
+                          <a:solidFill>
+                            <a:schemeClr val="dk1"/>
+                          </a:solidFill>
+                          <a:latin typeface="+mn-lt"/>
+                          <a:ea typeface="+mn-ea"/>
+                          <a:cs typeface="+mn-cs"/>
+                        </a:rPr>
+                        <a:t>) : Boolean</a:t>
+                      </a:r>
+                      <a:endParaRPr lang="en-US" sz="1200" kern="1200" dirty="0">
+                        <a:solidFill>
+                          <a:schemeClr val="dk1"/>
+                        </a:solidFill>
+                        <a:latin typeface="+mn-lt"/>
+                        <a:ea typeface="+mn-ea"/>
+                        <a:cs typeface="+mn-cs"/>
+                      </a:endParaRPr>
+                    </a:p>
+                  </a:txBody>
+                  <a:tcPr/>
+                </a:tc>
+                <a:tc>
+                  <a:txBody>
+                    <a:bodyPr/>
+                    <a:lstStyle/>
+                    <a:p>
+                      <a:r>
+                        <a:rPr lang="en-US" sz="1200" kern="1200" dirty="0" smtClean="0">
+                          <a:solidFill>
+                            <a:srgbClr val="FF0000"/>
+                          </a:solidFill>
+                          <a:latin typeface="+mn-lt"/>
+                          <a:ea typeface="+mn-ea"/>
+                          <a:cs typeface="+mn-cs"/>
+                        </a:rPr>
+                        <a:t>o.ne(arg0)</a:t>
+                      </a:r>
+                      <a:r>
+                        <a:rPr lang="en-US" sz="1200" kern="1200" dirty="0" smtClean="0">
+                          <a:solidFill>
+                            <a:schemeClr val="dk1"/>
+                          </a:solidFill>
+                          <a:latin typeface="+mn-lt"/>
+                          <a:ea typeface="+mn-ea"/>
+                          <a:cs typeface="+mn-cs"/>
+                        </a:rPr>
+                        <a:t> is the same as </a:t>
+                      </a:r>
+                      <a:r>
+                        <a:rPr lang="en-US" sz="1200" kern="1200" dirty="0" smtClean="0">
+                          <a:solidFill>
+                            <a:srgbClr val="FF0000"/>
+                          </a:solidFill>
+                          <a:latin typeface="+mn-lt"/>
+                          <a:ea typeface="+mn-ea"/>
+                          <a:cs typeface="+mn-cs"/>
+                        </a:rPr>
+                        <a:t>!(</a:t>
+                      </a:r>
+                      <a:r>
+                        <a:rPr lang="en-US" sz="1200" kern="1200" dirty="0" err="1" smtClean="0">
+                          <a:solidFill>
+                            <a:srgbClr val="FF0000"/>
+                          </a:solidFill>
+                          <a:latin typeface="+mn-lt"/>
+                          <a:ea typeface="+mn-ea"/>
+                          <a:cs typeface="+mn-cs"/>
+                        </a:rPr>
+                        <a:t>o.eq</a:t>
+                      </a:r>
+                      <a:r>
+                        <a:rPr lang="en-US" sz="1200" kern="1200" dirty="0" smtClean="0">
+                          <a:solidFill>
+                            <a:srgbClr val="FF0000"/>
+                          </a:solidFill>
+                          <a:latin typeface="+mn-lt"/>
+                          <a:ea typeface="+mn-ea"/>
+                          <a:cs typeface="+mn-cs"/>
+                        </a:rPr>
+                        <a:t>(arg0)).</a:t>
+                      </a:r>
+                      <a:endParaRPr lang="en-US" sz="1200" kern="1200" dirty="0">
+                        <a:solidFill>
+                          <a:srgbClr val="FF0000"/>
+                        </a:solidFill>
+                        <a:latin typeface="+mn-lt"/>
+                        <a:ea typeface="+mn-ea"/>
+                        <a:cs typeface="+mn-cs"/>
+                      </a:endParaRPr>
+                    </a:p>
+                  </a:txBody>
+                  <a:tcPr/>
+                </a:tc>
+              </a:tr>
+              <a:tr h="269965">
+                <a:tc>
+                  <a:txBody>
+                    <a:bodyPr/>
+                    <a:lstStyle/>
+                    <a:p>
+                      <a:pPr marL="0" marR="0" indent="0" algn="l" defTabSz="457200" rtl="0" eaLnBrk="1" fontAlgn="auto" latinLnBrk="0" hangingPunct="1">
+                        <a:lnSpc>
+                          <a:spcPct val="100000"/>
+                        </a:lnSpc>
+                        <a:spcBef>
+                          <a:spcPts val="0"/>
+                        </a:spcBef>
+                        <a:spcAft>
+                          <a:spcPts val="0"/>
+                        </a:spcAft>
+                        <a:buClrTx/>
+                        <a:buSzTx/>
+                        <a:buFontTx/>
+                        <a:buNone/>
+                        <a:tabLst/>
+                        <a:defRPr/>
+                      </a:pPr>
+                      <a:r>
+                        <a:rPr lang="en-US" sz="1200" kern="1200" dirty="0" smtClean="0">
+                          <a:solidFill>
+                            <a:schemeClr val="dk1"/>
+                          </a:solidFill>
+                          <a:latin typeface="+mn-lt"/>
+                          <a:ea typeface="+mn-ea"/>
+                          <a:cs typeface="+mn-cs"/>
+                        </a:rPr>
+                        <a:t>notify : Unit</a:t>
+                      </a:r>
+                      <a:endParaRPr lang="en-US" sz="1200" kern="1200" dirty="0">
+                        <a:solidFill>
+                          <a:schemeClr val="dk1"/>
+                        </a:solidFill>
+                        <a:latin typeface="+mn-lt"/>
+                        <a:ea typeface="+mn-ea"/>
+                        <a:cs typeface="+mn-cs"/>
+                      </a:endParaRPr>
+                    </a:p>
+                  </a:txBody>
+                  <a:tcPr/>
+                </a:tc>
+                <a:tc>
+                  <a:txBody>
+                    <a:bodyPr/>
+                    <a:lstStyle/>
+                    <a:p>
+                      <a:r>
+                        <a:rPr lang="en-US" sz="1200" kern="1200" dirty="0" smtClean="0">
+                          <a:solidFill>
+                            <a:schemeClr val="dk1"/>
+                          </a:solidFill>
+                          <a:latin typeface="+mn-lt"/>
+                          <a:ea typeface="+mn-ea"/>
+                          <a:cs typeface="+mn-cs"/>
+                        </a:rPr>
+                        <a:t>Wakes up a single thread that is waiting on the receiver object's monitor.</a:t>
+                      </a:r>
+                      <a:endParaRPr lang="en-US" sz="1200" kern="1200" dirty="0">
+                        <a:solidFill>
+                          <a:schemeClr val="dk1"/>
+                        </a:solidFill>
+                        <a:latin typeface="+mn-lt"/>
+                        <a:ea typeface="+mn-ea"/>
+                        <a:cs typeface="+mn-cs"/>
+                      </a:endParaRPr>
+                    </a:p>
+                  </a:txBody>
+                  <a:tcPr/>
+                </a:tc>
+              </a:tr>
+              <a:tr h="278673">
+                <a:tc>
+                  <a:txBody>
+                    <a:bodyPr/>
+                    <a:lstStyle/>
+                    <a:p>
+                      <a:pPr marL="0" marR="0" indent="0" algn="l" defTabSz="457200" rtl="0" eaLnBrk="1" fontAlgn="auto" latinLnBrk="0" hangingPunct="1">
+                        <a:lnSpc>
+                          <a:spcPct val="100000"/>
+                        </a:lnSpc>
+                        <a:spcBef>
+                          <a:spcPts val="0"/>
+                        </a:spcBef>
+                        <a:spcAft>
+                          <a:spcPts val="0"/>
+                        </a:spcAft>
+                        <a:buClrTx/>
+                        <a:buSzTx/>
+                        <a:buFontTx/>
+                        <a:buNone/>
+                        <a:tabLst/>
+                        <a:defRPr/>
+                      </a:pPr>
+                      <a:r>
+                        <a:rPr lang="en-US" sz="1200" kern="1200" dirty="0" err="1" smtClean="0">
+                          <a:solidFill>
+                            <a:schemeClr val="dk1"/>
+                          </a:solidFill>
+                          <a:latin typeface="+mn-lt"/>
+                          <a:ea typeface="+mn-ea"/>
+                          <a:cs typeface="+mn-cs"/>
+                        </a:rPr>
+                        <a:t>notifyAll</a:t>
+                      </a:r>
+                      <a:r>
+                        <a:rPr lang="en-US" sz="1200" kern="1200" dirty="0" smtClean="0">
+                          <a:solidFill>
+                            <a:schemeClr val="dk1"/>
+                          </a:solidFill>
+                          <a:latin typeface="+mn-lt"/>
+                          <a:ea typeface="+mn-ea"/>
+                          <a:cs typeface="+mn-cs"/>
+                        </a:rPr>
+                        <a:t> : Unit</a:t>
+                      </a:r>
+                      <a:endParaRPr lang="en-US" sz="1200" kern="1200" dirty="0">
+                        <a:solidFill>
+                          <a:schemeClr val="dk1"/>
+                        </a:solidFill>
+                        <a:latin typeface="+mn-lt"/>
+                        <a:ea typeface="+mn-ea"/>
+                        <a:cs typeface="+mn-cs"/>
+                      </a:endParaRPr>
+                    </a:p>
+                  </a:txBody>
+                  <a:tcPr/>
+                </a:tc>
+                <a:tc>
+                  <a:txBody>
+                    <a:bodyPr/>
+                    <a:lstStyle/>
+                    <a:p>
+                      <a:r>
+                        <a:rPr lang="en-US" sz="1200" kern="1200" dirty="0" smtClean="0">
+                          <a:solidFill>
+                            <a:schemeClr val="dk1"/>
+                          </a:solidFill>
+                          <a:latin typeface="+mn-lt"/>
+                          <a:ea typeface="+mn-ea"/>
+                          <a:cs typeface="+mn-cs"/>
+                        </a:rPr>
+                        <a:t>Wakes up all threads that are waiting on the receiver object's monitor.</a:t>
+                      </a:r>
+                      <a:endParaRPr lang="en-US" sz="1200" kern="1200" dirty="0">
+                        <a:solidFill>
+                          <a:schemeClr val="dk1"/>
+                        </a:solidFill>
+                        <a:latin typeface="+mn-lt"/>
+                        <a:ea typeface="+mn-ea"/>
+                        <a:cs typeface="+mn-cs"/>
+                      </a:endParaRPr>
+                    </a:p>
+                  </a:txBody>
+                  <a:tcPr/>
+                </a:tc>
+              </a:tr>
+              <a:tr h="272143">
+                <a:tc>
+                  <a:txBody>
+                    <a:bodyPr/>
+                    <a:lstStyle/>
+                    <a:p>
+                      <a:pPr marL="0" marR="0" indent="0" algn="l" defTabSz="457200" rtl="0" eaLnBrk="1" fontAlgn="auto" latinLnBrk="0" hangingPunct="1">
+                        <a:lnSpc>
+                          <a:spcPct val="100000"/>
+                        </a:lnSpc>
+                        <a:spcBef>
+                          <a:spcPts val="0"/>
+                        </a:spcBef>
+                        <a:spcAft>
+                          <a:spcPts val="0"/>
+                        </a:spcAft>
+                        <a:buClrTx/>
+                        <a:buSzTx/>
+                        <a:buFontTx/>
+                        <a:buNone/>
+                        <a:tabLst/>
+                        <a:defRPr/>
+                      </a:pPr>
+                      <a:r>
+                        <a:rPr lang="en-US" sz="1200" kern="1200" dirty="0" smtClean="0">
+                          <a:solidFill>
+                            <a:schemeClr val="dk1"/>
+                          </a:solidFill>
+                          <a:latin typeface="+mn-lt"/>
+                          <a:ea typeface="+mn-ea"/>
+                          <a:cs typeface="+mn-cs"/>
+                        </a:rPr>
+                        <a:t>synchronized [T0](arg0 : T0) : T0</a:t>
+                      </a:r>
+                      <a:endParaRPr lang="en-US" sz="1200" kern="1200" dirty="0">
+                        <a:solidFill>
+                          <a:schemeClr val="dk1"/>
+                        </a:solidFill>
+                        <a:latin typeface="+mn-lt"/>
+                        <a:ea typeface="+mn-ea"/>
+                        <a:cs typeface="+mn-cs"/>
+                      </a:endParaRPr>
+                    </a:p>
+                  </a:txBody>
+                  <a:tcPr/>
+                </a:tc>
+                <a:tc>
+                  <a:txBody>
+                    <a:bodyPr/>
+                    <a:lstStyle/>
+                    <a:p>
+                      <a:endParaRPr lang="en-US" sz="1200" kern="1200" dirty="0">
+                        <a:solidFill>
+                          <a:schemeClr val="dk1"/>
+                        </a:solidFill>
+                        <a:latin typeface="+mn-lt"/>
+                        <a:ea typeface="+mn-ea"/>
+                        <a:cs typeface="+mn-cs"/>
+                      </a:endParaRPr>
+                    </a:p>
+                  </a:txBody>
+                  <a:tcPr/>
+                </a:tc>
+              </a:tr>
+              <a:tr h="306978">
+                <a:tc>
+                  <a:txBody>
+                    <a:bodyPr/>
+                    <a:lstStyle/>
+                    <a:p>
+                      <a:pPr marL="0" marR="0" indent="0" algn="l" defTabSz="457200" rtl="0" eaLnBrk="1" fontAlgn="auto" latinLnBrk="0" hangingPunct="1">
+                        <a:lnSpc>
+                          <a:spcPct val="100000"/>
+                        </a:lnSpc>
+                        <a:spcBef>
+                          <a:spcPts val="0"/>
+                        </a:spcBef>
+                        <a:spcAft>
+                          <a:spcPts val="0"/>
+                        </a:spcAft>
+                        <a:buClrTx/>
+                        <a:buSzTx/>
+                        <a:buFontTx/>
+                        <a:buNone/>
+                        <a:tabLst/>
+                        <a:defRPr/>
+                      </a:pPr>
+                      <a:r>
+                        <a:rPr lang="en-US" sz="1200" kern="1200" dirty="0" err="1" smtClean="0">
+                          <a:solidFill>
+                            <a:schemeClr val="dk1"/>
+                          </a:solidFill>
+                          <a:latin typeface="+mn-lt"/>
+                          <a:ea typeface="+mn-ea"/>
+                          <a:cs typeface="+mn-cs"/>
+                        </a:rPr>
+                        <a:t>toString</a:t>
+                      </a:r>
+                      <a:r>
+                        <a:rPr lang="en-US" sz="1200" kern="1200" dirty="0" smtClean="0">
+                          <a:solidFill>
+                            <a:schemeClr val="dk1"/>
+                          </a:solidFill>
+                          <a:latin typeface="+mn-lt"/>
+                          <a:ea typeface="+mn-ea"/>
+                          <a:cs typeface="+mn-cs"/>
+                        </a:rPr>
+                        <a:t> : </a:t>
+                      </a:r>
+                      <a:r>
+                        <a:rPr lang="en-US" sz="1200" kern="1200" dirty="0" err="1" smtClean="0">
+                          <a:solidFill>
+                            <a:schemeClr val="dk1"/>
+                          </a:solidFill>
+                          <a:latin typeface="+mn-lt"/>
+                          <a:ea typeface="+mn-ea"/>
+                          <a:cs typeface="+mn-cs"/>
+                        </a:rPr>
+                        <a:t>java.lang.String</a:t>
+                      </a:r>
+                      <a:endParaRPr lang="en-US" sz="1200" kern="1200" dirty="0">
+                        <a:solidFill>
+                          <a:schemeClr val="dk1"/>
+                        </a:solidFill>
+                        <a:latin typeface="+mn-lt"/>
+                        <a:ea typeface="+mn-ea"/>
+                        <a:cs typeface="+mn-cs"/>
+                      </a:endParaRPr>
+                    </a:p>
+                  </a:txBody>
+                  <a:tcPr/>
+                </a:tc>
+                <a:tc>
+                  <a:txBody>
+                    <a:bodyPr/>
+                    <a:lstStyle/>
+                    <a:p>
+                      <a:r>
+                        <a:rPr lang="en-US" sz="1200" kern="1200" dirty="0" smtClean="0">
+                          <a:solidFill>
+                            <a:schemeClr val="dk1"/>
+                          </a:solidFill>
+                          <a:latin typeface="+mn-lt"/>
+                          <a:ea typeface="+mn-ea"/>
+                          <a:cs typeface="+mn-cs"/>
+                        </a:rPr>
+                        <a:t>Returns a string representation of the object.</a:t>
+                      </a:r>
+                      <a:endParaRPr lang="en-US" sz="1200" kern="1200" dirty="0">
+                        <a:solidFill>
+                          <a:schemeClr val="dk1"/>
+                        </a:solidFill>
+                        <a:latin typeface="+mn-lt"/>
+                        <a:ea typeface="+mn-ea"/>
+                        <a:cs typeface="+mn-cs"/>
+                      </a:endParaRPr>
+                    </a:p>
+                  </a:txBody>
+                  <a:tcPr/>
+                </a:tc>
+              </a:tr>
+              <a:tr h="370840">
+                <a:tc>
+                  <a:txBody>
+                    <a:bodyPr/>
+                    <a:lstStyle/>
+                    <a:p>
+                      <a:pPr algn="l"/>
+                      <a:r>
+                        <a:rPr lang="en-US" sz="1200" kern="1200" dirty="0" smtClean="0">
+                          <a:solidFill>
+                            <a:schemeClr val="dk1"/>
+                          </a:solidFill>
+                          <a:latin typeface="+mn-lt"/>
+                          <a:ea typeface="+mn-ea"/>
+                          <a:cs typeface="+mn-cs"/>
+                        </a:rPr>
+                        <a:t>wait (arg0 : Long) : Unit</a:t>
+                      </a:r>
+                      <a:endParaRPr lang="en-US" sz="1200" kern="1200" dirty="0">
+                        <a:solidFill>
+                          <a:schemeClr val="dk1"/>
+                        </a:solidFill>
+                        <a:latin typeface="+mn-lt"/>
+                        <a:ea typeface="+mn-ea"/>
+                        <a:cs typeface="+mn-cs"/>
+                      </a:endParaRPr>
+                    </a:p>
+                  </a:txBody>
+                  <a:tcPr/>
+                </a:tc>
+                <a:tc>
+                  <a:txBody>
+                    <a:bodyPr/>
+                    <a:lstStyle/>
+                    <a:p>
+                      <a:endParaRPr lang="en-US" dirty="0"/>
+                    </a:p>
+                  </a:txBody>
+                  <a:tcPr/>
+                </a:tc>
+              </a:tr>
+              <a:tr h="370840">
+                <a:tc>
+                  <a:txBody>
+                    <a:bodyPr/>
+                    <a:lstStyle/>
+                    <a:p>
+                      <a:pPr algn="l"/>
+                      <a:r>
+                        <a:rPr lang="en-US" sz="1200" kern="1200" dirty="0" smtClean="0">
+                          <a:solidFill>
+                            <a:schemeClr val="dk1"/>
+                          </a:solidFill>
+                          <a:latin typeface="+mn-lt"/>
+                          <a:ea typeface="+mn-ea"/>
+                          <a:cs typeface="+mn-cs"/>
+                        </a:rPr>
+                        <a:t>wait : Unit</a:t>
+                      </a:r>
+                      <a:endParaRPr lang="en-US" sz="1200" kern="1200" dirty="0">
+                        <a:solidFill>
+                          <a:schemeClr val="dk1"/>
+                        </a:solidFill>
+                        <a:latin typeface="+mn-lt"/>
+                        <a:ea typeface="+mn-ea"/>
+                        <a:cs typeface="+mn-cs"/>
+                      </a:endParaRPr>
+                    </a:p>
+                  </a:txBody>
+                  <a:tcPr/>
+                </a:tc>
+                <a:tc>
+                  <a:txBody>
+                    <a:bodyPr/>
+                    <a:lstStyle/>
+                    <a:p>
+                      <a:endParaRPr lang="en-US" dirty="0"/>
+                    </a:p>
+                  </a:txBody>
+                  <a:tcPr/>
+                </a:tc>
+              </a:tr>
+            </a:tbl>
+          </a:graphicData>
+        </a:graphic>
+      </p:graphicFrame>
+    </p:spTree>
+    <p:extLst>
+      <p:ext uri="{BB962C8B-B14F-4D97-AF65-F5344CB8AC3E}">
+        <p14:creationId xmlns:p14="http://schemas.microsoft.com/office/powerpoint/2010/main" val="2063543028"/>
+      </p:ext>
+    </p:extLst>
+  </p:cSld>
+  <p:clrMapOvr>
+    <a:masterClrMapping/>
+  </p:clrMapOvr>
+</p:sld>
+</file>
+
+<file path=ppt/slides/slide7.xml><?xml version="1.0" encoding="utf-8"?>
+<p:sld xmlns:a="http://schemas.openxmlformats.org/drawingml/2006/main" xmlns:r="http://schemas.openxmlformats.org/officeDocument/2006/relationships" xmlns:p="http://schemas.openxmlformats.org/presentationml/2006/main">
+  <p:cSld>
+    <p:spTree>
+      <p:nvGrpSpPr>
+        <p:cNvPr id="1" name=""/>
+        <p:cNvGrpSpPr/>
+        <p:nvPr/>
+      </p:nvGrpSpPr>
+      <p:grpSpPr>
+        <a:xfrm>
+          <a:off x="0" y="0"/>
+          <a:ext cx="0" cy="0"/>
+          <a:chOff x="0" y="0"/>
+          <a:chExt cx="0" cy="0"/>
+        </a:xfrm>
+      </p:grpSpPr>
+      <p:sp>
+        <p:nvSpPr>
+          <p:cNvPr id="2" name="Title 1"/>
+          <p:cNvSpPr>
+            <a:spLocks noGrp="1"/>
+          </p:cNvSpPr>
+          <p:nvPr>
+            <p:ph type="title"/>
+          </p:nvPr>
+        </p:nvSpPr>
+        <p:spPr>
+          <a:xfrm>
+            <a:off x="677334" y="174172"/>
+            <a:ext cx="8596668" cy="478971"/>
+          </a:xfrm>
+        </p:spPr>
+        <p:txBody>
+          <a:bodyPr>
+            <a:normAutofit fontScale="90000"/>
+          </a:bodyPr>
+          <a:lstStyle/>
+          <a:p>
+            <a:pPr algn="ctr"/>
+            <a:r>
+              <a:rPr lang="en-US" dirty="0" smtClean="0">
+                <a:solidFill>
+                  <a:srgbClr val="7030A0"/>
+                </a:solidFill>
+              </a:rPr>
+              <a:t>equals</a:t>
+            </a:r>
+            <a:endParaRPr lang="en-US" dirty="0"/>
+          </a:p>
+        </p:txBody>
+      </p:sp>
+      <p:sp>
+        <p:nvSpPr>
+          <p:cNvPr id="4" name="Rectangle 1"/>
+          <p:cNvSpPr>
+            <a:spLocks noGrp="1" noChangeArrowheads="1"/>
+          </p:cNvSpPr>
+          <p:nvPr>
+            <p:ph idx="1"/>
+          </p:nvPr>
+        </p:nvSpPr>
+        <p:spPr bwMode="auto">
+          <a:xfrm>
+            <a:off x="343326" y="835795"/>
+            <a:ext cx="9161883" cy="5309121"/>
+          </a:xfrm>
+          <a:prstGeom prst="rect">
+            <a:avLst/>
+          </a:prstGeom>
+          <a:solidFill>
+            <a:srgbClr val="FFFFFF"/>
+          </a:solidFill>
+          <a:ln>
+            <a:noFill/>
+          </a:ln>
+          <a:effectLst/>
+          <a:extLst>
+            <a:ext uri="{91240B29-F687-4F45-9708-019B960494DF}">
+              <a14:hiddenLine xmlns:a14="http://schemas.microsoft.com/office/drawing/2010/main" w="9525">
+                <a:solidFill>
+                  <a:schemeClr val="tx1"/>
+                </a:solidFill>
+                <a:miter lim="800000"/>
+                <a:headEnd/>
+                <a:tailEnd/>
+              </a14:hiddenLine>
+            </a:ext>
+            <a:ext uri="{AF507438-7753-43E0-B8FC-AC1667EBCBE1}">
+              <a14:hiddenEffects xmlns:a14="http://schemas.microsoft.com/office/drawing/2010/main">
+                <a:effectLst>
+                  <a:outerShdw dist="35921" dir="2700000" algn="ctr" rotWithShape="0">
+                    <a:schemeClr val="bg2"/>
+                  </a:outerShdw>
+                </a:effectLst>
+              </a14:hiddenEffects>
+            </a:ext>
+          </a:extLst>
+        </p:spPr>
+        <p:txBody>
+          <a:bodyPr vert="horz" wrap="none" lIns="152352" tIns="76176" rIns="0" bIns="0" numCol="1" anchor="ctr" anchorCtr="0" compatLnSpc="1">
+            <a:prstTxWarp prst="textNoShape">
+              <a:avLst/>
+            </a:prstTxWarp>
+            <a:spAutoFit/>
+          </a:bodyPr>
+          <a:lstStyle/>
+          <a:p>
+            <a:pPr marL="0" marR="0" lvl="0" indent="0" algn="l" defTabSz="914400" rtl="0" eaLnBrk="0" fontAlgn="base" latinLnBrk="0" hangingPunct="0">
+              <a:lnSpc>
+                <a:spcPct val="100000"/>
+              </a:lnSpc>
+              <a:spcBef>
+                <a:spcPct val="0"/>
+              </a:spcBef>
+              <a:spcAft>
+                <a:spcPct val="0"/>
+              </a:spcAft>
+              <a:buClrTx/>
+              <a:buSzTx/>
+              <a:buFontTx/>
+              <a:buNone/>
+              <a:tabLst/>
+            </a:pPr>
+            <a:r>
+              <a:rPr lang="en-US" altLang="en-US" sz="1400" dirty="0" err="1" smtClean="0">
+                <a:solidFill>
+                  <a:schemeClr val="dk1"/>
+                </a:solidFill>
+              </a:rPr>
+              <a:t>def</a:t>
+            </a:r>
+            <a:r>
+              <a:rPr lang="en-US" altLang="en-US" sz="1400" dirty="0">
+                <a:solidFill>
+                  <a:schemeClr val="dk1"/>
+                </a:solidFill>
+              </a:rPr>
+              <a:t> equals(arg0 : </a:t>
+            </a:r>
+            <a:r>
+              <a:rPr lang="en-US" altLang="en-US" sz="1400" dirty="0">
+                <a:solidFill>
+                  <a:schemeClr val="dk1"/>
+                </a:solidFill>
+                <a:hlinkClick r:id="rId2"/>
+              </a:rPr>
+              <a:t>Any</a:t>
+            </a:r>
+            <a:r>
+              <a:rPr lang="en-US" altLang="en-US" sz="1400" dirty="0">
+                <a:solidFill>
+                  <a:schemeClr val="dk1"/>
+                </a:solidFill>
+              </a:rPr>
+              <a:t>) : </a:t>
+            </a:r>
+            <a:r>
+              <a:rPr lang="en-US" altLang="en-US" sz="1400" dirty="0" smtClean="0">
+                <a:solidFill>
+                  <a:schemeClr val="dk1"/>
+                </a:solidFill>
+                <a:hlinkClick r:id="rId3"/>
+              </a:rPr>
+              <a:t>Boolean</a:t>
+            </a:r>
+            <a:endParaRPr lang="en-US" altLang="en-US" sz="1400" dirty="0" smtClean="0">
+              <a:solidFill>
+                <a:schemeClr val="dk1"/>
+              </a:solidFill>
+            </a:endParaRPr>
+          </a:p>
+          <a:p>
+            <a:pPr marL="0" marR="0" lvl="0" indent="0" algn="l" defTabSz="914400" rtl="0" eaLnBrk="0" fontAlgn="base" latinLnBrk="0" hangingPunct="0">
+              <a:lnSpc>
+                <a:spcPct val="100000"/>
+              </a:lnSpc>
+              <a:spcBef>
+                <a:spcPct val="0"/>
+              </a:spcBef>
+              <a:spcAft>
+                <a:spcPct val="0"/>
+              </a:spcAft>
+              <a:buClrTx/>
+              <a:buSzTx/>
+              <a:buFontTx/>
+              <a:buNone/>
+              <a:tabLst/>
+            </a:pPr>
+            <a:endParaRPr lang="en-US" altLang="en-US" sz="1400" dirty="0">
+              <a:solidFill>
+                <a:schemeClr val="dk1"/>
+              </a:solidFill>
+            </a:endParaRPr>
+          </a:p>
+          <a:p>
+            <a:pPr marL="457200" marR="0" lvl="1" indent="-457200" algn="l" defTabSz="914400" rtl="0" eaLnBrk="0" fontAlgn="base" latinLnBrk="0" hangingPunct="0">
+              <a:lnSpc>
+                <a:spcPct val="100000"/>
+              </a:lnSpc>
+              <a:spcBef>
+                <a:spcPct val="0"/>
+              </a:spcBef>
+              <a:spcAft>
+                <a:spcPct val="0"/>
+              </a:spcAft>
+              <a:buClrTx/>
+              <a:buSzTx/>
+              <a:buFontTx/>
+              <a:buNone/>
+              <a:tabLst/>
+            </a:pPr>
+            <a:r>
+              <a:rPr lang="en-US" altLang="en-US" sz="1400" dirty="0">
+                <a:solidFill>
+                  <a:schemeClr val="dk1"/>
+                </a:solidFill>
+              </a:rPr>
+              <a:t>This method is used to compare the receiver object (this) with the argument object (arg0) for equivalence.</a:t>
+            </a:r>
+          </a:p>
+          <a:p>
+            <a:pPr marL="457200" marR="0" lvl="1" indent="-457200" algn="l" defTabSz="914400" rtl="0" eaLnBrk="0" fontAlgn="base" latinLnBrk="0" hangingPunct="0">
+              <a:lnSpc>
+                <a:spcPct val="100000"/>
+              </a:lnSpc>
+              <a:spcBef>
+                <a:spcPct val="0"/>
+              </a:spcBef>
+              <a:spcAft>
+                <a:spcPct val="0"/>
+              </a:spcAft>
+              <a:buClrTx/>
+              <a:buSzTx/>
+              <a:buFontTx/>
+              <a:buNone/>
+              <a:tabLst/>
+            </a:pPr>
+            <a:r>
+              <a:rPr lang="en-US" altLang="en-US" sz="1400" dirty="0">
+                <a:solidFill>
+                  <a:schemeClr val="dk1"/>
+                </a:solidFill>
+              </a:rPr>
+              <a:t>The default implementations of this method is an </a:t>
+            </a:r>
+            <a:r>
+              <a:rPr lang="en-US" altLang="en-US" sz="1400" dirty="0">
+                <a:solidFill>
+                  <a:schemeClr val="dk1"/>
+                </a:solidFill>
+                <a:hlinkClick r:id="rId4"/>
+              </a:rPr>
+              <a:t>equivalence relation</a:t>
+            </a:r>
+            <a:r>
+              <a:rPr lang="en-US" altLang="en-US" sz="1400" dirty="0" smtClean="0">
+                <a:solidFill>
+                  <a:schemeClr val="dk1"/>
+                </a:solidFill>
+              </a:rPr>
+              <a:t>:</a:t>
+            </a:r>
+          </a:p>
+          <a:p>
+            <a:pPr marL="457200" marR="0" lvl="1" indent="-457200" algn="l" defTabSz="914400" rtl="0" eaLnBrk="0" fontAlgn="base" latinLnBrk="0" hangingPunct="0">
+              <a:lnSpc>
+                <a:spcPct val="100000"/>
+              </a:lnSpc>
+              <a:spcBef>
+                <a:spcPct val="0"/>
+              </a:spcBef>
+              <a:spcAft>
+                <a:spcPct val="0"/>
+              </a:spcAft>
+              <a:buClrTx/>
+              <a:buSzTx/>
+              <a:buFontTx/>
+              <a:buNone/>
+              <a:tabLst/>
+            </a:pPr>
+            <a:endParaRPr lang="en-US" altLang="en-US" sz="1400" dirty="0">
+              <a:solidFill>
+                <a:schemeClr val="dk1"/>
+              </a:solidFill>
+            </a:endParaRPr>
+          </a:p>
+          <a:p>
+            <a:pPr marL="171450" lvl="3" indent="-171450" defTabSz="914400" eaLnBrk="0" fontAlgn="base" hangingPunct="0">
+              <a:spcBef>
+                <a:spcPct val="0"/>
+              </a:spcBef>
+              <a:spcAft>
+                <a:spcPct val="0"/>
+              </a:spcAft>
+              <a:buClrTx/>
+              <a:buSzTx/>
+              <a:buFont typeface="Arial" panose="020B0604020202020204" pitchFamily="34" charset="0"/>
+              <a:buChar char="•"/>
+            </a:pPr>
+            <a:r>
+              <a:rPr lang="en-US" altLang="en-US" sz="1400" dirty="0">
+                <a:solidFill>
+                  <a:schemeClr val="dk1"/>
+                </a:solidFill>
+              </a:rPr>
+              <a:t>It is reflexive: for any instance x of type Any, </a:t>
+            </a:r>
+            <a:r>
+              <a:rPr lang="en-US" altLang="en-US" sz="1400" dirty="0" err="1">
+                <a:solidFill>
+                  <a:schemeClr val="dk1"/>
+                </a:solidFill>
+              </a:rPr>
+              <a:t>x.equals</a:t>
+            </a:r>
+            <a:r>
+              <a:rPr lang="en-US" altLang="en-US" sz="1400" dirty="0">
+                <a:solidFill>
+                  <a:schemeClr val="dk1"/>
+                </a:solidFill>
+              </a:rPr>
+              <a:t>(x) should return true.</a:t>
+            </a:r>
+          </a:p>
+          <a:p>
+            <a:pPr marL="171450" lvl="3" indent="-171450" defTabSz="914400" eaLnBrk="0" fontAlgn="base" hangingPunct="0">
+              <a:spcBef>
+                <a:spcPct val="0"/>
+              </a:spcBef>
+              <a:spcAft>
+                <a:spcPct val="0"/>
+              </a:spcAft>
+              <a:buClrTx/>
+              <a:buSzTx/>
+              <a:buFont typeface="Arial" panose="020B0604020202020204" pitchFamily="34" charset="0"/>
+              <a:buChar char="•"/>
+            </a:pPr>
+            <a:r>
+              <a:rPr lang="en-US" altLang="en-US" sz="1400" dirty="0" smtClean="0">
+                <a:solidFill>
+                  <a:schemeClr val="dk1"/>
+                </a:solidFill>
+              </a:rPr>
+              <a:t>It </a:t>
+            </a:r>
+            <a:r>
+              <a:rPr lang="en-US" altLang="en-US" sz="1400" dirty="0">
+                <a:solidFill>
+                  <a:schemeClr val="dk1"/>
+                </a:solidFill>
+              </a:rPr>
+              <a:t>is symmetric: for any instances x and y of type Any, </a:t>
+            </a:r>
+            <a:r>
+              <a:rPr lang="en-US" altLang="en-US" sz="1400" dirty="0" err="1">
+                <a:solidFill>
+                  <a:schemeClr val="dk1"/>
+                </a:solidFill>
+              </a:rPr>
+              <a:t>x.equals</a:t>
+            </a:r>
+            <a:r>
+              <a:rPr lang="en-US" altLang="en-US" sz="1400" dirty="0">
+                <a:solidFill>
+                  <a:schemeClr val="dk1"/>
+                </a:solidFill>
+              </a:rPr>
+              <a:t>(y) should return true if and only if </a:t>
+            </a:r>
+            <a:r>
+              <a:rPr lang="en-US" altLang="en-US" sz="1400" dirty="0" err="1">
+                <a:solidFill>
+                  <a:schemeClr val="dk1"/>
+                </a:solidFill>
+              </a:rPr>
+              <a:t>y.equals</a:t>
+            </a:r>
+            <a:r>
+              <a:rPr lang="en-US" altLang="en-US" sz="1400" dirty="0">
+                <a:solidFill>
+                  <a:schemeClr val="dk1"/>
+                </a:solidFill>
+              </a:rPr>
+              <a:t>(x) </a:t>
+            </a:r>
+            <a:endParaRPr lang="en-US" altLang="en-US" sz="1400" dirty="0" smtClean="0">
+              <a:solidFill>
+                <a:schemeClr val="dk1"/>
+              </a:solidFill>
+            </a:endParaRPr>
+          </a:p>
+          <a:p>
+            <a:pPr marL="0" lvl="3" indent="0" defTabSz="914400" eaLnBrk="0" fontAlgn="base" hangingPunct="0">
+              <a:spcBef>
+                <a:spcPct val="0"/>
+              </a:spcBef>
+              <a:spcAft>
+                <a:spcPct val="0"/>
+              </a:spcAft>
+              <a:buClrTx/>
+              <a:buSzTx/>
+              <a:buNone/>
+            </a:pPr>
+            <a:r>
+              <a:rPr lang="en-US" altLang="en-US" sz="1400" dirty="0">
+                <a:solidFill>
+                  <a:schemeClr val="dk1"/>
+                </a:solidFill>
+              </a:rPr>
+              <a:t> </a:t>
+            </a:r>
+            <a:r>
+              <a:rPr lang="en-US" altLang="en-US" sz="1400" dirty="0" smtClean="0">
+                <a:solidFill>
+                  <a:schemeClr val="dk1"/>
+                </a:solidFill>
+              </a:rPr>
+              <a:t>  returns</a:t>
+            </a:r>
+            <a:r>
+              <a:rPr lang="en-US" altLang="en-US" sz="1400" dirty="0">
+                <a:solidFill>
+                  <a:schemeClr val="dk1"/>
+                </a:solidFill>
+              </a:rPr>
+              <a:t> true.</a:t>
+            </a:r>
+          </a:p>
+          <a:p>
+            <a:pPr marL="171450" lvl="3" indent="-171450" defTabSz="914400" eaLnBrk="0" fontAlgn="base" hangingPunct="0">
+              <a:spcBef>
+                <a:spcPct val="0"/>
+              </a:spcBef>
+              <a:spcAft>
+                <a:spcPct val="0"/>
+              </a:spcAft>
+              <a:buClrTx/>
+              <a:buSzTx/>
+              <a:buFont typeface="Arial" panose="020B0604020202020204" pitchFamily="34" charset="0"/>
+              <a:buChar char="•"/>
+            </a:pPr>
+            <a:r>
+              <a:rPr lang="en-US" altLang="en-US" sz="1400" dirty="0">
+                <a:solidFill>
+                  <a:schemeClr val="dk1"/>
+                </a:solidFill>
+              </a:rPr>
+              <a:t>It is transitive: for any instances x, y, and z of type </a:t>
+            </a:r>
+            <a:r>
+              <a:rPr lang="en-US" altLang="en-US" sz="1400" dirty="0" err="1">
+                <a:solidFill>
+                  <a:schemeClr val="dk1"/>
+                </a:solidFill>
+              </a:rPr>
+              <a:t>AnyRef</a:t>
+            </a:r>
+            <a:r>
+              <a:rPr lang="en-US" altLang="en-US" sz="1400" dirty="0">
+                <a:solidFill>
+                  <a:schemeClr val="dk1"/>
+                </a:solidFill>
+              </a:rPr>
+              <a:t> if </a:t>
+            </a:r>
+            <a:r>
+              <a:rPr lang="en-US" altLang="en-US" sz="1400" dirty="0" err="1">
+                <a:solidFill>
+                  <a:schemeClr val="dk1"/>
+                </a:solidFill>
+              </a:rPr>
+              <a:t>x.equals</a:t>
+            </a:r>
+            <a:r>
+              <a:rPr lang="en-US" altLang="en-US" sz="1400" dirty="0">
+                <a:solidFill>
+                  <a:schemeClr val="dk1"/>
+                </a:solidFill>
+              </a:rPr>
+              <a:t>(y) returns true and </a:t>
+            </a:r>
+            <a:r>
+              <a:rPr lang="en-US" altLang="en-US" sz="1400" dirty="0" err="1">
+                <a:solidFill>
+                  <a:schemeClr val="dk1"/>
+                </a:solidFill>
+              </a:rPr>
+              <a:t>y.equals</a:t>
+            </a:r>
+            <a:r>
+              <a:rPr lang="en-US" altLang="en-US" sz="1400" dirty="0">
+                <a:solidFill>
+                  <a:schemeClr val="dk1"/>
+                </a:solidFill>
+              </a:rPr>
+              <a:t>(z) </a:t>
+            </a:r>
+          </a:p>
+          <a:p>
+            <a:pPr marL="0" lvl="3" indent="0" defTabSz="914400" eaLnBrk="0" fontAlgn="base" hangingPunct="0">
+              <a:spcBef>
+                <a:spcPct val="0"/>
+              </a:spcBef>
+              <a:spcAft>
+                <a:spcPct val="0"/>
+              </a:spcAft>
+              <a:buClrTx/>
+              <a:buSzTx/>
+              <a:buNone/>
+            </a:pPr>
+            <a:r>
+              <a:rPr lang="en-US" altLang="en-US" sz="1400" dirty="0" smtClean="0">
+                <a:solidFill>
+                  <a:schemeClr val="dk1"/>
+                </a:solidFill>
+              </a:rPr>
+              <a:t>    returns</a:t>
+            </a:r>
+            <a:r>
+              <a:rPr lang="en-US" altLang="en-US" sz="1400" dirty="0">
+                <a:solidFill>
+                  <a:schemeClr val="dk1"/>
+                </a:solidFill>
+              </a:rPr>
+              <a:t> true, then </a:t>
+            </a:r>
+            <a:r>
+              <a:rPr lang="en-US" altLang="en-US" sz="1400" dirty="0" err="1">
+                <a:solidFill>
+                  <a:schemeClr val="dk1"/>
+                </a:solidFill>
+              </a:rPr>
+              <a:t>x.equals</a:t>
+            </a:r>
+            <a:r>
+              <a:rPr lang="en-US" altLang="en-US" sz="1400" dirty="0">
+                <a:solidFill>
+                  <a:schemeClr val="dk1"/>
+                </a:solidFill>
+              </a:rPr>
+              <a:t>(z) should return true</a:t>
+            </a:r>
+            <a:r>
+              <a:rPr lang="en-US" altLang="en-US" sz="1400" dirty="0" smtClean="0">
+                <a:solidFill>
+                  <a:schemeClr val="dk1"/>
+                </a:solidFill>
+              </a:rPr>
+              <a:t>.</a:t>
+            </a:r>
+          </a:p>
+          <a:p>
+            <a:pPr marL="0" lvl="3" indent="0" defTabSz="914400" eaLnBrk="0" fontAlgn="base" hangingPunct="0">
+              <a:spcBef>
+                <a:spcPct val="0"/>
+              </a:spcBef>
+              <a:spcAft>
+                <a:spcPct val="0"/>
+              </a:spcAft>
+              <a:buClrTx/>
+              <a:buSzTx/>
+              <a:buNone/>
+            </a:pPr>
+            <a:endParaRPr lang="en-US" altLang="en-US" sz="1400" dirty="0">
+              <a:solidFill>
+                <a:schemeClr val="dk1"/>
+              </a:solidFill>
+            </a:endParaRPr>
+          </a:p>
+          <a:p>
+            <a:pPr marL="457200" marR="0" lvl="1" indent="-457200" algn="l" defTabSz="914400" rtl="0" eaLnBrk="0" fontAlgn="base" latinLnBrk="0" hangingPunct="0">
+              <a:lnSpc>
+                <a:spcPct val="100000"/>
+              </a:lnSpc>
+              <a:spcBef>
+                <a:spcPct val="0"/>
+              </a:spcBef>
+              <a:spcAft>
+                <a:spcPct val="0"/>
+              </a:spcAft>
+              <a:buClrTx/>
+              <a:buSzTx/>
+              <a:buFontTx/>
+              <a:buNone/>
+              <a:tabLst/>
+            </a:pPr>
+            <a:r>
+              <a:rPr lang="en-US" altLang="en-US" sz="1400" dirty="0">
+                <a:solidFill>
+                  <a:schemeClr val="dk1"/>
+                </a:solidFill>
+              </a:rPr>
+              <a:t>If you override this method, you should verify that your implementation remains an equivalence relation</a:t>
+            </a:r>
+            <a:r>
+              <a:rPr lang="en-US" altLang="en-US" sz="1400" dirty="0" smtClean="0">
+                <a:solidFill>
+                  <a:schemeClr val="dk1"/>
+                </a:solidFill>
+              </a:rPr>
+              <a:t>.</a:t>
+            </a:r>
+          </a:p>
+          <a:p>
+            <a:pPr marL="457200" marR="0" lvl="1" indent="-457200" algn="l" defTabSz="914400" rtl="0" eaLnBrk="0" fontAlgn="base" latinLnBrk="0" hangingPunct="0">
+              <a:lnSpc>
+                <a:spcPct val="100000"/>
+              </a:lnSpc>
+              <a:spcBef>
+                <a:spcPct val="0"/>
+              </a:spcBef>
+              <a:spcAft>
+                <a:spcPct val="0"/>
+              </a:spcAft>
+              <a:buClrTx/>
+              <a:buSzTx/>
+              <a:buFontTx/>
+              <a:buNone/>
+              <a:tabLst/>
+            </a:pPr>
+            <a:r>
+              <a:rPr lang="en-US" altLang="en-US" sz="1400" dirty="0" smtClean="0">
+                <a:solidFill>
+                  <a:schemeClr val="dk1"/>
+                </a:solidFill>
+              </a:rPr>
+              <a:t>Additionally</a:t>
+            </a:r>
+            <a:r>
+              <a:rPr lang="en-US" altLang="en-US" sz="1400" dirty="0">
+                <a:solidFill>
+                  <a:schemeClr val="dk1"/>
+                </a:solidFill>
+              </a:rPr>
+              <a:t>, </a:t>
+            </a:r>
+            <a:r>
+              <a:rPr lang="en-US" altLang="en-US" sz="1400" dirty="0" smtClean="0">
+                <a:solidFill>
+                  <a:schemeClr val="dk1"/>
+                </a:solidFill>
+              </a:rPr>
+              <a:t>when </a:t>
+            </a:r>
+            <a:r>
+              <a:rPr lang="en-US" altLang="en-US" sz="1400" dirty="0">
+                <a:solidFill>
+                  <a:schemeClr val="dk1"/>
+                </a:solidFill>
+              </a:rPr>
+              <a:t>overriding this method it is often necessary to override </a:t>
+            </a:r>
+            <a:r>
+              <a:rPr lang="en-US" altLang="en-US" sz="1200" dirty="0" err="1">
+                <a:solidFill>
+                  <a:schemeClr val="dk1"/>
+                </a:solidFill>
+              </a:rPr>
+              <a:t>hashCode</a:t>
+            </a:r>
+            <a:r>
+              <a:rPr lang="en-US" altLang="en-US" sz="1400" dirty="0">
+                <a:solidFill>
+                  <a:schemeClr val="dk1"/>
+                </a:solidFill>
+              </a:rPr>
+              <a:t> to ensure that </a:t>
+            </a:r>
+            <a:endParaRPr lang="en-US" altLang="en-US" sz="1400" dirty="0" smtClean="0">
+              <a:solidFill>
+                <a:schemeClr val="dk1"/>
+              </a:solidFill>
+            </a:endParaRPr>
+          </a:p>
+          <a:p>
+            <a:pPr marL="457200" marR="0" lvl="1" indent="-457200" algn="l" defTabSz="914400" rtl="0" eaLnBrk="0" fontAlgn="base" latinLnBrk="0" hangingPunct="0">
+              <a:lnSpc>
+                <a:spcPct val="100000"/>
+              </a:lnSpc>
+              <a:spcBef>
+                <a:spcPct val="0"/>
+              </a:spcBef>
+              <a:spcAft>
+                <a:spcPct val="0"/>
+              </a:spcAft>
+              <a:buClrTx/>
+              <a:buSzTx/>
+              <a:buFontTx/>
+              <a:buNone/>
+              <a:tabLst/>
+            </a:pPr>
+            <a:r>
+              <a:rPr lang="en-US" altLang="en-US" sz="1400" dirty="0" smtClean="0">
+                <a:solidFill>
+                  <a:schemeClr val="dk1"/>
+                </a:solidFill>
+              </a:rPr>
+              <a:t>objects </a:t>
+            </a:r>
+            <a:r>
+              <a:rPr lang="en-US" altLang="en-US" sz="1400" dirty="0">
+                <a:solidFill>
+                  <a:schemeClr val="dk1"/>
+                </a:solidFill>
+              </a:rPr>
+              <a:t>that are "equal" </a:t>
+            </a:r>
+            <a:r>
+              <a:rPr lang="en-US" altLang="en-US" sz="1400" dirty="0" smtClean="0">
+                <a:solidFill>
+                  <a:schemeClr val="dk1"/>
+                </a:solidFill>
+              </a:rPr>
+              <a:t>(</a:t>
+            </a:r>
+            <a:r>
+              <a:rPr lang="en-US" altLang="en-US" sz="1400" dirty="0">
+                <a:solidFill>
+                  <a:schemeClr val="dk1"/>
+                </a:solidFill>
+              </a:rPr>
+              <a:t>o1.equals(o2) returns true) hash to the same </a:t>
+            </a:r>
+            <a:r>
+              <a:rPr lang="en-US" altLang="en-US" sz="1400" dirty="0" err="1">
+                <a:solidFill>
+                  <a:schemeClr val="dk1"/>
+                </a:solidFill>
+                <a:hlinkClick r:id="rId5"/>
+              </a:rPr>
+              <a:t>Int</a:t>
+            </a:r>
+            <a:r>
+              <a:rPr lang="en-US" altLang="en-US" sz="1400" dirty="0">
+                <a:solidFill>
+                  <a:schemeClr val="dk1"/>
+                </a:solidFill>
+              </a:rPr>
+              <a:t> (o1.hashCode.equals(o2.hashCode</a:t>
+            </a:r>
+            <a:r>
+              <a:rPr lang="en-US" altLang="en-US" sz="1400" dirty="0" smtClean="0">
+                <a:solidFill>
+                  <a:schemeClr val="dk1"/>
+                </a:solidFill>
+              </a:rPr>
+              <a:t>)).</a:t>
+            </a:r>
+          </a:p>
+          <a:p>
+            <a:pPr marL="457200" marR="0" lvl="1" indent="-457200" algn="l" defTabSz="914400" rtl="0" eaLnBrk="0" fontAlgn="base" latinLnBrk="0" hangingPunct="0">
+              <a:lnSpc>
+                <a:spcPct val="100000"/>
+              </a:lnSpc>
+              <a:spcBef>
+                <a:spcPct val="0"/>
+              </a:spcBef>
+              <a:spcAft>
+                <a:spcPct val="0"/>
+              </a:spcAft>
+              <a:buClrTx/>
+              <a:buSzTx/>
+              <a:buFontTx/>
+              <a:buNone/>
+              <a:tabLst/>
+            </a:pPr>
+            <a:endParaRPr lang="en-US" altLang="en-US" sz="1400" dirty="0">
+              <a:solidFill>
+                <a:schemeClr val="dk1"/>
+              </a:solidFill>
+            </a:endParaRPr>
+          </a:p>
+          <a:p>
+            <a:pPr marL="0" marR="0" lvl="0" indent="0" algn="l" defTabSz="914400" rtl="0" eaLnBrk="0" fontAlgn="base" latinLnBrk="0" hangingPunct="0">
+              <a:lnSpc>
+                <a:spcPct val="100000"/>
+              </a:lnSpc>
+              <a:spcBef>
+                <a:spcPct val="0"/>
+              </a:spcBef>
+              <a:spcAft>
+                <a:spcPct val="0"/>
+              </a:spcAft>
+              <a:buClrTx/>
+              <a:buSzTx/>
+              <a:buFontTx/>
+              <a:buNone/>
+              <a:tabLst/>
+            </a:pPr>
+            <a:r>
+              <a:rPr lang="en-US" altLang="en-US" sz="1400" dirty="0">
+                <a:solidFill>
+                  <a:schemeClr val="dk1"/>
+                </a:solidFill>
+              </a:rPr>
+              <a:t>Parameters</a:t>
+            </a:r>
+          </a:p>
+          <a:p>
+            <a:pPr marL="457200" marR="0" lvl="1" indent="-457200" algn="l" defTabSz="914400" rtl="0" eaLnBrk="0" fontAlgn="base" latinLnBrk="0" hangingPunct="0">
+              <a:lnSpc>
+                <a:spcPct val="100000"/>
+              </a:lnSpc>
+              <a:spcBef>
+                <a:spcPct val="0"/>
+              </a:spcBef>
+              <a:spcAft>
+                <a:spcPct val="0"/>
+              </a:spcAft>
+              <a:buClrTx/>
+              <a:buSzTx/>
+              <a:buFontTx/>
+              <a:buNone/>
+              <a:tabLst/>
+            </a:pPr>
+            <a:r>
+              <a:rPr lang="en-US" altLang="en-US" sz="1400" dirty="0">
+                <a:solidFill>
+                  <a:schemeClr val="dk1"/>
+                </a:solidFill>
+              </a:rPr>
+              <a:t>arg0 - the object to compare against this object for equality</a:t>
+            </a:r>
+            <a:r>
+              <a:rPr lang="en-US" altLang="en-US" sz="1400" dirty="0" smtClean="0">
+                <a:solidFill>
+                  <a:schemeClr val="dk1"/>
+                </a:solidFill>
+              </a:rPr>
+              <a:t>.</a:t>
+            </a:r>
+          </a:p>
+          <a:p>
+            <a:pPr marL="457200" marR="0" lvl="1" indent="-457200" algn="l" defTabSz="914400" rtl="0" eaLnBrk="0" fontAlgn="base" latinLnBrk="0" hangingPunct="0">
+              <a:lnSpc>
+                <a:spcPct val="100000"/>
+              </a:lnSpc>
+              <a:spcBef>
+                <a:spcPct val="0"/>
+              </a:spcBef>
+              <a:spcAft>
+                <a:spcPct val="0"/>
+              </a:spcAft>
+              <a:buClrTx/>
+              <a:buSzTx/>
+              <a:buFontTx/>
+              <a:buNone/>
+              <a:tabLst/>
+            </a:pPr>
+            <a:endParaRPr lang="en-US" altLang="en-US" sz="1400" dirty="0">
+              <a:solidFill>
+                <a:schemeClr val="dk1"/>
+              </a:solidFill>
+            </a:endParaRPr>
+          </a:p>
+          <a:p>
+            <a:pPr marL="0" marR="0" lvl="0" indent="0" algn="l" defTabSz="914400" rtl="0" eaLnBrk="0" fontAlgn="base" latinLnBrk="0" hangingPunct="0">
+              <a:lnSpc>
+                <a:spcPct val="100000"/>
+              </a:lnSpc>
+              <a:spcBef>
+                <a:spcPct val="0"/>
+              </a:spcBef>
+              <a:spcAft>
+                <a:spcPct val="0"/>
+              </a:spcAft>
+              <a:buClrTx/>
+              <a:buSzTx/>
+              <a:buFontTx/>
+              <a:buNone/>
+              <a:tabLst/>
+            </a:pPr>
+            <a:r>
+              <a:rPr lang="en-US" altLang="en-US" sz="1400" dirty="0">
+                <a:solidFill>
+                  <a:schemeClr val="dk1"/>
+                </a:solidFill>
+              </a:rPr>
+              <a:t>Returns</a:t>
+            </a:r>
+          </a:p>
+          <a:p>
+            <a:pPr marL="457200" marR="0" lvl="1" indent="-457200" algn="l" defTabSz="914400" rtl="0" eaLnBrk="0" fontAlgn="base" latinLnBrk="0" hangingPunct="0">
+              <a:lnSpc>
+                <a:spcPct val="100000"/>
+              </a:lnSpc>
+              <a:spcBef>
+                <a:spcPct val="0"/>
+              </a:spcBef>
+              <a:spcAft>
+                <a:spcPct val="0"/>
+              </a:spcAft>
+              <a:buClrTx/>
+              <a:buSzTx/>
+              <a:buFontTx/>
+              <a:buNone/>
+              <a:tabLst/>
+            </a:pPr>
+            <a:r>
+              <a:rPr lang="en-US" altLang="en-US" sz="1400" dirty="0">
+                <a:solidFill>
+                  <a:schemeClr val="dk1"/>
+                </a:solidFill>
+              </a:rPr>
+              <a:t>true if the receiver object is equivalent to the argument; false otherwise</a:t>
+            </a:r>
+            <a:r>
+              <a:rPr lang="en-US" altLang="en-US" sz="1400" dirty="0" smtClean="0">
+                <a:solidFill>
+                  <a:schemeClr val="dk1"/>
+                </a:solidFill>
+              </a:rPr>
+              <a:t>.</a:t>
+            </a:r>
+          </a:p>
+          <a:p>
+            <a:pPr marL="457200" marR="0" lvl="1" indent="-457200" algn="l" defTabSz="914400" rtl="0" eaLnBrk="0" fontAlgn="base" latinLnBrk="0" hangingPunct="0">
+              <a:lnSpc>
+                <a:spcPct val="100000"/>
+              </a:lnSpc>
+              <a:spcBef>
+                <a:spcPct val="0"/>
+              </a:spcBef>
+              <a:spcAft>
+                <a:spcPct val="0"/>
+              </a:spcAft>
+              <a:buClrTx/>
+              <a:buSzTx/>
+              <a:buFontTx/>
+              <a:buNone/>
+              <a:tabLst/>
+            </a:pPr>
+            <a:endParaRPr lang="en-US" altLang="en-US" sz="1400" dirty="0">
+              <a:solidFill>
+                <a:schemeClr val="dk1"/>
+              </a:solidFill>
+            </a:endParaRPr>
+          </a:p>
+          <a:p>
+            <a:pPr marL="0" marR="0" lvl="0" indent="0" algn="l" defTabSz="914400" rtl="0" eaLnBrk="0" fontAlgn="base" latinLnBrk="0" hangingPunct="0">
+              <a:lnSpc>
+                <a:spcPct val="100000"/>
+              </a:lnSpc>
+              <a:spcBef>
+                <a:spcPct val="0"/>
+              </a:spcBef>
+              <a:spcAft>
+                <a:spcPct val="0"/>
+              </a:spcAft>
+              <a:buClrTx/>
+              <a:buSzTx/>
+              <a:buFontTx/>
+              <a:buNone/>
+              <a:tabLst/>
+            </a:pPr>
+            <a:r>
+              <a:rPr lang="en-US" altLang="en-US" sz="1400" dirty="0">
+                <a:solidFill>
+                  <a:schemeClr val="dk1"/>
+                </a:solidFill>
+              </a:rPr>
+              <a:t>Overrides</a:t>
+            </a:r>
+          </a:p>
+          <a:p>
+            <a:pPr marL="457200" marR="0" lvl="1" indent="-457200" algn="l" defTabSz="914400" rtl="0" eaLnBrk="0" fontAlgn="base" latinLnBrk="0" hangingPunct="0">
+              <a:lnSpc>
+                <a:spcPct val="100000"/>
+              </a:lnSpc>
+              <a:spcBef>
+                <a:spcPct val="0"/>
+              </a:spcBef>
+              <a:spcAft>
+                <a:spcPct val="0"/>
+              </a:spcAft>
+              <a:buClrTx/>
+              <a:buSzTx/>
+              <a:buFontTx/>
+              <a:buNone/>
+              <a:tabLst/>
+            </a:pPr>
+            <a:r>
+              <a:rPr lang="en-US" altLang="en-US" sz="1400" dirty="0" err="1">
+                <a:solidFill>
+                  <a:schemeClr val="dk1"/>
+                </a:solidFill>
+                <a:hlinkClick r:id="rId2"/>
+              </a:rPr>
+              <a:t>Any</a:t>
+            </a:r>
+            <a:r>
+              <a:rPr lang="en-US" altLang="en-US" sz="1400" dirty="0" err="1">
+                <a:solidFill>
+                  <a:schemeClr val="dk1"/>
+                </a:solidFill>
+              </a:rPr>
+              <a:t>.</a:t>
+            </a:r>
+            <a:r>
+              <a:rPr lang="en-US" altLang="en-US" sz="1400" dirty="0" err="1">
+                <a:solidFill>
+                  <a:schemeClr val="dk1"/>
+                </a:solidFill>
+                <a:hlinkClick r:id="rId6"/>
+              </a:rPr>
+              <a:t>equals</a:t>
+            </a:r>
+            <a:endParaRPr lang="en-US" altLang="en-US" sz="1400" dirty="0">
+              <a:solidFill>
+                <a:schemeClr val="dk1"/>
+              </a:solidFill>
+            </a:endParaRPr>
+          </a:p>
+          <a:p>
+            <a:pPr marL="0" marR="0" lvl="0" indent="0" algn="l" defTabSz="914400" rtl="0" eaLnBrk="0" fontAlgn="base" latinLnBrk="0" hangingPunct="0">
+              <a:lnSpc>
+                <a:spcPct val="100000"/>
+              </a:lnSpc>
+              <a:spcBef>
+                <a:spcPct val="0"/>
+              </a:spcBef>
+              <a:spcAft>
+                <a:spcPct val="0"/>
+              </a:spcAft>
+              <a:buClrTx/>
+              <a:buSzTx/>
+              <a:buFontTx/>
+              <a:buNone/>
+              <a:tabLst/>
+            </a:pPr>
+            <a:endParaRPr kumimoji="0" lang="en-US" altLang="en-US" sz="1800" b="0" i="0" u="none" strike="noStrike" cap="none" normalizeH="0" baseline="0" dirty="0" smtClean="0">
+              <a:ln>
+                <a:noFill/>
+              </a:ln>
+              <a:solidFill>
+                <a:schemeClr val="tx1"/>
+              </a:solidFill>
+              <a:effectLst/>
+              <a:latin typeface="Arial" panose="020B0604020202020204" pitchFamily="34" charset="0"/>
+            </a:endParaRPr>
+          </a:p>
+        </p:txBody>
+      </p:sp>
+    </p:spTree>
+    <p:extLst>
+      <p:ext uri="{BB962C8B-B14F-4D97-AF65-F5344CB8AC3E}">
+        <p14:creationId xmlns:p14="http://schemas.microsoft.com/office/powerpoint/2010/main" val="1013055661"/>
+      </p:ext>
+    </p:extLst>
+  </p:cSld>
+  <p:clrMapOvr>
+    <a:masterClrMapping/>
+  </p:clrMapOvr>
+</p:sld>
+</file>
+
+<file path=ppt/slides/slide8.xml><?xml version="1.0" encoding="utf-8"?>
+<p:sld xmlns:a="http://schemas.openxmlformats.org/drawingml/2006/main" xmlns:r="http://schemas.openxmlformats.org/officeDocument/2006/relationships" xmlns:p="http://schemas.openxmlformats.org/presentationml/2006/main">
+  <p:cSld>
+    <p:spTree>
+      <p:nvGrpSpPr>
+        <p:cNvPr id="1" name=""/>
+        <p:cNvGrpSpPr/>
+        <p:nvPr/>
+      </p:nvGrpSpPr>
+      <p:grpSpPr>
+        <a:xfrm>
+          <a:off x="0" y="0"/>
+          <a:ext cx="0" cy="0"/>
+          <a:chOff x="0" y="0"/>
+          <a:chExt cx="0" cy="0"/>
+        </a:xfrm>
+      </p:grpSpPr>
+      <p:sp>
+        <p:nvSpPr>
+          <p:cNvPr id="2" name="Title 1"/>
+          <p:cNvSpPr>
+            <a:spLocks noGrp="1"/>
+          </p:cNvSpPr>
+          <p:nvPr>
+            <p:ph type="title"/>
+          </p:nvPr>
+        </p:nvSpPr>
+        <p:spPr>
+          <a:xfrm>
+            <a:off x="343326" y="141380"/>
+            <a:ext cx="8596668" cy="478971"/>
+          </a:xfrm>
+        </p:spPr>
+        <p:txBody>
+          <a:bodyPr>
+            <a:normAutofit fontScale="90000"/>
+          </a:bodyPr>
+          <a:lstStyle/>
+          <a:p>
+            <a:pPr algn="ctr"/>
+            <a:r>
+              <a:rPr lang="en-US" dirty="0" err="1" smtClean="0">
+                <a:solidFill>
+                  <a:srgbClr val="7030A0"/>
+                </a:solidFill>
+              </a:rPr>
+              <a:t>eq</a:t>
+            </a:r>
+            <a:endParaRPr lang="en-US" dirty="0"/>
+          </a:p>
+        </p:txBody>
+      </p:sp>
+      <p:sp>
+        <p:nvSpPr>
+          <p:cNvPr id="4" name="Rectangle 1"/>
+          <p:cNvSpPr>
+            <a:spLocks noGrp="1" noChangeArrowheads="1"/>
+          </p:cNvSpPr>
+          <p:nvPr>
+            <p:ph idx="1"/>
+          </p:nvPr>
+        </p:nvSpPr>
+        <p:spPr bwMode="auto">
+          <a:xfrm>
+            <a:off x="448982" y="620351"/>
+            <a:ext cx="8759564" cy="5755397"/>
+          </a:xfrm>
+          <a:prstGeom prst="rect">
+            <a:avLst/>
+          </a:prstGeom>
+          <a:solidFill>
+            <a:srgbClr val="FFFFFF"/>
+          </a:solidFill>
+          <a:ln>
+            <a:noFill/>
+          </a:ln>
+          <a:effectLst/>
+          <a:extLst>
+            <a:ext uri="{91240B29-F687-4F45-9708-019B960494DF}">
+              <a14:hiddenLine xmlns:a14="http://schemas.microsoft.com/office/drawing/2010/main" w="9525">
+                <a:solidFill>
+                  <a:schemeClr val="tx1"/>
+                </a:solidFill>
+                <a:miter lim="800000"/>
+                <a:headEnd/>
+                <a:tailEnd/>
+              </a14:hiddenLine>
+            </a:ext>
+            <a:ext uri="{AF507438-7753-43E0-B8FC-AC1667EBCBE1}">
+              <a14:hiddenEffects xmlns:a14="http://schemas.microsoft.com/office/drawing/2010/main">
+                <a:effectLst>
+                  <a:outerShdw dist="35921" dir="2700000" algn="ctr" rotWithShape="0">
+                    <a:schemeClr val="bg2"/>
+                  </a:outerShdw>
+                </a:effectLst>
+              </a14:hiddenEffects>
+            </a:ext>
+          </a:extLst>
+        </p:spPr>
+        <p:txBody>
+          <a:bodyPr vert="horz" wrap="square" lIns="152352" tIns="76176" rIns="0" bIns="0" numCol="1" anchor="ctr" anchorCtr="0" compatLnSpc="1">
+            <a:prstTxWarp prst="textNoShape">
+              <a:avLst/>
+            </a:prstTxWarp>
+            <a:spAutoFit/>
+          </a:bodyPr>
+          <a:lstStyle/>
+          <a:p>
+            <a:pPr marL="0" lvl="0" indent="0" defTabSz="914400" eaLnBrk="0" fontAlgn="base" hangingPunct="0">
+              <a:spcBef>
+                <a:spcPct val="0"/>
+              </a:spcBef>
+              <a:spcAft>
+                <a:spcPct val="0"/>
+              </a:spcAft>
+              <a:buClrTx/>
+              <a:buSzTx/>
+              <a:buNone/>
+            </a:pPr>
+            <a:r>
+              <a:rPr lang="en-US" altLang="en-US" sz="1300" dirty="0">
+                <a:solidFill>
+                  <a:schemeClr val="dk1"/>
+                </a:solidFill>
+              </a:rPr>
+              <a:t>final </a:t>
+            </a:r>
+            <a:r>
+              <a:rPr lang="en-US" altLang="en-US" sz="1300" dirty="0" err="1">
+                <a:solidFill>
+                  <a:schemeClr val="dk1"/>
+                </a:solidFill>
+              </a:rPr>
+              <a:t>def</a:t>
+            </a:r>
+            <a:r>
+              <a:rPr lang="en-US" altLang="en-US" sz="1300" dirty="0">
+                <a:solidFill>
+                  <a:schemeClr val="dk1"/>
+                </a:solidFill>
+              </a:rPr>
+              <a:t> </a:t>
+            </a:r>
+            <a:r>
+              <a:rPr lang="en-US" altLang="en-US" sz="1300" dirty="0" err="1">
+                <a:solidFill>
+                  <a:schemeClr val="dk1"/>
+                </a:solidFill>
+              </a:rPr>
+              <a:t>eq</a:t>
+            </a:r>
+            <a:r>
+              <a:rPr lang="en-US" altLang="en-US" sz="1300" dirty="0">
+                <a:solidFill>
+                  <a:schemeClr val="dk1"/>
+                </a:solidFill>
+              </a:rPr>
+              <a:t>(arg0 : </a:t>
+            </a:r>
+            <a:r>
+              <a:rPr lang="en-US" altLang="en-US" sz="1300" dirty="0" err="1">
+                <a:solidFill>
+                  <a:schemeClr val="dk1"/>
+                </a:solidFill>
+              </a:rPr>
+              <a:t>AnyRef</a:t>
+            </a:r>
+            <a:r>
+              <a:rPr lang="en-US" altLang="en-US" sz="1300" dirty="0">
+                <a:solidFill>
+                  <a:schemeClr val="dk1"/>
+                </a:solidFill>
+              </a:rPr>
+              <a:t>) : </a:t>
+            </a:r>
+            <a:r>
+              <a:rPr lang="en-US" altLang="en-US" sz="1300" dirty="0" smtClean="0">
+                <a:solidFill>
+                  <a:schemeClr val="dk1"/>
+                </a:solidFill>
+              </a:rPr>
+              <a:t>Boolean</a:t>
+            </a:r>
+          </a:p>
+          <a:p>
+            <a:pPr marL="0" lvl="0" indent="0" defTabSz="914400" eaLnBrk="0" fontAlgn="base" hangingPunct="0">
+              <a:spcBef>
+                <a:spcPct val="0"/>
+              </a:spcBef>
+              <a:spcAft>
+                <a:spcPct val="0"/>
+              </a:spcAft>
+              <a:buClrTx/>
+              <a:buSzTx/>
+              <a:buNone/>
+            </a:pPr>
+            <a:endParaRPr lang="en-US" altLang="en-US" sz="1300" dirty="0">
+              <a:solidFill>
+                <a:schemeClr val="dk1"/>
+              </a:solidFill>
+            </a:endParaRPr>
+          </a:p>
+          <a:p>
+            <a:pPr marL="457200" lvl="1" indent="-457200" defTabSz="914400" eaLnBrk="0" fontAlgn="base" hangingPunct="0">
+              <a:spcBef>
+                <a:spcPct val="0"/>
+              </a:spcBef>
+              <a:spcAft>
+                <a:spcPct val="0"/>
+              </a:spcAft>
+              <a:buClrTx/>
+              <a:buSzTx/>
+              <a:buNone/>
+            </a:pPr>
+            <a:r>
+              <a:rPr lang="en-US" altLang="en-US" sz="1300" dirty="0">
+                <a:solidFill>
+                  <a:schemeClr val="dk1"/>
+                </a:solidFill>
+              </a:rPr>
+              <a:t>This method is used to test whether the argument (arg0) is a reference to the receiver object (this</a:t>
+            </a:r>
+            <a:r>
+              <a:rPr lang="en-US" altLang="en-US" sz="1300" dirty="0" smtClean="0">
+                <a:solidFill>
+                  <a:schemeClr val="dk1"/>
+                </a:solidFill>
+              </a:rPr>
+              <a:t>).</a:t>
+            </a:r>
+          </a:p>
+          <a:p>
+            <a:pPr marL="457200" lvl="1" indent="-457200" defTabSz="914400" eaLnBrk="0" fontAlgn="base" hangingPunct="0">
+              <a:spcBef>
+                <a:spcPct val="0"/>
+              </a:spcBef>
+              <a:spcAft>
+                <a:spcPct val="0"/>
+              </a:spcAft>
+              <a:buClrTx/>
+              <a:buSzTx/>
+              <a:buNone/>
+            </a:pPr>
+            <a:r>
+              <a:rPr lang="en-US" altLang="en-US" sz="1300" dirty="0" smtClean="0">
+                <a:solidFill>
+                  <a:schemeClr val="dk1"/>
+                </a:solidFill>
+              </a:rPr>
+              <a:t>The </a:t>
+            </a:r>
+            <a:r>
+              <a:rPr lang="en-US" altLang="en-US" sz="1300" dirty="0" err="1">
+                <a:solidFill>
+                  <a:schemeClr val="dk1"/>
+                </a:solidFill>
+              </a:rPr>
+              <a:t>eq</a:t>
+            </a:r>
+            <a:r>
+              <a:rPr lang="en-US" altLang="en-US" sz="1300" dirty="0">
+                <a:solidFill>
+                  <a:schemeClr val="dk1"/>
+                </a:solidFill>
+              </a:rPr>
+              <a:t> method implements an equivalence relation on non-null instances of </a:t>
+            </a:r>
+            <a:r>
+              <a:rPr lang="en-US" altLang="en-US" sz="1300" dirty="0" err="1">
+                <a:solidFill>
+                  <a:schemeClr val="dk1"/>
+                </a:solidFill>
+              </a:rPr>
+              <a:t>AnyRef</a:t>
+            </a:r>
+            <a:r>
+              <a:rPr lang="en-US" altLang="en-US" sz="1300" dirty="0" smtClean="0">
+                <a:solidFill>
+                  <a:schemeClr val="dk1"/>
+                </a:solidFill>
+              </a:rPr>
+              <a:t>:</a:t>
+            </a:r>
+          </a:p>
+          <a:p>
+            <a:pPr marL="457200" lvl="1" indent="-457200" defTabSz="914400" eaLnBrk="0" fontAlgn="base" hangingPunct="0">
+              <a:spcBef>
+                <a:spcPct val="0"/>
+              </a:spcBef>
+              <a:spcAft>
+                <a:spcPct val="0"/>
+              </a:spcAft>
+              <a:buClrTx/>
+              <a:buSzTx/>
+              <a:buNone/>
+            </a:pPr>
+            <a:endParaRPr lang="en-US" altLang="en-US" sz="1300" dirty="0">
+              <a:solidFill>
+                <a:schemeClr val="dk1"/>
+              </a:solidFill>
+            </a:endParaRPr>
+          </a:p>
+          <a:p>
+            <a:pPr marL="171450" lvl="3" indent="-171450" defTabSz="914400" eaLnBrk="0" fontAlgn="base" hangingPunct="0">
+              <a:spcBef>
+                <a:spcPct val="0"/>
+              </a:spcBef>
+              <a:spcAft>
+                <a:spcPct val="0"/>
+              </a:spcAft>
+              <a:buClrTx/>
+              <a:buSzTx/>
+              <a:buFont typeface="Arial" panose="020B0604020202020204" pitchFamily="34" charset="0"/>
+              <a:buChar char="•"/>
+            </a:pPr>
+            <a:r>
+              <a:rPr lang="en-US" altLang="en-US" sz="1300" dirty="0">
+                <a:solidFill>
+                  <a:schemeClr val="dk1"/>
+                </a:solidFill>
+              </a:rPr>
+              <a:t>It is reflexive: for any non-null instance x of type </a:t>
+            </a:r>
+            <a:r>
+              <a:rPr lang="en-US" altLang="en-US" sz="1300" dirty="0" err="1">
+                <a:solidFill>
+                  <a:schemeClr val="dk1"/>
+                </a:solidFill>
+              </a:rPr>
+              <a:t>AnyRef</a:t>
+            </a:r>
+            <a:r>
+              <a:rPr lang="en-US" altLang="en-US" sz="1300" dirty="0">
+                <a:solidFill>
+                  <a:schemeClr val="dk1"/>
+                </a:solidFill>
+              </a:rPr>
+              <a:t>, </a:t>
+            </a:r>
+            <a:r>
+              <a:rPr lang="en-US" altLang="en-US" sz="1300" dirty="0" err="1">
+                <a:solidFill>
+                  <a:schemeClr val="dk1"/>
+                </a:solidFill>
+              </a:rPr>
+              <a:t>x.eq</a:t>
+            </a:r>
+            <a:r>
+              <a:rPr lang="en-US" altLang="en-US" sz="1300" dirty="0">
+                <a:solidFill>
+                  <a:schemeClr val="dk1"/>
+                </a:solidFill>
+              </a:rPr>
+              <a:t>(x) returns true.</a:t>
+            </a:r>
+          </a:p>
+          <a:p>
+            <a:pPr marL="171450" lvl="3" indent="-171450" defTabSz="914400" eaLnBrk="0" fontAlgn="base" hangingPunct="0">
+              <a:spcBef>
+                <a:spcPct val="0"/>
+              </a:spcBef>
+              <a:spcAft>
+                <a:spcPct val="0"/>
+              </a:spcAft>
+              <a:buClrTx/>
+              <a:buSzTx/>
+              <a:buFont typeface="Arial" panose="020B0604020202020204" pitchFamily="34" charset="0"/>
+              <a:buChar char="•"/>
+            </a:pPr>
+            <a:r>
+              <a:rPr lang="en-US" altLang="en-US" sz="1300" dirty="0">
+                <a:solidFill>
+                  <a:schemeClr val="dk1"/>
+                </a:solidFill>
+              </a:rPr>
+              <a:t>It is symmetric: for any non-null instances x and y of type </a:t>
+            </a:r>
+            <a:r>
+              <a:rPr lang="en-US" altLang="en-US" sz="1300" dirty="0" err="1">
+                <a:solidFill>
+                  <a:schemeClr val="dk1"/>
+                </a:solidFill>
+              </a:rPr>
+              <a:t>AnyRef</a:t>
+            </a:r>
+            <a:r>
+              <a:rPr lang="en-US" altLang="en-US" sz="1300" dirty="0">
+                <a:solidFill>
+                  <a:schemeClr val="dk1"/>
+                </a:solidFill>
+              </a:rPr>
+              <a:t>, </a:t>
+            </a:r>
+            <a:r>
+              <a:rPr lang="en-US" altLang="en-US" sz="1300" dirty="0" err="1">
+                <a:solidFill>
+                  <a:schemeClr val="dk1"/>
+                </a:solidFill>
+              </a:rPr>
+              <a:t>x.eq</a:t>
+            </a:r>
+            <a:r>
+              <a:rPr lang="en-US" altLang="en-US" sz="1300" dirty="0">
+                <a:solidFill>
+                  <a:schemeClr val="dk1"/>
+                </a:solidFill>
+              </a:rPr>
+              <a:t>(y) returns true </a:t>
+            </a:r>
+            <a:endParaRPr lang="en-US" altLang="en-US" sz="1300" dirty="0" smtClean="0">
+              <a:solidFill>
+                <a:schemeClr val="dk1"/>
+              </a:solidFill>
+            </a:endParaRPr>
+          </a:p>
+          <a:p>
+            <a:pPr marL="0" lvl="3" indent="0" defTabSz="914400" eaLnBrk="0" fontAlgn="base" hangingPunct="0">
+              <a:spcBef>
+                <a:spcPct val="0"/>
+              </a:spcBef>
+              <a:spcAft>
+                <a:spcPct val="0"/>
+              </a:spcAft>
+              <a:buClrTx/>
+              <a:buSzTx/>
+              <a:buNone/>
+            </a:pPr>
+            <a:r>
+              <a:rPr lang="en-US" altLang="en-US" sz="1300" dirty="0">
+                <a:solidFill>
+                  <a:schemeClr val="dk1"/>
+                </a:solidFill>
+              </a:rPr>
+              <a:t> </a:t>
+            </a:r>
+            <a:r>
+              <a:rPr lang="en-US" altLang="en-US" sz="1300" dirty="0" smtClean="0">
+                <a:solidFill>
+                  <a:schemeClr val="dk1"/>
+                </a:solidFill>
+              </a:rPr>
+              <a:t>  if </a:t>
+            </a:r>
+            <a:r>
+              <a:rPr lang="en-US" altLang="en-US" sz="1300" dirty="0">
+                <a:solidFill>
+                  <a:schemeClr val="dk1"/>
+                </a:solidFill>
+              </a:rPr>
+              <a:t>and only if </a:t>
+            </a:r>
+            <a:r>
+              <a:rPr lang="en-US" altLang="en-US" sz="1300" dirty="0" err="1">
+                <a:solidFill>
+                  <a:schemeClr val="dk1"/>
+                </a:solidFill>
+              </a:rPr>
+              <a:t>y.eq</a:t>
+            </a:r>
+            <a:r>
+              <a:rPr lang="en-US" altLang="en-US" sz="1300" dirty="0">
+                <a:solidFill>
+                  <a:schemeClr val="dk1"/>
+                </a:solidFill>
+              </a:rPr>
+              <a:t>(x) returns true.</a:t>
+            </a:r>
+          </a:p>
+          <a:p>
+            <a:pPr marL="171450" lvl="3" indent="-171450" defTabSz="914400" eaLnBrk="0" fontAlgn="base" hangingPunct="0">
+              <a:spcBef>
+                <a:spcPct val="0"/>
+              </a:spcBef>
+              <a:spcAft>
+                <a:spcPct val="0"/>
+              </a:spcAft>
+              <a:buClrTx/>
+              <a:buSzTx/>
+              <a:buFont typeface="Arial" panose="020B0604020202020204" pitchFamily="34" charset="0"/>
+              <a:buChar char="•"/>
+            </a:pPr>
+            <a:r>
+              <a:rPr lang="en-US" altLang="en-US" sz="1300" dirty="0">
+                <a:solidFill>
+                  <a:schemeClr val="dk1"/>
+                </a:solidFill>
+              </a:rPr>
+              <a:t>It is transitive: for any non-null instances x, y, and z of type </a:t>
+            </a:r>
+            <a:r>
+              <a:rPr lang="en-US" altLang="en-US" sz="1300" dirty="0" err="1">
+                <a:solidFill>
+                  <a:schemeClr val="dk1"/>
+                </a:solidFill>
+              </a:rPr>
+              <a:t>AnyRef</a:t>
+            </a:r>
+            <a:r>
+              <a:rPr lang="en-US" altLang="en-US" sz="1300" dirty="0">
+                <a:solidFill>
+                  <a:schemeClr val="dk1"/>
+                </a:solidFill>
+              </a:rPr>
+              <a:t> if </a:t>
+            </a:r>
+            <a:r>
+              <a:rPr lang="en-US" altLang="en-US" sz="1300" dirty="0" err="1">
+                <a:solidFill>
+                  <a:schemeClr val="dk1"/>
+                </a:solidFill>
+              </a:rPr>
+              <a:t>x.eq</a:t>
+            </a:r>
+            <a:r>
+              <a:rPr lang="en-US" altLang="en-US" sz="1300" dirty="0">
+                <a:solidFill>
+                  <a:schemeClr val="dk1"/>
+                </a:solidFill>
+              </a:rPr>
+              <a:t>(y) returns true and </a:t>
+            </a:r>
+            <a:r>
+              <a:rPr lang="en-US" altLang="en-US" sz="1300" dirty="0" err="1">
+                <a:solidFill>
+                  <a:schemeClr val="dk1"/>
+                </a:solidFill>
+              </a:rPr>
+              <a:t>y.eq</a:t>
+            </a:r>
+            <a:r>
+              <a:rPr lang="en-US" altLang="en-US" sz="1300" dirty="0">
+                <a:solidFill>
+                  <a:schemeClr val="dk1"/>
+                </a:solidFill>
+              </a:rPr>
+              <a:t>(z) </a:t>
+            </a:r>
+            <a:endParaRPr lang="en-US" altLang="en-US" sz="1300" dirty="0" smtClean="0">
+              <a:solidFill>
+                <a:schemeClr val="dk1"/>
+              </a:solidFill>
+            </a:endParaRPr>
+          </a:p>
+          <a:p>
+            <a:pPr marL="0" lvl="3" indent="0" defTabSz="914400" eaLnBrk="0" fontAlgn="base" hangingPunct="0">
+              <a:spcBef>
+                <a:spcPct val="0"/>
+              </a:spcBef>
+              <a:spcAft>
+                <a:spcPct val="0"/>
+              </a:spcAft>
+              <a:buClrTx/>
+              <a:buSzTx/>
+              <a:buNone/>
+            </a:pPr>
+            <a:r>
+              <a:rPr lang="en-US" altLang="en-US" sz="1300" dirty="0">
+                <a:solidFill>
+                  <a:schemeClr val="dk1"/>
+                </a:solidFill>
+              </a:rPr>
+              <a:t> </a:t>
+            </a:r>
+            <a:r>
+              <a:rPr lang="en-US" altLang="en-US" sz="1300" dirty="0" smtClean="0">
+                <a:solidFill>
+                  <a:schemeClr val="dk1"/>
+                </a:solidFill>
+              </a:rPr>
+              <a:t>  returns </a:t>
+            </a:r>
+            <a:r>
+              <a:rPr lang="en-US" altLang="en-US" sz="1300" dirty="0">
+                <a:solidFill>
+                  <a:schemeClr val="dk1"/>
+                </a:solidFill>
+              </a:rPr>
+              <a:t>true, then </a:t>
+            </a:r>
+            <a:r>
+              <a:rPr lang="en-US" altLang="en-US" sz="1300" dirty="0" err="1">
+                <a:solidFill>
+                  <a:schemeClr val="dk1"/>
+                </a:solidFill>
+              </a:rPr>
+              <a:t>x.eq</a:t>
+            </a:r>
+            <a:r>
+              <a:rPr lang="en-US" altLang="en-US" sz="1300" dirty="0">
+                <a:solidFill>
+                  <a:schemeClr val="dk1"/>
+                </a:solidFill>
+              </a:rPr>
+              <a:t>(z) returns true</a:t>
+            </a:r>
+            <a:r>
+              <a:rPr lang="en-US" altLang="en-US" sz="1300" dirty="0" smtClean="0">
+                <a:solidFill>
+                  <a:schemeClr val="dk1"/>
+                </a:solidFill>
+              </a:rPr>
+              <a:t>.</a:t>
+            </a:r>
+          </a:p>
+          <a:p>
+            <a:pPr marL="0" lvl="3" indent="0" defTabSz="914400" eaLnBrk="0" fontAlgn="base" hangingPunct="0">
+              <a:spcBef>
+                <a:spcPct val="0"/>
+              </a:spcBef>
+              <a:spcAft>
+                <a:spcPct val="0"/>
+              </a:spcAft>
+              <a:buClrTx/>
+              <a:buSzTx/>
+              <a:buNone/>
+            </a:pPr>
+            <a:endParaRPr lang="en-US" altLang="en-US" sz="1300" dirty="0">
+              <a:solidFill>
+                <a:schemeClr val="dk1"/>
+              </a:solidFill>
+            </a:endParaRPr>
+          </a:p>
+          <a:p>
+            <a:pPr marL="0" lvl="3" indent="0" defTabSz="914400" eaLnBrk="0" fontAlgn="base" hangingPunct="0">
+              <a:spcBef>
+                <a:spcPct val="0"/>
+              </a:spcBef>
+              <a:spcAft>
+                <a:spcPct val="0"/>
+              </a:spcAft>
+              <a:buClrTx/>
+              <a:buSzTx/>
+              <a:buNone/>
+            </a:pPr>
+            <a:r>
+              <a:rPr lang="en-US" altLang="en-US" sz="1300" dirty="0">
+                <a:solidFill>
+                  <a:schemeClr val="dk1"/>
+                </a:solidFill>
+              </a:rPr>
+              <a:t>Additionally, the </a:t>
+            </a:r>
+            <a:r>
+              <a:rPr lang="en-US" altLang="en-US" sz="1300" dirty="0" err="1">
+                <a:solidFill>
+                  <a:schemeClr val="dk1"/>
+                </a:solidFill>
+              </a:rPr>
+              <a:t>eq</a:t>
+            </a:r>
+            <a:r>
+              <a:rPr lang="en-US" altLang="en-US" sz="1300" dirty="0">
+                <a:solidFill>
+                  <a:schemeClr val="dk1"/>
+                </a:solidFill>
+              </a:rPr>
+              <a:t> method has three other properties</a:t>
+            </a:r>
+            <a:r>
+              <a:rPr lang="en-US" altLang="en-US" sz="1300" dirty="0" smtClean="0">
+                <a:solidFill>
+                  <a:schemeClr val="dk1"/>
+                </a:solidFill>
+              </a:rPr>
+              <a:t>.</a:t>
+            </a:r>
+          </a:p>
+          <a:p>
+            <a:pPr marL="285750" lvl="3" indent="-285750" defTabSz="914400" eaLnBrk="0" fontAlgn="base" hangingPunct="0">
+              <a:spcBef>
+                <a:spcPct val="0"/>
+              </a:spcBef>
+              <a:spcAft>
+                <a:spcPct val="0"/>
+              </a:spcAft>
+              <a:buClrTx/>
+              <a:buSzTx/>
+              <a:buFont typeface="Arial" panose="020B0604020202020204" pitchFamily="34" charset="0"/>
+              <a:buChar char="•"/>
+            </a:pPr>
+            <a:r>
+              <a:rPr lang="en-US" altLang="en-US" sz="1300" dirty="0">
+                <a:solidFill>
+                  <a:schemeClr val="dk1"/>
+                </a:solidFill>
+              </a:rPr>
+              <a:t>It is consistent: for any non-null instances x and y of type </a:t>
+            </a:r>
+            <a:r>
+              <a:rPr lang="en-US" altLang="en-US" sz="1300" dirty="0" err="1">
+                <a:solidFill>
+                  <a:schemeClr val="dk1"/>
+                </a:solidFill>
+              </a:rPr>
+              <a:t>AnyRef</a:t>
+            </a:r>
+            <a:r>
+              <a:rPr lang="en-US" altLang="en-US" sz="1300" dirty="0">
+                <a:solidFill>
+                  <a:schemeClr val="dk1"/>
+                </a:solidFill>
+              </a:rPr>
+              <a:t>, multiple invocations of </a:t>
+            </a:r>
+            <a:r>
+              <a:rPr lang="en-US" altLang="en-US" sz="1300" dirty="0" err="1">
+                <a:solidFill>
+                  <a:schemeClr val="dk1"/>
+                </a:solidFill>
+              </a:rPr>
+              <a:t>x.eq</a:t>
+            </a:r>
+            <a:r>
+              <a:rPr lang="en-US" altLang="en-US" sz="1300" dirty="0">
+                <a:solidFill>
+                  <a:schemeClr val="dk1"/>
+                </a:solidFill>
+              </a:rPr>
+              <a:t>(y) </a:t>
+            </a:r>
+            <a:r>
+              <a:rPr lang="en-US" altLang="en-US" sz="1300" dirty="0" smtClean="0">
+                <a:solidFill>
+                  <a:schemeClr val="dk1"/>
+                </a:solidFill>
+              </a:rPr>
+              <a:t>consistently</a:t>
+            </a:r>
+          </a:p>
+          <a:p>
+            <a:pPr marL="0" lvl="3" indent="0" defTabSz="914400" eaLnBrk="0" fontAlgn="base" hangingPunct="0">
+              <a:spcBef>
+                <a:spcPct val="0"/>
+              </a:spcBef>
+              <a:spcAft>
+                <a:spcPct val="0"/>
+              </a:spcAft>
+              <a:buClrTx/>
+              <a:buSzTx/>
+              <a:buNone/>
+            </a:pPr>
+            <a:r>
+              <a:rPr lang="en-US" altLang="en-US" sz="1300" dirty="0">
+                <a:solidFill>
+                  <a:schemeClr val="dk1"/>
+                </a:solidFill>
+              </a:rPr>
+              <a:t> </a:t>
+            </a:r>
+            <a:r>
+              <a:rPr lang="en-US" altLang="en-US" sz="1300" dirty="0" smtClean="0">
+                <a:solidFill>
+                  <a:schemeClr val="dk1"/>
+                </a:solidFill>
+              </a:rPr>
+              <a:t>    </a:t>
+            </a:r>
+            <a:r>
+              <a:rPr lang="en-US" altLang="en-US" sz="1300" dirty="0">
+                <a:solidFill>
+                  <a:schemeClr val="dk1"/>
+                </a:solidFill>
+              </a:rPr>
+              <a:t>returns true or consistently returns false.</a:t>
+            </a:r>
+          </a:p>
+          <a:p>
+            <a:pPr marL="285750" lvl="3" indent="-285750" defTabSz="914400" eaLnBrk="0" fontAlgn="base" hangingPunct="0">
+              <a:spcBef>
+                <a:spcPct val="0"/>
+              </a:spcBef>
+              <a:spcAft>
+                <a:spcPct val="0"/>
+              </a:spcAft>
+              <a:buClrTx/>
+              <a:buSzTx/>
+              <a:buFont typeface="Arial" panose="020B0604020202020204" pitchFamily="34" charset="0"/>
+              <a:buChar char="•"/>
+            </a:pPr>
+            <a:r>
+              <a:rPr lang="en-US" altLang="en-US" sz="1300" dirty="0">
+                <a:solidFill>
+                  <a:schemeClr val="dk1"/>
+                </a:solidFill>
+              </a:rPr>
+              <a:t>For any non-null instance x of type </a:t>
+            </a:r>
+            <a:r>
+              <a:rPr lang="en-US" altLang="en-US" sz="1300" dirty="0" err="1">
+                <a:solidFill>
+                  <a:schemeClr val="dk1"/>
+                </a:solidFill>
+              </a:rPr>
+              <a:t>AnyRef</a:t>
+            </a:r>
+            <a:r>
+              <a:rPr lang="en-US" altLang="en-US" sz="1300" dirty="0">
+                <a:solidFill>
+                  <a:schemeClr val="dk1"/>
+                </a:solidFill>
+              </a:rPr>
+              <a:t>, </a:t>
+            </a:r>
+            <a:r>
+              <a:rPr lang="en-US" altLang="en-US" sz="1300" dirty="0" err="1">
+                <a:solidFill>
+                  <a:schemeClr val="dk1"/>
+                </a:solidFill>
+              </a:rPr>
+              <a:t>x.eq</a:t>
+            </a:r>
+            <a:r>
+              <a:rPr lang="en-US" altLang="en-US" sz="1300" dirty="0">
+                <a:solidFill>
+                  <a:schemeClr val="dk1"/>
+                </a:solidFill>
+              </a:rPr>
+              <a:t>(null) and </a:t>
+            </a:r>
+            <a:r>
+              <a:rPr lang="en-US" altLang="en-US" sz="1300" dirty="0" err="1">
+                <a:solidFill>
+                  <a:schemeClr val="dk1"/>
+                </a:solidFill>
+              </a:rPr>
+              <a:t>null.eq</a:t>
+            </a:r>
+            <a:r>
+              <a:rPr lang="en-US" altLang="en-US" sz="1300" dirty="0">
+                <a:solidFill>
+                  <a:schemeClr val="dk1"/>
+                </a:solidFill>
+              </a:rPr>
+              <a:t>(x) returns false.</a:t>
+            </a:r>
+          </a:p>
+          <a:p>
+            <a:pPr marL="285750" lvl="3" indent="-285750" defTabSz="914400" eaLnBrk="0" fontAlgn="base" hangingPunct="0">
+              <a:spcBef>
+                <a:spcPct val="0"/>
+              </a:spcBef>
+              <a:spcAft>
+                <a:spcPct val="0"/>
+              </a:spcAft>
+              <a:buClrTx/>
+              <a:buSzTx/>
+              <a:buFont typeface="Arial" panose="020B0604020202020204" pitchFamily="34" charset="0"/>
+              <a:buChar char="•"/>
+            </a:pPr>
+            <a:r>
+              <a:rPr lang="en-US" altLang="en-US" sz="1300" dirty="0" err="1">
+                <a:solidFill>
+                  <a:schemeClr val="dk1"/>
+                </a:solidFill>
+              </a:rPr>
+              <a:t>null.eq</a:t>
+            </a:r>
+            <a:r>
+              <a:rPr lang="en-US" altLang="en-US" sz="1300" dirty="0">
+                <a:solidFill>
+                  <a:schemeClr val="dk1"/>
+                </a:solidFill>
+              </a:rPr>
+              <a:t>(null) returns true.</a:t>
+            </a:r>
+            <a:endParaRPr lang="en-US" altLang="en-US" sz="1300" dirty="0" smtClean="0">
+              <a:solidFill>
+                <a:schemeClr val="dk1"/>
+              </a:solidFill>
+            </a:endParaRPr>
+          </a:p>
+          <a:p>
+            <a:pPr marL="0" lvl="3" indent="0" defTabSz="914400" eaLnBrk="0" fontAlgn="base" hangingPunct="0">
+              <a:spcBef>
+                <a:spcPct val="0"/>
+              </a:spcBef>
+              <a:spcAft>
+                <a:spcPct val="0"/>
+              </a:spcAft>
+              <a:buClrTx/>
+              <a:buSzTx/>
+              <a:buNone/>
+            </a:pPr>
+            <a:endParaRPr lang="en-US" altLang="en-US" sz="1300" dirty="0">
+              <a:solidFill>
+                <a:schemeClr val="dk1"/>
+              </a:solidFill>
+            </a:endParaRPr>
+          </a:p>
+          <a:p>
+            <a:pPr marL="457200" lvl="1" indent="-457200" defTabSz="914400" eaLnBrk="0" fontAlgn="base" hangingPunct="0">
+              <a:spcBef>
+                <a:spcPct val="0"/>
+              </a:spcBef>
+              <a:spcAft>
+                <a:spcPct val="0"/>
+              </a:spcAft>
+              <a:buClrTx/>
+              <a:buSzTx/>
+              <a:buNone/>
+            </a:pPr>
+            <a:r>
+              <a:rPr lang="en-US" altLang="en-US" sz="1300" dirty="0">
+                <a:solidFill>
+                  <a:schemeClr val="dk1"/>
+                </a:solidFill>
+              </a:rPr>
+              <a:t>When overriding the equals or </a:t>
+            </a:r>
+            <a:r>
+              <a:rPr lang="en-US" altLang="en-US" sz="1300" dirty="0" err="1">
+                <a:solidFill>
+                  <a:schemeClr val="dk1"/>
+                </a:solidFill>
+              </a:rPr>
+              <a:t>hashCode</a:t>
+            </a:r>
+            <a:r>
+              <a:rPr lang="en-US" altLang="en-US" sz="1300" dirty="0">
+                <a:solidFill>
+                  <a:schemeClr val="dk1"/>
+                </a:solidFill>
+              </a:rPr>
+              <a:t> methods, it is important to ensure that their behavior is consistent with </a:t>
+            </a:r>
+            <a:endParaRPr lang="en-US" altLang="en-US" sz="1300" dirty="0" smtClean="0">
+              <a:solidFill>
+                <a:schemeClr val="dk1"/>
+              </a:solidFill>
+            </a:endParaRPr>
+          </a:p>
+          <a:p>
+            <a:pPr marL="457200" lvl="1" indent="-457200" defTabSz="914400" eaLnBrk="0" fontAlgn="base" hangingPunct="0">
+              <a:spcBef>
+                <a:spcPct val="0"/>
+              </a:spcBef>
+              <a:spcAft>
+                <a:spcPct val="0"/>
+              </a:spcAft>
+              <a:buClrTx/>
+              <a:buSzTx/>
+              <a:buNone/>
+            </a:pPr>
+            <a:r>
+              <a:rPr lang="en-US" altLang="en-US" sz="1300" dirty="0" smtClean="0">
+                <a:solidFill>
+                  <a:schemeClr val="dk1"/>
+                </a:solidFill>
+              </a:rPr>
+              <a:t>reference equality</a:t>
+            </a:r>
+            <a:r>
+              <a:rPr lang="en-US" altLang="en-US" sz="1300" dirty="0">
+                <a:solidFill>
+                  <a:schemeClr val="dk1"/>
+                </a:solidFill>
+              </a:rPr>
+              <a:t>. </a:t>
+            </a:r>
+            <a:r>
+              <a:rPr lang="en-US" altLang="en-US" sz="1300" dirty="0" smtClean="0">
+                <a:solidFill>
+                  <a:schemeClr val="dk1"/>
+                </a:solidFill>
+              </a:rPr>
+              <a:t> Therefore</a:t>
+            </a:r>
+            <a:r>
+              <a:rPr lang="en-US" altLang="en-US" sz="1300" dirty="0">
+                <a:solidFill>
+                  <a:schemeClr val="dk1"/>
+                </a:solidFill>
+              </a:rPr>
+              <a:t>, if two objects are references to each other (o1 </a:t>
+            </a:r>
+            <a:r>
+              <a:rPr lang="en-US" altLang="en-US" sz="1300" dirty="0" err="1">
+                <a:solidFill>
+                  <a:schemeClr val="dk1"/>
+                </a:solidFill>
+              </a:rPr>
+              <a:t>eq</a:t>
+            </a:r>
+            <a:r>
+              <a:rPr lang="en-US" altLang="en-US" sz="1300" dirty="0">
+                <a:solidFill>
+                  <a:schemeClr val="dk1"/>
+                </a:solidFill>
+              </a:rPr>
+              <a:t> o2), they should be equal to </a:t>
+            </a:r>
+            <a:endParaRPr lang="en-US" altLang="en-US" sz="1300" dirty="0" smtClean="0">
+              <a:solidFill>
+                <a:schemeClr val="dk1"/>
+              </a:solidFill>
+            </a:endParaRPr>
+          </a:p>
+          <a:p>
+            <a:pPr marL="457200" lvl="1" indent="-457200" defTabSz="914400" eaLnBrk="0" fontAlgn="base" hangingPunct="0">
+              <a:spcBef>
+                <a:spcPct val="0"/>
+              </a:spcBef>
+              <a:spcAft>
+                <a:spcPct val="0"/>
+              </a:spcAft>
+              <a:buClrTx/>
+              <a:buSzTx/>
+              <a:buNone/>
+            </a:pPr>
+            <a:r>
+              <a:rPr lang="en-US" altLang="en-US" sz="1300" dirty="0" smtClean="0">
+                <a:solidFill>
+                  <a:schemeClr val="dk1"/>
+                </a:solidFill>
+              </a:rPr>
+              <a:t>each </a:t>
+            </a:r>
+            <a:r>
+              <a:rPr lang="en-US" altLang="en-US" sz="1300" dirty="0">
+                <a:solidFill>
+                  <a:schemeClr val="dk1"/>
+                </a:solidFill>
+              </a:rPr>
+              <a:t>other (o1 == o2) and </a:t>
+            </a:r>
+            <a:r>
+              <a:rPr lang="en-US" altLang="en-US" sz="1300" dirty="0" smtClean="0">
+                <a:solidFill>
+                  <a:schemeClr val="dk1"/>
+                </a:solidFill>
+              </a:rPr>
+              <a:t>they </a:t>
+            </a:r>
+            <a:r>
+              <a:rPr lang="en-US" altLang="en-US" sz="1300" dirty="0">
+                <a:solidFill>
+                  <a:schemeClr val="dk1"/>
+                </a:solidFill>
+              </a:rPr>
+              <a:t>should hash to the same value (o1.hashCode == o2.hashCode</a:t>
+            </a:r>
+            <a:r>
+              <a:rPr lang="en-US" altLang="en-US" sz="1300" dirty="0" smtClean="0">
+                <a:solidFill>
+                  <a:schemeClr val="dk1"/>
+                </a:solidFill>
+              </a:rPr>
+              <a:t>).</a:t>
+            </a:r>
+          </a:p>
+          <a:p>
+            <a:pPr marL="457200" lvl="1" indent="-457200" defTabSz="914400" eaLnBrk="0" fontAlgn="base" hangingPunct="0">
+              <a:spcBef>
+                <a:spcPct val="0"/>
+              </a:spcBef>
+              <a:spcAft>
+                <a:spcPct val="0"/>
+              </a:spcAft>
+              <a:buClrTx/>
+              <a:buSzTx/>
+              <a:buNone/>
+            </a:pPr>
+            <a:endParaRPr lang="en-US" altLang="en-US" sz="1300" dirty="0">
+              <a:solidFill>
+                <a:schemeClr val="dk1"/>
+              </a:solidFill>
+            </a:endParaRPr>
+          </a:p>
+          <a:p>
+            <a:pPr marL="0" marR="0" lvl="0" indent="0" algn="l" defTabSz="914400" rtl="0" eaLnBrk="0" fontAlgn="base" latinLnBrk="0" hangingPunct="0">
+              <a:lnSpc>
+                <a:spcPct val="100000"/>
+              </a:lnSpc>
+              <a:spcBef>
+                <a:spcPct val="0"/>
+              </a:spcBef>
+              <a:spcAft>
+                <a:spcPct val="0"/>
+              </a:spcAft>
+              <a:buClrTx/>
+              <a:buSzTx/>
+              <a:buFontTx/>
+              <a:buNone/>
+              <a:tabLst/>
+            </a:pPr>
+            <a:r>
+              <a:rPr lang="en-US" altLang="en-US" sz="1300" dirty="0">
+                <a:solidFill>
+                  <a:schemeClr val="dk1"/>
+                </a:solidFill>
+              </a:rPr>
+              <a:t>Parameters</a:t>
+            </a:r>
+          </a:p>
+          <a:p>
+            <a:pPr marL="457200" lvl="1" indent="-457200" defTabSz="914400" eaLnBrk="0" fontAlgn="base" hangingPunct="0">
+              <a:spcBef>
+                <a:spcPct val="0"/>
+              </a:spcBef>
+              <a:spcAft>
+                <a:spcPct val="0"/>
+              </a:spcAft>
+              <a:buClrTx/>
+              <a:buSzTx/>
+              <a:buNone/>
+            </a:pPr>
+            <a:r>
+              <a:rPr lang="en-US" altLang="en-US" sz="1300" dirty="0">
+                <a:solidFill>
+                  <a:schemeClr val="dk1"/>
+                </a:solidFill>
+              </a:rPr>
+              <a:t>arg0 - the object to compare against his object for reference </a:t>
+            </a:r>
+            <a:r>
+              <a:rPr lang="en-US" altLang="en-US" sz="1300" dirty="0" smtClean="0">
+                <a:solidFill>
+                  <a:schemeClr val="dk1"/>
+                </a:solidFill>
+              </a:rPr>
+              <a:t>equality</a:t>
+            </a:r>
+          </a:p>
+          <a:p>
+            <a:pPr marL="457200" lvl="1" indent="-457200" defTabSz="914400" eaLnBrk="0" fontAlgn="base" hangingPunct="0">
+              <a:spcBef>
+                <a:spcPct val="0"/>
+              </a:spcBef>
+              <a:spcAft>
+                <a:spcPct val="0"/>
+              </a:spcAft>
+              <a:buClrTx/>
+              <a:buSzTx/>
+              <a:buNone/>
+            </a:pPr>
+            <a:endParaRPr lang="en-US" altLang="en-US" sz="1300" dirty="0">
+              <a:solidFill>
+                <a:schemeClr val="dk1"/>
+              </a:solidFill>
+            </a:endParaRPr>
+          </a:p>
+          <a:p>
+            <a:pPr marL="0" marR="0" lvl="0" indent="0" algn="l" defTabSz="914400" rtl="0" eaLnBrk="0" fontAlgn="base" latinLnBrk="0" hangingPunct="0">
+              <a:lnSpc>
+                <a:spcPct val="100000"/>
+              </a:lnSpc>
+              <a:spcBef>
+                <a:spcPct val="0"/>
+              </a:spcBef>
+              <a:spcAft>
+                <a:spcPct val="0"/>
+              </a:spcAft>
+              <a:buClrTx/>
+              <a:buSzTx/>
+              <a:buFontTx/>
+              <a:buNone/>
+              <a:tabLst/>
+            </a:pPr>
+            <a:r>
+              <a:rPr lang="en-US" altLang="en-US" sz="1300" dirty="0" smtClean="0">
+                <a:solidFill>
+                  <a:schemeClr val="dk1"/>
+                </a:solidFill>
+              </a:rPr>
+              <a:t>Returns</a:t>
+            </a:r>
+            <a:endParaRPr lang="en-US" altLang="en-US" sz="1300" dirty="0">
+              <a:solidFill>
+                <a:schemeClr val="dk1"/>
+              </a:solidFill>
+            </a:endParaRPr>
+          </a:p>
+          <a:p>
+            <a:pPr marL="457200" lvl="1" indent="-457200" defTabSz="914400" eaLnBrk="0" fontAlgn="base" hangingPunct="0">
+              <a:spcBef>
+                <a:spcPct val="0"/>
+              </a:spcBef>
+              <a:spcAft>
+                <a:spcPct val="0"/>
+              </a:spcAft>
+              <a:buClrTx/>
+              <a:buSzTx/>
+              <a:buNone/>
+            </a:pPr>
+            <a:r>
+              <a:rPr lang="en-US" altLang="en-US" sz="1300" dirty="0">
+                <a:solidFill>
+                  <a:schemeClr val="dk1"/>
+                </a:solidFill>
+              </a:rPr>
+              <a:t>true </a:t>
+            </a:r>
+            <a:r>
+              <a:rPr lang="en-US" altLang="en-US" sz="1300" dirty="0" smtClean="0">
+                <a:solidFill>
+                  <a:schemeClr val="dk1"/>
+                </a:solidFill>
+              </a:rPr>
+              <a:t>if </a:t>
+            </a:r>
+            <a:r>
+              <a:rPr lang="en-US" altLang="en-US" sz="1300" dirty="0">
+                <a:solidFill>
+                  <a:schemeClr val="dk1"/>
+                </a:solidFill>
+              </a:rPr>
+              <a:t>the argument is a reference to the receiver object; false otherwise.</a:t>
+            </a:r>
+          </a:p>
+          <a:p>
+            <a:pPr marL="0" marR="0" lvl="0" indent="0" algn="l" defTabSz="914400" rtl="0" eaLnBrk="0" fontAlgn="base" latinLnBrk="0" hangingPunct="0">
+              <a:lnSpc>
+                <a:spcPct val="100000"/>
+              </a:lnSpc>
+              <a:spcBef>
+                <a:spcPct val="0"/>
+              </a:spcBef>
+              <a:spcAft>
+                <a:spcPct val="0"/>
+              </a:spcAft>
+              <a:buClrTx/>
+              <a:buSzTx/>
+              <a:buFontTx/>
+              <a:buNone/>
+              <a:tabLst/>
+            </a:pPr>
+            <a:endParaRPr kumimoji="0" lang="en-US" altLang="en-US" sz="1800" b="0" i="0" u="none" strike="noStrike" cap="none" normalizeH="0" baseline="0" dirty="0" smtClean="0">
+              <a:ln>
+                <a:noFill/>
+              </a:ln>
+              <a:solidFill>
+                <a:schemeClr val="tx1"/>
+              </a:solidFill>
+              <a:effectLst/>
+              <a:latin typeface="Arial" panose="020B0604020202020204" pitchFamily="34" charset="0"/>
+            </a:endParaRPr>
+          </a:p>
+        </p:txBody>
+      </p:sp>
+    </p:spTree>
+    <p:extLst>
+      <p:ext uri="{BB962C8B-B14F-4D97-AF65-F5344CB8AC3E}">
+        <p14:creationId xmlns:p14="http://schemas.microsoft.com/office/powerpoint/2010/main" val="1376597369"/>
+      </p:ext>
+    </p:extLst>
+  </p:cSld>
+  <p:clrMapOvr>
+    <a:masterClrMapping/>
+  </p:clrMapOvr>
+</p:sld>
+</file>
+
+<file path=ppt/slides/slide9.xml><?xml version="1.0" encoding="utf-8"?>
+<p:sld xmlns:a="http://schemas.openxmlformats.org/drawingml/2006/main" xmlns:r="http://schemas.openxmlformats.org/officeDocument/2006/relationships" xmlns:p="http://schemas.openxmlformats.org/presentationml/2006/main">
+  <p:cSld>
+    <p:spTree>
+      <p:nvGrpSpPr>
+        <p:cNvPr id="1" name=""/>
+        <p:cNvGrpSpPr/>
+        <p:nvPr/>
+      </p:nvGrpSpPr>
+      <p:grpSpPr>
+        <a:xfrm>
+          <a:off x="0" y="0"/>
+          <a:ext cx="0" cy="0"/>
+          <a:chOff x="0" y="0"/>
+          <a:chExt cx="0" cy="0"/>
+        </a:xfrm>
+      </p:grpSpPr>
+      <p:sp>
+        <p:nvSpPr>
+          <p:cNvPr id="2" name="Title 1"/>
+          <p:cNvSpPr>
+            <a:spLocks noGrp="1"/>
+          </p:cNvSpPr>
+          <p:nvPr>
+            <p:ph type="title"/>
+          </p:nvPr>
+        </p:nvSpPr>
+        <p:spPr>
+          <a:xfrm>
+            <a:off x="677334" y="152400"/>
+            <a:ext cx="8596668" cy="816428"/>
+          </a:xfrm>
+        </p:spPr>
+        <p:txBody>
+          <a:bodyPr>
+            <a:normAutofit fontScale="90000"/>
+          </a:bodyPr>
+          <a:lstStyle/>
+          <a:p>
+            <a:pPr algn="ctr"/>
+            <a:r>
+              <a:rPr lang="en-US" sz="4000" dirty="0">
+                <a:solidFill>
+                  <a:srgbClr val="7030A0"/>
+                </a:solidFill>
+              </a:rPr>
+              <a:t>Scala </a:t>
+            </a:r>
+            <a:r>
+              <a:rPr lang="en-US" sz="4000" dirty="0" smtClean="0">
+                <a:solidFill>
+                  <a:srgbClr val="7030A0"/>
+                </a:solidFill>
+              </a:rPr>
+              <a:t>Classes</a:t>
+            </a:r>
+            <a:r>
+              <a:rPr lang="en-US" b="1" dirty="0"/>
+              <a:t/>
+            </a:r>
+            <a:br>
+              <a:rPr lang="en-US" b="1" dirty="0"/>
+            </a:br>
+            <a:endParaRPr lang="en-US" dirty="0"/>
+          </a:p>
+        </p:txBody>
+      </p:sp>
+      <p:sp>
+        <p:nvSpPr>
+          <p:cNvPr id="3" name="Content Placeholder 2"/>
+          <p:cNvSpPr>
+            <a:spLocks noGrp="1"/>
+          </p:cNvSpPr>
+          <p:nvPr>
+            <p:ph idx="1"/>
+          </p:nvPr>
+        </p:nvSpPr>
+        <p:spPr>
+          <a:xfrm>
+            <a:off x="677334" y="849086"/>
+            <a:ext cx="8596668" cy="5519057"/>
+          </a:xfrm>
+        </p:spPr>
+        <p:txBody>
+          <a:bodyPr>
+            <a:normAutofit/>
+          </a:bodyPr>
+          <a:lstStyle/>
+          <a:p>
+            <a:r>
+              <a:rPr lang="en-US" dirty="0"/>
+              <a:t>static templates that can be instantiated into many objects at </a:t>
+            </a:r>
+            <a:r>
+              <a:rPr lang="en-US" dirty="0" smtClean="0"/>
+              <a:t>runtime</a:t>
+            </a:r>
+          </a:p>
+          <a:p>
+            <a:r>
+              <a:rPr lang="en-US" dirty="0"/>
+              <a:t>parameterized with constructor </a:t>
+            </a:r>
+            <a:r>
+              <a:rPr lang="en-US" dirty="0" smtClean="0"/>
+              <a:t>arguments</a:t>
+            </a:r>
+          </a:p>
+          <a:p>
+            <a:r>
+              <a:rPr lang="en-US" dirty="0" smtClean="0"/>
+              <a:t>There are no static members in </a:t>
+            </a:r>
+            <a:r>
+              <a:rPr lang="en-US" dirty="0" err="1" smtClean="0"/>
+              <a:t>scala</a:t>
+            </a:r>
+            <a:endParaRPr lang="en-US" dirty="0" smtClean="0"/>
+          </a:p>
+          <a:p>
+            <a:r>
+              <a:rPr lang="en-US" dirty="0" smtClean="0"/>
+              <a:t>Classes doesn’t support main method, only singleton objects.</a:t>
+            </a:r>
+          </a:p>
+          <a:p>
+            <a:r>
+              <a:rPr lang="en-US" dirty="0" err="1" smtClean="0"/>
+              <a:t>val</a:t>
+            </a:r>
+            <a:r>
+              <a:rPr lang="en-US" dirty="0" smtClean="0"/>
+              <a:t> construct != </a:t>
+            </a:r>
+            <a:r>
+              <a:rPr lang="en-US" dirty="0" err="1" smtClean="0"/>
+              <a:t>var</a:t>
+            </a:r>
+            <a:r>
+              <a:rPr lang="en-US" dirty="0" smtClean="0"/>
+              <a:t> construct. </a:t>
+            </a:r>
+            <a:r>
+              <a:rPr lang="en-US" dirty="0" err="1" smtClean="0"/>
+              <a:t>val</a:t>
+            </a:r>
+            <a:r>
+              <a:rPr lang="en-US" dirty="0" smtClean="0"/>
+              <a:t> </a:t>
+            </a:r>
+            <a:r>
+              <a:rPr lang="en-US" dirty="0"/>
+              <a:t>construct </a:t>
+            </a:r>
+            <a:r>
+              <a:rPr lang="en-US" dirty="0" smtClean="0"/>
+              <a:t>do </a:t>
+            </a:r>
+            <a:r>
+              <a:rPr lang="en-US" dirty="0"/>
+              <a:t>not allow updates; i.e. the value is constant</a:t>
+            </a:r>
+            <a:r>
+              <a:rPr lang="en-US" dirty="0" smtClean="0"/>
+              <a:t>.</a:t>
+            </a:r>
+          </a:p>
+          <a:p>
+            <a:r>
+              <a:rPr lang="en-US" dirty="0"/>
+              <a:t>Unit corresponds to void in Java-like </a:t>
+            </a:r>
+            <a:r>
+              <a:rPr lang="en-US" dirty="0" smtClean="0"/>
+              <a:t>languages. Method return type is void =&gt; unit</a:t>
+            </a:r>
+          </a:p>
+          <a:p>
+            <a:r>
+              <a:rPr lang="en-US" dirty="0" smtClean="0"/>
+              <a:t>If a method is overridden, it has to be tagged as “override”.</a:t>
+            </a:r>
+            <a:endParaRPr lang="en-US" dirty="0"/>
+          </a:p>
+        </p:txBody>
+      </p:sp>
+    </p:spTree>
+    <p:extLst>
+      <p:ext uri="{BB962C8B-B14F-4D97-AF65-F5344CB8AC3E}">
+        <p14:creationId xmlns:p14="http://schemas.microsoft.com/office/powerpoint/2010/main" val="2462217567"/>
       </p:ext>
     </p:extLst>
   </p:cSld>

--- a/ScalaRepositary/ScalaTrainingPrep/Scala.pptx
+++ b/ScalaRepositary/ScalaTrainingPrep/Scala.pptx
@@ -5,7 +5,7 @@
     <p:sldMasterId id="2147483773" r:id="rId1"/>
   </p:sldMasterIdLst>
   <p:notesMasterIdLst>
-    <p:notesMasterId r:id="rId13"/>
+    <p:notesMasterId r:id="rId18"/>
   </p:notesMasterIdLst>
   <p:sldIdLst>
     <p:sldId id="256" r:id="rId2"/>
@@ -19,6 +19,11 @@
     <p:sldId id="262" r:id="rId10"/>
     <p:sldId id="268" r:id="rId11"/>
     <p:sldId id="267" r:id="rId12"/>
+    <p:sldId id="269" r:id="rId13"/>
+    <p:sldId id="270" r:id="rId14"/>
+    <p:sldId id="272" r:id="rId15"/>
+    <p:sldId id="271" r:id="rId16"/>
+    <p:sldId id="273" r:id="rId17"/>
   </p:sldIdLst>
   <p:sldSz cx="12192000" cy="6858000"/>
   <p:notesSz cx="6858000" cy="9144000"/>
@@ -207,7 +212,7 @@
           <a:p>
             <a:fld id="{3240BC99-1AF2-4BD1-B6C5-9B1A6BD04C8E}" type="datetimeFigureOut">
               <a:rPr lang="en-US" smtClean="0"/>
-              <a:t>4/19/2016</a:t>
+              <a:t>4/20/2016</a:t>
             </a:fld>
             <a:endParaRPr lang="en-US"/>
           </a:p>
@@ -687,6 +692,1131 @@
     <p:extLst>
       <p:ext uri="{BB962C8B-B14F-4D97-AF65-F5344CB8AC3E}">
         <p14:creationId xmlns:p14="http://schemas.microsoft.com/office/powerpoint/2010/main" val="833798152"/>
+      </p:ext>
+    </p:extLst>
+  </p:cSld>
+  <p:clrMapOvr>
+    <a:masterClrMapping/>
+  </p:clrMapOvr>
+</p:notes>
+</file>
+
+<file path=ppt/notesSlides/notesSlide3.xml><?xml version="1.0" encoding="utf-8"?>
+<p:notes xmlns:a="http://schemas.openxmlformats.org/drawingml/2006/main" xmlns:r="http://schemas.openxmlformats.org/officeDocument/2006/relationships" xmlns:p="http://schemas.openxmlformats.org/presentationml/2006/main">
+  <p:cSld>
+    <p:spTree>
+      <p:nvGrpSpPr>
+        <p:cNvPr id="1" name=""/>
+        <p:cNvGrpSpPr/>
+        <p:nvPr/>
+      </p:nvGrpSpPr>
+      <p:grpSpPr>
+        <a:xfrm>
+          <a:off x="0" y="0"/>
+          <a:ext cx="0" cy="0"/>
+          <a:chOff x="0" y="0"/>
+          <a:chExt cx="0" cy="0"/>
+        </a:xfrm>
+      </p:grpSpPr>
+      <p:sp>
+        <p:nvSpPr>
+          <p:cNvPr id="2" name="Slide Image Placeholder 1"/>
+          <p:cNvSpPr>
+            <a:spLocks noGrp="1" noRot="1" noChangeAspect="1"/>
+          </p:cNvSpPr>
+          <p:nvPr>
+            <p:ph type="sldImg"/>
+          </p:nvPr>
+        </p:nvSpPr>
+        <p:spPr/>
+      </p:sp>
+      <p:sp>
+        <p:nvSpPr>
+          <p:cNvPr id="3" name="Notes Placeholder 2"/>
+          <p:cNvSpPr>
+            <a:spLocks noGrp="1"/>
+          </p:cNvSpPr>
+          <p:nvPr>
+            <p:ph type="body" idx="1"/>
+          </p:nvPr>
+        </p:nvSpPr>
+        <p:spPr/>
+        <p:txBody>
+          <a:bodyPr/>
+          <a:lstStyle/>
+          <a:p>
+            <a:r>
+              <a:rPr lang="en-US" dirty="0" smtClean="0"/>
+              <a:t>A </a:t>
+            </a:r>
+            <a:r>
+              <a:rPr lang="en-US" dirty="0" err="1" smtClean="0"/>
+              <a:t>mixin</a:t>
+            </a:r>
+            <a:r>
+              <a:rPr lang="en-US" dirty="0" smtClean="0"/>
+              <a:t> is apt when you're adding some behavior to your class. e.g. the ability to enumerate in case of a collection type. You can </a:t>
+            </a:r>
+            <a:r>
+              <a:rPr lang="en-US" dirty="0" err="1" smtClean="0"/>
+              <a:t>mixin</a:t>
+            </a:r>
+            <a:r>
+              <a:rPr lang="en-US" dirty="0" smtClean="0"/>
+              <a:t> as many sets of behavior into your class as you want. Its a nice way to reuse common code ; you basically get a bunch of methods for free.</a:t>
+            </a:r>
+          </a:p>
+          <a:p>
+            <a:endParaRPr lang="en-US" dirty="0" smtClean="0"/>
+          </a:p>
+          <a:p>
+            <a:r>
+              <a:rPr lang="en-US" sz="1200" b="0" i="0" kern="1200" dirty="0" smtClean="0">
+                <a:solidFill>
+                  <a:schemeClr val="tx1"/>
+                </a:solidFill>
+                <a:effectLst/>
+                <a:latin typeface="+mn-lt"/>
+                <a:ea typeface="+mn-ea"/>
+                <a:cs typeface="+mn-cs"/>
+              </a:rPr>
+              <a:t>At a language-agnostic level, a </a:t>
+            </a:r>
+            <a:r>
+              <a:rPr lang="en-US" sz="1200" b="0" i="0" kern="1200" dirty="0" err="1" smtClean="0">
+                <a:solidFill>
+                  <a:schemeClr val="tx1"/>
+                </a:solidFill>
+                <a:effectLst/>
+                <a:latin typeface="+mn-lt"/>
+                <a:ea typeface="+mn-ea"/>
+                <a:cs typeface="+mn-cs"/>
+              </a:rPr>
+              <a:t>mixin</a:t>
+            </a:r>
+            <a:r>
+              <a:rPr lang="en-US" sz="1200" b="0" i="0" kern="1200" dirty="0" smtClean="0">
+                <a:solidFill>
+                  <a:schemeClr val="tx1"/>
+                </a:solidFill>
+                <a:effectLst/>
+                <a:latin typeface="+mn-lt"/>
+                <a:ea typeface="+mn-ea"/>
+                <a:cs typeface="+mn-cs"/>
+              </a:rPr>
+              <a:t> just adds functionality to a class, and is more for programmer convenience and to avoid code duplication. An abstract (base) class forms an is-a relationship and allows for polymorphism. One reason why inheritance is overused is that it's an easy way to implement </a:t>
+            </a:r>
+            <a:r>
+              <a:rPr lang="en-US" sz="1200" b="0" i="0" kern="1200" dirty="0" err="1" smtClean="0">
+                <a:solidFill>
+                  <a:schemeClr val="tx1"/>
+                </a:solidFill>
+                <a:effectLst/>
+                <a:latin typeface="+mn-lt"/>
+                <a:ea typeface="+mn-ea"/>
+                <a:cs typeface="+mn-cs"/>
+              </a:rPr>
+              <a:t>mixins</a:t>
+            </a:r>
+            <a:r>
+              <a:rPr lang="en-US" sz="1200" b="0" i="0" kern="1200" dirty="0" smtClean="0">
+                <a:solidFill>
+                  <a:schemeClr val="tx1"/>
+                </a:solidFill>
+                <a:effectLst/>
+                <a:latin typeface="+mn-lt"/>
+                <a:ea typeface="+mn-ea"/>
+                <a:cs typeface="+mn-cs"/>
+              </a:rPr>
+              <a:t> without writing any boilerplate in languages that don't really support them. The problem is that you're declaring a polymorphic is-a relationship as a side effect, making your API more confusing and possibly adding ambiguity. Hence, newer languages like D and Ruby support </a:t>
+            </a:r>
+            <a:r>
+              <a:rPr lang="en-US" sz="1200" b="0" i="0" kern="1200" dirty="0" err="1" smtClean="0">
+                <a:solidFill>
+                  <a:schemeClr val="tx1"/>
+                </a:solidFill>
+                <a:effectLst/>
+                <a:latin typeface="+mn-lt"/>
+                <a:ea typeface="+mn-ea"/>
+                <a:cs typeface="+mn-cs"/>
+              </a:rPr>
+              <a:t>mixins</a:t>
+            </a:r>
+            <a:r>
+              <a:rPr lang="en-US" sz="1200" b="0" i="0" kern="1200" dirty="0" smtClean="0">
+                <a:solidFill>
+                  <a:schemeClr val="tx1"/>
+                </a:solidFill>
+                <a:effectLst/>
+                <a:latin typeface="+mn-lt"/>
+                <a:ea typeface="+mn-ea"/>
+                <a:cs typeface="+mn-cs"/>
+              </a:rPr>
+              <a:t> as native features, allowing a convenient way to add a bunch of functionality to a class without declaring a polymorphic is-a relationship.</a:t>
+            </a:r>
+          </a:p>
+          <a:p>
+            <a:endParaRPr lang="en-US" sz="1200" b="0" i="0" kern="1200" dirty="0" smtClean="0">
+              <a:solidFill>
+                <a:schemeClr val="tx1"/>
+              </a:solidFill>
+              <a:effectLst/>
+              <a:latin typeface="+mn-lt"/>
+              <a:ea typeface="+mn-ea"/>
+              <a:cs typeface="+mn-cs"/>
+            </a:endParaRPr>
+          </a:p>
+          <a:p>
+            <a:r>
+              <a:rPr lang="en-US" sz="1200" b="0" i="0" kern="1200" dirty="0" err="1" smtClean="0">
+                <a:solidFill>
+                  <a:schemeClr val="tx1"/>
+                </a:solidFill>
+                <a:effectLst/>
+                <a:latin typeface="+mn-lt"/>
+                <a:ea typeface="+mn-ea"/>
+                <a:cs typeface="+mn-cs"/>
+              </a:rPr>
+              <a:t>Mixin</a:t>
+            </a:r>
+            <a:r>
+              <a:rPr lang="en-US" sz="1200" b="0" i="0" kern="1200" dirty="0" smtClean="0">
+                <a:solidFill>
+                  <a:schemeClr val="tx1"/>
+                </a:solidFill>
+                <a:effectLst/>
+                <a:latin typeface="+mn-lt"/>
+                <a:ea typeface="+mn-ea"/>
+                <a:cs typeface="+mn-cs"/>
+              </a:rPr>
+              <a:t> is never meant as stand alone class. They just add some functionality to the class you declare. In Python they can be easily applied by class decorators. For example you could decorate your class with Singleton </a:t>
+            </a:r>
+            <a:r>
+              <a:rPr lang="en-US" sz="1200" b="0" i="0" kern="1200" dirty="0" err="1" smtClean="0">
+                <a:solidFill>
+                  <a:schemeClr val="tx1"/>
+                </a:solidFill>
+                <a:effectLst/>
+                <a:latin typeface="+mn-lt"/>
+                <a:ea typeface="+mn-ea"/>
+                <a:cs typeface="+mn-cs"/>
+              </a:rPr>
+              <a:t>mixin</a:t>
+            </a:r>
+            <a:r>
+              <a:rPr lang="en-US" sz="1200" b="0" i="0" kern="1200" dirty="0" smtClean="0">
+                <a:solidFill>
+                  <a:schemeClr val="tx1"/>
+                </a:solidFill>
+                <a:effectLst/>
+                <a:latin typeface="+mn-lt"/>
+                <a:ea typeface="+mn-ea"/>
+                <a:cs typeface="+mn-cs"/>
+              </a:rPr>
+              <a:t>, making your class a singleton.</a:t>
+            </a:r>
+            <a:r>
+              <a:rPr lang="en-US" sz="1200" u="sng" kern="1200" dirty="0" smtClean="0">
+                <a:solidFill>
+                  <a:schemeClr val="tx1"/>
+                </a:solidFill>
+                <a:latin typeface="+mn-lt"/>
+                <a:ea typeface="+mn-ea"/>
+                <a:cs typeface="+mn-cs"/>
+              </a:rPr>
+              <a:t> </a:t>
+            </a:r>
+            <a:r>
+              <a:rPr lang="en-US" sz="1200" u="sng" kern="1200" dirty="0" err="1" smtClean="0">
+                <a:solidFill>
+                  <a:schemeClr val="tx1"/>
+                </a:solidFill>
+                <a:latin typeface="+mn-lt"/>
+                <a:ea typeface="+mn-ea"/>
+                <a:cs typeface="+mn-cs"/>
+              </a:rPr>
+              <a:t>def</a:t>
+            </a:r>
+            <a:r>
+              <a:rPr lang="en-US" sz="1200" u="sng" kern="1200" dirty="0" smtClean="0">
+                <a:solidFill>
+                  <a:schemeClr val="tx1"/>
+                </a:solidFill>
+                <a:latin typeface="+mn-lt"/>
+                <a:ea typeface="+mn-ea"/>
+                <a:cs typeface="+mn-cs"/>
+              </a:rPr>
+              <a:t> add(</a:t>
+            </a:r>
+            <a:r>
+              <a:rPr lang="en-US" sz="1200" u="sng" kern="1200" dirty="0" err="1" smtClean="0">
+                <a:solidFill>
+                  <a:schemeClr val="tx1"/>
+                </a:solidFill>
+                <a:latin typeface="+mn-lt"/>
+                <a:ea typeface="+mn-ea"/>
+                <a:cs typeface="+mn-cs"/>
+              </a:rPr>
+              <a:t>a:Int,b:Int</a:t>
+            </a:r>
+            <a:r>
+              <a:rPr lang="en-US" sz="1200" u="sng" kern="1200" dirty="0" smtClean="0">
+                <a:solidFill>
+                  <a:schemeClr val="tx1"/>
+                </a:solidFill>
+                <a:latin typeface="+mn-lt"/>
+                <a:ea typeface="+mn-ea"/>
+                <a:cs typeface="+mn-cs"/>
+              </a:rPr>
+              <a:t>):</a:t>
+            </a:r>
+            <a:r>
+              <a:rPr lang="en-US" sz="1200" u="sng" kern="1200" dirty="0" err="1" smtClean="0">
+                <a:solidFill>
+                  <a:schemeClr val="tx1"/>
+                </a:solidFill>
+                <a:latin typeface="+mn-lt"/>
+                <a:ea typeface="+mn-ea"/>
+                <a:cs typeface="+mn-cs"/>
+              </a:rPr>
+              <a:t>Int</a:t>
+            </a:r>
+            <a:r>
+              <a:rPr lang="en-US" sz="1200" u="sng" kern="1200" dirty="0" smtClean="0">
+                <a:solidFill>
+                  <a:schemeClr val="tx1"/>
+                </a:solidFill>
+                <a:latin typeface="+mn-lt"/>
+                <a:ea typeface="+mn-ea"/>
+                <a:cs typeface="+mn-cs"/>
+              </a:rPr>
+              <a:t> = a + b</a:t>
+            </a:r>
+            <a:endParaRPr lang="en-US" dirty="0"/>
+          </a:p>
+        </p:txBody>
+      </p:sp>
+      <p:sp>
+        <p:nvSpPr>
+          <p:cNvPr id="4" name="Slide Number Placeholder 3"/>
+          <p:cNvSpPr>
+            <a:spLocks noGrp="1"/>
+          </p:cNvSpPr>
+          <p:nvPr>
+            <p:ph type="sldNum" sz="quarter" idx="10"/>
+          </p:nvPr>
+        </p:nvSpPr>
+        <p:spPr/>
+        <p:txBody>
+          <a:bodyPr/>
+          <a:lstStyle/>
+          <a:p>
+            <a:fld id="{25B1A631-5F94-4836-930B-DE4ECF0DFEFA}" type="slidenum">
+              <a:rPr lang="en-US" smtClean="0"/>
+              <a:t>12</a:t>
+            </a:fld>
+            <a:endParaRPr lang="en-US"/>
+          </a:p>
+        </p:txBody>
+      </p:sp>
+    </p:spTree>
+    <p:extLst>
+      <p:ext uri="{BB962C8B-B14F-4D97-AF65-F5344CB8AC3E}">
+        <p14:creationId xmlns:p14="http://schemas.microsoft.com/office/powerpoint/2010/main" val="1174226457"/>
+      </p:ext>
+    </p:extLst>
+  </p:cSld>
+  <p:clrMapOvr>
+    <a:masterClrMapping/>
+  </p:clrMapOvr>
+</p:notes>
+</file>
+
+<file path=ppt/notesSlides/notesSlide4.xml><?xml version="1.0" encoding="utf-8"?>
+<p:notes xmlns:a="http://schemas.openxmlformats.org/drawingml/2006/main" xmlns:r="http://schemas.openxmlformats.org/officeDocument/2006/relationships" xmlns:p="http://schemas.openxmlformats.org/presentationml/2006/main">
+  <p:cSld>
+    <p:spTree>
+      <p:nvGrpSpPr>
+        <p:cNvPr id="1" name=""/>
+        <p:cNvGrpSpPr/>
+        <p:nvPr/>
+      </p:nvGrpSpPr>
+      <p:grpSpPr>
+        <a:xfrm>
+          <a:off x="0" y="0"/>
+          <a:ext cx="0" cy="0"/>
+          <a:chOff x="0" y="0"/>
+          <a:chExt cx="0" cy="0"/>
+        </a:xfrm>
+      </p:grpSpPr>
+      <p:sp>
+        <p:nvSpPr>
+          <p:cNvPr id="2" name="Slide Image Placeholder 1"/>
+          <p:cNvSpPr>
+            <a:spLocks noGrp="1" noRot="1" noChangeAspect="1"/>
+          </p:cNvSpPr>
+          <p:nvPr>
+            <p:ph type="sldImg"/>
+          </p:nvPr>
+        </p:nvSpPr>
+        <p:spPr/>
+      </p:sp>
+      <p:sp>
+        <p:nvSpPr>
+          <p:cNvPr id="3" name="Notes Placeholder 2"/>
+          <p:cNvSpPr>
+            <a:spLocks noGrp="1"/>
+          </p:cNvSpPr>
+          <p:nvPr>
+            <p:ph type="body" idx="1"/>
+          </p:nvPr>
+        </p:nvSpPr>
+        <p:spPr/>
+        <p:txBody>
+          <a:bodyPr/>
+          <a:lstStyle/>
+          <a:p>
+            <a:r>
+              <a:rPr lang="en-US" dirty="0" smtClean="0"/>
+              <a:t>A </a:t>
+            </a:r>
+            <a:r>
+              <a:rPr lang="en-US" dirty="0" err="1" smtClean="0"/>
+              <a:t>mixin</a:t>
+            </a:r>
+            <a:r>
+              <a:rPr lang="en-US" dirty="0" smtClean="0"/>
+              <a:t> is apt when you're adding some behavior to your class. e.g. the ability to enumerate in case of a collection type. You can </a:t>
+            </a:r>
+            <a:r>
+              <a:rPr lang="en-US" dirty="0" err="1" smtClean="0"/>
+              <a:t>mixin</a:t>
+            </a:r>
+            <a:r>
+              <a:rPr lang="en-US" dirty="0" smtClean="0"/>
+              <a:t> as many sets of behavior into your class as you want. Its a nice way to reuse common code ; you basically get a bunch of methods for free.</a:t>
+            </a:r>
+          </a:p>
+          <a:p>
+            <a:endParaRPr lang="en-US" dirty="0" smtClean="0"/>
+          </a:p>
+          <a:p>
+            <a:r>
+              <a:rPr lang="en-US" sz="1200" b="0" i="0" kern="1200" dirty="0" smtClean="0">
+                <a:solidFill>
+                  <a:schemeClr val="tx1"/>
+                </a:solidFill>
+                <a:effectLst/>
+                <a:latin typeface="+mn-lt"/>
+                <a:ea typeface="+mn-ea"/>
+                <a:cs typeface="+mn-cs"/>
+              </a:rPr>
+              <a:t>At a language-agnostic level, a </a:t>
+            </a:r>
+            <a:r>
+              <a:rPr lang="en-US" sz="1200" b="0" i="0" kern="1200" dirty="0" err="1" smtClean="0">
+                <a:solidFill>
+                  <a:schemeClr val="tx1"/>
+                </a:solidFill>
+                <a:effectLst/>
+                <a:latin typeface="+mn-lt"/>
+                <a:ea typeface="+mn-ea"/>
+                <a:cs typeface="+mn-cs"/>
+              </a:rPr>
+              <a:t>mixin</a:t>
+            </a:r>
+            <a:r>
+              <a:rPr lang="en-US" sz="1200" b="0" i="0" kern="1200" dirty="0" smtClean="0">
+                <a:solidFill>
+                  <a:schemeClr val="tx1"/>
+                </a:solidFill>
+                <a:effectLst/>
+                <a:latin typeface="+mn-lt"/>
+                <a:ea typeface="+mn-ea"/>
+                <a:cs typeface="+mn-cs"/>
+              </a:rPr>
+              <a:t> just adds functionality to a class, and is more for programmer convenience and to avoid code duplication. An abstract (base) class forms an is-a relationship and allows for polymorphism. One reason why inheritance is overused is that it's an easy way to implement </a:t>
+            </a:r>
+            <a:r>
+              <a:rPr lang="en-US" sz="1200" b="0" i="0" kern="1200" dirty="0" err="1" smtClean="0">
+                <a:solidFill>
+                  <a:schemeClr val="tx1"/>
+                </a:solidFill>
+                <a:effectLst/>
+                <a:latin typeface="+mn-lt"/>
+                <a:ea typeface="+mn-ea"/>
+                <a:cs typeface="+mn-cs"/>
+              </a:rPr>
+              <a:t>mixins</a:t>
+            </a:r>
+            <a:r>
+              <a:rPr lang="en-US" sz="1200" b="0" i="0" kern="1200" dirty="0" smtClean="0">
+                <a:solidFill>
+                  <a:schemeClr val="tx1"/>
+                </a:solidFill>
+                <a:effectLst/>
+                <a:latin typeface="+mn-lt"/>
+                <a:ea typeface="+mn-ea"/>
+                <a:cs typeface="+mn-cs"/>
+              </a:rPr>
+              <a:t> without writing any boilerplate in languages that don't really support them. The problem is that you're declaring a polymorphic is-a relationship as a side effect, making your API more confusing and possibly adding ambiguity. Hence, newer languages like D and Ruby support </a:t>
+            </a:r>
+            <a:r>
+              <a:rPr lang="en-US" sz="1200" b="0" i="0" kern="1200" dirty="0" err="1" smtClean="0">
+                <a:solidFill>
+                  <a:schemeClr val="tx1"/>
+                </a:solidFill>
+                <a:effectLst/>
+                <a:latin typeface="+mn-lt"/>
+                <a:ea typeface="+mn-ea"/>
+                <a:cs typeface="+mn-cs"/>
+              </a:rPr>
+              <a:t>mixins</a:t>
+            </a:r>
+            <a:r>
+              <a:rPr lang="en-US" sz="1200" b="0" i="0" kern="1200" dirty="0" smtClean="0">
+                <a:solidFill>
+                  <a:schemeClr val="tx1"/>
+                </a:solidFill>
+                <a:effectLst/>
+                <a:latin typeface="+mn-lt"/>
+                <a:ea typeface="+mn-ea"/>
+                <a:cs typeface="+mn-cs"/>
+              </a:rPr>
+              <a:t> as native features, allowing a convenient way to add a bunch of functionality to a class without declaring a polymorphic is-a relationship.</a:t>
+            </a:r>
+          </a:p>
+          <a:p>
+            <a:endParaRPr lang="en-US" sz="1200" b="0" i="0" kern="1200" dirty="0" smtClean="0">
+              <a:solidFill>
+                <a:schemeClr val="tx1"/>
+              </a:solidFill>
+              <a:effectLst/>
+              <a:latin typeface="+mn-lt"/>
+              <a:ea typeface="+mn-ea"/>
+              <a:cs typeface="+mn-cs"/>
+            </a:endParaRPr>
+          </a:p>
+          <a:p>
+            <a:r>
+              <a:rPr lang="en-US" sz="1200" b="0" i="0" kern="1200" dirty="0" err="1" smtClean="0">
+                <a:solidFill>
+                  <a:schemeClr val="tx1"/>
+                </a:solidFill>
+                <a:effectLst/>
+                <a:latin typeface="+mn-lt"/>
+                <a:ea typeface="+mn-ea"/>
+                <a:cs typeface="+mn-cs"/>
+              </a:rPr>
+              <a:t>Mixin</a:t>
+            </a:r>
+            <a:r>
+              <a:rPr lang="en-US" sz="1200" b="0" i="0" kern="1200" dirty="0" smtClean="0">
+                <a:solidFill>
+                  <a:schemeClr val="tx1"/>
+                </a:solidFill>
+                <a:effectLst/>
+                <a:latin typeface="+mn-lt"/>
+                <a:ea typeface="+mn-ea"/>
+                <a:cs typeface="+mn-cs"/>
+              </a:rPr>
+              <a:t> is never meant as stand alone class. They just add some functionality to the class you declare. In Python they can be easily applied by class decorators. For example you could decorate your class with Singleton </a:t>
+            </a:r>
+            <a:r>
+              <a:rPr lang="en-US" sz="1200" b="0" i="0" kern="1200" dirty="0" err="1" smtClean="0">
+                <a:solidFill>
+                  <a:schemeClr val="tx1"/>
+                </a:solidFill>
+                <a:effectLst/>
+                <a:latin typeface="+mn-lt"/>
+                <a:ea typeface="+mn-ea"/>
+                <a:cs typeface="+mn-cs"/>
+              </a:rPr>
+              <a:t>mixin</a:t>
+            </a:r>
+            <a:r>
+              <a:rPr lang="en-US" sz="1200" b="0" i="0" kern="1200" dirty="0" smtClean="0">
+                <a:solidFill>
+                  <a:schemeClr val="tx1"/>
+                </a:solidFill>
+                <a:effectLst/>
+                <a:latin typeface="+mn-lt"/>
+                <a:ea typeface="+mn-ea"/>
+                <a:cs typeface="+mn-cs"/>
+              </a:rPr>
+              <a:t>, making your class a singleton.</a:t>
+            </a:r>
+            <a:r>
+              <a:rPr lang="en-US" sz="1200" u="sng" kern="1200" dirty="0" smtClean="0">
+                <a:solidFill>
+                  <a:schemeClr val="tx1"/>
+                </a:solidFill>
+                <a:latin typeface="+mn-lt"/>
+                <a:ea typeface="+mn-ea"/>
+                <a:cs typeface="+mn-cs"/>
+              </a:rPr>
+              <a:t> </a:t>
+            </a:r>
+            <a:r>
+              <a:rPr lang="en-US" sz="1200" u="sng" kern="1200" dirty="0" err="1" smtClean="0">
+                <a:solidFill>
+                  <a:schemeClr val="tx1"/>
+                </a:solidFill>
+                <a:latin typeface="+mn-lt"/>
+                <a:ea typeface="+mn-ea"/>
+                <a:cs typeface="+mn-cs"/>
+              </a:rPr>
+              <a:t>def</a:t>
+            </a:r>
+            <a:r>
+              <a:rPr lang="en-US" sz="1200" u="sng" kern="1200" dirty="0" smtClean="0">
+                <a:solidFill>
+                  <a:schemeClr val="tx1"/>
+                </a:solidFill>
+                <a:latin typeface="+mn-lt"/>
+                <a:ea typeface="+mn-ea"/>
+                <a:cs typeface="+mn-cs"/>
+              </a:rPr>
+              <a:t> add(</a:t>
+            </a:r>
+            <a:r>
+              <a:rPr lang="en-US" sz="1200" u="sng" kern="1200" dirty="0" err="1" smtClean="0">
+                <a:solidFill>
+                  <a:schemeClr val="tx1"/>
+                </a:solidFill>
+                <a:latin typeface="+mn-lt"/>
+                <a:ea typeface="+mn-ea"/>
+                <a:cs typeface="+mn-cs"/>
+              </a:rPr>
+              <a:t>a:Int,b:Int</a:t>
+            </a:r>
+            <a:r>
+              <a:rPr lang="en-US" sz="1200" u="sng" kern="1200" dirty="0" smtClean="0">
+                <a:solidFill>
+                  <a:schemeClr val="tx1"/>
+                </a:solidFill>
+                <a:latin typeface="+mn-lt"/>
+                <a:ea typeface="+mn-ea"/>
+                <a:cs typeface="+mn-cs"/>
+              </a:rPr>
+              <a:t>):</a:t>
+            </a:r>
+            <a:r>
+              <a:rPr lang="en-US" sz="1200" u="sng" kern="1200" dirty="0" err="1" smtClean="0">
+                <a:solidFill>
+                  <a:schemeClr val="tx1"/>
+                </a:solidFill>
+                <a:latin typeface="+mn-lt"/>
+                <a:ea typeface="+mn-ea"/>
+                <a:cs typeface="+mn-cs"/>
+              </a:rPr>
+              <a:t>Int</a:t>
+            </a:r>
+            <a:r>
+              <a:rPr lang="en-US" sz="1200" u="sng" kern="1200" dirty="0" smtClean="0">
+                <a:solidFill>
+                  <a:schemeClr val="tx1"/>
+                </a:solidFill>
+                <a:latin typeface="+mn-lt"/>
+                <a:ea typeface="+mn-ea"/>
+                <a:cs typeface="+mn-cs"/>
+              </a:rPr>
+              <a:t> = a + b</a:t>
+            </a:r>
+            <a:endParaRPr lang="en-US" dirty="0"/>
+          </a:p>
+        </p:txBody>
+      </p:sp>
+      <p:sp>
+        <p:nvSpPr>
+          <p:cNvPr id="4" name="Slide Number Placeholder 3"/>
+          <p:cNvSpPr>
+            <a:spLocks noGrp="1"/>
+          </p:cNvSpPr>
+          <p:nvPr>
+            <p:ph type="sldNum" sz="quarter" idx="10"/>
+          </p:nvPr>
+        </p:nvSpPr>
+        <p:spPr/>
+        <p:txBody>
+          <a:bodyPr/>
+          <a:lstStyle/>
+          <a:p>
+            <a:fld id="{25B1A631-5F94-4836-930B-DE4ECF0DFEFA}" type="slidenum">
+              <a:rPr lang="en-US" smtClean="0"/>
+              <a:t>13</a:t>
+            </a:fld>
+            <a:endParaRPr lang="en-US"/>
+          </a:p>
+        </p:txBody>
+      </p:sp>
+    </p:spTree>
+    <p:extLst>
+      <p:ext uri="{BB962C8B-B14F-4D97-AF65-F5344CB8AC3E}">
+        <p14:creationId xmlns:p14="http://schemas.microsoft.com/office/powerpoint/2010/main" val="800761621"/>
+      </p:ext>
+    </p:extLst>
+  </p:cSld>
+  <p:clrMapOvr>
+    <a:masterClrMapping/>
+  </p:clrMapOvr>
+</p:notes>
+</file>
+
+<file path=ppt/notesSlides/notesSlide5.xml><?xml version="1.0" encoding="utf-8"?>
+<p:notes xmlns:a="http://schemas.openxmlformats.org/drawingml/2006/main" xmlns:r="http://schemas.openxmlformats.org/officeDocument/2006/relationships" xmlns:p="http://schemas.openxmlformats.org/presentationml/2006/main">
+  <p:cSld>
+    <p:spTree>
+      <p:nvGrpSpPr>
+        <p:cNvPr id="1" name=""/>
+        <p:cNvGrpSpPr/>
+        <p:nvPr/>
+      </p:nvGrpSpPr>
+      <p:grpSpPr>
+        <a:xfrm>
+          <a:off x="0" y="0"/>
+          <a:ext cx="0" cy="0"/>
+          <a:chOff x="0" y="0"/>
+          <a:chExt cx="0" cy="0"/>
+        </a:xfrm>
+      </p:grpSpPr>
+      <p:sp>
+        <p:nvSpPr>
+          <p:cNvPr id="2" name="Slide Image Placeholder 1"/>
+          <p:cNvSpPr>
+            <a:spLocks noGrp="1" noRot="1" noChangeAspect="1"/>
+          </p:cNvSpPr>
+          <p:nvPr>
+            <p:ph type="sldImg"/>
+          </p:nvPr>
+        </p:nvSpPr>
+        <p:spPr/>
+      </p:sp>
+      <p:sp>
+        <p:nvSpPr>
+          <p:cNvPr id="3" name="Notes Placeholder 2"/>
+          <p:cNvSpPr>
+            <a:spLocks noGrp="1"/>
+          </p:cNvSpPr>
+          <p:nvPr>
+            <p:ph type="body" idx="1"/>
+          </p:nvPr>
+        </p:nvSpPr>
+        <p:spPr/>
+        <p:txBody>
+          <a:bodyPr/>
+          <a:lstStyle/>
+          <a:p>
+            <a:r>
+              <a:rPr lang="en-US" dirty="0" smtClean="0"/>
+              <a:t>A </a:t>
+            </a:r>
+            <a:r>
+              <a:rPr lang="en-US" dirty="0" err="1" smtClean="0"/>
+              <a:t>mixin</a:t>
+            </a:r>
+            <a:r>
+              <a:rPr lang="en-US" dirty="0" smtClean="0"/>
+              <a:t> is apt when you're adding some behavior to your class. e.g. the ability to enumerate in case of a collection type. You can </a:t>
+            </a:r>
+            <a:r>
+              <a:rPr lang="en-US" dirty="0" err="1" smtClean="0"/>
+              <a:t>mixin</a:t>
+            </a:r>
+            <a:r>
+              <a:rPr lang="en-US" dirty="0" smtClean="0"/>
+              <a:t> as many sets of behavior into your class as you want. Its a nice way to reuse common code ; you basically get a bunch of methods for free.</a:t>
+            </a:r>
+          </a:p>
+          <a:p>
+            <a:endParaRPr lang="en-US" dirty="0" smtClean="0"/>
+          </a:p>
+          <a:p>
+            <a:r>
+              <a:rPr lang="en-US" sz="1200" b="0" i="0" kern="1200" dirty="0" smtClean="0">
+                <a:solidFill>
+                  <a:schemeClr val="tx1"/>
+                </a:solidFill>
+                <a:effectLst/>
+                <a:latin typeface="+mn-lt"/>
+                <a:ea typeface="+mn-ea"/>
+                <a:cs typeface="+mn-cs"/>
+              </a:rPr>
+              <a:t>At a language-agnostic level, a </a:t>
+            </a:r>
+            <a:r>
+              <a:rPr lang="en-US" sz="1200" b="0" i="0" kern="1200" dirty="0" err="1" smtClean="0">
+                <a:solidFill>
+                  <a:schemeClr val="tx1"/>
+                </a:solidFill>
+                <a:effectLst/>
+                <a:latin typeface="+mn-lt"/>
+                <a:ea typeface="+mn-ea"/>
+                <a:cs typeface="+mn-cs"/>
+              </a:rPr>
+              <a:t>mixin</a:t>
+            </a:r>
+            <a:r>
+              <a:rPr lang="en-US" sz="1200" b="0" i="0" kern="1200" dirty="0" smtClean="0">
+                <a:solidFill>
+                  <a:schemeClr val="tx1"/>
+                </a:solidFill>
+                <a:effectLst/>
+                <a:latin typeface="+mn-lt"/>
+                <a:ea typeface="+mn-ea"/>
+                <a:cs typeface="+mn-cs"/>
+              </a:rPr>
+              <a:t> just adds functionality to a class, and is more for programmer convenience and to avoid code duplication. An abstract (base) class forms an is-a relationship and allows for polymorphism. One reason why inheritance is overused is that it's an easy way to implement </a:t>
+            </a:r>
+            <a:r>
+              <a:rPr lang="en-US" sz="1200" b="0" i="0" kern="1200" dirty="0" err="1" smtClean="0">
+                <a:solidFill>
+                  <a:schemeClr val="tx1"/>
+                </a:solidFill>
+                <a:effectLst/>
+                <a:latin typeface="+mn-lt"/>
+                <a:ea typeface="+mn-ea"/>
+                <a:cs typeface="+mn-cs"/>
+              </a:rPr>
+              <a:t>mixins</a:t>
+            </a:r>
+            <a:r>
+              <a:rPr lang="en-US" sz="1200" b="0" i="0" kern="1200" dirty="0" smtClean="0">
+                <a:solidFill>
+                  <a:schemeClr val="tx1"/>
+                </a:solidFill>
+                <a:effectLst/>
+                <a:latin typeface="+mn-lt"/>
+                <a:ea typeface="+mn-ea"/>
+                <a:cs typeface="+mn-cs"/>
+              </a:rPr>
+              <a:t> without writing any boilerplate in languages that don't really support them. The problem is that you're declaring a polymorphic is-a relationship as a side effect, making your API more confusing and possibly adding ambiguity. Hence, newer languages like D and Ruby support </a:t>
+            </a:r>
+            <a:r>
+              <a:rPr lang="en-US" sz="1200" b="0" i="0" kern="1200" dirty="0" err="1" smtClean="0">
+                <a:solidFill>
+                  <a:schemeClr val="tx1"/>
+                </a:solidFill>
+                <a:effectLst/>
+                <a:latin typeface="+mn-lt"/>
+                <a:ea typeface="+mn-ea"/>
+                <a:cs typeface="+mn-cs"/>
+              </a:rPr>
+              <a:t>mixins</a:t>
+            </a:r>
+            <a:r>
+              <a:rPr lang="en-US" sz="1200" b="0" i="0" kern="1200" dirty="0" smtClean="0">
+                <a:solidFill>
+                  <a:schemeClr val="tx1"/>
+                </a:solidFill>
+                <a:effectLst/>
+                <a:latin typeface="+mn-lt"/>
+                <a:ea typeface="+mn-ea"/>
+                <a:cs typeface="+mn-cs"/>
+              </a:rPr>
+              <a:t> as native features, allowing a convenient way to add a bunch of functionality to a class without declaring a polymorphic is-a relationship.</a:t>
+            </a:r>
+          </a:p>
+          <a:p>
+            <a:endParaRPr lang="en-US" sz="1200" b="0" i="0" kern="1200" dirty="0" smtClean="0">
+              <a:solidFill>
+                <a:schemeClr val="tx1"/>
+              </a:solidFill>
+              <a:effectLst/>
+              <a:latin typeface="+mn-lt"/>
+              <a:ea typeface="+mn-ea"/>
+              <a:cs typeface="+mn-cs"/>
+            </a:endParaRPr>
+          </a:p>
+          <a:p>
+            <a:r>
+              <a:rPr lang="en-US" sz="1200" b="0" i="0" kern="1200" dirty="0" err="1" smtClean="0">
+                <a:solidFill>
+                  <a:schemeClr val="tx1"/>
+                </a:solidFill>
+                <a:effectLst/>
+                <a:latin typeface="+mn-lt"/>
+                <a:ea typeface="+mn-ea"/>
+                <a:cs typeface="+mn-cs"/>
+              </a:rPr>
+              <a:t>Mixin</a:t>
+            </a:r>
+            <a:r>
+              <a:rPr lang="en-US" sz="1200" b="0" i="0" kern="1200" dirty="0" smtClean="0">
+                <a:solidFill>
+                  <a:schemeClr val="tx1"/>
+                </a:solidFill>
+                <a:effectLst/>
+                <a:latin typeface="+mn-lt"/>
+                <a:ea typeface="+mn-ea"/>
+                <a:cs typeface="+mn-cs"/>
+              </a:rPr>
+              <a:t> is never meant as stand alone class. They just add some functionality to the class you declare. In Python they can be easily applied by class decorators. For example you could decorate your class with Singleton </a:t>
+            </a:r>
+            <a:r>
+              <a:rPr lang="en-US" sz="1200" b="0" i="0" kern="1200" dirty="0" err="1" smtClean="0">
+                <a:solidFill>
+                  <a:schemeClr val="tx1"/>
+                </a:solidFill>
+                <a:effectLst/>
+                <a:latin typeface="+mn-lt"/>
+                <a:ea typeface="+mn-ea"/>
+                <a:cs typeface="+mn-cs"/>
+              </a:rPr>
+              <a:t>mixin</a:t>
+            </a:r>
+            <a:r>
+              <a:rPr lang="en-US" sz="1200" b="0" i="0" kern="1200" dirty="0" smtClean="0">
+                <a:solidFill>
+                  <a:schemeClr val="tx1"/>
+                </a:solidFill>
+                <a:effectLst/>
+                <a:latin typeface="+mn-lt"/>
+                <a:ea typeface="+mn-ea"/>
+                <a:cs typeface="+mn-cs"/>
+              </a:rPr>
+              <a:t>, making your class a singleton.</a:t>
+            </a:r>
+            <a:r>
+              <a:rPr lang="en-US" sz="1200" u="sng" kern="1200" dirty="0" smtClean="0">
+                <a:solidFill>
+                  <a:schemeClr val="tx1"/>
+                </a:solidFill>
+                <a:latin typeface="+mn-lt"/>
+                <a:ea typeface="+mn-ea"/>
+                <a:cs typeface="+mn-cs"/>
+              </a:rPr>
+              <a:t> </a:t>
+            </a:r>
+            <a:r>
+              <a:rPr lang="en-US" sz="1200" u="sng" kern="1200" dirty="0" err="1" smtClean="0">
+                <a:solidFill>
+                  <a:schemeClr val="tx1"/>
+                </a:solidFill>
+                <a:latin typeface="+mn-lt"/>
+                <a:ea typeface="+mn-ea"/>
+                <a:cs typeface="+mn-cs"/>
+              </a:rPr>
+              <a:t>def</a:t>
+            </a:r>
+            <a:r>
+              <a:rPr lang="en-US" sz="1200" u="sng" kern="1200" dirty="0" smtClean="0">
+                <a:solidFill>
+                  <a:schemeClr val="tx1"/>
+                </a:solidFill>
+                <a:latin typeface="+mn-lt"/>
+                <a:ea typeface="+mn-ea"/>
+                <a:cs typeface="+mn-cs"/>
+              </a:rPr>
+              <a:t> add(</a:t>
+            </a:r>
+            <a:r>
+              <a:rPr lang="en-US" sz="1200" u="sng" kern="1200" dirty="0" err="1" smtClean="0">
+                <a:solidFill>
+                  <a:schemeClr val="tx1"/>
+                </a:solidFill>
+                <a:latin typeface="+mn-lt"/>
+                <a:ea typeface="+mn-ea"/>
+                <a:cs typeface="+mn-cs"/>
+              </a:rPr>
+              <a:t>a:Int,b:Int</a:t>
+            </a:r>
+            <a:r>
+              <a:rPr lang="en-US" sz="1200" u="sng" kern="1200" dirty="0" smtClean="0">
+                <a:solidFill>
+                  <a:schemeClr val="tx1"/>
+                </a:solidFill>
+                <a:latin typeface="+mn-lt"/>
+                <a:ea typeface="+mn-ea"/>
+                <a:cs typeface="+mn-cs"/>
+              </a:rPr>
+              <a:t>):</a:t>
+            </a:r>
+            <a:r>
+              <a:rPr lang="en-US" sz="1200" u="sng" kern="1200" dirty="0" err="1" smtClean="0">
+                <a:solidFill>
+                  <a:schemeClr val="tx1"/>
+                </a:solidFill>
+                <a:latin typeface="+mn-lt"/>
+                <a:ea typeface="+mn-ea"/>
+                <a:cs typeface="+mn-cs"/>
+              </a:rPr>
+              <a:t>Int</a:t>
+            </a:r>
+            <a:r>
+              <a:rPr lang="en-US" sz="1200" u="sng" kern="1200" dirty="0" smtClean="0">
+                <a:solidFill>
+                  <a:schemeClr val="tx1"/>
+                </a:solidFill>
+                <a:latin typeface="+mn-lt"/>
+                <a:ea typeface="+mn-ea"/>
+                <a:cs typeface="+mn-cs"/>
+              </a:rPr>
+              <a:t> = a + b</a:t>
+            </a:r>
+            <a:endParaRPr lang="en-US" dirty="0"/>
+          </a:p>
+        </p:txBody>
+      </p:sp>
+      <p:sp>
+        <p:nvSpPr>
+          <p:cNvPr id="4" name="Slide Number Placeholder 3"/>
+          <p:cNvSpPr>
+            <a:spLocks noGrp="1"/>
+          </p:cNvSpPr>
+          <p:nvPr>
+            <p:ph type="sldNum" sz="quarter" idx="10"/>
+          </p:nvPr>
+        </p:nvSpPr>
+        <p:spPr/>
+        <p:txBody>
+          <a:bodyPr/>
+          <a:lstStyle/>
+          <a:p>
+            <a:fld id="{25B1A631-5F94-4836-930B-DE4ECF0DFEFA}" type="slidenum">
+              <a:rPr lang="en-US" smtClean="0"/>
+              <a:t>14</a:t>
+            </a:fld>
+            <a:endParaRPr lang="en-US"/>
+          </a:p>
+        </p:txBody>
+      </p:sp>
+    </p:spTree>
+    <p:extLst>
+      <p:ext uri="{BB962C8B-B14F-4D97-AF65-F5344CB8AC3E}">
+        <p14:creationId xmlns:p14="http://schemas.microsoft.com/office/powerpoint/2010/main" val="3400776774"/>
+      </p:ext>
+    </p:extLst>
+  </p:cSld>
+  <p:clrMapOvr>
+    <a:masterClrMapping/>
+  </p:clrMapOvr>
+</p:notes>
+</file>
+
+<file path=ppt/notesSlides/notesSlide6.xml><?xml version="1.0" encoding="utf-8"?>
+<p:notes xmlns:a="http://schemas.openxmlformats.org/drawingml/2006/main" xmlns:r="http://schemas.openxmlformats.org/officeDocument/2006/relationships" xmlns:p="http://schemas.openxmlformats.org/presentationml/2006/main">
+  <p:cSld>
+    <p:spTree>
+      <p:nvGrpSpPr>
+        <p:cNvPr id="1" name=""/>
+        <p:cNvGrpSpPr/>
+        <p:nvPr/>
+      </p:nvGrpSpPr>
+      <p:grpSpPr>
+        <a:xfrm>
+          <a:off x="0" y="0"/>
+          <a:ext cx="0" cy="0"/>
+          <a:chOff x="0" y="0"/>
+          <a:chExt cx="0" cy="0"/>
+        </a:xfrm>
+      </p:grpSpPr>
+      <p:sp>
+        <p:nvSpPr>
+          <p:cNvPr id="2" name="Slide Image Placeholder 1"/>
+          <p:cNvSpPr>
+            <a:spLocks noGrp="1" noRot="1" noChangeAspect="1"/>
+          </p:cNvSpPr>
+          <p:nvPr>
+            <p:ph type="sldImg"/>
+          </p:nvPr>
+        </p:nvSpPr>
+        <p:spPr/>
+      </p:sp>
+      <p:sp>
+        <p:nvSpPr>
+          <p:cNvPr id="3" name="Notes Placeholder 2"/>
+          <p:cNvSpPr>
+            <a:spLocks noGrp="1"/>
+          </p:cNvSpPr>
+          <p:nvPr>
+            <p:ph type="body" idx="1"/>
+          </p:nvPr>
+        </p:nvSpPr>
+        <p:spPr/>
+        <p:txBody>
+          <a:bodyPr/>
+          <a:lstStyle/>
+          <a:p>
+            <a:r>
+              <a:rPr lang="en-US" sz="1200" kern="1200" dirty="0" smtClean="0">
+                <a:solidFill>
+                  <a:schemeClr val="tx1"/>
+                </a:solidFill>
+                <a:effectLst/>
+                <a:latin typeface="+mn-lt"/>
+                <a:ea typeface="+mn-ea"/>
+                <a:cs typeface="+mn-cs"/>
+              </a:rPr>
+              <a:t>type </a:t>
+            </a:r>
+            <a:r>
+              <a:rPr lang="en-US" sz="1200" kern="1200" dirty="0" err="1" smtClean="0">
+                <a:solidFill>
+                  <a:schemeClr val="tx1"/>
+                </a:solidFill>
+                <a:effectLst/>
+                <a:latin typeface="+mn-lt"/>
+                <a:ea typeface="+mn-ea"/>
+                <a:cs typeface="+mn-cs"/>
+              </a:rPr>
+              <a:t>Str</a:t>
+            </a:r>
+            <a:r>
+              <a:rPr lang="en-US" sz="1200" kern="1200" dirty="0" smtClean="0">
+                <a:solidFill>
+                  <a:schemeClr val="tx1"/>
+                </a:solidFill>
+                <a:effectLst/>
+                <a:latin typeface="+mn-lt"/>
+                <a:ea typeface="+mn-ea"/>
+                <a:cs typeface="+mn-cs"/>
+              </a:rPr>
+              <a:t> = String defined type alias </a:t>
+            </a:r>
+            <a:r>
+              <a:rPr lang="en-US" sz="1200" kern="1200" dirty="0" err="1" smtClean="0">
+                <a:solidFill>
+                  <a:schemeClr val="tx1"/>
+                </a:solidFill>
+                <a:effectLst/>
+                <a:latin typeface="+mn-lt"/>
+                <a:ea typeface="+mn-ea"/>
+                <a:cs typeface="+mn-cs"/>
+              </a:rPr>
+              <a:t>Str</a:t>
+            </a:r>
+            <a:endParaRPr lang="en-US" dirty="0"/>
+          </a:p>
+        </p:txBody>
+      </p:sp>
+      <p:sp>
+        <p:nvSpPr>
+          <p:cNvPr id="4" name="Slide Number Placeholder 3"/>
+          <p:cNvSpPr>
+            <a:spLocks noGrp="1"/>
+          </p:cNvSpPr>
+          <p:nvPr>
+            <p:ph type="sldNum" sz="quarter" idx="10"/>
+          </p:nvPr>
+        </p:nvSpPr>
+        <p:spPr/>
+        <p:txBody>
+          <a:bodyPr/>
+          <a:lstStyle/>
+          <a:p>
+            <a:fld id="{25B1A631-5F94-4836-930B-DE4ECF0DFEFA}" type="slidenum">
+              <a:rPr lang="en-US" smtClean="0"/>
+              <a:t>15</a:t>
+            </a:fld>
+            <a:endParaRPr lang="en-US"/>
+          </a:p>
+        </p:txBody>
+      </p:sp>
+    </p:spTree>
+    <p:extLst>
+      <p:ext uri="{BB962C8B-B14F-4D97-AF65-F5344CB8AC3E}">
+        <p14:creationId xmlns:p14="http://schemas.microsoft.com/office/powerpoint/2010/main" val="1373781008"/>
       </p:ext>
     </p:extLst>
   </p:cSld>
@@ -1418,7 +2548,7 @@
           <a:p>
             <a:fld id="{A99C5B11-6607-4EFE-9B3F-FCF805DD55B2}" type="datetimeFigureOut">
               <a:rPr lang="en-US" smtClean="0"/>
-              <a:t>4/19/2016</a:t>
+              <a:t>4/20/2016</a:t>
             </a:fld>
             <a:endParaRPr lang="en-US"/>
           </a:p>
@@ -1669,7 +2799,7 @@
           <a:p>
             <a:fld id="{A99C5B11-6607-4EFE-9B3F-FCF805DD55B2}" type="datetimeFigureOut">
               <a:rPr lang="en-US" smtClean="0"/>
-              <a:t>4/19/2016</a:t>
+              <a:t>4/20/2016</a:t>
             </a:fld>
             <a:endParaRPr lang="en-US"/>
           </a:p>
@@ -1983,7 +3113,7 @@
           <a:p>
             <a:fld id="{A99C5B11-6607-4EFE-9B3F-FCF805DD55B2}" type="datetimeFigureOut">
               <a:rPr lang="en-US" smtClean="0"/>
-              <a:t>4/19/2016</a:t>
+              <a:t>4/20/2016</a:t>
             </a:fld>
             <a:endParaRPr lang="en-US"/>
           </a:p>
@@ -2324,7 +3454,7 @@
           <a:p>
             <a:fld id="{A99C5B11-6607-4EFE-9B3F-FCF805DD55B2}" type="datetimeFigureOut">
               <a:rPr lang="en-US" smtClean="0"/>
-              <a:t>4/19/2016</a:t>
+              <a:t>4/20/2016</a:t>
             </a:fld>
             <a:endParaRPr lang="en-US"/>
           </a:p>
@@ -2638,7 +3768,7 @@
           <a:p>
             <a:fld id="{A99C5B11-6607-4EFE-9B3F-FCF805DD55B2}" type="datetimeFigureOut">
               <a:rPr lang="en-US" smtClean="0"/>
-              <a:t>4/19/2016</a:t>
+              <a:t>4/20/2016</a:t>
             </a:fld>
             <a:endParaRPr lang="en-US"/>
           </a:p>
@@ -3031,7 +4161,7 @@
           <a:p>
             <a:fld id="{A99C5B11-6607-4EFE-9B3F-FCF805DD55B2}" type="datetimeFigureOut">
               <a:rPr lang="en-US" smtClean="0"/>
-              <a:t>4/19/2016</a:t>
+              <a:t>4/20/2016</a:t>
             </a:fld>
             <a:endParaRPr lang="en-US"/>
           </a:p>
@@ -3201,7 +4331,7 @@
           <a:p>
             <a:fld id="{A99C5B11-6607-4EFE-9B3F-FCF805DD55B2}" type="datetimeFigureOut">
               <a:rPr lang="en-US" smtClean="0"/>
-              <a:t>4/19/2016</a:t>
+              <a:t>4/20/2016</a:t>
             </a:fld>
             <a:endParaRPr lang="en-US"/>
           </a:p>
@@ -3381,7 +4511,7 @@
           <a:p>
             <a:fld id="{A99C5B11-6607-4EFE-9B3F-FCF805DD55B2}" type="datetimeFigureOut">
               <a:rPr lang="en-US" smtClean="0"/>
-              <a:t>4/19/2016</a:t>
+              <a:t>4/20/2016</a:t>
             </a:fld>
             <a:endParaRPr lang="en-US"/>
           </a:p>
@@ -3557,7 +4687,7 @@
           <a:p>
             <a:fld id="{A99C5B11-6607-4EFE-9B3F-FCF805DD55B2}" type="datetimeFigureOut">
               <a:rPr lang="en-US" smtClean="0"/>
-              <a:t>4/19/2016</a:t>
+              <a:t>4/20/2016</a:t>
             </a:fld>
             <a:endParaRPr lang="en-US"/>
           </a:p>
@@ -3804,7 +4934,7 @@
           <a:p>
             <a:fld id="{A99C5B11-6607-4EFE-9B3F-FCF805DD55B2}" type="datetimeFigureOut">
               <a:rPr lang="en-US" smtClean="0"/>
-              <a:t>4/19/2016</a:t>
+              <a:t>4/20/2016</a:t>
             </a:fld>
             <a:endParaRPr lang="en-US"/>
           </a:p>
@@ -4036,7 +5166,7 @@
           <a:p>
             <a:fld id="{A99C5B11-6607-4EFE-9B3F-FCF805DD55B2}" type="datetimeFigureOut">
               <a:rPr lang="en-US" smtClean="0"/>
-              <a:t>4/19/2016</a:t>
+              <a:t>4/20/2016</a:t>
             </a:fld>
             <a:endParaRPr lang="en-US"/>
           </a:p>
@@ -4415,7 +5545,7 @@
           <a:p>
             <a:fld id="{A99C5B11-6607-4EFE-9B3F-FCF805DD55B2}" type="datetimeFigureOut">
               <a:rPr lang="en-US" smtClean="0"/>
-              <a:t>4/19/2016</a:t>
+              <a:t>4/20/2016</a:t>
             </a:fld>
             <a:endParaRPr lang="en-US"/>
           </a:p>
@@ -4543,7 +5673,7 @@
           <a:p>
             <a:fld id="{A99C5B11-6607-4EFE-9B3F-FCF805DD55B2}" type="datetimeFigureOut">
               <a:rPr lang="en-US" smtClean="0"/>
-              <a:t>4/19/2016</a:t>
+              <a:t>4/20/2016</a:t>
             </a:fld>
             <a:endParaRPr lang="en-US"/>
           </a:p>
@@ -4638,7 +5768,7 @@
           <a:p>
             <a:fld id="{A99C5B11-6607-4EFE-9B3F-FCF805DD55B2}" type="datetimeFigureOut">
               <a:rPr lang="en-US" smtClean="0"/>
-              <a:t>4/19/2016</a:t>
+              <a:t>4/20/2016</a:t>
             </a:fld>
             <a:endParaRPr lang="en-US"/>
           </a:p>
@@ -4893,7 +6023,7 @@
           <a:p>
             <a:fld id="{A99C5B11-6607-4EFE-9B3F-FCF805DD55B2}" type="datetimeFigureOut">
               <a:rPr lang="en-US" smtClean="0"/>
-              <a:t>4/19/2016</a:t>
+              <a:t>4/20/2016</a:t>
             </a:fld>
             <a:endParaRPr lang="en-US"/>
           </a:p>
@@ -5161,7 +6291,7 @@
           <a:p>
             <a:fld id="{A99C5B11-6607-4EFE-9B3F-FCF805DD55B2}" type="datetimeFigureOut">
               <a:rPr lang="en-US" smtClean="0"/>
-              <a:t>4/19/2016</a:t>
+              <a:t>4/20/2016</a:t>
             </a:fld>
             <a:endParaRPr lang="en-US"/>
           </a:p>
@@ -5904,7 +7034,7 @@
           <a:p>
             <a:fld id="{A99C5B11-6607-4EFE-9B3F-FCF805DD55B2}" type="datetimeFigureOut">
               <a:rPr lang="en-US" smtClean="0"/>
-              <a:t>4/19/2016</a:t>
+              <a:t>4/20/2016</a:t>
             </a:fld>
             <a:endParaRPr lang="en-US"/>
           </a:p>
@@ -6701,15 +7831,7 @@
                   <a:schemeClr val="dk1"/>
                 </a:solidFill>
               </a:rPr>
-              <a:t>		</a:t>
-            </a:r>
-            <a:r>
-              <a:rPr lang="en-US" sz="1300" dirty="0" smtClean="0">
-                <a:solidFill>
-                  <a:schemeClr val="dk1"/>
-                </a:solidFill>
-              </a:rPr>
-              <a:t>}</a:t>
+              <a:t>		}</a:t>
             </a:r>
           </a:p>
           <a:p>
@@ -6939,7 +8061,6 @@
               <a:rPr lang="en-US" dirty="0"/>
               <a:t>should include the '='</a:t>
             </a:r>
-            <a:endParaRPr lang="en-US" dirty="0"/>
           </a:p>
           <a:p>
             <a:pPr marL="0" indent="0">
@@ -7008,12 +8129,35 @@
             <p:ph type="title"/>
           </p:nvPr>
         </p:nvSpPr>
-        <p:spPr/>
+        <p:spPr>
+          <a:xfrm>
+            <a:off x="677334" y="114748"/>
+            <a:ext cx="8596668" cy="692075"/>
+          </a:xfrm>
+        </p:spPr>
         <p:txBody>
-          <a:bodyPr/>
+          <a:bodyPr>
+            <a:normAutofit fontScale="90000"/>
+          </a:bodyPr>
           <a:lstStyle/>
           <a:p>
-            <a:endParaRPr lang="en-US"/>
+            <a:pPr algn="ctr"/>
+            <a:r>
+              <a:rPr lang="en-US" dirty="0" smtClean="0">
+                <a:solidFill>
+                  <a:srgbClr val="7030A0"/>
+                </a:solidFill>
+              </a:rPr>
+              <a:t>Traits</a:t>
+            </a:r>
+            <a:r>
+              <a:rPr lang="en-US" b="1" dirty="0"/>
+              <a:t/>
+            </a:r>
+            <a:br>
+              <a:rPr lang="en-US" b="1" dirty="0"/>
+            </a:br>
+            <a:endParaRPr lang="en-US" dirty="0"/>
           </a:p>
         </p:txBody>
       </p:sp>
@@ -7027,11 +8171,70 @@
             <p:ph idx="1"/>
           </p:nvPr>
         </p:nvSpPr>
-        <p:spPr/>
+        <p:spPr>
+          <a:xfrm>
+            <a:off x="677334" y="806823"/>
+            <a:ext cx="8596668" cy="5626250"/>
+          </a:xfrm>
+        </p:spPr>
         <p:txBody>
           <a:bodyPr/>
           <a:lstStyle/>
           <a:p>
+            <a:r>
+              <a:rPr lang="en-US" dirty="0"/>
+              <a:t>D</a:t>
+            </a:r>
+            <a:r>
+              <a:rPr lang="en-US" dirty="0" smtClean="0"/>
+              <a:t>efine </a:t>
+            </a:r>
+            <a:r>
+              <a:rPr lang="en-US" dirty="0"/>
+              <a:t>object types by specifying the signature of the supported </a:t>
+            </a:r>
+            <a:r>
+              <a:rPr lang="en-US" dirty="0" smtClean="0"/>
+              <a:t>methods</a:t>
+            </a:r>
+          </a:p>
+          <a:p>
+            <a:r>
+              <a:rPr lang="en-US" dirty="0" smtClean="0"/>
+              <a:t>Similar to interfaces in java8, traits allow implementation of few methods</a:t>
+            </a:r>
+          </a:p>
+          <a:p>
+            <a:r>
+              <a:rPr lang="en-US" dirty="0"/>
+              <a:t>T</a:t>
+            </a:r>
+            <a:r>
+              <a:rPr lang="en-US" dirty="0" smtClean="0"/>
+              <a:t>raits </a:t>
+            </a:r>
+            <a:r>
+              <a:rPr lang="en-US" dirty="0"/>
+              <a:t>may not have constructor </a:t>
+            </a:r>
+            <a:r>
+              <a:rPr lang="en-US" dirty="0" smtClean="0"/>
+              <a:t>parameters</a:t>
+            </a:r>
+          </a:p>
+          <a:p>
+            <a:r>
+              <a:rPr lang="en-US" dirty="0"/>
+              <a:t>classes </a:t>
+            </a:r>
+            <a:r>
+              <a:rPr lang="en-US" dirty="0" smtClean="0"/>
+              <a:t> integrate the traits : </a:t>
+            </a:r>
+            <a:r>
+              <a:rPr lang="en-US" dirty="0" err="1" smtClean="0"/>
+              <a:t>extends,with</a:t>
+            </a:r>
             <a:endParaRPr lang="en-US" dirty="0"/>
           </a:p>
         </p:txBody>
@@ -7040,6 +8243,1348 @@
     <p:extLst>
       <p:ext uri="{BB962C8B-B14F-4D97-AF65-F5344CB8AC3E}">
         <p14:creationId xmlns:p14="http://schemas.microsoft.com/office/powerpoint/2010/main" val="3219890955"/>
+      </p:ext>
+    </p:extLst>
+  </p:cSld>
+  <p:clrMapOvr>
+    <a:masterClrMapping/>
+  </p:clrMapOvr>
+</p:sld>
+</file>
+
+<file path=ppt/slides/slide12.xml><?xml version="1.0" encoding="utf-8"?>
+<p:sld xmlns:a="http://schemas.openxmlformats.org/drawingml/2006/main" xmlns:r="http://schemas.openxmlformats.org/officeDocument/2006/relationships" xmlns:p="http://schemas.openxmlformats.org/presentationml/2006/main">
+  <p:cSld>
+    <p:spTree>
+      <p:nvGrpSpPr>
+        <p:cNvPr id="1" name=""/>
+        <p:cNvGrpSpPr/>
+        <p:nvPr/>
+      </p:nvGrpSpPr>
+      <p:grpSpPr>
+        <a:xfrm>
+          <a:off x="0" y="0"/>
+          <a:ext cx="0" cy="0"/>
+          <a:chOff x="0" y="0"/>
+          <a:chExt cx="0" cy="0"/>
+        </a:xfrm>
+      </p:grpSpPr>
+      <p:sp>
+        <p:nvSpPr>
+          <p:cNvPr id="2" name="Title 1"/>
+          <p:cNvSpPr>
+            <a:spLocks noGrp="1"/>
+          </p:cNvSpPr>
+          <p:nvPr>
+            <p:ph type="title"/>
+          </p:nvPr>
+        </p:nvSpPr>
+        <p:spPr>
+          <a:xfrm>
+            <a:off x="677334" y="222324"/>
+            <a:ext cx="8596668" cy="606015"/>
+          </a:xfrm>
+        </p:spPr>
+        <p:txBody>
+          <a:bodyPr>
+            <a:normAutofit fontScale="90000"/>
+          </a:bodyPr>
+          <a:lstStyle/>
+          <a:p>
+            <a:pPr algn="ctr"/>
+            <a:r>
+              <a:rPr lang="en-US" sz="3200" dirty="0" err="1">
+                <a:solidFill>
+                  <a:srgbClr val="7030A0"/>
+                </a:solidFill>
+              </a:rPr>
+              <a:t>Mixin</a:t>
+            </a:r>
+            <a:r>
+              <a:rPr lang="en-US" sz="3200" dirty="0">
+                <a:solidFill>
+                  <a:srgbClr val="7030A0"/>
+                </a:solidFill>
+              </a:rPr>
+              <a:t> Class Composition</a:t>
+            </a:r>
+            <a:r>
+              <a:rPr lang="en-US" b="1" dirty="0"/>
+              <a:t/>
+            </a:r>
+            <a:br>
+              <a:rPr lang="en-US" b="1" dirty="0"/>
+            </a:br>
+            <a:endParaRPr lang="en-US" dirty="0"/>
+          </a:p>
+        </p:txBody>
+      </p:sp>
+      <p:sp>
+        <p:nvSpPr>
+          <p:cNvPr id="3" name="Content Placeholder 2"/>
+          <p:cNvSpPr>
+            <a:spLocks noGrp="1"/>
+          </p:cNvSpPr>
+          <p:nvPr>
+            <p:ph idx="1"/>
+          </p:nvPr>
+        </p:nvSpPr>
+        <p:spPr>
+          <a:xfrm>
+            <a:off x="677334" y="828339"/>
+            <a:ext cx="8596668" cy="5723068"/>
+          </a:xfrm>
+        </p:spPr>
+        <p:txBody>
+          <a:bodyPr/>
+          <a:lstStyle/>
+          <a:p>
+            <a:r>
+              <a:rPr lang="en-US" dirty="0"/>
+              <a:t>A </a:t>
+            </a:r>
+            <a:r>
+              <a:rPr lang="en-US" dirty="0" err="1"/>
+              <a:t>mixin</a:t>
+            </a:r>
+            <a:r>
+              <a:rPr lang="en-US" dirty="0"/>
+              <a:t> is a fragment of a class that is intended to be composed with other classes or </a:t>
+            </a:r>
+            <a:r>
+              <a:rPr lang="en-US" dirty="0" err="1"/>
+              <a:t>mixins</a:t>
+            </a:r>
+            <a:r>
+              <a:rPr lang="en-US" dirty="0" smtClean="0"/>
+              <a:t>.</a:t>
+            </a:r>
+          </a:p>
+          <a:p>
+            <a:r>
+              <a:rPr lang="en-US" dirty="0"/>
+              <a:t>A </a:t>
+            </a:r>
+            <a:r>
+              <a:rPr lang="en-US" dirty="0" err="1"/>
+              <a:t>mixin</a:t>
+            </a:r>
+            <a:r>
+              <a:rPr lang="en-US" dirty="0"/>
+              <a:t> is a fragment of a class in the sense that it is intended to be composed with other classes or </a:t>
+            </a:r>
+            <a:r>
+              <a:rPr lang="en-US" dirty="0" err="1"/>
+              <a:t>mixins</a:t>
+            </a:r>
+            <a:r>
+              <a:rPr lang="en-US" dirty="0" smtClean="0"/>
+              <a:t>.</a:t>
+            </a:r>
+          </a:p>
+          <a:p>
+            <a:r>
+              <a:rPr lang="en-US" dirty="0"/>
+              <a:t>The difference between a regular, stand-alone class (such as Person) and a </a:t>
+            </a:r>
+            <a:r>
+              <a:rPr lang="en-US" dirty="0" err="1"/>
+              <a:t>mixin</a:t>
+            </a:r>
+            <a:r>
+              <a:rPr lang="en-US" dirty="0"/>
+              <a:t> is that a </a:t>
+            </a:r>
+            <a:r>
+              <a:rPr lang="en-US" dirty="0" err="1"/>
+              <a:t>mixin</a:t>
+            </a:r>
+            <a:r>
+              <a:rPr lang="en-US" dirty="0"/>
+              <a:t> models some small functionality slice (for example, printing or displaying) and is not intended for standalone use. Rather, it is supposed to be composed with some other class needing this functionality (Person, for instance). One use of </a:t>
+            </a:r>
+            <a:r>
+              <a:rPr lang="en-US" dirty="0" err="1"/>
+              <a:t>mixins</a:t>
+            </a:r>
+            <a:r>
+              <a:rPr lang="en-US" dirty="0"/>
+              <a:t> in object-oriented languages involves classes and multiple inheritance. In this model, a </a:t>
+            </a:r>
+            <a:r>
+              <a:rPr lang="en-US" dirty="0" err="1"/>
+              <a:t>mixin</a:t>
+            </a:r>
+            <a:r>
+              <a:rPr lang="en-US" dirty="0"/>
+              <a:t> is represented as a class, which is then referred to as a "</a:t>
+            </a:r>
+            <a:r>
+              <a:rPr lang="en-US" dirty="0" err="1"/>
+              <a:t>mixin</a:t>
+            </a:r>
+            <a:r>
+              <a:rPr lang="en-US" dirty="0"/>
+              <a:t> class," and we derive a composed class from a number of </a:t>
+            </a:r>
+            <a:r>
+              <a:rPr lang="en-US" dirty="0" err="1"/>
+              <a:t>mixin</a:t>
+            </a:r>
+            <a:r>
+              <a:rPr lang="en-US" dirty="0"/>
+              <a:t> classes using multiple inheritance</a:t>
+            </a:r>
+            <a:r>
+              <a:rPr lang="en-US" dirty="0" smtClean="0"/>
+              <a:t>.</a:t>
+            </a:r>
+          </a:p>
+          <a:p>
+            <a:r>
+              <a:rPr lang="en-US" dirty="0" err="1"/>
+              <a:t>Mixins</a:t>
+            </a:r>
+            <a:r>
+              <a:rPr lang="en-US" dirty="0"/>
+              <a:t> are a language concept that allows a programmer to inject some code into a class. </a:t>
+            </a:r>
+            <a:r>
+              <a:rPr lang="en-US" dirty="0" err="1"/>
+              <a:t>Mixin</a:t>
+            </a:r>
+            <a:r>
+              <a:rPr lang="en-US" dirty="0"/>
+              <a:t> programming is a style of software development, in which units of functionality are created in a class and then mixed in with other classes</a:t>
+            </a:r>
+          </a:p>
+        </p:txBody>
+      </p:sp>
+    </p:spTree>
+    <p:extLst>
+      <p:ext uri="{BB962C8B-B14F-4D97-AF65-F5344CB8AC3E}">
+        <p14:creationId xmlns:p14="http://schemas.microsoft.com/office/powerpoint/2010/main" val="1756258981"/>
+      </p:ext>
+    </p:extLst>
+  </p:cSld>
+  <p:clrMapOvr>
+    <a:masterClrMapping/>
+  </p:clrMapOvr>
+</p:sld>
+</file>
+
+<file path=ppt/slides/slide13.xml><?xml version="1.0" encoding="utf-8"?>
+<p:sld xmlns:a="http://schemas.openxmlformats.org/drawingml/2006/main" xmlns:r="http://schemas.openxmlformats.org/officeDocument/2006/relationships" xmlns:p="http://schemas.openxmlformats.org/presentationml/2006/main">
+  <p:cSld>
+    <p:spTree>
+      <p:nvGrpSpPr>
+        <p:cNvPr id="1" name=""/>
+        <p:cNvGrpSpPr/>
+        <p:nvPr/>
+      </p:nvGrpSpPr>
+      <p:grpSpPr>
+        <a:xfrm>
+          <a:off x="0" y="0"/>
+          <a:ext cx="0" cy="0"/>
+          <a:chOff x="0" y="0"/>
+          <a:chExt cx="0" cy="0"/>
+        </a:xfrm>
+      </p:grpSpPr>
+      <p:sp>
+        <p:nvSpPr>
+          <p:cNvPr id="2" name="Title 1"/>
+          <p:cNvSpPr>
+            <a:spLocks noGrp="1"/>
+          </p:cNvSpPr>
+          <p:nvPr>
+            <p:ph type="title"/>
+          </p:nvPr>
+        </p:nvSpPr>
+        <p:spPr>
+          <a:xfrm>
+            <a:off x="677334" y="222324"/>
+            <a:ext cx="8596668" cy="606015"/>
+          </a:xfrm>
+        </p:spPr>
+        <p:txBody>
+          <a:bodyPr>
+            <a:normAutofit/>
+          </a:bodyPr>
+          <a:lstStyle/>
+          <a:p>
+            <a:pPr algn="ctr"/>
+            <a:r>
+              <a:rPr lang="en-US" sz="3200" dirty="0" smtClean="0">
+                <a:solidFill>
+                  <a:srgbClr val="7030A0"/>
+                </a:solidFill>
+              </a:rPr>
+              <a:t>Functions</a:t>
+            </a:r>
+            <a:endParaRPr lang="en-US" dirty="0"/>
+          </a:p>
+        </p:txBody>
+      </p:sp>
+      <p:sp>
+        <p:nvSpPr>
+          <p:cNvPr id="3" name="Content Placeholder 2"/>
+          <p:cNvSpPr>
+            <a:spLocks noGrp="1"/>
+          </p:cNvSpPr>
+          <p:nvPr>
+            <p:ph idx="1"/>
+          </p:nvPr>
+        </p:nvSpPr>
+        <p:spPr>
+          <a:xfrm>
+            <a:off x="677334" y="828339"/>
+            <a:ext cx="8596668" cy="5723068"/>
+          </a:xfrm>
+        </p:spPr>
+        <p:txBody>
+          <a:bodyPr>
+            <a:normAutofit/>
+          </a:bodyPr>
+          <a:lstStyle/>
+          <a:p>
+            <a:pPr marL="342900" lvl="1" indent="-342900" fontAlgn="base"/>
+            <a:r>
+              <a:rPr lang="en-US" sz="1800" dirty="0" smtClean="0"/>
+              <a:t>Function Declarations:</a:t>
+            </a:r>
+          </a:p>
+          <a:p>
+            <a:pPr marL="857250" lvl="2" indent="-457200" defTabSz="914400" eaLnBrk="0" fontAlgn="base" hangingPunct="0">
+              <a:spcBef>
+                <a:spcPct val="0"/>
+              </a:spcBef>
+              <a:spcAft>
+                <a:spcPct val="0"/>
+              </a:spcAft>
+              <a:buClrTx/>
+              <a:buSzTx/>
+              <a:buNone/>
+            </a:pPr>
+            <a:r>
+              <a:rPr lang="en-US" sz="1100" dirty="0" smtClean="0">
+                <a:solidFill>
+                  <a:schemeClr val="dk1"/>
+                </a:solidFill>
+              </a:rPr>
+              <a:t>	</a:t>
+            </a:r>
+            <a:r>
+              <a:rPr lang="en-US" sz="1200" dirty="0" err="1" smtClean="0">
+                <a:solidFill>
+                  <a:schemeClr val="dk1"/>
+                </a:solidFill>
+              </a:rPr>
+              <a:t>def</a:t>
+            </a:r>
+            <a:r>
+              <a:rPr lang="en-US" sz="1200" dirty="0" smtClean="0">
+                <a:solidFill>
+                  <a:schemeClr val="dk1"/>
+                </a:solidFill>
+              </a:rPr>
+              <a:t> </a:t>
+            </a:r>
+            <a:r>
+              <a:rPr lang="en-US" sz="1200" dirty="0" err="1">
+                <a:solidFill>
+                  <a:schemeClr val="dk1"/>
+                </a:solidFill>
+              </a:rPr>
+              <a:t>functionName</a:t>
+            </a:r>
+            <a:r>
+              <a:rPr lang="en-US" sz="1200" dirty="0">
+                <a:solidFill>
+                  <a:schemeClr val="dk1"/>
+                </a:solidFill>
+              </a:rPr>
+              <a:t> ([list of parameters]) : [return type]</a:t>
+            </a:r>
+          </a:p>
+          <a:p>
+            <a:pPr marL="342900" lvl="1" indent="-342900" fontAlgn="base"/>
+            <a:r>
+              <a:rPr lang="en-US" sz="1800" dirty="0"/>
+              <a:t>Function </a:t>
+            </a:r>
+            <a:r>
+              <a:rPr lang="en-US" sz="1800" dirty="0" smtClean="0"/>
+              <a:t>Definitions:</a:t>
+            </a:r>
+          </a:p>
+          <a:p>
+            <a:pPr marL="857250" lvl="2" indent="-457200" defTabSz="914400" eaLnBrk="0" fontAlgn="base" hangingPunct="0">
+              <a:spcBef>
+                <a:spcPct val="0"/>
+              </a:spcBef>
+              <a:spcAft>
+                <a:spcPct val="0"/>
+              </a:spcAft>
+              <a:buClrTx/>
+              <a:buSzTx/>
+              <a:buNone/>
+            </a:pPr>
+            <a:r>
+              <a:rPr lang="en-US" sz="1100" dirty="0" smtClean="0">
+                <a:solidFill>
+                  <a:schemeClr val="dk1"/>
+                </a:solidFill>
+              </a:rPr>
+              <a:t>       </a:t>
+            </a:r>
+            <a:r>
+              <a:rPr lang="en-US" sz="1200" dirty="0" err="1" smtClean="0">
+                <a:solidFill>
+                  <a:schemeClr val="dk1"/>
+                </a:solidFill>
+              </a:rPr>
+              <a:t>def</a:t>
+            </a:r>
+            <a:r>
+              <a:rPr lang="en-US" sz="1200" dirty="0" smtClean="0">
+                <a:solidFill>
+                  <a:schemeClr val="dk1"/>
+                </a:solidFill>
+              </a:rPr>
+              <a:t> </a:t>
+            </a:r>
+            <a:r>
+              <a:rPr lang="en-US" sz="1200" dirty="0" err="1">
+                <a:solidFill>
+                  <a:schemeClr val="dk1"/>
+                </a:solidFill>
+              </a:rPr>
+              <a:t>functionName</a:t>
+            </a:r>
+            <a:r>
+              <a:rPr lang="en-US" sz="1200" dirty="0">
+                <a:solidFill>
+                  <a:schemeClr val="dk1"/>
+                </a:solidFill>
+              </a:rPr>
+              <a:t> ([list of parameters]) : [return type] = {</a:t>
+            </a:r>
+          </a:p>
+          <a:p>
+            <a:pPr marL="857250" lvl="2" indent="-457200" defTabSz="914400" eaLnBrk="0" fontAlgn="base" hangingPunct="0">
+              <a:spcBef>
+                <a:spcPct val="0"/>
+              </a:spcBef>
+              <a:spcAft>
+                <a:spcPct val="0"/>
+              </a:spcAft>
+              <a:buClrTx/>
+              <a:buSzTx/>
+              <a:buNone/>
+            </a:pPr>
+            <a:r>
+              <a:rPr lang="en-US" sz="1200" dirty="0">
+                <a:solidFill>
+                  <a:schemeClr val="dk1"/>
+                </a:solidFill>
+              </a:rPr>
+              <a:t>   </a:t>
+            </a:r>
+            <a:r>
+              <a:rPr lang="en-US" sz="1200" dirty="0" smtClean="0">
+                <a:solidFill>
+                  <a:schemeClr val="dk1"/>
+                </a:solidFill>
+              </a:rPr>
+              <a:t>         function </a:t>
+            </a:r>
+            <a:r>
+              <a:rPr lang="en-US" sz="1200" dirty="0">
+                <a:solidFill>
+                  <a:schemeClr val="dk1"/>
+                </a:solidFill>
+              </a:rPr>
+              <a:t>body</a:t>
+            </a:r>
+          </a:p>
+          <a:p>
+            <a:pPr marL="857250" lvl="2" indent="-457200" defTabSz="914400" eaLnBrk="0" fontAlgn="base" hangingPunct="0">
+              <a:spcBef>
+                <a:spcPct val="0"/>
+              </a:spcBef>
+              <a:spcAft>
+                <a:spcPct val="0"/>
+              </a:spcAft>
+              <a:buClrTx/>
+              <a:buSzTx/>
+              <a:buNone/>
+            </a:pPr>
+            <a:r>
+              <a:rPr lang="en-US" sz="1200" dirty="0">
+                <a:solidFill>
+                  <a:schemeClr val="dk1"/>
+                </a:solidFill>
+              </a:rPr>
+              <a:t>   </a:t>
+            </a:r>
+            <a:r>
+              <a:rPr lang="en-US" sz="1200" dirty="0" smtClean="0">
+                <a:solidFill>
+                  <a:schemeClr val="dk1"/>
+                </a:solidFill>
+              </a:rPr>
+              <a:t>         return </a:t>
+            </a:r>
+            <a:r>
+              <a:rPr lang="en-US" sz="1200" dirty="0">
+                <a:solidFill>
+                  <a:schemeClr val="dk1"/>
+                </a:solidFill>
+              </a:rPr>
+              <a:t>[expr]</a:t>
+            </a:r>
+          </a:p>
+          <a:p>
+            <a:pPr marL="857250" lvl="2" indent="-457200" defTabSz="914400" eaLnBrk="0" fontAlgn="base" hangingPunct="0">
+              <a:spcBef>
+                <a:spcPct val="0"/>
+              </a:spcBef>
+              <a:spcAft>
+                <a:spcPct val="0"/>
+              </a:spcAft>
+              <a:buClrTx/>
+              <a:buSzTx/>
+              <a:buNone/>
+            </a:pPr>
+            <a:r>
+              <a:rPr lang="en-US" sz="1200" dirty="0" smtClean="0">
+                <a:solidFill>
+                  <a:schemeClr val="dk1"/>
+                </a:solidFill>
+              </a:rPr>
+              <a:t>       }</a:t>
+            </a:r>
+          </a:p>
+          <a:p>
+            <a:pPr marL="342900" lvl="1" indent="-342900" fontAlgn="base"/>
+            <a:r>
+              <a:rPr lang="en-US" sz="1800" dirty="0"/>
+              <a:t>Calling </a:t>
+            </a:r>
+            <a:r>
+              <a:rPr lang="en-US" sz="1800" dirty="0" smtClean="0"/>
+              <a:t>Functions</a:t>
+            </a:r>
+          </a:p>
+          <a:p>
+            <a:pPr marL="857250" lvl="2" indent="-457200" defTabSz="914400" eaLnBrk="0" fontAlgn="base" hangingPunct="0">
+              <a:spcBef>
+                <a:spcPct val="0"/>
+              </a:spcBef>
+              <a:spcAft>
+                <a:spcPct val="0"/>
+              </a:spcAft>
+              <a:buClrTx/>
+              <a:buSzTx/>
+              <a:buFont typeface="Arial" panose="020B0604020202020204" pitchFamily="34" charset="0"/>
+              <a:buChar char="•"/>
+            </a:pPr>
+            <a:r>
+              <a:rPr lang="en-US" sz="1200" dirty="0" err="1">
+                <a:solidFill>
+                  <a:schemeClr val="dk1"/>
+                </a:solidFill>
+              </a:rPr>
+              <a:t>functionName</a:t>
+            </a:r>
+            <a:r>
+              <a:rPr lang="en-US" sz="1200" dirty="0">
+                <a:solidFill>
+                  <a:schemeClr val="dk1"/>
+                </a:solidFill>
+              </a:rPr>
+              <a:t>( list of parameters )</a:t>
+            </a:r>
+          </a:p>
+          <a:p>
+            <a:pPr marL="857250" lvl="2" indent="-457200" defTabSz="914400" eaLnBrk="0" fontAlgn="base" hangingPunct="0">
+              <a:spcBef>
+                <a:spcPct val="0"/>
+              </a:spcBef>
+              <a:spcAft>
+                <a:spcPct val="0"/>
+              </a:spcAft>
+              <a:buClrTx/>
+              <a:buSzTx/>
+              <a:buFont typeface="Arial" panose="020B0604020202020204" pitchFamily="34" charset="0"/>
+              <a:buChar char="•"/>
+            </a:pPr>
+            <a:r>
+              <a:rPr lang="en-US" sz="1200" dirty="0">
+                <a:solidFill>
+                  <a:schemeClr val="dk1"/>
+                </a:solidFill>
+              </a:rPr>
+              <a:t>[instance.]</a:t>
+            </a:r>
+            <a:r>
+              <a:rPr lang="en-US" sz="1200" dirty="0" err="1">
+                <a:solidFill>
+                  <a:schemeClr val="dk1"/>
+                </a:solidFill>
+              </a:rPr>
+              <a:t>functionName</a:t>
+            </a:r>
+            <a:r>
+              <a:rPr lang="en-US" sz="1200" dirty="0">
+                <a:solidFill>
+                  <a:schemeClr val="dk1"/>
+                </a:solidFill>
+              </a:rPr>
+              <a:t>( list of parameters )</a:t>
+            </a:r>
+          </a:p>
+        </p:txBody>
+      </p:sp>
+    </p:spTree>
+    <p:extLst>
+      <p:ext uri="{BB962C8B-B14F-4D97-AF65-F5344CB8AC3E}">
+        <p14:creationId xmlns:p14="http://schemas.microsoft.com/office/powerpoint/2010/main" val="4123249943"/>
+      </p:ext>
+    </p:extLst>
+  </p:cSld>
+  <p:clrMapOvr>
+    <a:masterClrMapping/>
+  </p:clrMapOvr>
+</p:sld>
+</file>
+
+<file path=ppt/slides/slide14.xml><?xml version="1.0" encoding="utf-8"?>
+<p:sld xmlns:a="http://schemas.openxmlformats.org/drawingml/2006/main" xmlns:r="http://schemas.openxmlformats.org/officeDocument/2006/relationships" xmlns:p="http://schemas.openxmlformats.org/presentationml/2006/main">
+  <p:cSld>
+    <p:spTree>
+      <p:nvGrpSpPr>
+        <p:cNvPr id="1" name=""/>
+        <p:cNvGrpSpPr/>
+        <p:nvPr/>
+      </p:nvGrpSpPr>
+      <p:grpSpPr>
+        <a:xfrm>
+          <a:off x="0" y="0"/>
+          <a:ext cx="0" cy="0"/>
+          <a:chOff x="0" y="0"/>
+          <a:chExt cx="0" cy="0"/>
+        </a:xfrm>
+      </p:grpSpPr>
+      <p:sp>
+        <p:nvSpPr>
+          <p:cNvPr id="2" name="Title 1"/>
+          <p:cNvSpPr>
+            <a:spLocks noGrp="1"/>
+          </p:cNvSpPr>
+          <p:nvPr>
+            <p:ph type="title"/>
+          </p:nvPr>
+        </p:nvSpPr>
+        <p:spPr>
+          <a:xfrm>
+            <a:off x="677334" y="222324"/>
+            <a:ext cx="8596668" cy="606015"/>
+          </a:xfrm>
+        </p:spPr>
+        <p:txBody>
+          <a:bodyPr>
+            <a:normAutofit/>
+          </a:bodyPr>
+          <a:lstStyle/>
+          <a:p>
+            <a:pPr algn="ctr"/>
+            <a:r>
+              <a:rPr lang="en-US" sz="3200" dirty="0" smtClean="0">
+                <a:solidFill>
+                  <a:srgbClr val="7030A0"/>
+                </a:solidFill>
+              </a:rPr>
+              <a:t>Anonymous Functions</a:t>
+            </a:r>
+            <a:endParaRPr lang="en-US" dirty="0"/>
+          </a:p>
+        </p:txBody>
+      </p:sp>
+      <p:sp>
+        <p:nvSpPr>
+          <p:cNvPr id="3" name="Content Placeholder 2"/>
+          <p:cNvSpPr>
+            <a:spLocks noGrp="1"/>
+          </p:cNvSpPr>
+          <p:nvPr>
+            <p:ph idx="1"/>
+          </p:nvPr>
+        </p:nvSpPr>
+        <p:spPr>
+          <a:xfrm>
+            <a:off x="677334" y="828339"/>
+            <a:ext cx="8596668" cy="5723068"/>
+          </a:xfrm>
+        </p:spPr>
+        <p:txBody>
+          <a:bodyPr>
+            <a:normAutofit/>
+          </a:bodyPr>
+          <a:lstStyle/>
+          <a:p>
+            <a:r>
+              <a:rPr lang="en-US" dirty="0" smtClean="0"/>
+              <a:t>Can define a function inside a function in </a:t>
+            </a:r>
+            <a:r>
+              <a:rPr lang="en-US" dirty="0" err="1" smtClean="0"/>
+              <a:t>scala</a:t>
+            </a:r>
+            <a:endParaRPr lang="en-US" dirty="0" smtClean="0"/>
+          </a:p>
+          <a:p>
+            <a:r>
+              <a:rPr lang="en-US" dirty="0" smtClean="0"/>
+              <a:t>Can define Anonymous function in </a:t>
+            </a:r>
+            <a:r>
+              <a:rPr lang="en-US" dirty="0" err="1" smtClean="0"/>
+              <a:t>scala</a:t>
+            </a:r>
+            <a:endParaRPr lang="en-US" dirty="0" smtClean="0"/>
+          </a:p>
+          <a:p>
+            <a:pPr lvl="1"/>
+            <a:r>
+              <a:rPr lang="es-ES" dirty="0" smtClean="0"/>
+              <a:t>(</a:t>
+            </a:r>
+            <a:r>
+              <a:rPr lang="es-ES" dirty="0"/>
+              <a:t>x: </a:t>
+            </a:r>
+            <a:r>
+              <a:rPr lang="es-ES" dirty="0" err="1"/>
+              <a:t>Int</a:t>
+            </a:r>
+            <a:r>
+              <a:rPr lang="es-ES" dirty="0"/>
+              <a:t>, y: </a:t>
+            </a:r>
+            <a:r>
+              <a:rPr lang="es-ES" dirty="0" err="1"/>
+              <a:t>Int</a:t>
+            </a:r>
+            <a:r>
+              <a:rPr lang="es-ES" dirty="0"/>
+              <a:t>) =&gt; "(" + x + ", " + y + </a:t>
+            </a:r>
+            <a:r>
+              <a:rPr lang="es-ES" dirty="0" smtClean="0"/>
+              <a:t>")“</a:t>
+            </a:r>
+          </a:p>
+          <a:p>
+            <a:pPr lvl="1"/>
+            <a:r>
+              <a:rPr lang="en-US" dirty="0"/>
+              <a:t>() =&gt; { </a:t>
+            </a:r>
+            <a:r>
+              <a:rPr lang="en-US" dirty="0" err="1"/>
+              <a:t>System.getProperty</a:t>
+            </a:r>
+            <a:r>
+              <a:rPr lang="en-US" dirty="0"/>
+              <a:t>("</a:t>
+            </a:r>
+            <a:r>
+              <a:rPr lang="en-US" dirty="0" err="1"/>
+              <a:t>user.dir</a:t>
+            </a:r>
+            <a:r>
+              <a:rPr lang="en-US" dirty="0"/>
+              <a:t>") </a:t>
+            </a:r>
+            <a:r>
+              <a:rPr lang="en-US" dirty="0" smtClean="0"/>
+              <a:t>}</a:t>
+            </a:r>
+          </a:p>
+          <a:p>
+            <a:pPr lvl="1"/>
+            <a:r>
+              <a:rPr lang="en-US" dirty="0"/>
+              <a:t>(x: </a:t>
+            </a:r>
+            <a:r>
+              <a:rPr lang="en-US" dirty="0" err="1"/>
+              <a:t>Int</a:t>
+            </a:r>
+            <a:r>
+              <a:rPr lang="en-US" dirty="0"/>
+              <a:t>) =&gt; x + </a:t>
+            </a:r>
+            <a:r>
+              <a:rPr lang="en-US" dirty="0" smtClean="0"/>
+              <a:t>1</a:t>
+            </a:r>
+          </a:p>
+          <a:p>
+            <a:pPr marL="457200" lvl="1" indent="-457200" defTabSz="914400" eaLnBrk="0" fontAlgn="base" hangingPunct="0">
+              <a:spcBef>
+                <a:spcPct val="0"/>
+              </a:spcBef>
+              <a:spcAft>
+                <a:spcPct val="0"/>
+              </a:spcAft>
+              <a:buClrTx/>
+              <a:buSzTx/>
+              <a:buNone/>
+            </a:pPr>
+            <a:r>
+              <a:rPr lang="en-US" sz="1300" dirty="0" smtClean="0">
+                <a:solidFill>
+                  <a:schemeClr val="dk1"/>
+                </a:solidFill>
+              </a:rPr>
+              <a:t>		new </a:t>
+            </a:r>
+            <a:r>
+              <a:rPr lang="en-US" sz="1300" dirty="0">
+                <a:solidFill>
+                  <a:schemeClr val="dk1"/>
+                </a:solidFill>
+              </a:rPr>
+              <a:t>Function1[</a:t>
+            </a:r>
+            <a:r>
+              <a:rPr lang="en-US" sz="1300" dirty="0" err="1">
+                <a:solidFill>
+                  <a:schemeClr val="dk1"/>
+                </a:solidFill>
+              </a:rPr>
+              <a:t>Int</a:t>
+            </a:r>
+            <a:r>
+              <a:rPr lang="en-US" sz="1300" dirty="0">
+                <a:solidFill>
+                  <a:schemeClr val="dk1"/>
+                </a:solidFill>
+              </a:rPr>
+              <a:t>, </a:t>
+            </a:r>
+            <a:r>
+              <a:rPr lang="en-US" sz="1300" dirty="0" err="1">
+                <a:solidFill>
+                  <a:schemeClr val="dk1"/>
+                </a:solidFill>
+              </a:rPr>
+              <a:t>Int</a:t>
+            </a:r>
+            <a:r>
+              <a:rPr lang="en-US" sz="1300" dirty="0">
+                <a:solidFill>
+                  <a:schemeClr val="dk1"/>
+                </a:solidFill>
+              </a:rPr>
+              <a:t>] </a:t>
+            </a:r>
+            <a:r>
+              <a:rPr lang="en-US" sz="1300" dirty="0" smtClean="0">
+                <a:solidFill>
+                  <a:schemeClr val="dk1"/>
+                </a:solidFill>
+              </a:rPr>
+              <a:t>  {</a:t>
+            </a:r>
+            <a:endParaRPr lang="en-US" sz="1300" dirty="0">
+              <a:solidFill>
+                <a:schemeClr val="dk1"/>
+              </a:solidFill>
+            </a:endParaRPr>
+          </a:p>
+          <a:p>
+            <a:pPr marL="457200" lvl="1" indent="-457200" defTabSz="914400" eaLnBrk="0" fontAlgn="base" hangingPunct="0">
+              <a:spcBef>
+                <a:spcPct val="0"/>
+              </a:spcBef>
+              <a:spcAft>
+                <a:spcPct val="0"/>
+              </a:spcAft>
+              <a:buClrTx/>
+              <a:buSzTx/>
+              <a:buNone/>
+            </a:pPr>
+            <a:r>
+              <a:rPr lang="en-US" sz="1300" dirty="0">
+                <a:solidFill>
+                  <a:schemeClr val="dk1"/>
+                </a:solidFill>
+              </a:rPr>
+              <a:t>  </a:t>
+            </a:r>
+            <a:r>
+              <a:rPr lang="en-US" sz="1300" dirty="0" smtClean="0">
+                <a:solidFill>
+                  <a:schemeClr val="dk1"/>
+                </a:solidFill>
+              </a:rPr>
+              <a:t>		    </a:t>
+            </a:r>
+            <a:r>
+              <a:rPr lang="en-US" sz="1300" dirty="0" err="1" smtClean="0">
+                <a:solidFill>
+                  <a:schemeClr val="dk1"/>
+                </a:solidFill>
+              </a:rPr>
+              <a:t>def</a:t>
+            </a:r>
+            <a:r>
+              <a:rPr lang="en-US" sz="1300" dirty="0" smtClean="0">
+                <a:solidFill>
+                  <a:schemeClr val="dk1"/>
+                </a:solidFill>
+              </a:rPr>
+              <a:t> </a:t>
+            </a:r>
+            <a:r>
+              <a:rPr lang="en-US" sz="1300" dirty="0">
+                <a:solidFill>
+                  <a:schemeClr val="dk1"/>
+                </a:solidFill>
+              </a:rPr>
+              <a:t>apply(x: </a:t>
+            </a:r>
+            <a:r>
+              <a:rPr lang="en-US" sz="1300" dirty="0" err="1">
+                <a:solidFill>
+                  <a:schemeClr val="dk1"/>
+                </a:solidFill>
+              </a:rPr>
+              <a:t>Int</a:t>
+            </a:r>
+            <a:r>
+              <a:rPr lang="en-US" sz="1300" dirty="0">
+                <a:solidFill>
+                  <a:schemeClr val="dk1"/>
+                </a:solidFill>
+              </a:rPr>
+              <a:t>): </a:t>
+            </a:r>
+            <a:r>
+              <a:rPr lang="en-US" sz="1300" dirty="0" err="1">
+                <a:solidFill>
+                  <a:schemeClr val="dk1"/>
+                </a:solidFill>
+              </a:rPr>
+              <a:t>Int</a:t>
+            </a:r>
+            <a:r>
+              <a:rPr lang="en-US" sz="1300" dirty="0">
+                <a:solidFill>
+                  <a:schemeClr val="dk1"/>
+                </a:solidFill>
+              </a:rPr>
+              <a:t> = x + 1</a:t>
+            </a:r>
+          </a:p>
+          <a:p>
+            <a:pPr marL="457200" lvl="1" indent="-457200" defTabSz="914400" eaLnBrk="0" fontAlgn="base" hangingPunct="0">
+              <a:spcBef>
+                <a:spcPct val="0"/>
+              </a:spcBef>
+              <a:spcAft>
+                <a:spcPct val="0"/>
+              </a:spcAft>
+              <a:buClrTx/>
+              <a:buSzTx/>
+              <a:buNone/>
+            </a:pPr>
+            <a:r>
+              <a:rPr lang="en-US" sz="1300" dirty="0" smtClean="0">
+                <a:solidFill>
+                  <a:schemeClr val="dk1"/>
+                </a:solidFill>
+              </a:rPr>
+              <a:t>		}</a:t>
+            </a:r>
+          </a:p>
+          <a:p>
+            <a:pPr marL="342900" lvl="1" indent="-342900" fontAlgn="base"/>
+            <a:r>
+              <a:rPr lang="en-US" sz="1800" dirty="0"/>
+              <a:t>Similar to lambda expression in </a:t>
+            </a:r>
+            <a:r>
+              <a:rPr lang="en-US" sz="1800" dirty="0" smtClean="0"/>
+              <a:t>java 8</a:t>
+            </a:r>
+          </a:p>
+          <a:p>
+            <a:pPr marL="342900" lvl="1" indent="-342900" fontAlgn="base"/>
+            <a:r>
+              <a:rPr lang="en-US" sz="1800" dirty="0"/>
+              <a:t>You can pass anonymous functions around or save them into </a:t>
+            </a:r>
+            <a:r>
+              <a:rPr lang="en-US" sz="1800" dirty="0" err="1"/>
+              <a:t>vals</a:t>
+            </a:r>
+            <a:r>
+              <a:rPr lang="en-US" sz="1800" dirty="0"/>
+              <a:t>.</a:t>
+            </a:r>
+            <a:endParaRPr lang="en-US" sz="1200" dirty="0">
+              <a:solidFill>
+                <a:schemeClr val="dk1"/>
+              </a:solidFill>
+            </a:endParaRPr>
+          </a:p>
+        </p:txBody>
+      </p:sp>
+    </p:spTree>
+    <p:extLst>
+      <p:ext uri="{BB962C8B-B14F-4D97-AF65-F5344CB8AC3E}">
+        <p14:creationId xmlns:p14="http://schemas.microsoft.com/office/powerpoint/2010/main" val="3936608475"/>
+      </p:ext>
+    </p:extLst>
+  </p:cSld>
+  <p:clrMapOvr>
+    <a:masterClrMapping/>
+  </p:clrMapOvr>
+</p:sld>
+</file>
+
+<file path=ppt/slides/slide15.xml><?xml version="1.0" encoding="utf-8"?>
+<p:sld xmlns:a="http://schemas.openxmlformats.org/drawingml/2006/main" xmlns:r="http://schemas.openxmlformats.org/officeDocument/2006/relationships" xmlns:p="http://schemas.openxmlformats.org/presentationml/2006/main">
+  <p:cSld>
+    <p:spTree>
+      <p:nvGrpSpPr>
+        <p:cNvPr id="1" name=""/>
+        <p:cNvGrpSpPr/>
+        <p:nvPr/>
+      </p:nvGrpSpPr>
+      <p:grpSpPr>
+        <a:xfrm>
+          <a:off x="0" y="0"/>
+          <a:ext cx="0" cy="0"/>
+          <a:chOff x="0" y="0"/>
+          <a:chExt cx="0" cy="0"/>
+        </a:xfrm>
+      </p:grpSpPr>
+      <p:sp>
+        <p:nvSpPr>
+          <p:cNvPr id="2" name="Title 1"/>
+          <p:cNvSpPr>
+            <a:spLocks noGrp="1"/>
+          </p:cNvSpPr>
+          <p:nvPr>
+            <p:ph type="title"/>
+          </p:nvPr>
+        </p:nvSpPr>
+        <p:spPr>
+          <a:xfrm>
+            <a:off x="677334" y="265355"/>
+            <a:ext cx="8596668" cy="885713"/>
+          </a:xfrm>
+        </p:spPr>
+        <p:txBody>
+          <a:bodyPr/>
+          <a:lstStyle/>
+          <a:p>
+            <a:pPr algn="ctr"/>
+            <a:r>
+              <a:rPr lang="en-US" dirty="0" smtClean="0">
+                <a:solidFill>
+                  <a:srgbClr val="7030A0"/>
+                </a:solidFill>
+              </a:rPr>
+              <a:t>Function Types</a:t>
+            </a:r>
+            <a:endParaRPr lang="en-US" dirty="0"/>
+          </a:p>
+        </p:txBody>
+      </p:sp>
+      <p:sp>
+        <p:nvSpPr>
+          <p:cNvPr id="3" name="Content Placeholder 2"/>
+          <p:cNvSpPr>
+            <a:spLocks noGrp="1"/>
+          </p:cNvSpPr>
+          <p:nvPr>
+            <p:ph idx="1"/>
+          </p:nvPr>
+        </p:nvSpPr>
+        <p:spPr>
+          <a:xfrm>
+            <a:off x="677334" y="1237129"/>
+            <a:ext cx="8596668" cy="4804233"/>
+          </a:xfrm>
+        </p:spPr>
+        <p:txBody>
+          <a:bodyPr/>
+          <a:lstStyle/>
+          <a:p>
+            <a:r>
+              <a:rPr lang="en-US" dirty="0"/>
+              <a:t>very lightweight way to write function </a:t>
+            </a:r>
+            <a:r>
+              <a:rPr lang="en-US" dirty="0" smtClean="0"/>
+              <a:t>types</a:t>
+            </a:r>
+          </a:p>
+          <a:p>
+            <a:r>
+              <a:rPr lang="en-US" dirty="0" err="1"/>
+              <a:t>Int</a:t>
+            </a:r>
+            <a:r>
+              <a:rPr lang="en-US" dirty="0"/>
+              <a:t> =&gt; </a:t>
+            </a:r>
+            <a:r>
+              <a:rPr lang="en-US" dirty="0" err="1" smtClean="0"/>
+              <a:t>Int</a:t>
+            </a:r>
+            <a:endParaRPr lang="en-US" dirty="0" smtClean="0"/>
+          </a:p>
+          <a:p>
+            <a:pPr lvl="1"/>
+            <a:r>
+              <a:rPr lang="en-US" dirty="0"/>
+              <a:t>Function1[</a:t>
+            </a:r>
+            <a:r>
+              <a:rPr lang="en-US" dirty="0" err="1"/>
+              <a:t>Int</a:t>
+            </a:r>
+            <a:r>
+              <a:rPr lang="en-US" dirty="0"/>
+              <a:t>, </a:t>
+            </a:r>
+            <a:r>
+              <a:rPr lang="en-US" dirty="0" err="1"/>
+              <a:t>Int</a:t>
+            </a:r>
+            <a:r>
+              <a:rPr lang="en-US" dirty="0"/>
+              <a:t>]</a:t>
+            </a:r>
+          </a:p>
+          <a:p>
+            <a:r>
+              <a:rPr lang="en-US" dirty="0"/>
+              <a:t>(</a:t>
+            </a:r>
+            <a:r>
+              <a:rPr lang="en-US" dirty="0" err="1"/>
+              <a:t>Int</a:t>
+            </a:r>
+            <a:r>
+              <a:rPr lang="en-US" dirty="0"/>
+              <a:t>, </a:t>
+            </a:r>
+            <a:r>
+              <a:rPr lang="en-US" dirty="0" err="1"/>
+              <a:t>Int</a:t>
+            </a:r>
+            <a:r>
+              <a:rPr lang="en-US" dirty="0"/>
+              <a:t>) =&gt; </a:t>
+            </a:r>
+            <a:r>
+              <a:rPr lang="en-US" dirty="0" smtClean="0"/>
+              <a:t>String</a:t>
+            </a:r>
+          </a:p>
+          <a:p>
+            <a:pPr lvl="1"/>
+            <a:r>
+              <a:rPr lang="en-US" dirty="0"/>
+              <a:t>Function2[</a:t>
+            </a:r>
+            <a:r>
+              <a:rPr lang="en-US" dirty="0" err="1"/>
+              <a:t>Int</a:t>
+            </a:r>
+            <a:r>
+              <a:rPr lang="en-US" dirty="0"/>
+              <a:t>, </a:t>
+            </a:r>
+            <a:r>
+              <a:rPr lang="en-US" dirty="0" err="1"/>
+              <a:t>Int</a:t>
+            </a:r>
+            <a:r>
+              <a:rPr lang="en-US" dirty="0"/>
+              <a:t>, String]</a:t>
+            </a:r>
+          </a:p>
+          <a:p>
+            <a:r>
+              <a:rPr lang="en-US" dirty="0"/>
+              <a:t>() =&gt; </a:t>
+            </a:r>
+            <a:r>
+              <a:rPr lang="en-US" dirty="0" smtClean="0"/>
+              <a:t>String</a:t>
+            </a:r>
+          </a:p>
+          <a:p>
+            <a:pPr lvl="1"/>
+            <a:r>
+              <a:rPr lang="en-US" dirty="0"/>
+              <a:t>Function0[String</a:t>
+            </a:r>
+            <a:r>
+              <a:rPr lang="en-US" dirty="0" smtClean="0"/>
+              <a:t>]</a:t>
+            </a:r>
+          </a:p>
+          <a:p>
+            <a:r>
+              <a:rPr lang="en-US" dirty="0"/>
+              <a:t>The keyword type in Scala creates an alias for a given type. </a:t>
+            </a:r>
+            <a:endParaRPr lang="en-US" dirty="0" smtClean="0"/>
+          </a:p>
+        </p:txBody>
+      </p:sp>
+    </p:spTree>
+    <p:extLst>
+      <p:ext uri="{BB962C8B-B14F-4D97-AF65-F5344CB8AC3E}">
+        <p14:creationId xmlns:p14="http://schemas.microsoft.com/office/powerpoint/2010/main" val="2631196710"/>
+      </p:ext>
+    </p:extLst>
+  </p:cSld>
+  <p:clrMapOvr>
+    <a:masterClrMapping/>
+  </p:clrMapOvr>
+</p:sld>
+</file>
+
+<file path=ppt/slides/slide16.xml><?xml version="1.0" encoding="utf-8"?>
+<p:sld xmlns:a="http://schemas.openxmlformats.org/drawingml/2006/main" xmlns:r="http://schemas.openxmlformats.org/officeDocument/2006/relationships" xmlns:p="http://schemas.openxmlformats.org/presentationml/2006/main">
+  <p:cSld>
+    <p:spTree>
+      <p:nvGrpSpPr>
+        <p:cNvPr id="1" name=""/>
+        <p:cNvGrpSpPr/>
+        <p:nvPr/>
+      </p:nvGrpSpPr>
+      <p:grpSpPr>
+        <a:xfrm>
+          <a:off x="0" y="0"/>
+          <a:ext cx="0" cy="0"/>
+          <a:chOff x="0" y="0"/>
+          <a:chExt cx="0" cy="0"/>
+        </a:xfrm>
+      </p:grpSpPr>
+      <p:sp>
+        <p:nvSpPr>
+          <p:cNvPr id="2" name="Title 1"/>
+          <p:cNvSpPr>
+            <a:spLocks noGrp="1"/>
+          </p:cNvSpPr>
+          <p:nvPr>
+            <p:ph type="title"/>
+          </p:nvPr>
+        </p:nvSpPr>
+        <p:spPr>
+          <a:xfrm>
+            <a:off x="677334" y="168536"/>
+            <a:ext cx="8596668" cy="530711"/>
+          </a:xfrm>
+        </p:spPr>
+        <p:txBody>
+          <a:bodyPr>
+            <a:normAutofit fontScale="90000"/>
+          </a:bodyPr>
+          <a:lstStyle/>
+          <a:p>
+            <a:r>
+              <a:rPr lang="en-US" dirty="0" err="1" smtClean="0"/>
+              <a:t>urls</a:t>
+            </a:r>
+            <a:endParaRPr lang="en-US" dirty="0"/>
+          </a:p>
+        </p:txBody>
+      </p:sp>
+      <p:sp>
+        <p:nvSpPr>
+          <p:cNvPr id="3" name="Content Placeholder 2"/>
+          <p:cNvSpPr>
+            <a:spLocks noGrp="1"/>
+          </p:cNvSpPr>
+          <p:nvPr>
+            <p:ph idx="1"/>
+          </p:nvPr>
+        </p:nvSpPr>
+        <p:spPr>
+          <a:xfrm>
+            <a:off x="677334" y="699247"/>
+            <a:ext cx="8596668" cy="5342115"/>
+          </a:xfrm>
+        </p:spPr>
+        <p:txBody>
+          <a:bodyPr>
+            <a:normAutofit/>
+          </a:bodyPr>
+          <a:lstStyle/>
+          <a:p>
+            <a:pPr marL="0" indent="0">
+              <a:buNone/>
+            </a:pPr>
+            <a:r>
+              <a:rPr lang="en-US" sz="1200" dirty="0">
+                <a:hlinkClick r:id="rId2"/>
+              </a:rPr>
+              <a:t>http://</a:t>
+            </a:r>
+            <a:r>
+              <a:rPr lang="en-US" sz="1200" dirty="0" smtClean="0">
+                <a:hlinkClick r:id="rId2"/>
+              </a:rPr>
+              <a:t>aperiodic.net/phil/scal</a:t>
+            </a:r>
+            <a:endParaRPr lang="en-US" sz="1200" dirty="0" smtClean="0"/>
+          </a:p>
+          <a:p>
+            <a:pPr marL="0" indent="0">
+              <a:buNone/>
+            </a:pPr>
+            <a:r>
+              <a:rPr lang="en-US" sz="1200" dirty="0">
+                <a:hlinkClick r:id="rId3"/>
+              </a:rPr>
+              <a:t>http://scala-exercises.47deg.com/koans#assertsa/s-99</a:t>
+            </a:r>
+            <a:r>
+              <a:rPr lang="en-US" sz="1200" dirty="0" smtClean="0">
+                <a:hlinkClick r:id="rId3"/>
+              </a:rPr>
+              <a:t>/</a:t>
+            </a:r>
+            <a:endParaRPr lang="en-US" sz="1200" dirty="0" smtClean="0"/>
+          </a:p>
+          <a:p>
+            <a:pPr marL="0" indent="0">
+              <a:buNone/>
+            </a:pPr>
+            <a:r>
+              <a:rPr lang="en-US" sz="1200" dirty="0"/>
+              <a:t>http://www.scalatest.org/user_guide/using_assertions</a:t>
+            </a:r>
+          </a:p>
+        </p:txBody>
+      </p:sp>
+    </p:spTree>
+    <p:extLst>
+      <p:ext uri="{BB962C8B-B14F-4D97-AF65-F5344CB8AC3E}">
+        <p14:creationId xmlns:p14="http://schemas.microsoft.com/office/powerpoint/2010/main" val="1080284924"/>
       </p:ext>
     </p:extLst>
   </p:cSld>

--- a/ScalaRepositary/ScalaTrainingPrep/Scala.pptx
+++ b/ScalaRepositary/ScalaTrainingPrep/Scala.pptx
@@ -5,7 +5,7 @@
     <p:sldMasterId id="2147483773" r:id="rId1"/>
   </p:sldMasterIdLst>
   <p:notesMasterIdLst>
-    <p:notesMasterId r:id="rId18"/>
+    <p:notesMasterId r:id="rId21"/>
   </p:notesMasterIdLst>
   <p:sldIdLst>
     <p:sldId id="256" r:id="rId2"/>
@@ -23,7 +23,10 @@
     <p:sldId id="270" r:id="rId14"/>
     <p:sldId id="272" r:id="rId15"/>
     <p:sldId id="271" r:id="rId16"/>
-    <p:sldId id="273" r:id="rId17"/>
+    <p:sldId id="275" r:id="rId17"/>
+    <p:sldId id="276" r:id="rId18"/>
+    <p:sldId id="274" r:id="rId19"/>
+    <p:sldId id="273" r:id="rId20"/>
   </p:sldIdLst>
   <p:sldSz cx="12192000" cy="6858000"/>
   <p:notesSz cx="6858000" cy="9144000"/>
@@ -212,7 +215,7 @@
           <a:p>
             <a:fld id="{3240BC99-1AF2-4BD1-B6C5-9B1A6BD04C8E}" type="datetimeFigureOut">
               <a:rPr lang="en-US" smtClean="0"/>
-              <a:t>4/20/2016</a:t>
+              <a:t>4/22/2016</a:t>
             </a:fld>
             <a:endParaRPr lang="en-US"/>
           </a:p>
@@ -1817,6 +1820,270 @@
     <p:extLst>
       <p:ext uri="{BB962C8B-B14F-4D97-AF65-F5344CB8AC3E}">
         <p14:creationId xmlns:p14="http://schemas.microsoft.com/office/powerpoint/2010/main" val="1373781008"/>
+      </p:ext>
+    </p:extLst>
+  </p:cSld>
+  <p:clrMapOvr>
+    <a:masterClrMapping/>
+  </p:clrMapOvr>
+</p:notes>
+</file>
+
+<file path=ppt/notesSlides/notesSlide7.xml><?xml version="1.0" encoding="utf-8"?>
+<p:notes xmlns:a="http://schemas.openxmlformats.org/drawingml/2006/main" xmlns:r="http://schemas.openxmlformats.org/officeDocument/2006/relationships" xmlns:p="http://schemas.openxmlformats.org/presentationml/2006/main">
+  <p:cSld>
+    <p:spTree>
+      <p:nvGrpSpPr>
+        <p:cNvPr id="1" name=""/>
+        <p:cNvGrpSpPr/>
+        <p:nvPr/>
+      </p:nvGrpSpPr>
+      <p:grpSpPr>
+        <a:xfrm>
+          <a:off x="0" y="0"/>
+          <a:ext cx="0" cy="0"/>
+          <a:chOff x="0" y="0"/>
+          <a:chExt cx="0" cy="0"/>
+        </a:xfrm>
+      </p:grpSpPr>
+      <p:sp>
+        <p:nvSpPr>
+          <p:cNvPr id="2" name="Slide Image Placeholder 1"/>
+          <p:cNvSpPr>
+            <a:spLocks noGrp="1" noRot="1" noChangeAspect="1"/>
+          </p:cNvSpPr>
+          <p:nvPr>
+            <p:ph type="sldImg"/>
+          </p:nvPr>
+        </p:nvSpPr>
+        <p:spPr/>
+      </p:sp>
+      <p:sp>
+        <p:nvSpPr>
+          <p:cNvPr id="3" name="Notes Placeholder 2"/>
+          <p:cNvSpPr>
+            <a:spLocks noGrp="1"/>
+          </p:cNvSpPr>
+          <p:nvPr>
+            <p:ph type="body" idx="1"/>
+          </p:nvPr>
+        </p:nvSpPr>
+        <p:spPr/>
+        <p:txBody>
+          <a:bodyPr/>
+          <a:lstStyle/>
+          <a:p>
+            <a:r>
+              <a:rPr lang="en-US" sz="1200" kern="1200" dirty="0" smtClean="0">
+                <a:solidFill>
+                  <a:schemeClr val="tx1"/>
+                </a:solidFill>
+                <a:effectLst/>
+                <a:latin typeface="+mn-lt"/>
+                <a:ea typeface="+mn-ea"/>
+                <a:cs typeface="+mn-cs"/>
+              </a:rPr>
+              <a:t>type </a:t>
+            </a:r>
+            <a:r>
+              <a:rPr lang="en-US" sz="1200" kern="1200" dirty="0" err="1" smtClean="0">
+                <a:solidFill>
+                  <a:schemeClr val="tx1"/>
+                </a:solidFill>
+                <a:effectLst/>
+                <a:latin typeface="+mn-lt"/>
+                <a:ea typeface="+mn-ea"/>
+                <a:cs typeface="+mn-cs"/>
+              </a:rPr>
+              <a:t>Str</a:t>
+            </a:r>
+            <a:r>
+              <a:rPr lang="en-US" sz="1200" kern="1200" dirty="0" smtClean="0">
+                <a:solidFill>
+                  <a:schemeClr val="tx1"/>
+                </a:solidFill>
+                <a:effectLst/>
+                <a:latin typeface="+mn-lt"/>
+                <a:ea typeface="+mn-ea"/>
+                <a:cs typeface="+mn-cs"/>
+              </a:rPr>
+              <a:t> = String defined type alias </a:t>
+            </a:r>
+            <a:r>
+              <a:rPr lang="en-US" sz="1200" kern="1200" dirty="0" err="1" smtClean="0">
+                <a:solidFill>
+                  <a:schemeClr val="tx1"/>
+                </a:solidFill>
+                <a:effectLst/>
+                <a:latin typeface="+mn-lt"/>
+                <a:ea typeface="+mn-ea"/>
+                <a:cs typeface="+mn-cs"/>
+              </a:rPr>
+              <a:t>Str</a:t>
+            </a:r>
+            <a:endParaRPr lang="en-US" dirty="0"/>
+          </a:p>
+        </p:txBody>
+      </p:sp>
+      <p:sp>
+        <p:nvSpPr>
+          <p:cNvPr id="4" name="Slide Number Placeholder 3"/>
+          <p:cNvSpPr>
+            <a:spLocks noGrp="1"/>
+          </p:cNvSpPr>
+          <p:nvPr>
+            <p:ph type="sldNum" sz="quarter" idx="10"/>
+          </p:nvPr>
+        </p:nvSpPr>
+        <p:spPr/>
+        <p:txBody>
+          <a:bodyPr/>
+          <a:lstStyle/>
+          <a:p>
+            <a:fld id="{25B1A631-5F94-4836-930B-DE4ECF0DFEFA}" type="slidenum">
+              <a:rPr lang="en-US" smtClean="0"/>
+              <a:t>16</a:t>
+            </a:fld>
+            <a:endParaRPr lang="en-US"/>
+          </a:p>
+        </p:txBody>
+      </p:sp>
+    </p:spTree>
+    <p:extLst>
+      <p:ext uri="{BB962C8B-B14F-4D97-AF65-F5344CB8AC3E}">
+        <p14:creationId xmlns:p14="http://schemas.microsoft.com/office/powerpoint/2010/main" val="3024387685"/>
+      </p:ext>
+    </p:extLst>
+  </p:cSld>
+  <p:clrMapOvr>
+    <a:masterClrMapping/>
+  </p:clrMapOvr>
+</p:notes>
+</file>
+
+<file path=ppt/notesSlides/notesSlide8.xml><?xml version="1.0" encoding="utf-8"?>
+<p:notes xmlns:a="http://schemas.openxmlformats.org/drawingml/2006/main" xmlns:r="http://schemas.openxmlformats.org/officeDocument/2006/relationships" xmlns:p="http://schemas.openxmlformats.org/presentationml/2006/main">
+  <p:cSld>
+    <p:spTree>
+      <p:nvGrpSpPr>
+        <p:cNvPr id="1" name=""/>
+        <p:cNvGrpSpPr/>
+        <p:nvPr/>
+      </p:nvGrpSpPr>
+      <p:grpSpPr>
+        <a:xfrm>
+          <a:off x="0" y="0"/>
+          <a:ext cx="0" cy="0"/>
+          <a:chOff x="0" y="0"/>
+          <a:chExt cx="0" cy="0"/>
+        </a:xfrm>
+      </p:grpSpPr>
+      <p:sp>
+        <p:nvSpPr>
+          <p:cNvPr id="2" name="Slide Image Placeholder 1"/>
+          <p:cNvSpPr>
+            <a:spLocks noGrp="1" noRot="1" noChangeAspect="1"/>
+          </p:cNvSpPr>
+          <p:nvPr>
+            <p:ph type="sldImg"/>
+          </p:nvPr>
+        </p:nvSpPr>
+        <p:spPr/>
+      </p:sp>
+      <p:sp>
+        <p:nvSpPr>
+          <p:cNvPr id="3" name="Notes Placeholder 2"/>
+          <p:cNvSpPr>
+            <a:spLocks noGrp="1"/>
+          </p:cNvSpPr>
+          <p:nvPr>
+            <p:ph type="body" idx="1"/>
+          </p:nvPr>
+        </p:nvSpPr>
+        <p:spPr/>
+        <p:txBody>
+          <a:bodyPr/>
+          <a:lstStyle/>
+          <a:p>
+            <a:r>
+              <a:rPr lang="en-US" sz="1200" kern="1200" dirty="0" smtClean="0">
+                <a:solidFill>
+                  <a:schemeClr val="tx1"/>
+                </a:solidFill>
+                <a:effectLst/>
+                <a:latin typeface="+mn-lt"/>
+                <a:ea typeface="+mn-ea"/>
+                <a:cs typeface="+mn-cs"/>
+              </a:rPr>
+              <a:t>type </a:t>
+            </a:r>
+            <a:r>
+              <a:rPr lang="en-US" sz="1200" kern="1200" dirty="0" err="1" smtClean="0">
+                <a:solidFill>
+                  <a:schemeClr val="tx1"/>
+                </a:solidFill>
+                <a:effectLst/>
+                <a:latin typeface="+mn-lt"/>
+                <a:ea typeface="+mn-ea"/>
+                <a:cs typeface="+mn-cs"/>
+              </a:rPr>
+              <a:t>Str</a:t>
+            </a:r>
+            <a:r>
+              <a:rPr lang="en-US" sz="1200" kern="1200" dirty="0" smtClean="0">
+                <a:solidFill>
+                  <a:schemeClr val="tx1"/>
+                </a:solidFill>
+                <a:effectLst/>
+                <a:latin typeface="+mn-lt"/>
+                <a:ea typeface="+mn-ea"/>
+                <a:cs typeface="+mn-cs"/>
+              </a:rPr>
+              <a:t> = String defined type alias </a:t>
+            </a:r>
+            <a:r>
+              <a:rPr lang="en-US" sz="1200" kern="1200" dirty="0" err="1" smtClean="0">
+                <a:solidFill>
+                  <a:schemeClr val="tx1"/>
+                </a:solidFill>
+                <a:effectLst/>
+                <a:latin typeface="+mn-lt"/>
+                <a:ea typeface="+mn-ea"/>
+                <a:cs typeface="+mn-cs"/>
+              </a:rPr>
+              <a:t>Str</a:t>
+            </a:r>
+            <a:endParaRPr lang="en-US" dirty="0"/>
+          </a:p>
+        </p:txBody>
+      </p:sp>
+      <p:sp>
+        <p:nvSpPr>
+          <p:cNvPr id="4" name="Slide Number Placeholder 3"/>
+          <p:cNvSpPr>
+            <a:spLocks noGrp="1"/>
+          </p:cNvSpPr>
+          <p:nvPr>
+            <p:ph type="sldNum" sz="quarter" idx="10"/>
+          </p:nvPr>
+        </p:nvSpPr>
+        <p:spPr/>
+        <p:txBody>
+          <a:bodyPr/>
+          <a:lstStyle/>
+          <a:p>
+            <a:fld id="{25B1A631-5F94-4836-930B-DE4ECF0DFEFA}" type="slidenum">
+              <a:rPr lang="en-US" smtClean="0"/>
+              <a:t>17</a:t>
+            </a:fld>
+            <a:endParaRPr lang="en-US"/>
+          </a:p>
+        </p:txBody>
+      </p:sp>
+    </p:spTree>
+    <p:extLst>
+      <p:ext uri="{BB962C8B-B14F-4D97-AF65-F5344CB8AC3E}">
+        <p14:creationId xmlns:p14="http://schemas.microsoft.com/office/powerpoint/2010/main" val="3130888602"/>
       </p:ext>
     </p:extLst>
   </p:cSld>
@@ -2548,7 +2815,7 @@
           <a:p>
             <a:fld id="{A99C5B11-6607-4EFE-9B3F-FCF805DD55B2}" type="datetimeFigureOut">
               <a:rPr lang="en-US" smtClean="0"/>
-              <a:t>4/20/2016</a:t>
+              <a:t>4/22/2016</a:t>
             </a:fld>
             <a:endParaRPr lang="en-US"/>
           </a:p>
@@ -2799,7 +3066,7 @@
           <a:p>
             <a:fld id="{A99C5B11-6607-4EFE-9B3F-FCF805DD55B2}" type="datetimeFigureOut">
               <a:rPr lang="en-US" smtClean="0"/>
-              <a:t>4/20/2016</a:t>
+              <a:t>4/22/2016</a:t>
             </a:fld>
             <a:endParaRPr lang="en-US"/>
           </a:p>
@@ -3113,7 +3380,7 @@
           <a:p>
             <a:fld id="{A99C5B11-6607-4EFE-9B3F-FCF805DD55B2}" type="datetimeFigureOut">
               <a:rPr lang="en-US" smtClean="0"/>
-              <a:t>4/20/2016</a:t>
+              <a:t>4/22/2016</a:t>
             </a:fld>
             <a:endParaRPr lang="en-US"/>
           </a:p>
@@ -3454,7 +3721,7 @@
           <a:p>
             <a:fld id="{A99C5B11-6607-4EFE-9B3F-FCF805DD55B2}" type="datetimeFigureOut">
               <a:rPr lang="en-US" smtClean="0"/>
-              <a:t>4/20/2016</a:t>
+              <a:t>4/22/2016</a:t>
             </a:fld>
             <a:endParaRPr lang="en-US"/>
           </a:p>
@@ -3768,7 +4035,7 @@
           <a:p>
             <a:fld id="{A99C5B11-6607-4EFE-9B3F-FCF805DD55B2}" type="datetimeFigureOut">
               <a:rPr lang="en-US" smtClean="0"/>
-              <a:t>4/20/2016</a:t>
+              <a:t>4/22/2016</a:t>
             </a:fld>
             <a:endParaRPr lang="en-US"/>
           </a:p>
@@ -4161,7 +4428,7 @@
           <a:p>
             <a:fld id="{A99C5B11-6607-4EFE-9B3F-FCF805DD55B2}" type="datetimeFigureOut">
               <a:rPr lang="en-US" smtClean="0"/>
-              <a:t>4/20/2016</a:t>
+              <a:t>4/22/2016</a:t>
             </a:fld>
             <a:endParaRPr lang="en-US"/>
           </a:p>
@@ -4331,7 +4598,7 @@
           <a:p>
             <a:fld id="{A99C5B11-6607-4EFE-9B3F-FCF805DD55B2}" type="datetimeFigureOut">
               <a:rPr lang="en-US" smtClean="0"/>
-              <a:t>4/20/2016</a:t>
+              <a:t>4/22/2016</a:t>
             </a:fld>
             <a:endParaRPr lang="en-US"/>
           </a:p>
@@ -4511,7 +4778,7 @@
           <a:p>
             <a:fld id="{A99C5B11-6607-4EFE-9B3F-FCF805DD55B2}" type="datetimeFigureOut">
               <a:rPr lang="en-US" smtClean="0"/>
-              <a:t>4/20/2016</a:t>
+              <a:t>4/22/2016</a:t>
             </a:fld>
             <a:endParaRPr lang="en-US"/>
           </a:p>
@@ -4687,7 +4954,7 @@
           <a:p>
             <a:fld id="{A99C5B11-6607-4EFE-9B3F-FCF805DD55B2}" type="datetimeFigureOut">
               <a:rPr lang="en-US" smtClean="0"/>
-              <a:t>4/20/2016</a:t>
+              <a:t>4/22/2016</a:t>
             </a:fld>
             <a:endParaRPr lang="en-US"/>
           </a:p>
@@ -4934,7 +5201,7 @@
           <a:p>
             <a:fld id="{A99C5B11-6607-4EFE-9B3F-FCF805DD55B2}" type="datetimeFigureOut">
               <a:rPr lang="en-US" smtClean="0"/>
-              <a:t>4/20/2016</a:t>
+              <a:t>4/22/2016</a:t>
             </a:fld>
             <a:endParaRPr lang="en-US"/>
           </a:p>
@@ -5166,7 +5433,7 @@
           <a:p>
             <a:fld id="{A99C5B11-6607-4EFE-9B3F-FCF805DD55B2}" type="datetimeFigureOut">
               <a:rPr lang="en-US" smtClean="0"/>
-              <a:t>4/20/2016</a:t>
+              <a:t>4/22/2016</a:t>
             </a:fld>
             <a:endParaRPr lang="en-US"/>
           </a:p>
@@ -5545,7 +5812,7 @@
           <a:p>
             <a:fld id="{A99C5B11-6607-4EFE-9B3F-FCF805DD55B2}" type="datetimeFigureOut">
               <a:rPr lang="en-US" smtClean="0"/>
-              <a:t>4/20/2016</a:t>
+              <a:t>4/22/2016</a:t>
             </a:fld>
             <a:endParaRPr lang="en-US"/>
           </a:p>
@@ -5673,7 +5940,7 @@
           <a:p>
             <a:fld id="{A99C5B11-6607-4EFE-9B3F-FCF805DD55B2}" type="datetimeFigureOut">
               <a:rPr lang="en-US" smtClean="0"/>
-              <a:t>4/20/2016</a:t>
+              <a:t>4/22/2016</a:t>
             </a:fld>
             <a:endParaRPr lang="en-US"/>
           </a:p>
@@ -5768,7 +6035,7 @@
           <a:p>
             <a:fld id="{A99C5B11-6607-4EFE-9B3F-FCF805DD55B2}" type="datetimeFigureOut">
               <a:rPr lang="en-US" smtClean="0"/>
-              <a:t>4/20/2016</a:t>
+              <a:t>4/22/2016</a:t>
             </a:fld>
             <a:endParaRPr lang="en-US"/>
           </a:p>
@@ -6023,7 +6290,7 @@
           <a:p>
             <a:fld id="{A99C5B11-6607-4EFE-9B3F-FCF805DD55B2}" type="datetimeFigureOut">
               <a:rPr lang="en-US" smtClean="0"/>
-              <a:t>4/20/2016</a:t>
+              <a:t>4/22/2016</a:t>
             </a:fld>
             <a:endParaRPr lang="en-US"/>
           </a:p>
@@ -6291,7 +6558,7 @@
           <a:p>
             <a:fld id="{A99C5B11-6607-4EFE-9B3F-FCF805DD55B2}" type="datetimeFigureOut">
               <a:rPr lang="en-US" smtClean="0"/>
-              <a:t>4/20/2016</a:t>
+              <a:t>4/22/2016</a:t>
             </a:fld>
             <a:endParaRPr lang="en-US"/>
           </a:p>
@@ -7034,7 +7301,7 @@
           <a:p>
             <a:fld id="{A99C5B11-6607-4EFE-9B3F-FCF805DD55B2}" type="datetimeFigureOut">
               <a:rPr lang="en-US" smtClean="0"/>
-              <a:t>4/20/2016</a:t>
+              <a:t>4/22/2016</a:t>
             </a:fld>
             <a:endParaRPr lang="en-US"/>
           </a:p>
@@ -9447,7 +9714,15 @@
           <a:p>
             <a:r>
               <a:rPr lang="en-US" dirty="0"/>
-              <a:t>The keyword type in Scala creates an alias for a given type. </a:t>
+              <a:t>The keyword </a:t>
+            </a:r>
+            <a:r>
+              <a:rPr lang="en-US" dirty="0" smtClean="0"/>
+              <a:t>“type” </a:t>
+            </a:r>
+            <a:r>
+              <a:rPr lang="en-US" dirty="0"/>
+              <a:t>in Scala creates an alias for a given type. </a:t>
             </a:r>
             <a:endParaRPr lang="en-US" dirty="0" smtClean="0"/>
           </a:p>
@@ -9467,6 +9742,621 @@
 </file>
 
 <file path=ppt/slides/slide16.xml><?xml version="1.0" encoding="utf-8"?>
+<p:sld xmlns:a="http://schemas.openxmlformats.org/drawingml/2006/main" xmlns:r="http://schemas.openxmlformats.org/officeDocument/2006/relationships" xmlns:p="http://schemas.openxmlformats.org/presentationml/2006/main">
+  <p:cSld>
+    <p:spTree>
+      <p:nvGrpSpPr>
+        <p:cNvPr id="1" name=""/>
+        <p:cNvGrpSpPr/>
+        <p:nvPr/>
+      </p:nvGrpSpPr>
+      <p:grpSpPr>
+        <a:xfrm>
+          <a:off x="0" y="0"/>
+          <a:ext cx="0" cy="0"/>
+          <a:chOff x="0" y="0"/>
+          <a:chExt cx="0" cy="0"/>
+        </a:xfrm>
+      </p:grpSpPr>
+      <p:sp>
+        <p:nvSpPr>
+          <p:cNvPr id="2" name="Title 1"/>
+          <p:cNvSpPr>
+            <a:spLocks noGrp="1"/>
+          </p:cNvSpPr>
+          <p:nvPr>
+            <p:ph type="title"/>
+          </p:nvPr>
+        </p:nvSpPr>
+        <p:spPr>
+          <a:xfrm>
+            <a:off x="677334" y="136264"/>
+            <a:ext cx="8596668" cy="616771"/>
+          </a:xfrm>
+        </p:spPr>
+        <p:txBody>
+          <a:bodyPr>
+            <a:normAutofit fontScale="90000"/>
+          </a:bodyPr>
+          <a:lstStyle/>
+          <a:p>
+            <a:pPr algn="ctr"/>
+            <a:r>
+              <a:rPr lang="en-US" dirty="0" smtClean="0">
+                <a:solidFill>
+                  <a:srgbClr val="7030A0"/>
+                </a:solidFill>
+              </a:rPr>
+              <a:t>Higher-order </a:t>
+            </a:r>
+            <a:r>
+              <a:rPr lang="en-US" dirty="0">
+                <a:solidFill>
+                  <a:srgbClr val="7030A0"/>
+                </a:solidFill>
+              </a:rPr>
+              <a:t>Functions</a:t>
+            </a:r>
+            <a:endParaRPr lang="en-US" dirty="0"/>
+          </a:p>
+        </p:txBody>
+      </p:sp>
+      <p:sp>
+        <p:nvSpPr>
+          <p:cNvPr id="3" name="Content Placeholder 2"/>
+          <p:cNvSpPr>
+            <a:spLocks noGrp="1"/>
+          </p:cNvSpPr>
+          <p:nvPr>
+            <p:ph idx="1"/>
+          </p:nvPr>
+        </p:nvSpPr>
+        <p:spPr>
+          <a:xfrm>
+            <a:off x="677334" y="753035"/>
+            <a:ext cx="8596668" cy="5288327"/>
+          </a:xfrm>
+        </p:spPr>
+        <p:txBody>
+          <a:bodyPr/>
+          <a:lstStyle/>
+          <a:p>
+            <a:r>
+              <a:rPr lang="en-US" dirty="0"/>
+              <a:t>functions that </a:t>
+            </a:r>
+            <a:r>
+              <a:rPr lang="en-US" i="1" dirty="0"/>
+              <a:t>take other functions as parameters</a:t>
+            </a:r>
+            <a:r>
+              <a:rPr lang="en-US" dirty="0"/>
+              <a:t>, or whose </a:t>
+            </a:r>
+            <a:r>
+              <a:rPr lang="en-US" i="1" dirty="0"/>
+              <a:t>result is a </a:t>
+            </a:r>
+            <a:r>
+              <a:rPr lang="en-US" i="1" dirty="0" smtClean="0"/>
+              <a:t>function</a:t>
+            </a:r>
+          </a:p>
+          <a:p>
+            <a:pPr marL="457200" lvl="1" indent="0">
+              <a:spcBef>
+                <a:spcPts val="0"/>
+              </a:spcBef>
+              <a:buNone/>
+            </a:pPr>
+            <a:r>
+              <a:rPr lang="en-US" dirty="0" smtClean="0"/>
+              <a:t>  </a:t>
+            </a:r>
+            <a:r>
+              <a:rPr lang="en-US" sz="1200" dirty="0" err="1" smtClean="0"/>
+              <a:t>def</a:t>
+            </a:r>
+            <a:r>
+              <a:rPr lang="en-US" sz="1200" dirty="0" smtClean="0"/>
+              <a:t> </a:t>
+            </a:r>
+            <a:r>
+              <a:rPr lang="en-US" sz="1200" dirty="0"/>
+              <a:t>apply(f: </a:t>
+            </a:r>
+            <a:r>
+              <a:rPr lang="en-US" sz="1200" dirty="0" err="1"/>
+              <a:t>Int</a:t>
+            </a:r>
+            <a:r>
+              <a:rPr lang="en-US" sz="1200" dirty="0"/>
+              <a:t> =&gt; String, v: </a:t>
+            </a:r>
+            <a:r>
+              <a:rPr lang="en-US" sz="1200" dirty="0" err="1"/>
+              <a:t>Int</a:t>
+            </a:r>
+            <a:r>
+              <a:rPr lang="en-US" sz="1200" dirty="0"/>
+              <a:t>) = f(v</a:t>
+            </a:r>
+            <a:r>
+              <a:rPr lang="en-US" sz="1200" dirty="0" smtClean="0"/>
+              <a:t>)</a:t>
+            </a:r>
+          </a:p>
+          <a:p>
+            <a:pPr marL="457200" lvl="1" indent="0">
+              <a:spcBef>
+                <a:spcPts val="0"/>
+              </a:spcBef>
+              <a:buNone/>
+            </a:pPr>
+            <a:endParaRPr lang="en-US" sz="1200" dirty="0" smtClean="0"/>
+          </a:p>
+          <a:p>
+            <a:pPr marL="457200" lvl="1" indent="0">
+              <a:spcBef>
+                <a:spcPts val="0"/>
+              </a:spcBef>
+              <a:buNone/>
+            </a:pPr>
+            <a:r>
+              <a:rPr lang="en-US" sz="1200" dirty="0"/>
+              <a:t>	</a:t>
+            </a:r>
+            <a:r>
+              <a:rPr lang="en-US" sz="1200" dirty="0" smtClean="0"/>
+              <a:t>first parameter -&gt; function which takes input as Integer and returns String</a:t>
+            </a:r>
+          </a:p>
+          <a:p>
+            <a:pPr marL="457200" lvl="1" indent="0">
+              <a:spcBef>
+                <a:spcPts val="0"/>
+              </a:spcBef>
+              <a:buNone/>
+            </a:pPr>
+            <a:r>
+              <a:rPr lang="en-US" sz="1200" dirty="0"/>
+              <a:t>	</a:t>
+            </a:r>
+            <a:r>
+              <a:rPr lang="en-US" sz="1200" dirty="0" smtClean="0"/>
+              <a:t>second parameter -&gt; Integer </a:t>
+            </a:r>
+          </a:p>
+          <a:p>
+            <a:pPr marL="457200" lvl="1" indent="0">
+              <a:spcBef>
+                <a:spcPts val="0"/>
+              </a:spcBef>
+              <a:buNone/>
+            </a:pPr>
+            <a:r>
+              <a:rPr lang="en-US" sz="1200" dirty="0"/>
+              <a:t>	</a:t>
+            </a:r>
+            <a:r>
+              <a:rPr lang="en-US" sz="1200" dirty="0" smtClean="0"/>
+              <a:t>Body -&gt; evaluation of function on the second </a:t>
+            </a:r>
+            <a:r>
+              <a:rPr lang="en-US" sz="1200" dirty="0" err="1" smtClean="0"/>
+              <a:t>param</a:t>
+            </a:r>
+            <a:endParaRPr lang="en-US" sz="1200" dirty="0" smtClean="0"/>
+          </a:p>
+        </p:txBody>
+      </p:sp>
+    </p:spTree>
+    <p:extLst>
+      <p:ext uri="{BB962C8B-B14F-4D97-AF65-F5344CB8AC3E}">
+        <p14:creationId xmlns:p14="http://schemas.microsoft.com/office/powerpoint/2010/main" val="1195265072"/>
+      </p:ext>
+    </p:extLst>
+  </p:cSld>
+  <p:clrMapOvr>
+    <a:masterClrMapping/>
+  </p:clrMapOvr>
+</p:sld>
+</file>
+
+<file path=ppt/slides/slide17.xml><?xml version="1.0" encoding="utf-8"?>
+<p:sld xmlns:a="http://schemas.openxmlformats.org/drawingml/2006/main" xmlns:r="http://schemas.openxmlformats.org/officeDocument/2006/relationships" xmlns:p="http://schemas.openxmlformats.org/presentationml/2006/main">
+  <p:cSld>
+    <p:spTree>
+      <p:nvGrpSpPr>
+        <p:cNvPr id="1" name=""/>
+        <p:cNvGrpSpPr/>
+        <p:nvPr/>
+      </p:nvGrpSpPr>
+      <p:grpSpPr>
+        <a:xfrm>
+          <a:off x="0" y="0"/>
+          <a:ext cx="0" cy="0"/>
+          <a:chOff x="0" y="0"/>
+          <a:chExt cx="0" cy="0"/>
+        </a:xfrm>
+      </p:grpSpPr>
+      <p:sp>
+        <p:nvSpPr>
+          <p:cNvPr id="2" name="Title 1"/>
+          <p:cNvSpPr>
+            <a:spLocks noGrp="1"/>
+          </p:cNvSpPr>
+          <p:nvPr>
+            <p:ph type="title"/>
+          </p:nvPr>
+        </p:nvSpPr>
+        <p:spPr>
+          <a:xfrm>
+            <a:off x="677334" y="136264"/>
+            <a:ext cx="8596668" cy="616771"/>
+          </a:xfrm>
+        </p:spPr>
+        <p:txBody>
+          <a:bodyPr>
+            <a:normAutofit fontScale="90000"/>
+          </a:bodyPr>
+          <a:lstStyle/>
+          <a:p>
+            <a:pPr algn="ctr"/>
+            <a:r>
+              <a:rPr lang="en-US" dirty="0" smtClean="0">
+                <a:solidFill>
+                  <a:srgbClr val="7030A0"/>
+                </a:solidFill>
+              </a:rPr>
+              <a:t>Nested </a:t>
+            </a:r>
+            <a:r>
+              <a:rPr lang="en-US" dirty="0">
+                <a:solidFill>
+                  <a:srgbClr val="7030A0"/>
+                </a:solidFill>
+              </a:rPr>
+              <a:t>Functions</a:t>
+            </a:r>
+            <a:endParaRPr lang="en-US" dirty="0"/>
+          </a:p>
+        </p:txBody>
+      </p:sp>
+      <p:sp>
+        <p:nvSpPr>
+          <p:cNvPr id="3" name="Content Placeholder 2"/>
+          <p:cNvSpPr>
+            <a:spLocks noGrp="1"/>
+          </p:cNvSpPr>
+          <p:nvPr>
+            <p:ph idx="1"/>
+          </p:nvPr>
+        </p:nvSpPr>
+        <p:spPr>
+          <a:xfrm>
+            <a:off x="677334" y="753035"/>
+            <a:ext cx="8596668" cy="5288327"/>
+          </a:xfrm>
+        </p:spPr>
+        <p:txBody>
+          <a:bodyPr/>
+          <a:lstStyle/>
+          <a:p>
+            <a:r>
+              <a:rPr lang="en-US" dirty="0" smtClean="0"/>
+              <a:t>possible </a:t>
+            </a:r>
+            <a:r>
+              <a:rPr lang="en-US" dirty="0"/>
+              <a:t>to </a:t>
+            </a:r>
+            <a:r>
+              <a:rPr lang="en-US" dirty="0" smtClean="0"/>
+              <a:t>define functions within </a:t>
+            </a:r>
+            <a:r>
+              <a:rPr lang="en-US" dirty="0"/>
+              <a:t>functions </a:t>
+            </a:r>
+            <a:endParaRPr lang="en-US" dirty="0" smtClean="0"/>
+          </a:p>
+          <a:p>
+            <a:endParaRPr lang="en-US" sz="1200" dirty="0"/>
+          </a:p>
+          <a:p>
+            <a:pPr marL="0" indent="0">
+              <a:buNone/>
+            </a:pPr>
+            <a:r>
+              <a:rPr lang="en-US" sz="1200" dirty="0"/>
+              <a:t>	</a:t>
+            </a:r>
+            <a:r>
+              <a:rPr lang="en-US" sz="1200" dirty="0" err="1" smtClean="0"/>
+              <a:t>def</a:t>
+            </a:r>
+            <a:r>
+              <a:rPr lang="en-US" sz="1200" dirty="0" smtClean="0"/>
+              <a:t>  main(</a:t>
+            </a:r>
+            <a:r>
+              <a:rPr lang="en-US" sz="1200" dirty="0" err="1" smtClean="0"/>
+              <a:t>s:Array</a:t>
+            </a:r>
+            <a:r>
+              <a:rPr lang="en-US" sz="1200" dirty="0" smtClean="0"/>
+              <a:t>[String]){</a:t>
+            </a:r>
+          </a:p>
+          <a:p>
+            <a:pPr marL="0" indent="0">
+              <a:buNone/>
+            </a:pPr>
+            <a:r>
+              <a:rPr lang="en-US" sz="1200" dirty="0" smtClean="0"/>
+              <a:t>	      </a:t>
+            </a:r>
+            <a:r>
+              <a:rPr lang="en-US" sz="1200" dirty="0" err="1" smtClean="0"/>
+              <a:t>def</a:t>
+            </a:r>
+            <a:r>
+              <a:rPr lang="en-US" sz="1200" dirty="0" smtClean="0"/>
+              <a:t> add (</a:t>
+            </a:r>
+            <a:r>
+              <a:rPr lang="en-US" sz="1200" dirty="0" err="1" smtClean="0"/>
+              <a:t>a:Int,b:Int</a:t>
+            </a:r>
+            <a:r>
+              <a:rPr lang="en-US" sz="1200" dirty="0" smtClean="0"/>
+              <a:t>):</a:t>
+            </a:r>
+            <a:r>
+              <a:rPr lang="en-US" sz="1200" dirty="0" err="1" smtClean="0"/>
+              <a:t>Int</a:t>
+            </a:r>
+            <a:r>
+              <a:rPr lang="en-US" sz="1200" dirty="0" smtClean="0"/>
+              <a:t> = a + b   // Define the function within function</a:t>
+            </a:r>
+            <a:endParaRPr lang="en-US" sz="1200" dirty="0"/>
+          </a:p>
+          <a:p>
+            <a:pPr marL="0" indent="0">
+              <a:buNone/>
+            </a:pPr>
+            <a:r>
+              <a:rPr lang="en-US" sz="1200" dirty="0" smtClean="0"/>
+              <a:t>	       </a:t>
+            </a:r>
+            <a:r>
+              <a:rPr lang="en-US" sz="1200" dirty="0" err="1" smtClean="0"/>
+              <a:t>println</a:t>
+            </a:r>
+            <a:r>
+              <a:rPr lang="en-US" sz="1200" dirty="0" smtClean="0"/>
+              <a:t> (add(3,4))       // output result</a:t>
+            </a:r>
+          </a:p>
+          <a:p>
+            <a:pPr marL="0" indent="0">
+              <a:buNone/>
+            </a:pPr>
+            <a:r>
+              <a:rPr lang="en-US" sz="1200" dirty="0" smtClean="0"/>
+              <a:t>	}</a:t>
+            </a:r>
+          </a:p>
+          <a:p>
+            <a:pPr marL="0" indent="0">
+              <a:buNone/>
+            </a:pPr>
+            <a:r>
+              <a:rPr lang="en-US" sz="1200" dirty="0" smtClean="0"/>
+              <a:t>	</a:t>
+            </a:r>
+          </a:p>
+          <a:p>
+            <a:pPr marL="0" indent="0">
+              <a:buNone/>
+            </a:pPr>
+            <a:endParaRPr lang="en-US" sz="1200" dirty="0"/>
+          </a:p>
+          <a:p>
+            <a:pPr marL="0" indent="0">
+              <a:buNone/>
+            </a:pPr>
+            <a:r>
+              <a:rPr lang="en-US" sz="1200" dirty="0" smtClean="0"/>
+              <a:t>	</a:t>
+            </a:r>
+            <a:r>
+              <a:rPr lang="en-US" sz="1200" dirty="0" err="1" smtClean="0"/>
+              <a:t>def</a:t>
+            </a:r>
+            <a:r>
+              <a:rPr lang="en-US" sz="1200" dirty="0" smtClean="0"/>
+              <a:t>  manipulate(</a:t>
+            </a:r>
+            <a:r>
+              <a:rPr lang="en-US" sz="1200" dirty="0" err="1" smtClean="0"/>
+              <a:t>s:String</a:t>
+            </a:r>
+            <a:r>
+              <a:rPr lang="en-US" sz="1200" dirty="0" smtClean="0"/>
+              <a:t>){</a:t>
+            </a:r>
+          </a:p>
+          <a:p>
+            <a:pPr marL="0" indent="0">
+              <a:buNone/>
+            </a:pPr>
+            <a:r>
+              <a:rPr lang="en-US" sz="1200" dirty="0"/>
+              <a:t>	</a:t>
+            </a:r>
+            <a:r>
+              <a:rPr lang="en-US" sz="1200" dirty="0" smtClean="0"/>
+              <a:t>	</a:t>
+            </a:r>
+            <a:r>
+              <a:rPr lang="en-US" sz="1200" dirty="0" err="1" smtClean="0"/>
+              <a:t>def</a:t>
+            </a:r>
+            <a:r>
+              <a:rPr lang="en-US" sz="1200" dirty="0" smtClean="0"/>
+              <a:t>  </a:t>
+            </a:r>
+            <a:r>
+              <a:rPr lang="en-US" sz="1200" dirty="0" err="1" smtClean="0"/>
+              <a:t>doubleInt</a:t>
+            </a:r>
+            <a:r>
+              <a:rPr lang="en-US" sz="1200" dirty="0" smtClean="0"/>
+              <a:t>(</a:t>
+            </a:r>
+            <a:r>
+              <a:rPr lang="en-US" sz="1200" dirty="0" err="1" smtClean="0"/>
+              <a:t>a:Int</a:t>
+            </a:r>
+            <a:r>
+              <a:rPr lang="en-US" sz="1200" dirty="0" smtClean="0"/>
+              <a:t>) = a * 2</a:t>
+            </a:r>
+          </a:p>
+          <a:p>
+            <a:pPr marL="0" indent="0">
+              <a:buNone/>
+            </a:pPr>
+            <a:r>
+              <a:rPr lang="en-US" sz="1200" dirty="0"/>
+              <a:t>	</a:t>
+            </a:r>
+            <a:r>
+              <a:rPr lang="en-US" sz="1200" dirty="0" smtClean="0"/>
+              <a:t>	if(s)</a:t>
+            </a:r>
+            <a:endParaRPr lang="en-US" sz="1200" dirty="0"/>
+          </a:p>
+          <a:p>
+            <a:pPr marL="0" indent="0">
+              <a:buNone/>
+            </a:pPr>
+            <a:r>
+              <a:rPr lang="en-US" sz="1200" dirty="0"/>
+              <a:t>	 </a:t>
+            </a:r>
+            <a:r>
+              <a:rPr lang="en-US" sz="1200" dirty="0" smtClean="0"/>
+              <a:t>}</a:t>
+            </a:r>
+            <a:endParaRPr lang="en-US" sz="1200" dirty="0"/>
+          </a:p>
+          <a:p>
+            <a:pPr marL="0" indent="0">
+              <a:buNone/>
+            </a:pPr>
+            <a:endParaRPr lang="en-US" sz="1200" dirty="0" smtClean="0"/>
+          </a:p>
+          <a:p>
+            <a:pPr marL="457200" lvl="1" indent="0">
+              <a:spcBef>
+                <a:spcPts val="0"/>
+              </a:spcBef>
+              <a:buNone/>
+            </a:pPr>
+            <a:r>
+              <a:rPr lang="en-US" sz="1200" dirty="0"/>
+              <a:t>	</a:t>
+            </a:r>
+            <a:endParaRPr lang="en-US" sz="1200" dirty="0" smtClean="0"/>
+          </a:p>
+        </p:txBody>
+      </p:sp>
+    </p:spTree>
+    <p:extLst>
+      <p:ext uri="{BB962C8B-B14F-4D97-AF65-F5344CB8AC3E}">
+        <p14:creationId xmlns:p14="http://schemas.microsoft.com/office/powerpoint/2010/main" val="3155071831"/>
+      </p:ext>
+    </p:extLst>
+  </p:cSld>
+  <p:clrMapOvr>
+    <a:masterClrMapping/>
+  </p:clrMapOvr>
+</p:sld>
+</file>
+
+<file path=ppt/slides/slide18.xml><?xml version="1.0" encoding="utf-8"?>
+<p:sld xmlns:a="http://schemas.openxmlformats.org/drawingml/2006/main" xmlns:r="http://schemas.openxmlformats.org/officeDocument/2006/relationships" xmlns:p="http://schemas.openxmlformats.org/presentationml/2006/main">
+  <p:cSld>
+    <p:spTree>
+      <p:nvGrpSpPr>
+        <p:cNvPr id="1" name=""/>
+        <p:cNvGrpSpPr/>
+        <p:nvPr/>
+      </p:nvGrpSpPr>
+      <p:grpSpPr>
+        <a:xfrm>
+          <a:off x="0" y="0"/>
+          <a:ext cx="0" cy="0"/>
+          <a:chOff x="0" y="0"/>
+          <a:chExt cx="0" cy="0"/>
+        </a:xfrm>
+      </p:grpSpPr>
+      <p:sp>
+        <p:nvSpPr>
+          <p:cNvPr id="2" name="Title 1"/>
+          <p:cNvSpPr>
+            <a:spLocks noGrp="1"/>
+          </p:cNvSpPr>
+          <p:nvPr>
+            <p:ph type="title"/>
+          </p:nvPr>
+        </p:nvSpPr>
+        <p:spPr/>
+        <p:txBody>
+          <a:bodyPr/>
+          <a:lstStyle/>
+          <a:p>
+            <a:endParaRPr lang="en-US"/>
+          </a:p>
+        </p:txBody>
+      </p:sp>
+      <p:sp>
+        <p:nvSpPr>
+          <p:cNvPr id="3" name="Content Placeholder 2"/>
+          <p:cNvSpPr>
+            <a:spLocks noGrp="1"/>
+          </p:cNvSpPr>
+          <p:nvPr>
+            <p:ph idx="1"/>
+          </p:nvPr>
+        </p:nvSpPr>
+        <p:spPr/>
+        <p:txBody>
+          <a:bodyPr/>
+          <a:lstStyle/>
+          <a:p>
+            <a:endParaRPr lang="en-US"/>
+          </a:p>
+        </p:txBody>
+      </p:sp>
+    </p:spTree>
+    <p:extLst>
+      <p:ext uri="{BB962C8B-B14F-4D97-AF65-F5344CB8AC3E}">
+        <p14:creationId xmlns:p14="http://schemas.microsoft.com/office/powerpoint/2010/main" val="2432565983"/>
+      </p:ext>
+    </p:extLst>
+  </p:cSld>
+  <p:clrMapOvr>
+    <a:masterClrMapping/>
+  </p:clrMapOvr>
+</p:sld>
+</file>
+
+<file path=ppt/slides/slide19.xml><?xml version="1.0" encoding="utf-8"?>
 <p:sld xmlns:a="http://schemas.openxmlformats.org/drawingml/2006/main" xmlns:r="http://schemas.openxmlformats.org/officeDocument/2006/relationships" xmlns:p="http://schemas.openxmlformats.org/presentationml/2006/main">
   <p:cSld>
     <p:spTree>

--- a/ScalaRepositary/ScalaTrainingPrep/Scala.pptx
+++ b/ScalaRepositary/ScalaTrainingPrep/Scala.pptx
@@ -25,7 +25,7 @@
     <p:sldId id="271" r:id="rId16"/>
     <p:sldId id="275" r:id="rId17"/>
     <p:sldId id="276" r:id="rId18"/>
-    <p:sldId id="274" r:id="rId19"/>
+    <p:sldId id="277" r:id="rId19"/>
     <p:sldId id="273" r:id="rId20"/>
   </p:sldIdLst>
   <p:sldSz cx="12192000" cy="6858000"/>
@@ -215,7 +215,7 @@
           <a:p>
             <a:fld id="{3240BC99-1AF2-4BD1-B6C5-9B1A6BD04C8E}" type="datetimeFigureOut">
               <a:rPr lang="en-US" smtClean="0"/>
-              <a:t>4/22/2016</a:t>
+              <a:t>5/4/2016</a:t>
             </a:fld>
             <a:endParaRPr lang="en-US"/>
           </a:p>
@@ -2084,6 +2084,138 @@
     <p:extLst>
       <p:ext uri="{BB962C8B-B14F-4D97-AF65-F5344CB8AC3E}">
         <p14:creationId xmlns:p14="http://schemas.microsoft.com/office/powerpoint/2010/main" val="3130888602"/>
+      </p:ext>
+    </p:extLst>
+  </p:cSld>
+  <p:clrMapOvr>
+    <a:masterClrMapping/>
+  </p:clrMapOvr>
+</p:notes>
+</file>
+
+<file path=ppt/notesSlides/notesSlide9.xml><?xml version="1.0" encoding="utf-8"?>
+<p:notes xmlns:a="http://schemas.openxmlformats.org/drawingml/2006/main" xmlns:r="http://schemas.openxmlformats.org/officeDocument/2006/relationships" xmlns:p="http://schemas.openxmlformats.org/presentationml/2006/main">
+  <p:cSld>
+    <p:spTree>
+      <p:nvGrpSpPr>
+        <p:cNvPr id="1" name=""/>
+        <p:cNvGrpSpPr/>
+        <p:nvPr/>
+      </p:nvGrpSpPr>
+      <p:grpSpPr>
+        <a:xfrm>
+          <a:off x="0" y="0"/>
+          <a:ext cx="0" cy="0"/>
+          <a:chOff x="0" y="0"/>
+          <a:chExt cx="0" cy="0"/>
+        </a:xfrm>
+      </p:grpSpPr>
+      <p:sp>
+        <p:nvSpPr>
+          <p:cNvPr id="2" name="Slide Image Placeholder 1"/>
+          <p:cNvSpPr>
+            <a:spLocks noGrp="1" noRot="1" noChangeAspect="1"/>
+          </p:cNvSpPr>
+          <p:nvPr>
+            <p:ph type="sldImg"/>
+          </p:nvPr>
+        </p:nvSpPr>
+        <p:spPr/>
+      </p:sp>
+      <p:sp>
+        <p:nvSpPr>
+          <p:cNvPr id="3" name="Notes Placeholder 2"/>
+          <p:cNvSpPr>
+            <a:spLocks noGrp="1"/>
+          </p:cNvSpPr>
+          <p:nvPr>
+            <p:ph type="body" idx="1"/>
+          </p:nvPr>
+        </p:nvSpPr>
+        <p:spPr/>
+        <p:txBody>
+          <a:bodyPr/>
+          <a:lstStyle/>
+          <a:p>
+            <a:r>
+              <a:rPr lang="en-US" sz="1200" kern="1200" dirty="0" smtClean="0">
+                <a:solidFill>
+                  <a:schemeClr val="tx1"/>
+                </a:solidFill>
+                <a:effectLst/>
+                <a:latin typeface="+mn-lt"/>
+                <a:ea typeface="+mn-ea"/>
+                <a:cs typeface="+mn-cs"/>
+              </a:rPr>
+              <a:t>type </a:t>
+            </a:r>
+            <a:r>
+              <a:rPr lang="en-US" sz="1200" kern="1200" dirty="0" err="1" smtClean="0">
+                <a:solidFill>
+                  <a:schemeClr val="tx1"/>
+                </a:solidFill>
+                <a:effectLst/>
+                <a:latin typeface="+mn-lt"/>
+                <a:ea typeface="+mn-ea"/>
+                <a:cs typeface="+mn-cs"/>
+              </a:rPr>
+              <a:t>Str</a:t>
+            </a:r>
+            <a:r>
+              <a:rPr lang="en-US" sz="1200" kern="1200" dirty="0" smtClean="0">
+                <a:solidFill>
+                  <a:schemeClr val="tx1"/>
+                </a:solidFill>
+                <a:effectLst/>
+                <a:latin typeface="+mn-lt"/>
+                <a:ea typeface="+mn-ea"/>
+                <a:cs typeface="+mn-cs"/>
+              </a:rPr>
+              <a:t> = String defined type alias </a:t>
+            </a:r>
+            <a:r>
+              <a:rPr lang="en-US" sz="1200" kern="1200" dirty="0" err="1" smtClean="0">
+                <a:solidFill>
+                  <a:schemeClr val="tx1"/>
+                </a:solidFill>
+                <a:effectLst/>
+                <a:latin typeface="+mn-lt"/>
+                <a:ea typeface="+mn-ea"/>
+                <a:cs typeface="+mn-cs"/>
+              </a:rPr>
+              <a:t>Str</a:t>
+            </a:r>
+            <a:endParaRPr lang="en-US" dirty="0"/>
+          </a:p>
+        </p:txBody>
+      </p:sp>
+      <p:sp>
+        <p:nvSpPr>
+          <p:cNvPr id="4" name="Slide Number Placeholder 3"/>
+          <p:cNvSpPr>
+            <a:spLocks noGrp="1"/>
+          </p:cNvSpPr>
+          <p:nvPr>
+            <p:ph type="sldNum" sz="quarter" idx="10"/>
+          </p:nvPr>
+        </p:nvSpPr>
+        <p:spPr/>
+        <p:txBody>
+          <a:bodyPr/>
+          <a:lstStyle/>
+          <a:p>
+            <a:fld id="{25B1A631-5F94-4836-930B-DE4ECF0DFEFA}" type="slidenum">
+              <a:rPr lang="en-US" smtClean="0"/>
+              <a:t>18</a:t>
+            </a:fld>
+            <a:endParaRPr lang="en-US"/>
+          </a:p>
+        </p:txBody>
+      </p:sp>
+    </p:spTree>
+    <p:extLst>
+      <p:ext uri="{BB962C8B-B14F-4D97-AF65-F5344CB8AC3E}">
+        <p14:creationId xmlns:p14="http://schemas.microsoft.com/office/powerpoint/2010/main" val="3569207218"/>
       </p:ext>
     </p:extLst>
   </p:cSld>
@@ -2815,7 +2947,7 @@
           <a:p>
             <a:fld id="{A99C5B11-6607-4EFE-9B3F-FCF805DD55B2}" type="datetimeFigureOut">
               <a:rPr lang="en-US" smtClean="0"/>
-              <a:t>4/22/2016</a:t>
+              <a:t>5/4/2016</a:t>
             </a:fld>
             <a:endParaRPr lang="en-US"/>
           </a:p>
@@ -3066,7 +3198,7 @@
           <a:p>
             <a:fld id="{A99C5B11-6607-4EFE-9B3F-FCF805DD55B2}" type="datetimeFigureOut">
               <a:rPr lang="en-US" smtClean="0"/>
-              <a:t>4/22/2016</a:t>
+              <a:t>5/4/2016</a:t>
             </a:fld>
             <a:endParaRPr lang="en-US"/>
           </a:p>
@@ -3380,7 +3512,7 @@
           <a:p>
             <a:fld id="{A99C5B11-6607-4EFE-9B3F-FCF805DD55B2}" type="datetimeFigureOut">
               <a:rPr lang="en-US" smtClean="0"/>
-              <a:t>4/22/2016</a:t>
+              <a:t>5/4/2016</a:t>
             </a:fld>
             <a:endParaRPr lang="en-US"/>
           </a:p>
@@ -3721,7 +3853,7 @@
           <a:p>
             <a:fld id="{A99C5B11-6607-4EFE-9B3F-FCF805DD55B2}" type="datetimeFigureOut">
               <a:rPr lang="en-US" smtClean="0"/>
-              <a:t>4/22/2016</a:t>
+              <a:t>5/4/2016</a:t>
             </a:fld>
             <a:endParaRPr lang="en-US"/>
           </a:p>
@@ -4035,7 +4167,7 @@
           <a:p>
             <a:fld id="{A99C5B11-6607-4EFE-9B3F-FCF805DD55B2}" type="datetimeFigureOut">
               <a:rPr lang="en-US" smtClean="0"/>
-              <a:t>4/22/2016</a:t>
+              <a:t>5/4/2016</a:t>
             </a:fld>
             <a:endParaRPr lang="en-US"/>
           </a:p>
@@ -4428,7 +4560,7 @@
           <a:p>
             <a:fld id="{A99C5B11-6607-4EFE-9B3F-FCF805DD55B2}" type="datetimeFigureOut">
               <a:rPr lang="en-US" smtClean="0"/>
-              <a:t>4/22/2016</a:t>
+              <a:t>5/4/2016</a:t>
             </a:fld>
             <a:endParaRPr lang="en-US"/>
           </a:p>
@@ -4598,7 +4730,7 @@
           <a:p>
             <a:fld id="{A99C5B11-6607-4EFE-9B3F-FCF805DD55B2}" type="datetimeFigureOut">
               <a:rPr lang="en-US" smtClean="0"/>
-              <a:t>4/22/2016</a:t>
+              <a:t>5/4/2016</a:t>
             </a:fld>
             <a:endParaRPr lang="en-US"/>
           </a:p>
@@ -4778,7 +4910,7 @@
           <a:p>
             <a:fld id="{A99C5B11-6607-4EFE-9B3F-FCF805DD55B2}" type="datetimeFigureOut">
               <a:rPr lang="en-US" smtClean="0"/>
-              <a:t>4/22/2016</a:t>
+              <a:t>5/4/2016</a:t>
             </a:fld>
             <a:endParaRPr lang="en-US"/>
           </a:p>
@@ -4954,7 +5086,7 @@
           <a:p>
             <a:fld id="{A99C5B11-6607-4EFE-9B3F-FCF805DD55B2}" type="datetimeFigureOut">
               <a:rPr lang="en-US" smtClean="0"/>
-              <a:t>4/22/2016</a:t>
+              <a:t>5/4/2016</a:t>
             </a:fld>
             <a:endParaRPr lang="en-US"/>
           </a:p>
@@ -5201,7 +5333,7 @@
           <a:p>
             <a:fld id="{A99C5B11-6607-4EFE-9B3F-FCF805DD55B2}" type="datetimeFigureOut">
               <a:rPr lang="en-US" smtClean="0"/>
-              <a:t>4/22/2016</a:t>
+              <a:t>5/4/2016</a:t>
             </a:fld>
             <a:endParaRPr lang="en-US"/>
           </a:p>
@@ -5433,7 +5565,7 @@
           <a:p>
             <a:fld id="{A99C5B11-6607-4EFE-9B3F-FCF805DD55B2}" type="datetimeFigureOut">
               <a:rPr lang="en-US" smtClean="0"/>
-              <a:t>4/22/2016</a:t>
+              <a:t>5/4/2016</a:t>
             </a:fld>
             <a:endParaRPr lang="en-US"/>
           </a:p>
@@ -5812,7 +5944,7 @@
           <a:p>
             <a:fld id="{A99C5B11-6607-4EFE-9B3F-FCF805DD55B2}" type="datetimeFigureOut">
               <a:rPr lang="en-US" smtClean="0"/>
-              <a:t>4/22/2016</a:t>
+              <a:t>5/4/2016</a:t>
             </a:fld>
             <a:endParaRPr lang="en-US"/>
           </a:p>
@@ -5940,7 +6072,7 @@
           <a:p>
             <a:fld id="{A99C5B11-6607-4EFE-9B3F-FCF805DD55B2}" type="datetimeFigureOut">
               <a:rPr lang="en-US" smtClean="0"/>
-              <a:t>4/22/2016</a:t>
+              <a:t>5/4/2016</a:t>
             </a:fld>
             <a:endParaRPr lang="en-US"/>
           </a:p>
@@ -6035,7 +6167,7 @@
           <a:p>
             <a:fld id="{A99C5B11-6607-4EFE-9B3F-FCF805DD55B2}" type="datetimeFigureOut">
               <a:rPr lang="en-US" smtClean="0"/>
-              <a:t>4/22/2016</a:t>
+              <a:t>5/4/2016</a:t>
             </a:fld>
             <a:endParaRPr lang="en-US"/>
           </a:p>
@@ -6290,7 +6422,7 @@
           <a:p>
             <a:fld id="{A99C5B11-6607-4EFE-9B3F-FCF805DD55B2}" type="datetimeFigureOut">
               <a:rPr lang="en-US" smtClean="0"/>
-              <a:t>4/22/2016</a:t>
+              <a:t>5/4/2016</a:t>
             </a:fld>
             <a:endParaRPr lang="en-US"/>
           </a:p>
@@ -6558,7 +6690,7 @@
           <a:p>
             <a:fld id="{A99C5B11-6607-4EFE-9B3F-FCF805DD55B2}" type="datetimeFigureOut">
               <a:rPr lang="en-US" smtClean="0"/>
-              <a:t>4/22/2016</a:t>
+              <a:t>5/4/2016</a:t>
             </a:fld>
             <a:endParaRPr lang="en-US"/>
           </a:p>
@@ -7301,7 +7433,7 @@
           <a:p>
             <a:fld id="{A99C5B11-6607-4EFE-9B3F-FCF805DD55B2}" type="datetimeFigureOut">
               <a:rPr lang="en-US" smtClean="0"/>
-              <a:t>4/22/2016</a:t>
+              <a:t>5/4/2016</a:t>
             </a:fld>
             <a:endParaRPr lang="en-US"/>
           </a:p>
@@ -10315,12 +10447,28 @@
             <p:ph type="title"/>
           </p:nvPr>
         </p:nvSpPr>
-        <p:spPr/>
+        <p:spPr>
+          <a:xfrm>
+            <a:off x="677334" y="136264"/>
+            <a:ext cx="8596668" cy="616771"/>
+          </a:xfrm>
+        </p:spPr>
         <p:txBody>
-          <a:bodyPr/>
+          <a:bodyPr>
+            <a:normAutofit fontScale="90000"/>
+          </a:bodyPr>
           <a:lstStyle/>
           <a:p>
-            <a:endParaRPr lang="en-US"/>
+            <a:pPr algn="ctr"/>
+            <a:r>
+              <a:rPr lang="en-US" dirty="0" smtClean="0">
+                <a:solidFill>
+                  <a:srgbClr val="7030A0"/>
+                </a:solidFill>
+              </a:rPr>
+              <a:t>Currying Functions</a:t>
+            </a:r>
+            <a:endParaRPr lang="en-US" dirty="0"/>
           </a:p>
         </p:txBody>
       </p:sp>
@@ -10334,19 +10482,215 @@
             <p:ph idx="1"/>
           </p:nvPr>
         </p:nvSpPr>
-        <p:spPr/>
+        <p:spPr>
+          <a:xfrm>
+            <a:off x="677334" y="753035"/>
+            <a:ext cx="8596668" cy="5288327"/>
+          </a:xfrm>
+        </p:spPr>
         <p:txBody>
           <a:bodyPr/>
           <a:lstStyle/>
           <a:p>
-            <a:endParaRPr lang="en-US"/>
+            <a:r>
+              <a:rPr lang="en-US" dirty="0" smtClean="0"/>
+              <a:t>Transforms </a:t>
+            </a:r>
+            <a:r>
+              <a:rPr lang="en-US" dirty="0"/>
+              <a:t>a function that takes multiple parameters into a chain of functions, each taking a single parameter</a:t>
+            </a:r>
+            <a:endParaRPr lang="en-US" dirty="0" smtClean="0"/>
+          </a:p>
+          <a:p>
+            <a:r>
+              <a:rPr lang="en-US" sz="1200" dirty="0" smtClean="0"/>
+              <a:t>Def 1:</a:t>
+            </a:r>
+            <a:endParaRPr lang="en-US" sz="1200" dirty="0"/>
+          </a:p>
+          <a:p>
+            <a:pPr marL="0" indent="0">
+              <a:buNone/>
+            </a:pPr>
+            <a:r>
+              <a:rPr lang="en-US" sz="1200" dirty="0"/>
+              <a:t>	</a:t>
+            </a:r>
+            <a:r>
+              <a:rPr lang="en-US" sz="1200" dirty="0" err="1"/>
+              <a:t>def</a:t>
+            </a:r>
+            <a:r>
+              <a:rPr lang="en-US" sz="1200" dirty="0"/>
+              <a:t> </a:t>
+            </a:r>
+            <a:r>
+              <a:rPr lang="en-US" sz="1200" dirty="0" err="1"/>
+              <a:t>strcat</a:t>
+            </a:r>
+            <a:r>
+              <a:rPr lang="en-US" sz="1200" dirty="0"/>
+              <a:t>(s1: String)(s2: String) = s1 + </a:t>
+            </a:r>
+            <a:r>
+              <a:rPr lang="en-US" sz="1200" dirty="0" smtClean="0"/>
+              <a:t>s2</a:t>
+            </a:r>
+          </a:p>
+          <a:p>
+            <a:pPr marL="0" indent="0">
+              <a:buNone/>
+            </a:pPr>
+            <a:endParaRPr lang="en-US" sz="1200" dirty="0"/>
+          </a:p>
+          <a:p>
+            <a:r>
+              <a:rPr lang="en-US" sz="1200" dirty="0" smtClean="0"/>
+              <a:t>	</a:t>
+            </a:r>
+            <a:r>
+              <a:rPr lang="en-US" sz="1200" dirty="0"/>
+              <a:t>Def 2:</a:t>
+            </a:r>
+          </a:p>
+          <a:p>
+            <a:pPr marL="457200" lvl="1" indent="0">
+              <a:spcBef>
+                <a:spcPts val="0"/>
+              </a:spcBef>
+              <a:buNone/>
+            </a:pPr>
+            <a:r>
+              <a:rPr lang="en-US" sz="1200" dirty="0" err="1" smtClean="0"/>
+              <a:t>def</a:t>
+            </a:r>
+            <a:r>
+              <a:rPr lang="en-US" sz="1200" dirty="0" smtClean="0"/>
+              <a:t> </a:t>
+            </a:r>
+            <a:r>
+              <a:rPr lang="en-US" sz="1200" dirty="0" err="1"/>
+              <a:t>strcat</a:t>
+            </a:r>
+            <a:r>
+              <a:rPr lang="en-US" sz="1200" dirty="0"/>
+              <a:t>(s1: String) = (s2: String) =&gt; s1 + </a:t>
+            </a:r>
+            <a:r>
+              <a:rPr lang="en-US" sz="1200" dirty="0" smtClean="0"/>
+              <a:t>s2</a:t>
+            </a:r>
+          </a:p>
+          <a:p>
+            <a:pPr marL="457200" lvl="1" indent="0">
+              <a:spcBef>
+                <a:spcPts val="0"/>
+              </a:spcBef>
+              <a:buNone/>
+            </a:pPr>
+            <a:endParaRPr lang="en-US" sz="1200" dirty="0" smtClean="0"/>
+          </a:p>
+          <a:p>
+            <a:pPr marL="342900" lvl="1" indent="-342900"/>
+            <a:r>
+              <a:rPr lang="en-US" sz="1200" dirty="0" smtClean="0"/>
+              <a:t>Calling curried function:</a:t>
+            </a:r>
+          </a:p>
+          <a:p>
+            <a:pPr marL="457200" lvl="1" indent="0">
+              <a:spcBef>
+                <a:spcPts val="0"/>
+              </a:spcBef>
+              <a:buNone/>
+            </a:pPr>
+            <a:r>
+              <a:rPr lang="en-US" sz="1200" dirty="0" err="1"/>
+              <a:t>strcat</a:t>
+            </a:r>
+            <a:r>
+              <a:rPr lang="en-US" sz="1200" dirty="0"/>
+              <a:t>("foo")("bar")</a:t>
+            </a:r>
+          </a:p>
+          <a:p>
+            <a:pPr marL="457200" lvl="1" indent="0">
+              <a:spcBef>
+                <a:spcPts val="0"/>
+              </a:spcBef>
+              <a:buNone/>
+            </a:pPr>
+            <a:endParaRPr lang="en-US" sz="1200" dirty="0" smtClean="0"/>
+          </a:p>
+          <a:p>
+            <a:pPr marL="342900" lvl="1" indent="-342900"/>
+            <a:r>
+              <a:rPr lang="en-US" sz="1200" dirty="0"/>
+              <a:t>When a method is called with a fewer number of parameter lists, then this will yield a function taking the missing parameter lists as its </a:t>
+            </a:r>
+            <a:r>
+              <a:rPr lang="en-US" sz="1200" dirty="0" smtClean="0"/>
+              <a:t>arguments.</a:t>
+            </a:r>
+          </a:p>
+          <a:p>
+            <a:pPr marL="400050" lvl="2" indent="0">
+              <a:buNone/>
+            </a:pPr>
+            <a:r>
+              <a:rPr lang="en-US" sz="1200" dirty="0"/>
+              <a:t>For </a:t>
+            </a:r>
+            <a:r>
+              <a:rPr lang="en-US" sz="1200" dirty="0" smtClean="0"/>
+              <a:t>Ex : </a:t>
+            </a:r>
+            <a:r>
+              <a:rPr lang="en-US" sz="1200" dirty="0" err="1" smtClean="0"/>
+              <a:t>strcat</a:t>
+            </a:r>
+            <a:r>
+              <a:rPr lang="en-US" sz="1200" dirty="0" smtClean="0"/>
+              <a:t>(“foo”) will return a function of type : String =&gt; String</a:t>
+            </a:r>
+            <a:endParaRPr lang="en-US" sz="1200" dirty="0"/>
+          </a:p>
+          <a:p>
+            <a:pPr marL="400050" lvl="2" indent="0">
+              <a:buNone/>
+            </a:pPr>
+            <a:endParaRPr lang="en-US" sz="1200" dirty="0"/>
+          </a:p>
+          <a:p>
+            <a:pPr marL="342900" lvl="1" indent="-342900"/>
+            <a:r>
+              <a:rPr lang="en-US" sz="1200" dirty="0"/>
+              <a:t>Currying is converting a single function of n arguments into n functions with a single argument </a:t>
+            </a:r>
+            <a:r>
+              <a:rPr lang="en-US" sz="1200" dirty="0" smtClean="0"/>
+              <a:t>each</a:t>
+            </a:r>
+          </a:p>
+          <a:p>
+            <a:pPr marL="342900" lvl="1" indent="-342900"/>
+            <a:r>
+              <a:rPr lang="en-US" sz="1200" dirty="0"/>
+              <a:t>"currying" and "partial application" are two totally different functions. </a:t>
+            </a:r>
+            <a:r>
+              <a:rPr lang="en-US" sz="1200"/>
+              <a:t>Currying takes exactly 1 input, whereas partial application takes 2 (or more) inputs</a:t>
+            </a:r>
+            <a:endParaRPr lang="en-US" sz="1200" dirty="0"/>
           </a:p>
         </p:txBody>
       </p:sp>
     </p:spTree>
     <p:extLst>
       <p:ext uri="{BB962C8B-B14F-4D97-AF65-F5344CB8AC3E}">
-        <p14:creationId xmlns:p14="http://schemas.microsoft.com/office/powerpoint/2010/main" val="2432565983"/>
+        <p14:creationId xmlns:p14="http://schemas.microsoft.com/office/powerpoint/2010/main" val="1542634609"/>
       </p:ext>
     </p:extLst>
   </p:cSld>
@@ -10432,13 +10776,36 @@
               <a:rPr lang="en-US" sz="1200" dirty="0">
                 <a:hlinkClick r:id="rId2"/>
               </a:rPr>
-              <a:t>http://</a:t>
+              <a:t>http://aperiodic.net/phil/scala/s-99</a:t>
             </a:r>
             <a:r>
               <a:rPr lang="en-US" sz="1200" dirty="0" smtClean="0">
                 <a:hlinkClick r:id="rId2"/>
               </a:rPr>
-              <a:t>aperiodic.net/phil/scal</a:t>
+              <a:t>/</a:t>
+            </a:r>
+          </a:p>
+          <a:p>
+            <a:pPr marL="0" indent="0">
+              <a:buNone/>
+            </a:pPr>
+            <a:r>
+              <a:rPr lang="en-US" sz="1200" dirty="0" smtClean="0">
+                <a:hlinkClick r:id="rId2"/>
+              </a:rPr>
+              <a:t>http</a:t>
+            </a:r>
+            <a:r>
+              <a:rPr lang="en-US" sz="1200" dirty="0">
+                <a:hlinkClick r:id="rId2"/>
+              </a:rPr>
+              <a:t>://scala-exercises.47deg.com/koans#assertsa/s-99</a:t>
+            </a:r>
+            <a:r>
+              <a:rPr lang="en-US" sz="1200" dirty="0" smtClean="0">
+                <a:hlinkClick r:id="rId2"/>
+              </a:rPr>
+              <a:t>/</a:t>
             </a:r>
             <a:endParaRPr lang="en-US" sz="1200" dirty="0" smtClean="0"/>
           </a:p>
@@ -10450,12 +10817,30 @@
               <a:rPr lang="en-US" sz="1200" dirty="0">
                 <a:hlinkClick r:id="rId3"/>
               </a:rPr>
-              <a:t>http://scala-exercises.47deg.com/koans#assertsa/s-99</a:t>
+              <a:t>http://</a:t>
             </a:r>
             <a:r>
               <a:rPr lang="en-US" sz="1200" dirty="0" smtClean="0">
                 <a:hlinkClick r:id="rId3"/>
               </a:rPr>
+              <a:t>www.scalatest.org/user_guide/using_assertions</a:t>
+            </a:r>
+            <a:endParaRPr lang="en-US" sz="1200" dirty="0" smtClean="0"/>
+          </a:p>
+          <a:p>
+            <a:pPr marL="0" indent="0">
+              <a:buNone/>
+            </a:pPr>
+            <a:r>
+              <a:rPr lang="en-US" sz="1200" dirty="0">
+                <a:hlinkClick r:id="rId4"/>
+              </a:rPr>
+              <a:t>http://www.vasinov.com/blog/on-currying-and-partial-function-application</a:t>
+            </a:r>
+            <a:r>
+              <a:rPr lang="en-US" sz="1200" dirty="0" smtClean="0">
+                <a:hlinkClick r:id="rId4"/>
+              </a:rPr>
               <a:t>/</a:t>
             </a:r>
             <a:endParaRPr lang="en-US" sz="1200" dirty="0" smtClean="0"/>
@@ -10465,9 +10850,30 @@
               <a:buNone/>
             </a:pPr>
             <a:r>
-              <a:rPr lang="en-US" sz="1200" dirty="0"/>
-              <a:t>http://www.scalatest.org/user_guide/using_assertions</a:t>
-            </a:r>
+              <a:rPr lang="en-US" sz="1200" dirty="0">
+                <a:hlinkClick r:id="rId5"/>
+              </a:rPr>
+              <a:t>http://</a:t>
+            </a:r>
+            <a:r>
+              <a:rPr lang="en-US" sz="1200" dirty="0" smtClean="0">
+                <a:hlinkClick r:id="rId5"/>
+              </a:rPr>
+              <a:t>stackoverflow.com/questions/218025/what-is-the-difference-between-currying-and-partial-application</a:t>
+            </a:r>
+            <a:endParaRPr lang="en-US" sz="1200" dirty="0" smtClean="0"/>
+          </a:p>
+          <a:p>
+            <a:pPr marL="0" indent="0">
+              <a:buNone/>
+            </a:pPr>
+            <a:endParaRPr lang="en-US" sz="1200" dirty="0" smtClean="0"/>
+          </a:p>
+          <a:p>
+            <a:pPr marL="0" indent="0">
+              <a:buNone/>
+            </a:pPr>
+            <a:endParaRPr lang="en-US" sz="1200" dirty="0"/>
           </a:p>
         </p:txBody>
       </p:sp>

--- a/ScalaRepositary/ScalaTrainingPrep/Scala.pptx
+++ b/ScalaRepositary/ScalaTrainingPrep/Scala.pptx
@@ -5,7 +5,7 @@
     <p:sldMasterId id="2147483773" r:id="rId1"/>
   </p:sldMasterIdLst>
   <p:notesMasterIdLst>
-    <p:notesMasterId r:id="rId21"/>
+    <p:notesMasterId r:id="rId25"/>
   </p:notesMasterIdLst>
   <p:sldIdLst>
     <p:sldId id="256" r:id="rId2"/>
@@ -26,7 +26,11 @@
     <p:sldId id="275" r:id="rId17"/>
     <p:sldId id="276" r:id="rId18"/>
     <p:sldId id="277" r:id="rId19"/>
-    <p:sldId id="273" r:id="rId20"/>
+    <p:sldId id="278" r:id="rId20"/>
+    <p:sldId id="281" r:id="rId21"/>
+    <p:sldId id="279" r:id="rId22"/>
+    <p:sldId id="280" r:id="rId23"/>
+    <p:sldId id="273" r:id="rId24"/>
   </p:sldIdLst>
   <p:sldSz cx="12192000" cy="6858000"/>
   <p:notesSz cx="6858000" cy="9144000"/>
@@ -215,7 +219,7 @@
           <a:p>
             <a:fld id="{3240BC99-1AF2-4BD1-B6C5-9B1A6BD04C8E}" type="datetimeFigureOut">
               <a:rPr lang="en-US" smtClean="0"/>
-              <a:t>5/4/2016</a:t>
+              <a:t>5/7/2016</a:t>
             </a:fld>
             <a:endParaRPr lang="en-US"/>
           </a:p>
@@ -570,6 +574,472 @@
     <p:extLst>
       <p:ext uri="{BB962C8B-B14F-4D97-AF65-F5344CB8AC3E}">
         <p14:creationId xmlns:p14="http://schemas.microsoft.com/office/powerpoint/2010/main" val="2758695769"/>
+      </p:ext>
+    </p:extLst>
+  </p:cSld>
+  <p:clrMapOvr>
+    <a:masterClrMapping/>
+  </p:clrMapOvr>
+</p:notes>
+</file>
+
+<file path=ppt/notesSlides/notesSlide10.xml><?xml version="1.0" encoding="utf-8"?>
+<p:notes xmlns:a="http://schemas.openxmlformats.org/drawingml/2006/main" xmlns:r="http://schemas.openxmlformats.org/officeDocument/2006/relationships" xmlns:p="http://schemas.openxmlformats.org/presentationml/2006/main">
+  <p:cSld>
+    <p:spTree>
+      <p:nvGrpSpPr>
+        <p:cNvPr id="1" name=""/>
+        <p:cNvGrpSpPr/>
+        <p:nvPr/>
+      </p:nvGrpSpPr>
+      <p:grpSpPr>
+        <a:xfrm>
+          <a:off x="0" y="0"/>
+          <a:ext cx="0" cy="0"/>
+          <a:chOff x="0" y="0"/>
+          <a:chExt cx="0" cy="0"/>
+        </a:xfrm>
+      </p:grpSpPr>
+      <p:sp>
+        <p:nvSpPr>
+          <p:cNvPr id="2" name="Slide Image Placeholder 1"/>
+          <p:cNvSpPr>
+            <a:spLocks noGrp="1" noRot="1" noChangeAspect="1"/>
+          </p:cNvSpPr>
+          <p:nvPr>
+            <p:ph type="sldImg"/>
+          </p:nvPr>
+        </p:nvSpPr>
+        <p:spPr/>
+      </p:sp>
+      <p:sp>
+        <p:nvSpPr>
+          <p:cNvPr id="3" name="Notes Placeholder 2"/>
+          <p:cNvSpPr>
+            <a:spLocks noGrp="1"/>
+          </p:cNvSpPr>
+          <p:nvPr>
+            <p:ph type="body" idx="1"/>
+          </p:nvPr>
+        </p:nvSpPr>
+        <p:spPr/>
+        <p:txBody>
+          <a:bodyPr/>
+          <a:lstStyle/>
+          <a:p>
+            <a:r>
+              <a:rPr lang="en-US" sz="1200" kern="1200" dirty="0" smtClean="0">
+                <a:solidFill>
+                  <a:schemeClr val="tx1"/>
+                </a:solidFill>
+                <a:effectLst/>
+                <a:latin typeface="+mn-lt"/>
+                <a:ea typeface="+mn-ea"/>
+                <a:cs typeface="+mn-cs"/>
+              </a:rPr>
+              <a:t>type </a:t>
+            </a:r>
+            <a:r>
+              <a:rPr lang="en-US" sz="1200" kern="1200" dirty="0" err="1" smtClean="0">
+                <a:solidFill>
+                  <a:schemeClr val="tx1"/>
+                </a:solidFill>
+                <a:effectLst/>
+                <a:latin typeface="+mn-lt"/>
+                <a:ea typeface="+mn-ea"/>
+                <a:cs typeface="+mn-cs"/>
+              </a:rPr>
+              <a:t>Str</a:t>
+            </a:r>
+            <a:r>
+              <a:rPr lang="en-US" sz="1200" kern="1200" dirty="0" smtClean="0">
+                <a:solidFill>
+                  <a:schemeClr val="tx1"/>
+                </a:solidFill>
+                <a:effectLst/>
+                <a:latin typeface="+mn-lt"/>
+                <a:ea typeface="+mn-ea"/>
+                <a:cs typeface="+mn-cs"/>
+              </a:rPr>
+              <a:t> = String defined type alias </a:t>
+            </a:r>
+            <a:r>
+              <a:rPr lang="en-US" sz="1200" kern="1200" dirty="0" err="1" smtClean="0">
+                <a:solidFill>
+                  <a:schemeClr val="tx1"/>
+                </a:solidFill>
+                <a:effectLst/>
+                <a:latin typeface="+mn-lt"/>
+                <a:ea typeface="+mn-ea"/>
+                <a:cs typeface="+mn-cs"/>
+              </a:rPr>
+              <a:t>Str</a:t>
+            </a:r>
+            <a:endParaRPr lang="en-US" dirty="0"/>
+          </a:p>
+        </p:txBody>
+      </p:sp>
+      <p:sp>
+        <p:nvSpPr>
+          <p:cNvPr id="4" name="Slide Number Placeholder 3"/>
+          <p:cNvSpPr>
+            <a:spLocks noGrp="1"/>
+          </p:cNvSpPr>
+          <p:nvPr>
+            <p:ph type="sldNum" sz="quarter" idx="10"/>
+          </p:nvPr>
+        </p:nvSpPr>
+        <p:spPr/>
+        <p:txBody>
+          <a:bodyPr/>
+          <a:lstStyle/>
+          <a:p>
+            <a:fld id="{25B1A631-5F94-4836-930B-DE4ECF0DFEFA}" type="slidenum">
+              <a:rPr lang="en-US" smtClean="0"/>
+              <a:t>19</a:t>
+            </a:fld>
+            <a:endParaRPr lang="en-US"/>
+          </a:p>
+        </p:txBody>
+      </p:sp>
+    </p:spTree>
+    <p:extLst>
+      <p:ext uri="{BB962C8B-B14F-4D97-AF65-F5344CB8AC3E}">
+        <p14:creationId xmlns:p14="http://schemas.microsoft.com/office/powerpoint/2010/main" val="494104586"/>
+      </p:ext>
+    </p:extLst>
+  </p:cSld>
+  <p:clrMapOvr>
+    <a:masterClrMapping/>
+  </p:clrMapOvr>
+</p:notes>
+</file>
+
+<file path=ppt/notesSlides/notesSlide11.xml><?xml version="1.0" encoding="utf-8"?>
+<p:notes xmlns:a="http://schemas.openxmlformats.org/drawingml/2006/main" xmlns:r="http://schemas.openxmlformats.org/officeDocument/2006/relationships" xmlns:p="http://schemas.openxmlformats.org/presentationml/2006/main">
+  <p:cSld>
+    <p:spTree>
+      <p:nvGrpSpPr>
+        <p:cNvPr id="1" name=""/>
+        <p:cNvGrpSpPr/>
+        <p:nvPr/>
+      </p:nvGrpSpPr>
+      <p:grpSpPr>
+        <a:xfrm>
+          <a:off x="0" y="0"/>
+          <a:ext cx="0" cy="0"/>
+          <a:chOff x="0" y="0"/>
+          <a:chExt cx="0" cy="0"/>
+        </a:xfrm>
+      </p:grpSpPr>
+      <p:sp>
+        <p:nvSpPr>
+          <p:cNvPr id="2" name="Slide Image Placeholder 1"/>
+          <p:cNvSpPr>
+            <a:spLocks noGrp="1" noRot="1" noChangeAspect="1"/>
+          </p:cNvSpPr>
+          <p:nvPr>
+            <p:ph type="sldImg"/>
+          </p:nvPr>
+        </p:nvSpPr>
+        <p:spPr/>
+      </p:sp>
+      <p:sp>
+        <p:nvSpPr>
+          <p:cNvPr id="3" name="Notes Placeholder 2"/>
+          <p:cNvSpPr>
+            <a:spLocks noGrp="1"/>
+          </p:cNvSpPr>
+          <p:nvPr>
+            <p:ph type="body" idx="1"/>
+          </p:nvPr>
+        </p:nvSpPr>
+        <p:spPr/>
+        <p:txBody>
+          <a:bodyPr/>
+          <a:lstStyle/>
+          <a:p>
+            <a:r>
+              <a:rPr lang="en-US" dirty="0" smtClean="0"/>
+              <a:t>Generates a copy method to your class to create other instances starting from another one and keeping some arguments the same</a:t>
+            </a:r>
+          </a:p>
+          <a:p>
+            <a:r>
+              <a:rPr lang="en-US" dirty="0" smtClean="0"/>
+              <a:t>E.g.: Create another instance keeping the </a:t>
+            </a:r>
+            <a:r>
+              <a:rPr lang="en-US" dirty="0" err="1" smtClean="0"/>
+              <a:t>lastname</a:t>
+            </a:r>
+            <a:r>
+              <a:rPr lang="en-US" dirty="0" smtClean="0"/>
+              <a:t> and changing </a:t>
+            </a:r>
+            <a:r>
+              <a:rPr lang="en-US" dirty="0" err="1" smtClean="0"/>
+              <a:t>firstname</a:t>
+            </a:r>
+            <a:r>
+              <a:rPr lang="en-US" dirty="0" smtClean="0"/>
+              <a:t> and </a:t>
+            </a:r>
+            <a:r>
+              <a:rPr lang="en-US" dirty="0" err="1" smtClean="0"/>
+              <a:t>birthYear</a:t>
+            </a:r>
+            <a:r>
+              <a:rPr lang="en-US" dirty="0" smtClean="0"/>
+              <a:t>:</a:t>
+            </a:r>
+          </a:p>
+          <a:p>
+            <a:r>
+              <a:rPr lang="en-US" dirty="0" smtClean="0"/>
+              <a:t>// the result is: Person(</a:t>
+            </a:r>
+            <a:r>
+              <a:rPr lang="en-US" dirty="0" err="1" smtClean="0"/>
+              <a:t>Lacava</a:t>
+            </a:r>
+            <a:r>
+              <a:rPr lang="en-US" dirty="0" smtClean="0"/>
+              <a:t> MICHELE,1972), my brother :)</a:t>
+            </a:r>
+          </a:p>
+          <a:p>
+            <a:r>
+              <a:rPr lang="en-US" dirty="0" err="1" smtClean="0"/>
+              <a:t>val</a:t>
+            </a:r>
+            <a:r>
+              <a:rPr lang="en-US" dirty="0" smtClean="0"/>
+              <a:t> p_3 = </a:t>
+            </a:r>
+            <a:r>
+              <a:rPr lang="en-US" dirty="0" err="1" smtClean="0"/>
+              <a:t>p.copy</a:t>
+            </a:r>
+            <a:r>
+              <a:rPr lang="en-US" dirty="0" smtClean="0"/>
+              <a:t>(</a:t>
+            </a:r>
+            <a:r>
+              <a:rPr lang="en-US" dirty="0" err="1" smtClean="0"/>
+              <a:t>firstname</a:t>
+            </a:r>
+            <a:r>
+              <a:rPr lang="en-US" dirty="0" smtClean="0"/>
+              <a:t> = MICHELE", </a:t>
+            </a:r>
+            <a:r>
+              <a:rPr lang="en-US" dirty="0" err="1" smtClean="0"/>
+              <a:t>birthYear</a:t>
+            </a:r>
+            <a:r>
+              <a:rPr lang="en-US" dirty="0" smtClean="0"/>
+              <a:t> = 1972)</a:t>
+            </a:r>
+            <a:endParaRPr lang="en-US" dirty="0"/>
+          </a:p>
+        </p:txBody>
+      </p:sp>
+      <p:sp>
+        <p:nvSpPr>
+          <p:cNvPr id="4" name="Slide Number Placeholder 3"/>
+          <p:cNvSpPr>
+            <a:spLocks noGrp="1"/>
+          </p:cNvSpPr>
+          <p:nvPr>
+            <p:ph type="sldNum" sz="quarter" idx="10"/>
+          </p:nvPr>
+        </p:nvSpPr>
+        <p:spPr/>
+        <p:txBody>
+          <a:bodyPr/>
+          <a:lstStyle/>
+          <a:p>
+            <a:fld id="{25B1A631-5F94-4836-930B-DE4ECF0DFEFA}" type="slidenum">
+              <a:rPr lang="en-US" smtClean="0"/>
+              <a:t>20</a:t>
+            </a:fld>
+            <a:endParaRPr lang="en-US"/>
+          </a:p>
+        </p:txBody>
+      </p:sp>
+    </p:spTree>
+    <p:extLst>
+      <p:ext uri="{BB962C8B-B14F-4D97-AF65-F5344CB8AC3E}">
+        <p14:creationId xmlns:p14="http://schemas.microsoft.com/office/powerpoint/2010/main" val="1661460966"/>
+      </p:ext>
+    </p:extLst>
+  </p:cSld>
+  <p:clrMapOvr>
+    <a:masterClrMapping/>
+  </p:clrMapOvr>
+</p:notes>
+</file>
+
+<file path=ppt/notesSlides/notesSlide12.xml><?xml version="1.0" encoding="utf-8"?>
+<p:notes xmlns:a="http://schemas.openxmlformats.org/drawingml/2006/main" xmlns:r="http://schemas.openxmlformats.org/officeDocument/2006/relationships" xmlns:p="http://schemas.openxmlformats.org/presentationml/2006/main">
+  <p:cSld>
+    <p:spTree>
+      <p:nvGrpSpPr>
+        <p:cNvPr id="1" name=""/>
+        <p:cNvGrpSpPr/>
+        <p:nvPr/>
+      </p:nvGrpSpPr>
+      <p:grpSpPr>
+        <a:xfrm>
+          <a:off x="0" y="0"/>
+          <a:ext cx="0" cy="0"/>
+          <a:chOff x="0" y="0"/>
+          <a:chExt cx="0" cy="0"/>
+        </a:xfrm>
+      </p:grpSpPr>
+      <p:sp>
+        <p:nvSpPr>
+          <p:cNvPr id="2" name="Slide Image Placeholder 1"/>
+          <p:cNvSpPr>
+            <a:spLocks noGrp="1" noRot="1" noChangeAspect="1"/>
+          </p:cNvSpPr>
+          <p:nvPr>
+            <p:ph type="sldImg"/>
+          </p:nvPr>
+        </p:nvSpPr>
+        <p:spPr/>
+      </p:sp>
+      <p:sp>
+        <p:nvSpPr>
+          <p:cNvPr id="3" name="Notes Placeholder 2"/>
+          <p:cNvSpPr>
+            <a:spLocks noGrp="1"/>
+          </p:cNvSpPr>
+          <p:nvPr>
+            <p:ph type="body" idx="1"/>
+          </p:nvPr>
+        </p:nvSpPr>
+        <p:spPr/>
+        <p:txBody>
+          <a:bodyPr/>
+          <a:lstStyle/>
+          <a:p>
+            <a:endParaRPr lang="en-US" dirty="0"/>
+          </a:p>
+        </p:txBody>
+      </p:sp>
+      <p:sp>
+        <p:nvSpPr>
+          <p:cNvPr id="4" name="Slide Number Placeholder 3"/>
+          <p:cNvSpPr>
+            <a:spLocks noGrp="1"/>
+          </p:cNvSpPr>
+          <p:nvPr>
+            <p:ph type="sldNum" sz="quarter" idx="10"/>
+          </p:nvPr>
+        </p:nvSpPr>
+        <p:spPr/>
+        <p:txBody>
+          <a:bodyPr/>
+          <a:lstStyle/>
+          <a:p>
+            <a:fld id="{25B1A631-5F94-4836-930B-DE4ECF0DFEFA}" type="slidenum">
+              <a:rPr lang="en-US" smtClean="0"/>
+              <a:t>21</a:t>
+            </a:fld>
+            <a:endParaRPr lang="en-US"/>
+          </a:p>
+        </p:txBody>
+      </p:sp>
+    </p:spTree>
+    <p:extLst>
+      <p:ext uri="{BB962C8B-B14F-4D97-AF65-F5344CB8AC3E}">
+        <p14:creationId xmlns:p14="http://schemas.microsoft.com/office/powerpoint/2010/main" val="937247646"/>
+      </p:ext>
+    </p:extLst>
+  </p:cSld>
+  <p:clrMapOvr>
+    <a:masterClrMapping/>
+  </p:clrMapOvr>
+</p:notes>
+</file>
+
+<file path=ppt/notesSlides/notesSlide13.xml><?xml version="1.0" encoding="utf-8"?>
+<p:notes xmlns:a="http://schemas.openxmlformats.org/drawingml/2006/main" xmlns:r="http://schemas.openxmlformats.org/officeDocument/2006/relationships" xmlns:p="http://schemas.openxmlformats.org/presentationml/2006/main">
+  <p:cSld>
+    <p:spTree>
+      <p:nvGrpSpPr>
+        <p:cNvPr id="1" name=""/>
+        <p:cNvGrpSpPr/>
+        <p:nvPr/>
+      </p:nvGrpSpPr>
+      <p:grpSpPr>
+        <a:xfrm>
+          <a:off x="0" y="0"/>
+          <a:ext cx="0" cy="0"/>
+          <a:chOff x="0" y="0"/>
+          <a:chExt cx="0" cy="0"/>
+        </a:xfrm>
+      </p:grpSpPr>
+      <p:sp>
+        <p:nvSpPr>
+          <p:cNvPr id="2" name="Slide Image Placeholder 1"/>
+          <p:cNvSpPr>
+            <a:spLocks noGrp="1" noRot="1" noChangeAspect="1"/>
+          </p:cNvSpPr>
+          <p:nvPr>
+            <p:ph type="sldImg"/>
+          </p:nvPr>
+        </p:nvSpPr>
+        <p:spPr/>
+      </p:sp>
+      <p:sp>
+        <p:nvSpPr>
+          <p:cNvPr id="3" name="Notes Placeholder 2"/>
+          <p:cNvSpPr>
+            <a:spLocks noGrp="1"/>
+          </p:cNvSpPr>
+          <p:nvPr>
+            <p:ph type="body" idx="1"/>
+          </p:nvPr>
+        </p:nvSpPr>
+        <p:spPr/>
+        <p:txBody>
+          <a:bodyPr/>
+          <a:lstStyle/>
+          <a:p>
+            <a:endParaRPr lang="en-US" dirty="0"/>
+          </a:p>
+        </p:txBody>
+      </p:sp>
+      <p:sp>
+        <p:nvSpPr>
+          <p:cNvPr id="4" name="Slide Number Placeholder 3"/>
+          <p:cNvSpPr>
+            <a:spLocks noGrp="1"/>
+          </p:cNvSpPr>
+          <p:nvPr>
+            <p:ph type="sldNum" sz="quarter" idx="10"/>
+          </p:nvPr>
+        </p:nvSpPr>
+        <p:spPr/>
+        <p:txBody>
+          <a:bodyPr/>
+          <a:lstStyle/>
+          <a:p>
+            <a:fld id="{25B1A631-5F94-4836-930B-DE4ECF0DFEFA}" type="slidenum">
+              <a:rPr lang="en-US" smtClean="0"/>
+              <a:t>22</a:t>
+            </a:fld>
+            <a:endParaRPr lang="en-US"/>
+          </a:p>
+        </p:txBody>
+      </p:sp>
+    </p:spTree>
+    <p:extLst>
+      <p:ext uri="{BB962C8B-B14F-4D97-AF65-F5344CB8AC3E}">
+        <p14:creationId xmlns:p14="http://schemas.microsoft.com/office/powerpoint/2010/main" val="4082897281"/>
       </p:ext>
     </p:extLst>
   </p:cSld>
@@ -2947,7 +3417,7 @@
           <a:p>
             <a:fld id="{A99C5B11-6607-4EFE-9B3F-FCF805DD55B2}" type="datetimeFigureOut">
               <a:rPr lang="en-US" smtClean="0"/>
-              <a:t>5/4/2016</a:t>
+              <a:t>5/7/2016</a:t>
             </a:fld>
             <a:endParaRPr lang="en-US"/>
           </a:p>
@@ -3198,7 +3668,7 @@
           <a:p>
             <a:fld id="{A99C5B11-6607-4EFE-9B3F-FCF805DD55B2}" type="datetimeFigureOut">
               <a:rPr lang="en-US" smtClean="0"/>
-              <a:t>5/4/2016</a:t>
+              <a:t>5/7/2016</a:t>
             </a:fld>
             <a:endParaRPr lang="en-US"/>
           </a:p>
@@ -3512,7 +3982,7 @@
           <a:p>
             <a:fld id="{A99C5B11-6607-4EFE-9B3F-FCF805DD55B2}" type="datetimeFigureOut">
               <a:rPr lang="en-US" smtClean="0"/>
-              <a:t>5/4/2016</a:t>
+              <a:t>5/7/2016</a:t>
             </a:fld>
             <a:endParaRPr lang="en-US"/>
           </a:p>
@@ -3853,7 +4323,7 @@
           <a:p>
             <a:fld id="{A99C5B11-6607-4EFE-9B3F-FCF805DD55B2}" type="datetimeFigureOut">
               <a:rPr lang="en-US" smtClean="0"/>
-              <a:t>5/4/2016</a:t>
+              <a:t>5/7/2016</a:t>
             </a:fld>
             <a:endParaRPr lang="en-US"/>
           </a:p>
@@ -4167,7 +4637,7 @@
           <a:p>
             <a:fld id="{A99C5B11-6607-4EFE-9B3F-FCF805DD55B2}" type="datetimeFigureOut">
               <a:rPr lang="en-US" smtClean="0"/>
-              <a:t>5/4/2016</a:t>
+              <a:t>5/7/2016</a:t>
             </a:fld>
             <a:endParaRPr lang="en-US"/>
           </a:p>
@@ -4560,7 +5030,7 @@
           <a:p>
             <a:fld id="{A99C5B11-6607-4EFE-9B3F-FCF805DD55B2}" type="datetimeFigureOut">
               <a:rPr lang="en-US" smtClean="0"/>
-              <a:t>5/4/2016</a:t>
+              <a:t>5/7/2016</a:t>
             </a:fld>
             <a:endParaRPr lang="en-US"/>
           </a:p>
@@ -4730,7 +5200,7 @@
           <a:p>
             <a:fld id="{A99C5B11-6607-4EFE-9B3F-FCF805DD55B2}" type="datetimeFigureOut">
               <a:rPr lang="en-US" smtClean="0"/>
-              <a:t>5/4/2016</a:t>
+              <a:t>5/7/2016</a:t>
             </a:fld>
             <a:endParaRPr lang="en-US"/>
           </a:p>
@@ -4910,7 +5380,7 @@
           <a:p>
             <a:fld id="{A99C5B11-6607-4EFE-9B3F-FCF805DD55B2}" type="datetimeFigureOut">
               <a:rPr lang="en-US" smtClean="0"/>
-              <a:t>5/4/2016</a:t>
+              <a:t>5/7/2016</a:t>
             </a:fld>
             <a:endParaRPr lang="en-US"/>
           </a:p>
@@ -5086,7 +5556,7 @@
           <a:p>
             <a:fld id="{A99C5B11-6607-4EFE-9B3F-FCF805DD55B2}" type="datetimeFigureOut">
               <a:rPr lang="en-US" smtClean="0"/>
-              <a:t>5/4/2016</a:t>
+              <a:t>5/7/2016</a:t>
             </a:fld>
             <a:endParaRPr lang="en-US"/>
           </a:p>
@@ -5333,7 +5803,7 @@
           <a:p>
             <a:fld id="{A99C5B11-6607-4EFE-9B3F-FCF805DD55B2}" type="datetimeFigureOut">
               <a:rPr lang="en-US" smtClean="0"/>
-              <a:t>5/4/2016</a:t>
+              <a:t>5/7/2016</a:t>
             </a:fld>
             <a:endParaRPr lang="en-US"/>
           </a:p>
@@ -5565,7 +6035,7 @@
           <a:p>
             <a:fld id="{A99C5B11-6607-4EFE-9B3F-FCF805DD55B2}" type="datetimeFigureOut">
               <a:rPr lang="en-US" smtClean="0"/>
-              <a:t>5/4/2016</a:t>
+              <a:t>5/7/2016</a:t>
             </a:fld>
             <a:endParaRPr lang="en-US"/>
           </a:p>
@@ -5944,7 +6414,7 @@
           <a:p>
             <a:fld id="{A99C5B11-6607-4EFE-9B3F-FCF805DD55B2}" type="datetimeFigureOut">
               <a:rPr lang="en-US" smtClean="0"/>
-              <a:t>5/4/2016</a:t>
+              <a:t>5/7/2016</a:t>
             </a:fld>
             <a:endParaRPr lang="en-US"/>
           </a:p>
@@ -6072,7 +6542,7 @@
           <a:p>
             <a:fld id="{A99C5B11-6607-4EFE-9B3F-FCF805DD55B2}" type="datetimeFigureOut">
               <a:rPr lang="en-US" smtClean="0"/>
-              <a:t>5/4/2016</a:t>
+              <a:t>5/7/2016</a:t>
             </a:fld>
             <a:endParaRPr lang="en-US"/>
           </a:p>
@@ -6167,7 +6637,7 @@
           <a:p>
             <a:fld id="{A99C5B11-6607-4EFE-9B3F-FCF805DD55B2}" type="datetimeFigureOut">
               <a:rPr lang="en-US" smtClean="0"/>
-              <a:t>5/4/2016</a:t>
+              <a:t>5/7/2016</a:t>
             </a:fld>
             <a:endParaRPr lang="en-US"/>
           </a:p>
@@ -6422,7 +6892,7 @@
           <a:p>
             <a:fld id="{A99C5B11-6607-4EFE-9B3F-FCF805DD55B2}" type="datetimeFigureOut">
               <a:rPr lang="en-US" smtClean="0"/>
-              <a:t>5/4/2016</a:t>
+              <a:t>5/7/2016</a:t>
             </a:fld>
             <a:endParaRPr lang="en-US"/>
           </a:p>
@@ -6690,7 +7160,7 @@
           <a:p>
             <a:fld id="{A99C5B11-6607-4EFE-9B3F-FCF805DD55B2}" type="datetimeFigureOut">
               <a:rPr lang="en-US" smtClean="0"/>
-              <a:t>5/4/2016</a:t>
+              <a:t>5/7/2016</a:t>
             </a:fld>
             <a:endParaRPr lang="en-US"/>
           </a:p>
@@ -7433,7 +7903,7 @@
           <a:p>
             <a:fld id="{A99C5B11-6607-4EFE-9B3F-FCF805DD55B2}" type="datetimeFigureOut">
               <a:rPr lang="en-US" smtClean="0"/>
-              <a:t>5/4/2016</a:t>
+              <a:t>5/7/2016</a:t>
             </a:fld>
             <a:endParaRPr lang="en-US"/>
           </a:p>
@@ -9982,39 +10452,39 @@
               <a:buNone/>
             </a:pPr>
             <a:r>
-              <a:rPr lang="en-US" dirty="0" smtClean="0"/>
+              <a:rPr lang="en-US" sz="1300" dirty="0" smtClean="0"/>
               <a:t>  </a:t>
             </a:r>
             <a:r>
-              <a:rPr lang="en-US" sz="1200" dirty="0" err="1" smtClean="0"/>
+              <a:rPr lang="en-US" sz="1300" dirty="0" err="1" smtClean="0"/>
               <a:t>def</a:t>
             </a:r>
             <a:r>
-              <a:rPr lang="en-US" sz="1200" dirty="0" smtClean="0"/>
+              <a:rPr lang="en-US" sz="1300" dirty="0" smtClean="0"/>
               <a:t> </a:t>
             </a:r>
             <a:r>
-              <a:rPr lang="en-US" sz="1200" dirty="0"/>
+              <a:rPr lang="en-US" sz="1300" dirty="0"/>
               <a:t>apply(f: </a:t>
             </a:r>
             <a:r>
-              <a:rPr lang="en-US" sz="1200" dirty="0" err="1"/>
+              <a:rPr lang="en-US" sz="1300" dirty="0" err="1"/>
               <a:t>Int</a:t>
             </a:r>
             <a:r>
-              <a:rPr lang="en-US" sz="1200" dirty="0"/>
+              <a:rPr lang="en-US" sz="1300" dirty="0"/>
               <a:t> =&gt; String, v: </a:t>
             </a:r>
             <a:r>
-              <a:rPr lang="en-US" sz="1200" dirty="0" err="1"/>
+              <a:rPr lang="en-US" sz="1300" dirty="0" err="1"/>
               <a:t>Int</a:t>
             </a:r>
             <a:r>
-              <a:rPr lang="en-US" sz="1200" dirty="0"/>
+              <a:rPr lang="en-US" sz="1300" dirty="0"/>
               <a:t>) = f(v</a:t>
             </a:r>
             <a:r>
-              <a:rPr lang="en-US" sz="1200" dirty="0" smtClean="0"/>
+              <a:rPr lang="en-US" sz="1300" dirty="0" smtClean="0"/>
               <a:t>)</a:t>
             </a:r>
           </a:p>
@@ -10025,7 +10495,7 @@
               </a:spcBef>
               <a:buNone/>
             </a:pPr>
-            <a:endParaRPr lang="en-US" sz="1200" dirty="0" smtClean="0"/>
+            <a:endParaRPr lang="en-US" sz="1300" dirty="0" smtClean="0"/>
           </a:p>
           <a:p>
             <a:pPr marL="457200" lvl="1" indent="0">
@@ -10035,11 +10505,11 @@
               <a:buNone/>
             </a:pPr>
             <a:r>
-              <a:rPr lang="en-US" sz="1200" dirty="0"/>
+              <a:rPr lang="en-US" sz="1300" dirty="0"/>
               <a:t>	</a:t>
             </a:r>
             <a:r>
-              <a:rPr lang="en-US" sz="1200" dirty="0" smtClean="0"/>
+              <a:rPr lang="en-US" sz="1300" dirty="0" smtClean="0"/>
               <a:t>first parameter -&gt; function which takes input as Integer and returns String</a:t>
             </a:r>
           </a:p>
@@ -10051,11 +10521,11 @@
               <a:buNone/>
             </a:pPr>
             <a:r>
-              <a:rPr lang="en-US" sz="1200" dirty="0"/>
+              <a:rPr lang="en-US" sz="1300" dirty="0"/>
               <a:t>	</a:t>
             </a:r>
             <a:r>
-              <a:rPr lang="en-US" sz="1200" dirty="0" smtClean="0"/>
+              <a:rPr lang="en-US" sz="1300" dirty="0" smtClean="0"/>
               <a:t>second parameter -&gt; Integer </a:t>
             </a:r>
           </a:p>
@@ -10067,18 +10537,18 @@
               <a:buNone/>
             </a:pPr>
             <a:r>
-              <a:rPr lang="en-US" sz="1200" dirty="0"/>
+              <a:rPr lang="en-US" sz="1300" dirty="0"/>
               <a:t>	</a:t>
             </a:r>
             <a:r>
-              <a:rPr lang="en-US" sz="1200" dirty="0" smtClean="0"/>
+              <a:rPr lang="en-US" sz="1300" dirty="0" smtClean="0"/>
               <a:t>Body -&gt; evaluation of function on the second </a:t>
             </a:r>
             <a:r>
-              <a:rPr lang="en-US" sz="1200" dirty="0" err="1" smtClean="0"/>
+              <a:rPr lang="en-US" sz="1300" dirty="0" err="1" smtClean="0"/>
               <a:t>param</a:t>
             </a:r>
-            <a:endParaRPr lang="en-US" sz="1200" dirty="0" smtClean="0"/>
+            <a:endParaRPr lang="en-US" sz="1300" dirty="0" smtClean="0"/>
           </a:p>
         </p:txBody>
       </p:sp>
@@ -10729,8 +11199,8 @@
         </p:nvSpPr>
         <p:spPr>
           <a:xfrm>
-            <a:off x="677334" y="168536"/>
-            <a:ext cx="8596668" cy="530711"/>
+            <a:off x="677334" y="136264"/>
+            <a:ext cx="8596668" cy="616771"/>
           </a:xfrm>
         </p:spPr>
         <p:txBody>
@@ -10739,9 +11209,14 @@
           </a:bodyPr>
           <a:lstStyle/>
           <a:p>
-            <a:r>
-              <a:rPr lang="en-US" dirty="0" err="1" smtClean="0"/>
-              <a:t>urls</a:t>
+            <a:pPr algn="ctr"/>
+            <a:r>
+              <a:rPr lang="en-US" dirty="0" smtClean="0">
+                <a:solidFill>
+                  <a:srgbClr val="7030A0"/>
+                </a:solidFill>
+              </a:rPr>
+              <a:t>Case Classes</a:t>
             </a:r>
             <a:endParaRPr lang="en-US" dirty="0"/>
           </a:p>
@@ -10759,128 +11234,223 @@
         </p:nvSpPr>
         <p:spPr>
           <a:xfrm>
-            <a:off x="677334" y="699247"/>
-            <a:ext cx="8596668" cy="5342115"/>
+            <a:off x="677334" y="753035"/>
+            <a:ext cx="8596668" cy="5288327"/>
           </a:xfrm>
         </p:spPr>
         <p:txBody>
-          <a:bodyPr>
-            <a:normAutofit/>
-          </a:bodyPr>
+          <a:bodyPr/>
           <a:lstStyle/>
           <a:p>
+            <a:r>
+              <a:rPr lang="en-US" dirty="0"/>
+              <a:t> </a:t>
+            </a:r>
+            <a:r>
+              <a:rPr lang="en-US" dirty="0" smtClean="0"/>
+              <a:t>Regular </a:t>
+            </a:r>
+            <a:r>
+              <a:rPr lang="en-US" dirty="0"/>
+              <a:t>classes which export their </a:t>
+            </a:r>
+            <a:r>
+              <a:rPr lang="en-US"/>
+              <a:t>constructor </a:t>
+            </a:r>
+            <a:r>
+              <a:rPr lang="en-US" smtClean="0"/>
+              <a:t>parameters</a:t>
+            </a:r>
+          </a:p>
+          <a:p>
+            <a:r>
+              <a:rPr lang="en-US" sz="1200" smtClean="0"/>
+              <a:t>Def </a:t>
+            </a:r>
+            <a:r>
+              <a:rPr lang="en-US" sz="1200" dirty="0" smtClean="0"/>
+              <a:t>1:</a:t>
+            </a:r>
+            <a:endParaRPr lang="en-US" sz="1200" dirty="0"/>
+          </a:p>
+          <a:p>
             <a:pPr marL="0" indent="0">
               <a:buNone/>
             </a:pPr>
             <a:r>
-              <a:rPr lang="en-US" sz="1200" dirty="0">
-                <a:hlinkClick r:id="rId2"/>
-              </a:rPr>
-              <a:t>http://aperiodic.net/phil/scala/s-99</a:t>
-            </a:r>
-            <a:r>
-              <a:rPr lang="en-US" sz="1200" dirty="0" smtClean="0">
-                <a:hlinkClick r:id="rId2"/>
-              </a:rPr>
-              <a:t>/</a:t>
+              <a:rPr lang="en-US" sz="1200" dirty="0"/>
+              <a:t>	</a:t>
+            </a:r>
+            <a:r>
+              <a:rPr lang="en-US" sz="1200" dirty="0" err="1"/>
+              <a:t>def</a:t>
+            </a:r>
+            <a:r>
+              <a:rPr lang="en-US" sz="1200" dirty="0"/>
+              <a:t> </a:t>
+            </a:r>
+            <a:r>
+              <a:rPr lang="en-US" sz="1200" dirty="0" err="1"/>
+              <a:t>strcat</a:t>
+            </a:r>
+            <a:r>
+              <a:rPr lang="en-US" sz="1200" dirty="0"/>
+              <a:t>(s1: String)(s2: String) = s1 + </a:t>
+            </a:r>
+            <a:r>
+              <a:rPr lang="en-US" sz="1200" dirty="0" smtClean="0"/>
+              <a:t>s2</a:t>
             </a:r>
           </a:p>
           <a:p>
             <a:pPr marL="0" indent="0">
               <a:buNone/>
             </a:pPr>
-            <a:r>
-              <a:rPr lang="en-US" sz="1200" dirty="0" smtClean="0">
-                <a:hlinkClick r:id="rId2"/>
-              </a:rPr>
-              <a:t>http</a:t>
-            </a:r>
-            <a:r>
-              <a:rPr lang="en-US" sz="1200" dirty="0">
-                <a:hlinkClick r:id="rId2"/>
-              </a:rPr>
-              <a:t>://scala-exercises.47deg.com/koans#assertsa/s-99</a:t>
-            </a:r>
-            <a:r>
-              <a:rPr lang="en-US" sz="1200" dirty="0" smtClean="0">
-                <a:hlinkClick r:id="rId2"/>
-              </a:rPr>
-              <a:t>/</a:t>
-            </a:r>
-            <a:endParaRPr lang="en-US" sz="1200" dirty="0" smtClean="0"/>
-          </a:p>
-          <a:p>
-            <a:pPr marL="0" indent="0">
+            <a:endParaRPr lang="en-US" sz="1200" dirty="0"/>
+          </a:p>
+          <a:p>
+            <a:r>
+              <a:rPr lang="en-US" sz="1200" dirty="0" smtClean="0"/>
+              <a:t>	</a:t>
+            </a:r>
+            <a:r>
+              <a:rPr lang="en-US" sz="1200" dirty="0"/>
+              <a:t>Def 2:</a:t>
+            </a:r>
+          </a:p>
+          <a:p>
+            <a:pPr marL="457200" lvl="1" indent="0">
+              <a:spcBef>
+                <a:spcPts val="0"/>
+              </a:spcBef>
               <a:buNone/>
             </a:pPr>
             <a:r>
-              <a:rPr lang="en-US" sz="1200" dirty="0">
-                <a:hlinkClick r:id="rId3"/>
-              </a:rPr>
-              <a:t>http://</a:t>
-            </a:r>
-            <a:r>
-              <a:rPr lang="en-US" sz="1200" dirty="0" smtClean="0">
-                <a:hlinkClick r:id="rId3"/>
-              </a:rPr>
-              <a:t>www.scalatest.org/user_guide/using_assertions</a:t>
-            </a:r>
-            <a:endParaRPr lang="en-US" sz="1200" dirty="0" smtClean="0"/>
-          </a:p>
-          <a:p>
-            <a:pPr marL="0" indent="0">
-              <a:buNone/>
-            </a:pPr>
-            <a:r>
-              <a:rPr lang="en-US" sz="1200" dirty="0">
-                <a:hlinkClick r:id="rId4"/>
-              </a:rPr>
-              <a:t>http://www.vasinov.com/blog/on-currying-and-partial-function-application</a:t>
-            </a:r>
-            <a:r>
-              <a:rPr lang="en-US" sz="1200" dirty="0" smtClean="0">
-                <a:hlinkClick r:id="rId4"/>
-              </a:rPr>
-              <a:t>/</a:t>
-            </a:r>
-            <a:endParaRPr lang="en-US" sz="1200" dirty="0" smtClean="0"/>
-          </a:p>
-          <a:p>
-            <a:pPr marL="0" indent="0">
-              <a:buNone/>
-            </a:pPr>
-            <a:r>
-              <a:rPr lang="en-US" sz="1200" dirty="0">
-                <a:hlinkClick r:id="rId5"/>
-              </a:rPr>
-              <a:t>http://</a:t>
-            </a:r>
-            <a:r>
-              <a:rPr lang="en-US" sz="1200" dirty="0" smtClean="0">
-                <a:hlinkClick r:id="rId5"/>
-              </a:rPr>
-              <a:t>stackoverflow.com/questions/218025/what-is-the-difference-between-currying-and-partial-application</a:t>
-            </a:r>
-            <a:endParaRPr lang="en-US" sz="1200" dirty="0" smtClean="0"/>
-          </a:p>
-          <a:p>
-            <a:pPr marL="0" indent="0">
+              <a:rPr lang="en-US" sz="1200" dirty="0" err="1" smtClean="0"/>
+              <a:t>def</a:t>
+            </a:r>
+            <a:r>
+              <a:rPr lang="en-US" sz="1200" dirty="0" smtClean="0"/>
+              <a:t> </a:t>
+            </a:r>
+            <a:r>
+              <a:rPr lang="en-US" sz="1200" dirty="0" err="1"/>
+              <a:t>strcat</a:t>
+            </a:r>
+            <a:r>
+              <a:rPr lang="en-US" sz="1200" dirty="0"/>
+              <a:t>(s1: String) = (s2: String) =&gt; s1 + </a:t>
+            </a:r>
+            <a:r>
+              <a:rPr lang="en-US" sz="1200" dirty="0" smtClean="0"/>
+              <a:t>s2</a:t>
+            </a:r>
+          </a:p>
+          <a:p>
+            <a:pPr marL="457200" lvl="1" indent="0">
+              <a:spcBef>
+                <a:spcPts val="0"/>
+              </a:spcBef>
               <a:buNone/>
             </a:pPr>
             <a:endParaRPr lang="en-US" sz="1200" dirty="0" smtClean="0"/>
           </a:p>
           <a:p>
-            <a:pPr marL="0" indent="0">
+            <a:pPr marL="342900" lvl="1" indent="-342900"/>
+            <a:r>
+              <a:rPr lang="en-US" sz="1200" dirty="0" smtClean="0"/>
+              <a:t>Calling curried function:</a:t>
+            </a:r>
+          </a:p>
+          <a:p>
+            <a:pPr marL="457200" lvl="1" indent="0">
+              <a:spcBef>
+                <a:spcPts val="0"/>
+              </a:spcBef>
+              <a:buNone/>
+            </a:pPr>
+            <a:r>
+              <a:rPr lang="en-US" sz="1200" dirty="0" err="1"/>
+              <a:t>strcat</a:t>
+            </a:r>
+            <a:r>
+              <a:rPr lang="en-US" sz="1200" dirty="0"/>
+              <a:t>("foo")("bar")</a:t>
+            </a:r>
+          </a:p>
+          <a:p>
+            <a:pPr marL="457200" lvl="1" indent="0">
+              <a:spcBef>
+                <a:spcPts val="0"/>
+              </a:spcBef>
+              <a:buNone/>
+            </a:pPr>
+            <a:endParaRPr lang="en-US" sz="1200" dirty="0" smtClean="0"/>
+          </a:p>
+          <a:p>
+            <a:pPr marL="342900" lvl="1" indent="-342900"/>
+            <a:r>
+              <a:rPr lang="en-US" sz="1200" dirty="0"/>
+              <a:t>When a method is called with a fewer number of parameter lists, then this will yield a function taking the missing parameter lists as its </a:t>
+            </a:r>
+            <a:r>
+              <a:rPr lang="en-US" sz="1200" dirty="0" smtClean="0"/>
+              <a:t>arguments.</a:t>
+            </a:r>
+          </a:p>
+          <a:p>
+            <a:pPr marL="400050" lvl="2" indent="0">
+              <a:buNone/>
+            </a:pPr>
+            <a:r>
+              <a:rPr lang="en-US" sz="1200" dirty="0"/>
+              <a:t>For </a:t>
+            </a:r>
+            <a:r>
+              <a:rPr lang="en-US" sz="1200" dirty="0" smtClean="0"/>
+              <a:t>Ex : </a:t>
+            </a:r>
+            <a:r>
+              <a:rPr lang="en-US" sz="1200" dirty="0" err="1" smtClean="0"/>
+              <a:t>strcat</a:t>
+            </a:r>
+            <a:r>
+              <a:rPr lang="en-US" sz="1200" dirty="0" smtClean="0"/>
+              <a:t>(“foo”) will return a function of type : String =&gt; String</a:t>
+            </a:r>
+            <a:endParaRPr lang="en-US" sz="1200" dirty="0"/>
+          </a:p>
+          <a:p>
+            <a:pPr marL="400050" lvl="2" indent="0">
               <a:buNone/>
             </a:pPr>
             <a:endParaRPr lang="en-US" sz="1200" dirty="0"/>
+          </a:p>
+          <a:p>
+            <a:pPr marL="342900" lvl="1" indent="-342900"/>
+            <a:r>
+              <a:rPr lang="en-US" sz="1200" dirty="0"/>
+              <a:t>Currying is converting a single function of n arguments into n functions with a single argument </a:t>
+            </a:r>
+            <a:r>
+              <a:rPr lang="en-US" sz="1200" dirty="0" smtClean="0"/>
+              <a:t>each</a:t>
+            </a:r>
+          </a:p>
+          <a:p>
+            <a:pPr marL="342900" lvl="1" indent="-342900"/>
+            <a:r>
+              <a:rPr lang="en-US" sz="1200" dirty="0"/>
+              <a:t>"currying" and "partial application" are two totally different functions. Currying takes exactly 1 input, whereas partial application takes 2 (or more) inputs</a:t>
+            </a:r>
           </a:p>
         </p:txBody>
       </p:sp>
     </p:spTree>
     <p:extLst>
       <p:ext uri="{BB962C8B-B14F-4D97-AF65-F5344CB8AC3E}">
-        <p14:creationId xmlns:p14="http://schemas.microsoft.com/office/powerpoint/2010/main" val="1080284924"/>
+        <p14:creationId xmlns:p14="http://schemas.microsoft.com/office/powerpoint/2010/main" val="2469748582"/>
       </p:ext>
     </p:extLst>
   </p:cSld>
@@ -11046,6 +11616,1076 @@
     <p:extLst>
       <p:ext uri="{BB962C8B-B14F-4D97-AF65-F5344CB8AC3E}">
         <p14:creationId xmlns:p14="http://schemas.microsoft.com/office/powerpoint/2010/main" val="1522853511"/>
+      </p:ext>
+    </p:extLst>
+  </p:cSld>
+  <p:clrMapOvr>
+    <a:masterClrMapping/>
+  </p:clrMapOvr>
+</p:sld>
+</file>
+
+<file path=ppt/slides/slide20.xml><?xml version="1.0" encoding="utf-8"?>
+<p:sld xmlns:a="http://schemas.openxmlformats.org/drawingml/2006/main" xmlns:r="http://schemas.openxmlformats.org/officeDocument/2006/relationships" xmlns:p="http://schemas.openxmlformats.org/presentationml/2006/main">
+  <p:cSld>
+    <p:spTree>
+      <p:nvGrpSpPr>
+        <p:cNvPr id="1" name=""/>
+        <p:cNvGrpSpPr/>
+        <p:nvPr/>
+      </p:nvGrpSpPr>
+      <p:grpSpPr>
+        <a:xfrm>
+          <a:off x="0" y="0"/>
+          <a:ext cx="0" cy="0"/>
+          <a:chOff x="0" y="0"/>
+          <a:chExt cx="0" cy="0"/>
+        </a:xfrm>
+      </p:grpSpPr>
+      <p:sp>
+        <p:nvSpPr>
+          <p:cNvPr id="2" name="Title 1"/>
+          <p:cNvSpPr>
+            <a:spLocks noGrp="1"/>
+          </p:cNvSpPr>
+          <p:nvPr>
+            <p:ph type="title"/>
+          </p:nvPr>
+        </p:nvSpPr>
+        <p:spPr>
+          <a:xfrm>
+            <a:off x="677334" y="136264"/>
+            <a:ext cx="8596668" cy="616771"/>
+          </a:xfrm>
+        </p:spPr>
+        <p:txBody>
+          <a:bodyPr>
+            <a:normAutofit fontScale="90000"/>
+          </a:bodyPr>
+          <a:lstStyle/>
+          <a:p>
+            <a:pPr algn="ctr"/>
+            <a:r>
+              <a:rPr lang="en-US" dirty="0" smtClean="0">
+                <a:solidFill>
+                  <a:srgbClr val="7030A0"/>
+                </a:solidFill>
+              </a:rPr>
+              <a:t>Case Classes</a:t>
+            </a:r>
+            <a:endParaRPr lang="en-US" dirty="0"/>
+          </a:p>
+        </p:txBody>
+      </p:sp>
+      <p:sp>
+        <p:nvSpPr>
+          <p:cNvPr id="3" name="Content Placeholder 2"/>
+          <p:cNvSpPr>
+            <a:spLocks noGrp="1"/>
+          </p:cNvSpPr>
+          <p:nvPr>
+            <p:ph idx="1"/>
+          </p:nvPr>
+        </p:nvSpPr>
+        <p:spPr>
+          <a:xfrm>
+            <a:off x="677334" y="753035"/>
+            <a:ext cx="8596668" cy="5776857"/>
+          </a:xfrm>
+        </p:spPr>
+        <p:txBody>
+          <a:bodyPr>
+            <a:normAutofit/>
+          </a:bodyPr>
+          <a:lstStyle/>
+          <a:p>
+            <a:pPr marL="0" indent="0">
+              <a:buNone/>
+            </a:pPr>
+            <a:r>
+              <a:rPr lang="en-US" dirty="0"/>
+              <a:t>When you declare a case class the Scala compiler does the following for </a:t>
+            </a:r>
+            <a:r>
+              <a:rPr lang="en-US" dirty="0" smtClean="0"/>
+              <a:t>you</a:t>
+            </a:r>
+          </a:p>
+          <a:p>
+            <a:r>
+              <a:rPr lang="en-US" sz="1600" dirty="0" smtClean="0"/>
+              <a:t>Creates </a:t>
+            </a:r>
+            <a:r>
+              <a:rPr lang="en-US" sz="1600" dirty="0"/>
+              <a:t>a class and its companion </a:t>
+            </a:r>
+            <a:r>
+              <a:rPr lang="en-US" sz="1600" dirty="0" smtClean="0"/>
+              <a:t>object</a:t>
+            </a:r>
+          </a:p>
+          <a:p>
+            <a:r>
+              <a:rPr lang="en-US" sz="1600" dirty="0"/>
+              <a:t>Implements the apply method that you can use as a factory. This lets you create instances of the class without the new </a:t>
+            </a:r>
+            <a:r>
+              <a:rPr lang="en-US" sz="1600" dirty="0" smtClean="0"/>
+              <a:t>keyword</a:t>
+            </a:r>
+            <a:endParaRPr lang="en-US" sz="1600" dirty="0" smtClean="0"/>
+          </a:p>
+          <a:p>
+            <a:r>
+              <a:rPr lang="en-US" sz="1600" dirty="0"/>
+              <a:t>Prefixes all arguments, in the parameter list, with val. This means the class is immutable, hence you get the accessors but no </a:t>
+            </a:r>
+            <a:r>
+              <a:rPr lang="en-US" sz="1600" dirty="0" err="1"/>
+              <a:t>mutators</a:t>
+            </a:r>
+            <a:endParaRPr lang="en-US" sz="1600" dirty="0" smtClean="0"/>
+          </a:p>
+          <a:p>
+            <a:r>
+              <a:rPr lang="en-US" sz="1600" dirty="0"/>
+              <a:t>Adds natural implementations of </a:t>
+            </a:r>
+            <a:r>
+              <a:rPr lang="en-US" sz="1600" dirty="0" err="1"/>
+              <a:t>hashCode</a:t>
+            </a:r>
+            <a:r>
+              <a:rPr lang="en-US" sz="1600" dirty="0"/>
+              <a:t>, equals and </a:t>
+            </a:r>
+            <a:r>
+              <a:rPr lang="en-US" sz="1600" dirty="0" err="1"/>
+              <a:t>toString</a:t>
+            </a:r>
+            <a:r>
+              <a:rPr lang="en-US" sz="1600" dirty="0"/>
+              <a:t>. </a:t>
+            </a:r>
+            <a:r>
+              <a:rPr lang="en-US" sz="1600" dirty="0">
+                <a:solidFill>
+                  <a:srgbClr val="7030A0"/>
+                </a:solidFill>
+              </a:rPr>
+              <a:t>Since == in Scala always delegates to equals</a:t>
+            </a:r>
+            <a:r>
+              <a:rPr lang="en-US" sz="1600" dirty="0"/>
+              <a:t>, this means that case class instances are always compared </a:t>
+            </a:r>
+            <a:r>
+              <a:rPr lang="en-US" sz="1600" dirty="0" smtClean="0"/>
+              <a:t>structurally</a:t>
+            </a:r>
+          </a:p>
+          <a:p>
+            <a:endParaRPr lang="en-US" sz="1600" dirty="0" smtClean="0"/>
+          </a:p>
+          <a:p>
+            <a:r>
+              <a:rPr lang="en-US" sz="1600" dirty="0"/>
+              <a:t>Generates a copy method to your class to create other instances starting from another one and keeping some arguments the </a:t>
+            </a:r>
+            <a:r>
+              <a:rPr lang="en-US" sz="1600" dirty="0" smtClean="0"/>
+              <a:t>same</a:t>
+            </a:r>
+          </a:p>
+          <a:p>
+            <a:endParaRPr lang="en-US" sz="1600" dirty="0"/>
+          </a:p>
+          <a:p>
+            <a:r>
+              <a:rPr lang="en-US" sz="1600" dirty="0"/>
+              <a:t>Probably, most importantly, since the compiler implements the </a:t>
+            </a:r>
+            <a:r>
+              <a:rPr lang="en-US" sz="1600" dirty="0" err="1"/>
+              <a:t>unapply</a:t>
+            </a:r>
+            <a:r>
+              <a:rPr lang="en-US" sz="1600" dirty="0"/>
+              <a:t> method, a case class supports pattern matching. This is especially important when you define an Algebraic Data Type (ADT)</a:t>
+            </a:r>
+            <a:endParaRPr lang="en-US" sz="1600" dirty="0"/>
+          </a:p>
+          <a:p>
+            <a:endParaRPr lang="en-US" dirty="0" smtClean="0"/>
+          </a:p>
+          <a:p>
+            <a:endParaRPr lang="en-US" dirty="0"/>
+          </a:p>
+          <a:p>
+            <a:endParaRPr lang="en-US" dirty="0" smtClean="0"/>
+          </a:p>
+          <a:p>
+            <a:endParaRPr lang="en-US" dirty="0" smtClean="0"/>
+          </a:p>
+        </p:txBody>
+      </p:sp>
+    </p:spTree>
+    <p:extLst>
+      <p:ext uri="{BB962C8B-B14F-4D97-AF65-F5344CB8AC3E}">
+        <p14:creationId xmlns:p14="http://schemas.microsoft.com/office/powerpoint/2010/main" val="4156798266"/>
+      </p:ext>
+    </p:extLst>
+  </p:cSld>
+  <p:clrMapOvr>
+    <a:masterClrMapping/>
+  </p:clrMapOvr>
+</p:sld>
+</file>
+
+<file path=ppt/slides/slide21.xml><?xml version="1.0" encoding="utf-8"?>
+<p:sld xmlns:a="http://schemas.openxmlformats.org/drawingml/2006/main" xmlns:r="http://schemas.openxmlformats.org/officeDocument/2006/relationships" xmlns:p="http://schemas.openxmlformats.org/presentationml/2006/main">
+  <p:cSld>
+    <p:spTree>
+      <p:nvGrpSpPr>
+        <p:cNvPr id="1" name=""/>
+        <p:cNvGrpSpPr/>
+        <p:nvPr/>
+      </p:nvGrpSpPr>
+      <p:grpSpPr>
+        <a:xfrm>
+          <a:off x="0" y="0"/>
+          <a:ext cx="0" cy="0"/>
+          <a:chOff x="0" y="0"/>
+          <a:chExt cx="0" cy="0"/>
+        </a:xfrm>
+      </p:grpSpPr>
+      <p:sp>
+        <p:nvSpPr>
+          <p:cNvPr id="2" name="Title 1"/>
+          <p:cNvSpPr>
+            <a:spLocks noGrp="1"/>
+          </p:cNvSpPr>
+          <p:nvPr>
+            <p:ph type="title"/>
+          </p:nvPr>
+        </p:nvSpPr>
+        <p:spPr>
+          <a:xfrm>
+            <a:off x="677334" y="136264"/>
+            <a:ext cx="8596668" cy="616771"/>
+          </a:xfrm>
+        </p:spPr>
+        <p:txBody>
+          <a:bodyPr>
+            <a:normAutofit fontScale="90000"/>
+          </a:bodyPr>
+          <a:lstStyle/>
+          <a:p>
+            <a:pPr algn="ctr"/>
+            <a:r>
+              <a:rPr lang="en-US" dirty="0" smtClean="0">
+                <a:solidFill>
+                  <a:srgbClr val="7030A0"/>
+                </a:solidFill>
+              </a:rPr>
+              <a:t>Companion </a:t>
+            </a:r>
+            <a:r>
+              <a:rPr lang="en-US" dirty="0">
+                <a:solidFill>
+                  <a:srgbClr val="7030A0"/>
+                </a:solidFill>
+              </a:rPr>
+              <a:t>Object</a:t>
+            </a:r>
+            <a:endParaRPr lang="en-US" dirty="0"/>
+          </a:p>
+        </p:txBody>
+      </p:sp>
+      <p:sp>
+        <p:nvSpPr>
+          <p:cNvPr id="3" name="Content Placeholder 2"/>
+          <p:cNvSpPr>
+            <a:spLocks noGrp="1"/>
+          </p:cNvSpPr>
+          <p:nvPr>
+            <p:ph idx="1"/>
+          </p:nvPr>
+        </p:nvSpPr>
+        <p:spPr>
+          <a:xfrm>
+            <a:off x="677334" y="753035"/>
+            <a:ext cx="8596668" cy="5288327"/>
+          </a:xfrm>
+        </p:spPr>
+        <p:txBody>
+          <a:bodyPr>
+            <a:normAutofit/>
+          </a:bodyPr>
+          <a:lstStyle/>
+          <a:p>
+            <a:r>
+              <a:rPr lang="en-US" dirty="0" smtClean="0"/>
+              <a:t>An </a:t>
+            </a:r>
+            <a:r>
+              <a:rPr lang="en-US" dirty="0"/>
+              <a:t>object with the same name as a class or trait and is defined in the same source file as the associated file or </a:t>
+            </a:r>
+            <a:r>
+              <a:rPr lang="en-US" dirty="0" smtClean="0"/>
+              <a:t>trait</a:t>
+            </a:r>
+          </a:p>
+          <a:p>
+            <a:pPr marL="342900" lvl="1" indent="-342900"/>
+            <a:r>
+              <a:rPr lang="en-US" sz="1800" dirty="0"/>
+              <a:t>An analog to a </a:t>
+            </a:r>
+            <a:r>
+              <a:rPr lang="en-US" dirty="0"/>
+              <a:t>companion object in Java is having a class with static methods. In Scala you would move the static methods to a Companion </a:t>
+            </a:r>
+            <a:r>
+              <a:rPr lang="en-US" dirty="0" smtClean="0"/>
+              <a:t>object</a:t>
+            </a:r>
+          </a:p>
+          <a:p>
+            <a:r>
+              <a:rPr lang="en-US" dirty="0"/>
+              <a:t>A companion object differs from other objects as it has access rights to the class/trait that other objects do </a:t>
+            </a:r>
+            <a:r>
+              <a:rPr lang="en-US" dirty="0" smtClean="0"/>
+              <a:t>not</a:t>
+            </a:r>
+          </a:p>
+          <a:p>
+            <a:pPr lvl="1"/>
+            <a:r>
+              <a:rPr lang="en-US" dirty="0"/>
+              <a:t>it can access methods and fields that are private in the </a:t>
+            </a:r>
+            <a:r>
+              <a:rPr lang="en-US" dirty="0" smtClean="0"/>
+              <a:t>class/trait</a:t>
+            </a:r>
+          </a:p>
+          <a:p>
+            <a:r>
+              <a:rPr lang="en-US" dirty="0"/>
+              <a:t>One of the most common uses of a companion object is to define factory methods for class.</a:t>
+            </a:r>
+          </a:p>
+          <a:p>
+            <a:r>
+              <a:rPr lang="en-US" dirty="0" smtClean="0"/>
+              <a:t>When </a:t>
+            </a:r>
+            <a:r>
+              <a:rPr lang="en-US" dirty="0"/>
+              <a:t>a case-class is declared a companion object is created for the case-class with a factory method that has the same signature as the primary constructor of the case class. That is why one can create a case-class like: </a:t>
+            </a:r>
+            <a:r>
+              <a:rPr lang="en-US" dirty="0" err="1"/>
+              <a:t>MyCaseClass</a:t>
+            </a:r>
+            <a:r>
+              <a:rPr lang="en-US" dirty="0"/>
+              <a:t>(param1, param2). No new element is required for case-class instantiation</a:t>
+            </a:r>
+            <a:r>
+              <a:rPr lang="en-US" dirty="0" smtClean="0"/>
+              <a:t>.</a:t>
+            </a:r>
+          </a:p>
+          <a:p>
+            <a:r>
+              <a:rPr lang="en-US" dirty="0"/>
+              <a:t>A second common use-case for companion objects is to create extractors for the class. </a:t>
+            </a:r>
+          </a:p>
+        </p:txBody>
+      </p:sp>
+    </p:spTree>
+    <p:extLst>
+      <p:ext uri="{BB962C8B-B14F-4D97-AF65-F5344CB8AC3E}">
+        <p14:creationId xmlns:p14="http://schemas.microsoft.com/office/powerpoint/2010/main" val="2638160812"/>
+      </p:ext>
+    </p:extLst>
+  </p:cSld>
+  <p:clrMapOvr>
+    <a:masterClrMapping/>
+  </p:clrMapOvr>
+</p:sld>
+</file>
+
+<file path=ppt/slides/slide22.xml><?xml version="1.0" encoding="utf-8"?>
+<p:sld xmlns:a="http://schemas.openxmlformats.org/drawingml/2006/main" xmlns:r="http://schemas.openxmlformats.org/officeDocument/2006/relationships" xmlns:p="http://schemas.openxmlformats.org/presentationml/2006/main">
+  <p:cSld>
+    <p:spTree>
+      <p:nvGrpSpPr>
+        <p:cNvPr id="1" name=""/>
+        <p:cNvGrpSpPr/>
+        <p:nvPr/>
+      </p:nvGrpSpPr>
+      <p:grpSpPr>
+        <a:xfrm>
+          <a:off x="0" y="0"/>
+          <a:ext cx="0" cy="0"/>
+          <a:chOff x="0" y="0"/>
+          <a:chExt cx="0" cy="0"/>
+        </a:xfrm>
+      </p:grpSpPr>
+      <p:sp>
+        <p:nvSpPr>
+          <p:cNvPr id="2" name="Title 1"/>
+          <p:cNvSpPr>
+            <a:spLocks noGrp="1"/>
+          </p:cNvSpPr>
+          <p:nvPr>
+            <p:ph type="title"/>
+          </p:nvPr>
+        </p:nvSpPr>
+        <p:spPr>
+          <a:xfrm>
+            <a:off x="677334" y="136264"/>
+            <a:ext cx="8596668" cy="616771"/>
+          </a:xfrm>
+        </p:spPr>
+        <p:txBody>
+          <a:bodyPr>
+            <a:normAutofit fontScale="90000"/>
+          </a:bodyPr>
+          <a:lstStyle/>
+          <a:p>
+            <a:pPr algn="ctr"/>
+            <a:r>
+              <a:rPr lang="en-US" dirty="0" smtClean="0">
+                <a:solidFill>
+                  <a:srgbClr val="7030A0"/>
+                </a:solidFill>
+              </a:rPr>
+              <a:t>Companion </a:t>
+            </a:r>
+            <a:r>
+              <a:rPr lang="en-US" dirty="0">
+                <a:solidFill>
+                  <a:srgbClr val="7030A0"/>
+                </a:solidFill>
+              </a:rPr>
+              <a:t>Object</a:t>
+            </a:r>
+            <a:endParaRPr lang="en-US" dirty="0"/>
+          </a:p>
+        </p:txBody>
+      </p:sp>
+      <p:sp>
+        <p:nvSpPr>
+          <p:cNvPr id="3" name="Content Placeholder 2"/>
+          <p:cNvSpPr>
+            <a:spLocks noGrp="1"/>
+          </p:cNvSpPr>
+          <p:nvPr>
+            <p:ph idx="1"/>
+          </p:nvPr>
+        </p:nvSpPr>
+        <p:spPr>
+          <a:xfrm>
+            <a:off x="677334" y="753035"/>
+            <a:ext cx="8596668" cy="5288327"/>
+          </a:xfrm>
+        </p:spPr>
+        <p:txBody>
+          <a:bodyPr>
+            <a:noAutofit/>
+          </a:bodyPr>
+          <a:lstStyle/>
+          <a:p>
+            <a:pPr marL="457200" lvl="1" indent="0">
+              <a:spcBef>
+                <a:spcPts val="0"/>
+              </a:spcBef>
+              <a:buNone/>
+            </a:pPr>
+            <a:endParaRPr lang="en-US" sz="1300" dirty="0" smtClean="0"/>
+          </a:p>
+          <a:p>
+            <a:pPr marL="457200" lvl="1" indent="0">
+              <a:spcBef>
+                <a:spcPts val="0"/>
+              </a:spcBef>
+              <a:buNone/>
+            </a:pPr>
+            <a:endParaRPr lang="en-US" sz="1300" dirty="0"/>
+          </a:p>
+          <a:p>
+            <a:pPr marL="457200" lvl="1" indent="0">
+              <a:spcBef>
+                <a:spcPts val="0"/>
+              </a:spcBef>
+              <a:buNone/>
+            </a:pPr>
+            <a:r>
+              <a:rPr lang="en-US" sz="1300" dirty="0" smtClean="0"/>
+              <a:t>class</a:t>
+            </a:r>
+            <a:r>
+              <a:rPr lang="en-US" sz="1300" dirty="0"/>
+              <a:t> </a:t>
+            </a:r>
+            <a:r>
+              <a:rPr lang="en-US" sz="1300" dirty="0" err="1"/>
+              <a:t>MyString</a:t>
+            </a:r>
+            <a:r>
+              <a:rPr lang="en-US" sz="1300" dirty="0"/>
+              <a:t>(</a:t>
+            </a:r>
+            <a:r>
+              <a:rPr lang="en-US" sz="1300" dirty="0" err="1"/>
+              <a:t>val</a:t>
+            </a:r>
+            <a:r>
+              <a:rPr lang="en-US" sz="1300" dirty="0"/>
+              <a:t> </a:t>
+            </a:r>
+            <a:r>
+              <a:rPr lang="en-US" sz="1300" dirty="0" err="1"/>
+              <a:t>jString:String</a:t>
+            </a:r>
+            <a:r>
+              <a:rPr lang="en-US" sz="1300" dirty="0"/>
+              <a:t>) {</a:t>
+            </a:r>
+          </a:p>
+          <a:p>
+            <a:pPr marL="457200" lvl="1" indent="0">
+              <a:spcBef>
+                <a:spcPts val="0"/>
+              </a:spcBef>
+              <a:buNone/>
+            </a:pPr>
+            <a:r>
+              <a:rPr lang="en-US" sz="1300" dirty="0"/>
+              <a:t>  private </a:t>
+            </a:r>
+            <a:r>
+              <a:rPr lang="en-US" sz="1300" dirty="0" err="1"/>
+              <a:t>var</a:t>
+            </a:r>
+            <a:r>
+              <a:rPr lang="en-US" sz="1300" dirty="0"/>
+              <a:t> </a:t>
+            </a:r>
+            <a:r>
+              <a:rPr lang="en-US" sz="1300" dirty="0" err="1"/>
+              <a:t>extraData</a:t>
+            </a:r>
+            <a:r>
+              <a:rPr lang="en-US" sz="1300" dirty="0"/>
+              <a:t> = ""</a:t>
+            </a:r>
+          </a:p>
+          <a:p>
+            <a:pPr marL="457200" lvl="1" indent="0">
+              <a:spcBef>
+                <a:spcPts val="0"/>
+              </a:spcBef>
+              <a:buNone/>
+            </a:pPr>
+            <a:r>
+              <a:rPr lang="en-US" sz="1300" dirty="0"/>
+              <a:t>  override </a:t>
+            </a:r>
+            <a:r>
+              <a:rPr lang="en-US" sz="1300" dirty="0" err="1"/>
+              <a:t>def</a:t>
+            </a:r>
+            <a:r>
+              <a:rPr lang="en-US" sz="1300" dirty="0"/>
+              <a:t> </a:t>
+            </a:r>
+            <a:r>
+              <a:rPr lang="en-US" sz="1300" dirty="0" err="1"/>
+              <a:t>toString</a:t>
+            </a:r>
+            <a:r>
+              <a:rPr lang="en-US" sz="1300" dirty="0"/>
+              <a:t> = </a:t>
+            </a:r>
+            <a:r>
+              <a:rPr lang="en-US" sz="1300" dirty="0" err="1"/>
+              <a:t>jString+extraData</a:t>
+            </a:r>
+            <a:endParaRPr lang="en-US" sz="1300" dirty="0"/>
+          </a:p>
+          <a:p>
+            <a:pPr marL="457200" lvl="1" indent="0">
+              <a:spcBef>
+                <a:spcPts val="0"/>
+              </a:spcBef>
+              <a:buNone/>
+            </a:pPr>
+            <a:r>
+              <a:rPr lang="en-US" sz="1300" dirty="0"/>
+              <a:t>}</a:t>
+            </a:r>
+          </a:p>
+          <a:p>
+            <a:pPr marL="457200" lvl="1" indent="0">
+              <a:spcBef>
+                <a:spcPts val="0"/>
+              </a:spcBef>
+              <a:buNone/>
+            </a:pPr>
+            <a:endParaRPr lang="en-US" sz="1300" dirty="0" smtClean="0"/>
+          </a:p>
+          <a:p>
+            <a:pPr marL="457200" lvl="1" indent="0">
+              <a:spcBef>
+                <a:spcPts val="0"/>
+              </a:spcBef>
+              <a:buNone/>
+            </a:pPr>
+            <a:r>
+              <a:rPr lang="en-US" sz="1300" dirty="0" smtClean="0"/>
+              <a:t>// companion object : to be defined in same source file</a:t>
+            </a:r>
+            <a:endParaRPr lang="en-US" sz="1300" dirty="0"/>
+          </a:p>
+          <a:p>
+            <a:pPr marL="457200" lvl="1" indent="0">
+              <a:spcBef>
+                <a:spcPts val="0"/>
+              </a:spcBef>
+              <a:buNone/>
+            </a:pPr>
+            <a:r>
+              <a:rPr lang="en-US" sz="1300" dirty="0"/>
+              <a:t>object </a:t>
+            </a:r>
+            <a:r>
+              <a:rPr lang="en-US" sz="1300" dirty="0" err="1"/>
+              <a:t>MyString</a:t>
+            </a:r>
+            <a:r>
+              <a:rPr lang="en-US" sz="1300" dirty="0"/>
+              <a:t> {</a:t>
+            </a:r>
+          </a:p>
+          <a:p>
+            <a:pPr marL="457200" lvl="1" indent="0">
+              <a:spcBef>
+                <a:spcPts val="0"/>
+              </a:spcBef>
+              <a:buNone/>
+            </a:pPr>
+            <a:r>
+              <a:rPr lang="en-US" sz="1300" dirty="0"/>
+              <a:t>  </a:t>
+            </a:r>
+            <a:r>
+              <a:rPr lang="en-US" sz="1300" dirty="0" err="1"/>
+              <a:t>def</a:t>
+            </a:r>
+            <a:r>
+              <a:rPr lang="en-US" sz="1300" dirty="0"/>
+              <a:t> apply(</a:t>
+            </a:r>
+            <a:r>
+              <a:rPr lang="en-US" sz="1300" dirty="0" err="1"/>
+              <a:t>base:String</a:t>
+            </a:r>
+            <a:r>
+              <a:rPr lang="en-US" sz="1300" dirty="0"/>
+              <a:t>, </a:t>
+            </a:r>
+            <a:r>
+              <a:rPr lang="en-US" sz="1300" dirty="0" err="1"/>
+              <a:t>extras:String</a:t>
+            </a:r>
+            <a:r>
+              <a:rPr lang="en-US" sz="1300" dirty="0"/>
+              <a:t>) = {</a:t>
+            </a:r>
+          </a:p>
+          <a:p>
+            <a:pPr marL="457200" lvl="1" indent="0">
+              <a:spcBef>
+                <a:spcPts val="0"/>
+              </a:spcBef>
+              <a:buNone/>
+            </a:pPr>
+            <a:r>
+              <a:rPr lang="en-US" sz="1300" dirty="0"/>
+              <a:t>    </a:t>
+            </a:r>
+            <a:r>
+              <a:rPr lang="en-US" sz="1300" dirty="0" err="1"/>
+              <a:t>val</a:t>
+            </a:r>
+            <a:r>
+              <a:rPr lang="en-US" sz="1300" dirty="0"/>
+              <a:t> s = new </a:t>
+            </a:r>
+            <a:r>
+              <a:rPr lang="en-US" sz="1300" dirty="0" err="1"/>
+              <a:t>MyString</a:t>
+            </a:r>
+            <a:r>
+              <a:rPr lang="en-US" sz="1300" dirty="0"/>
+              <a:t>(base)</a:t>
+            </a:r>
+          </a:p>
+          <a:p>
+            <a:pPr marL="457200" lvl="1" indent="0">
+              <a:spcBef>
+                <a:spcPts val="0"/>
+              </a:spcBef>
+              <a:buNone/>
+            </a:pPr>
+            <a:r>
+              <a:rPr lang="en-US" sz="1300" dirty="0"/>
+              <a:t>    </a:t>
+            </a:r>
+            <a:r>
+              <a:rPr lang="en-US" sz="1300" dirty="0" err="1"/>
+              <a:t>s.extraData</a:t>
+            </a:r>
+            <a:r>
+              <a:rPr lang="en-US" sz="1300" dirty="0"/>
+              <a:t> = extras</a:t>
+            </a:r>
+          </a:p>
+          <a:p>
+            <a:pPr marL="457200" lvl="1" indent="0">
+              <a:spcBef>
+                <a:spcPts val="0"/>
+              </a:spcBef>
+              <a:buNone/>
+            </a:pPr>
+            <a:r>
+              <a:rPr lang="en-US" sz="1300" dirty="0"/>
+              <a:t>   </a:t>
+            </a:r>
+          </a:p>
+          <a:p>
+            <a:pPr marL="457200" lvl="1" indent="0">
+              <a:spcBef>
+                <a:spcPts val="0"/>
+              </a:spcBef>
+              <a:buNone/>
+            </a:pPr>
+            <a:r>
+              <a:rPr lang="en-US" sz="1300" dirty="0"/>
+              <a:t>  }</a:t>
+            </a:r>
+          </a:p>
+          <a:p>
+            <a:pPr marL="457200" lvl="1" indent="0">
+              <a:spcBef>
+                <a:spcPts val="0"/>
+              </a:spcBef>
+              <a:buNone/>
+            </a:pPr>
+            <a:r>
+              <a:rPr lang="en-US" sz="1300" dirty="0"/>
+              <a:t>  </a:t>
+            </a:r>
+            <a:r>
+              <a:rPr lang="en-US" sz="1300" dirty="0" err="1"/>
+              <a:t>def</a:t>
+            </a:r>
+            <a:r>
+              <a:rPr lang="en-US" sz="1300" dirty="0"/>
+              <a:t> apply(</a:t>
+            </a:r>
+            <a:r>
+              <a:rPr lang="en-US" sz="1300" dirty="0" err="1"/>
+              <a:t>base:String</a:t>
+            </a:r>
+            <a:r>
+              <a:rPr lang="en-US" sz="1300" dirty="0"/>
+              <a:t>) = new </a:t>
+            </a:r>
+            <a:r>
+              <a:rPr lang="en-US" sz="1300" dirty="0" err="1"/>
+              <a:t>MyString</a:t>
+            </a:r>
+            <a:r>
+              <a:rPr lang="en-US" sz="1300" dirty="0"/>
+              <a:t>(base)</a:t>
+            </a:r>
+          </a:p>
+          <a:p>
+            <a:pPr marL="457200" lvl="1" indent="0">
+              <a:spcBef>
+                <a:spcPts val="0"/>
+              </a:spcBef>
+              <a:buNone/>
+            </a:pPr>
+            <a:r>
+              <a:rPr lang="en-US" sz="1300" dirty="0"/>
+              <a:t>}</a:t>
+            </a:r>
+          </a:p>
+          <a:p>
+            <a:pPr marL="457200" lvl="1" indent="0">
+              <a:spcBef>
+                <a:spcPts val="0"/>
+              </a:spcBef>
+              <a:buNone/>
+            </a:pPr>
+            <a:endParaRPr lang="en-US" sz="1300" dirty="0"/>
+          </a:p>
+          <a:p>
+            <a:pPr marL="457200" lvl="1" indent="0">
+              <a:spcBef>
+                <a:spcPts val="0"/>
+              </a:spcBef>
+              <a:buNone/>
+            </a:pPr>
+            <a:r>
+              <a:rPr lang="en-US" sz="1300" dirty="0" err="1"/>
+              <a:t>println</a:t>
+            </a:r>
+            <a:r>
+              <a:rPr lang="en-US" sz="1300" dirty="0"/>
+              <a:t>(</a:t>
+            </a:r>
+            <a:r>
+              <a:rPr lang="en-US" sz="1300" dirty="0" err="1"/>
+              <a:t>MyString</a:t>
+            </a:r>
+            <a:r>
+              <a:rPr lang="en-US" sz="1300" dirty="0"/>
+              <a:t>("hello"," world"))</a:t>
+            </a:r>
+          </a:p>
+          <a:p>
+            <a:pPr marL="457200" lvl="1" indent="0">
+              <a:spcBef>
+                <a:spcPts val="0"/>
+              </a:spcBef>
+              <a:buNone/>
+            </a:pPr>
+            <a:r>
+              <a:rPr lang="en-US" sz="1300" dirty="0" err="1"/>
+              <a:t>println</a:t>
+            </a:r>
+            <a:r>
+              <a:rPr lang="en-US" sz="1300" dirty="0"/>
+              <a:t>(</a:t>
+            </a:r>
+            <a:r>
+              <a:rPr lang="en-US" sz="1300" dirty="0" err="1"/>
+              <a:t>MyString</a:t>
+            </a:r>
+            <a:r>
+              <a:rPr lang="en-US" sz="1300" dirty="0"/>
+              <a:t>("hello")) </a:t>
+            </a:r>
+          </a:p>
+        </p:txBody>
+      </p:sp>
+    </p:spTree>
+    <p:extLst>
+      <p:ext uri="{BB962C8B-B14F-4D97-AF65-F5344CB8AC3E}">
+        <p14:creationId xmlns:p14="http://schemas.microsoft.com/office/powerpoint/2010/main" val="870996951"/>
+      </p:ext>
+    </p:extLst>
+  </p:cSld>
+  <p:clrMapOvr>
+    <a:masterClrMapping/>
+  </p:clrMapOvr>
+</p:sld>
+</file>
+
+<file path=ppt/slides/slide23.xml><?xml version="1.0" encoding="utf-8"?>
+<p:sld xmlns:a="http://schemas.openxmlformats.org/drawingml/2006/main" xmlns:r="http://schemas.openxmlformats.org/officeDocument/2006/relationships" xmlns:p="http://schemas.openxmlformats.org/presentationml/2006/main">
+  <p:cSld>
+    <p:spTree>
+      <p:nvGrpSpPr>
+        <p:cNvPr id="1" name=""/>
+        <p:cNvGrpSpPr/>
+        <p:nvPr/>
+      </p:nvGrpSpPr>
+      <p:grpSpPr>
+        <a:xfrm>
+          <a:off x="0" y="0"/>
+          <a:ext cx="0" cy="0"/>
+          <a:chOff x="0" y="0"/>
+          <a:chExt cx="0" cy="0"/>
+        </a:xfrm>
+      </p:grpSpPr>
+      <p:sp>
+        <p:nvSpPr>
+          <p:cNvPr id="2" name="Title 1"/>
+          <p:cNvSpPr>
+            <a:spLocks noGrp="1"/>
+          </p:cNvSpPr>
+          <p:nvPr>
+            <p:ph type="title"/>
+          </p:nvPr>
+        </p:nvSpPr>
+        <p:spPr>
+          <a:xfrm>
+            <a:off x="677334" y="168536"/>
+            <a:ext cx="8596668" cy="530711"/>
+          </a:xfrm>
+        </p:spPr>
+        <p:txBody>
+          <a:bodyPr>
+            <a:normAutofit fontScale="90000"/>
+          </a:bodyPr>
+          <a:lstStyle/>
+          <a:p>
+            <a:r>
+              <a:rPr lang="en-US" dirty="0" err="1" smtClean="0"/>
+              <a:t>urls</a:t>
+            </a:r>
+            <a:endParaRPr lang="en-US" dirty="0"/>
+          </a:p>
+        </p:txBody>
+      </p:sp>
+      <p:sp>
+        <p:nvSpPr>
+          <p:cNvPr id="3" name="Content Placeholder 2"/>
+          <p:cNvSpPr>
+            <a:spLocks noGrp="1"/>
+          </p:cNvSpPr>
+          <p:nvPr>
+            <p:ph idx="1"/>
+          </p:nvPr>
+        </p:nvSpPr>
+        <p:spPr>
+          <a:xfrm>
+            <a:off x="677334" y="699247"/>
+            <a:ext cx="8596668" cy="5342115"/>
+          </a:xfrm>
+        </p:spPr>
+        <p:txBody>
+          <a:bodyPr>
+            <a:normAutofit/>
+          </a:bodyPr>
+          <a:lstStyle/>
+          <a:p>
+            <a:pPr marL="0" indent="0">
+              <a:buNone/>
+            </a:pPr>
+            <a:r>
+              <a:rPr lang="en-US" sz="1200" dirty="0">
+                <a:hlinkClick r:id="rId2"/>
+              </a:rPr>
+              <a:t>http://aperiodic.net/phil/scala/s-99</a:t>
+            </a:r>
+            <a:r>
+              <a:rPr lang="en-US" sz="1200" dirty="0" smtClean="0">
+                <a:hlinkClick r:id="rId2"/>
+              </a:rPr>
+              <a:t>/</a:t>
+            </a:r>
+          </a:p>
+          <a:p>
+            <a:pPr marL="0" indent="0">
+              <a:buNone/>
+            </a:pPr>
+            <a:r>
+              <a:rPr lang="en-US" sz="1200" dirty="0" smtClean="0">
+                <a:hlinkClick r:id="rId2"/>
+              </a:rPr>
+              <a:t>http</a:t>
+            </a:r>
+            <a:r>
+              <a:rPr lang="en-US" sz="1200" dirty="0">
+                <a:hlinkClick r:id="rId2"/>
+              </a:rPr>
+              <a:t>://scala-exercises.47deg.com/koans#assertsa/s-99</a:t>
+            </a:r>
+            <a:r>
+              <a:rPr lang="en-US" sz="1200" dirty="0" smtClean="0">
+                <a:hlinkClick r:id="rId2"/>
+              </a:rPr>
+              <a:t>/</a:t>
+            </a:r>
+            <a:endParaRPr lang="en-US" sz="1200" dirty="0" smtClean="0"/>
+          </a:p>
+          <a:p>
+            <a:pPr marL="0" indent="0">
+              <a:buNone/>
+            </a:pPr>
+            <a:r>
+              <a:rPr lang="en-US" sz="1200" dirty="0">
+                <a:hlinkClick r:id="rId3"/>
+              </a:rPr>
+              <a:t>http://</a:t>
+            </a:r>
+            <a:r>
+              <a:rPr lang="en-US" sz="1200" dirty="0" smtClean="0">
+                <a:hlinkClick r:id="rId3"/>
+              </a:rPr>
+              <a:t>www.scalatest.org/user_guide/using_assertions</a:t>
+            </a:r>
+            <a:endParaRPr lang="en-US" sz="1200" dirty="0" smtClean="0"/>
+          </a:p>
+          <a:p>
+            <a:pPr marL="0" indent="0">
+              <a:buNone/>
+            </a:pPr>
+            <a:r>
+              <a:rPr lang="en-US" sz="1200" dirty="0">
+                <a:hlinkClick r:id="rId4"/>
+              </a:rPr>
+              <a:t>http://www.vasinov.com/blog/on-currying-and-partial-function-application</a:t>
+            </a:r>
+            <a:r>
+              <a:rPr lang="en-US" sz="1200" dirty="0" smtClean="0">
+                <a:hlinkClick r:id="rId4"/>
+              </a:rPr>
+              <a:t>/</a:t>
+            </a:r>
+            <a:endParaRPr lang="en-US" sz="1200" dirty="0" smtClean="0"/>
+          </a:p>
+          <a:p>
+            <a:pPr marL="0" indent="0">
+              <a:buNone/>
+            </a:pPr>
+            <a:r>
+              <a:rPr lang="en-US" sz="1200" dirty="0">
+                <a:hlinkClick r:id="rId5"/>
+              </a:rPr>
+              <a:t>http://</a:t>
+            </a:r>
+            <a:r>
+              <a:rPr lang="en-US" sz="1200" dirty="0" smtClean="0">
+                <a:hlinkClick r:id="rId5"/>
+              </a:rPr>
+              <a:t>stackoverflow.com/questions/218025/what-is-the-difference-between-currying-and-partial-application</a:t>
+            </a:r>
+            <a:endParaRPr lang="en-US" sz="1200" dirty="0" smtClean="0"/>
+          </a:p>
+          <a:p>
+            <a:pPr marL="0" indent="0">
+              <a:buNone/>
+            </a:pPr>
+            <a:endParaRPr lang="en-US" sz="1200" dirty="0" smtClean="0"/>
+          </a:p>
+          <a:p>
+            <a:pPr marL="0" indent="0">
+              <a:buNone/>
+            </a:pPr>
+            <a:endParaRPr lang="en-US" sz="1200" dirty="0"/>
+          </a:p>
+        </p:txBody>
+      </p:sp>
+    </p:spTree>
+    <p:extLst>
+      <p:ext uri="{BB962C8B-B14F-4D97-AF65-F5344CB8AC3E}">
+        <p14:creationId xmlns:p14="http://schemas.microsoft.com/office/powerpoint/2010/main" val="1080284924"/>
       </p:ext>
     </p:extLst>
   </p:cSld>

--- a/ScalaRepositary/ScalaTrainingPrep/Scala.pptx
+++ b/ScalaRepositary/ScalaTrainingPrep/Scala.pptx
@@ -5,7 +5,7 @@
     <p:sldMasterId id="2147483773" r:id="rId1"/>
   </p:sldMasterIdLst>
   <p:notesMasterIdLst>
-    <p:notesMasterId r:id="rId25"/>
+    <p:notesMasterId r:id="rId27"/>
   </p:notesMasterIdLst>
   <p:sldIdLst>
     <p:sldId id="256" r:id="rId2"/>
@@ -30,7 +30,9 @@
     <p:sldId id="281" r:id="rId21"/>
     <p:sldId id="279" r:id="rId22"/>
     <p:sldId id="280" r:id="rId23"/>
-    <p:sldId id="273" r:id="rId24"/>
+    <p:sldId id="282" r:id="rId24"/>
+    <p:sldId id="283" r:id="rId25"/>
+    <p:sldId id="273" r:id="rId26"/>
   </p:sldIdLst>
   <p:sldSz cx="12192000" cy="6858000"/>
   <p:notesSz cx="6858000" cy="9144000"/>
@@ -219,7 +221,7 @@
           <a:p>
             <a:fld id="{3240BC99-1AF2-4BD1-B6C5-9B1A6BD04C8E}" type="datetimeFigureOut">
               <a:rPr lang="en-US" smtClean="0"/>
-              <a:t>5/7/2016</a:t>
+              <a:t>5/8/2016</a:t>
             </a:fld>
             <a:endParaRPr lang="en-US"/>
           </a:p>
@@ -1040,6 +1042,182 @@
     <p:extLst>
       <p:ext uri="{BB962C8B-B14F-4D97-AF65-F5344CB8AC3E}">
         <p14:creationId xmlns:p14="http://schemas.microsoft.com/office/powerpoint/2010/main" val="4082897281"/>
+      </p:ext>
+    </p:extLst>
+  </p:cSld>
+  <p:clrMapOvr>
+    <a:masterClrMapping/>
+  </p:clrMapOvr>
+</p:notes>
+</file>
+
+<file path=ppt/notesSlides/notesSlide14.xml><?xml version="1.0" encoding="utf-8"?>
+<p:notes xmlns:a="http://schemas.openxmlformats.org/drawingml/2006/main" xmlns:r="http://schemas.openxmlformats.org/officeDocument/2006/relationships" xmlns:p="http://schemas.openxmlformats.org/presentationml/2006/main">
+  <p:cSld>
+    <p:spTree>
+      <p:nvGrpSpPr>
+        <p:cNvPr id="1" name=""/>
+        <p:cNvGrpSpPr/>
+        <p:nvPr/>
+      </p:nvGrpSpPr>
+      <p:grpSpPr>
+        <a:xfrm>
+          <a:off x="0" y="0"/>
+          <a:ext cx="0" cy="0"/>
+          <a:chOff x="0" y="0"/>
+          <a:chExt cx="0" cy="0"/>
+        </a:xfrm>
+      </p:grpSpPr>
+      <p:sp>
+        <p:nvSpPr>
+          <p:cNvPr id="2" name="Slide Image Placeholder 1"/>
+          <p:cNvSpPr>
+            <a:spLocks noGrp="1" noRot="1" noChangeAspect="1"/>
+          </p:cNvSpPr>
+          <p:nvPr>
+            <p:ph type="sldImg"/>
+          </p:nvPr>
+        </p:nvSpPr>
+        <p:spPr/>
+      </p:sp>
+      <p:sp>
+        <p:nvSpPr>
+          <p:cNvPr id="3" name="Notes Placeholder 2"/>
+          <p:cNvSpPr>
+            <a:spLocks noGrp="1"/>
+          </p:cNvSpPr>
+          <p:nvPr>
+            <p:ph type="body" idx="1"/>
+          </p:nvPr>
+        </p:nvSpPr>
+        <p:spPr/>
+        <p:txBody>
+          <a:bodyPr/>
+          <a:lstStyle/>
+          <a:p>
+            <a:r>
+              <a:rPr lang="en-US" dirty="0" smtClean="0"/>
+              <a:t>http://www.artima.com/pins1ed/case-classes-and-pattern-matching.html</a:t>
+            </a:r>
+            <a:endParaRPr lang="en-US" dirty="0"/>
+          </a:p>
+        </p:txBody>
+      </p:sp>
+      <p:sp>
+        <p:nvSpPr>
+          <p:cNvPr id="4" name="Slide Number Placeholder 3"/>
+          <p:cNvSpPr>
+            <a:spLocks noGrp="1"/>
+          </p:cNvSpPr>
+          <p:nvPr>
+            <p:ph type="sldNum" sz="quarter" idx="10"/>
+          </p:nvPr>
+        </p:nvSpPr>
+        <p:spPr/>
+        <p:txBody>
+          <a:bodyPr/>
+          <a:lstStyle/>
+          <a:p>
+            <a:fld id="{25B1A631-5F94-4836-930B-DE4ECF0DFEFA}" type="slidenum">
+              <a:rPr lang="en-US" smtClean="0"/>
+              <a:t>23</a:t>
+            </a:fld>
+            <a:endParaRPr lang="en-US"/>
+          </a:p>
+        </p:txBody>
+      </p:sp>
+    </p:spTree>
+    <p:extLst>
+      <p:ext uri="{BB962C8B-B14F-4D97-AF65-F5344CB8AC3E}">
+        <p14:creationId xmlns:p14="http://schemas.microsoft.com/office/powerpoint/2010/main" val="3823392733"/>
+      </p:ext>
+    </p:extLst>
+  </p:cSld>
+  <p:clrMapOvr>
+    <a:masterClrMapping/>
+  </p:clrMapOvr>
+</p:notes>
+</file>
+
+<file path=ppt/notesSlides/notesSlide15.xml><?xml version="1.0" encoding="utf-8"?>
+<p:notes xmlns:a="http://schemas.openxmlformats.org/drawingml/2006/main" xmlns:r="http://schemas.openxmlformats.org/officeDocument/2006/relationships" xmlns:p="http://schemas.openxmlformats.org/presentationml/2006/main">
+  <p:cSld>
+    <p:spTree>
+      <p:nvGrpSpPr>
+        <p:cNvPr id="1" name=""/>
+        <p:cNvGrpSpPr/>
+        <p:nvPr/>
+      </p:nvGrpSpPr>
+      <p:grpSpPr>
+        <a:xfrm>
+          <a:off x="0" y="0"/>
+          <a:ext cx="0" cy="0"/>
+          <a:chOff x="0" y="0"/>
+          <a:chExt cx="0" cy="0"/>
+        </a:xfrm>
+      </p:grpSpPr>
+      <p:sp>
+        <p:nvSpPr>
+          <p:cNvPr id="2" name="Slide Image Placeholder 1"/>
+          <p:cNvSpPr>
+            <a:spLocks noGrp="1" noRot="1" noChangeAspect="1"/>
+          </p:cNvSpPr>
+          <p:nvPr>
+            <p:ph type="sldImg"/>
+          </p:nvPr>
+        </p:nvSpPr>
+        <p:spPr/>
+      </p:sp>
+      <p:sp>
+        <p:nvSpPr>
+          <p:cNvPr id="3" name="Notes Placeholder 2"/>
+          <p:cNvSpPr>
+            <a:spLocks noGrp="1"/>
+          </p:cNvSpPr>
+          <p:nvPr>
+            <p:ph type="body" idx="1"/>
+          </p:nvPr>
+        </p:nvSpPr>
+        <p:spPr/>
+        <p:txBody>
+          <a:bodyPr/>
+          <a:lstStyle/>
+          <a:p>
+            <a:r>
+              <a:rPr lang="en-US" dirty="0" smtClean="0"/>
+              <a:t>http://www.artima.com/pins1ed/case-classes-and-pattern-matching.html</a:t>
+            </a:r>
+            <a:endParaRPr lang="en-US" dirty="0"/>
+          </a:p>
+        </p:txBody>
+      </p:sp>
+      <p:sp>
+        <p:nvSpPr>
+          <p:cNvPr id="4" name="Slide Number Placeholder 3"/>
+          <p:cNvSpPr>
+            <a:spLocks noGrp="1"/>
+          </p:cNvSpPr>
+          <p:nvPr>
+            <p:ph type="sldNum" sz="quarter" idx="10"/>
+          </p:nvPr>
+        </p:nvSpPr>
+        <p:spPr/>
+        <p:txBody>
+          <a:bodyPr/>
+          <a:lstStyle/>
+          <a:p>
+            <a:fld id="{25B1A631-5F94-4836-930B-DE4ECF0DFEFA}" type="slidenum">
+              <a:rPr lang="en-US" smtClean="0"/>
+              <a:t>24</a:t>
+            </a:fld>
+            <a:endParaRPr lang="en-US"/>
+          </a:p>
+        </p:txBody>
+      </p:sp>
+    </p:spTree>
+    <p:extLst>
+      <p:ext uri="{BB962C8B-B14F-4D97-AF65-F5344CB8AC3E}">
+        <p14:creationId xmlns:p14="http://schemas.microsoft.com/office/powerpoint/2010/main" val="3854875845"/>
       </p:ext>
     </p:extLst>
   </p:cSld>
@@ -3417,7 +3595,7 @@
           <a:p>
             <a:fld id="{A99C5B11-6607-4EFE-9B3F-FCF805DD55B2}" type="datetimeFigureOut">
               <a:rPr lang="en-US" smtClean="0"/>
-              <a:t>5/7/2016</a:t>
+              <a:t>5/8/2016</a:t>
             </a:fld>
             <a:endParaRPr lang="en-US"/>
           </a:p>
@@ -3668,7 +3846,7 @@
           <a:p>
             <a:fld id="{A99C5B11-6607-4EFE-9B3F-FCF805DD55B2}" type="datetimeFigureOut">
               <a:rPr lang="en-US" smtClean="0"/>
-              <a:t>5/7/2016</a:t>
+              <a:t>5/8/2016</a:t>
             </a:fld>
             <a:endParaRPr lang="en-US"/>
           </a:p>
@@ -3982,7 +4160,7 @@
           <a:p>
             <a:fld id="{A99C5B11-6607-4EFE-9B3F-FCF805DD55B2}" type="datetimeFigureOut">
               <a:rPr lang="en-US" smtClean="0"/>
-              <a:t>5/7/2016</a:t>
+              <a:t>5/8/2016</a:t>
             </a:fld>
             <a:endParaRPr lang="en-US"/>
           </a:p>
@@ -4323,7 +4501,7 @@
           <a:p>
             <a:fld id="{A99C5B11-6607-4EFE-9B3F-FCF805DD55B2}" type="datetimeFigureOut">
               <a:rPr lang="en-US" smtClean="0"/>
-              <a:t>5/7/2016</a:t>
+              <a:t>5/8/2016</a:t>
             </a:fld>
             <a:endParaRPr lang="en-US"/>
           </a:p>
@@ -4637,7 +4815,7 @@
           <a:p>
             <a:fld id="{A99C5B11-6607-4EFE-9B3F-FCF805DD55B2}" type="datetimeFigureOut">
               <a:rPr lang="en-US" smtClean="0"/>
-              <a:t>5/7/2016</a:t>
+              <a:t>5/8/2016</a:t>
             </a:fld>
             <a:endParaRPr lang="en-US"/>
           </a:p>
@@ -5030,7 +5208,7 @@
           <a:p>
             <a:fld id="{A99C5B11-6607-4EFE-9B3F-FCF805DD55B2}" type="datetimeFigureOut">
               <a:rPr lang="en-US" smtClean="0"/>
-              <a:t>5/7/2016</a:t>
+              <a:t>5/8/2016</a:t>
             </a:fld>
             <a:endParaRPr lang="en-US"/>
           </a:p>
@@ -5200,7 +5378,7 @@
           <a:p>
             <a:fld id="{A99C5B11-6607-4EFE-9B3F-FCF805DD55B2}" type="datetimeFigureOut">
               <a:rPr lang="en-US" smtClean="0"/>
-              <a:t>5/7/2016</a:t>
+              <a:t>5/8/2016</a:t>
             </a:fld>
             <a:endParaRPr lang="en-US"/>
           </a:p>
@@ -5380,7 +5558,7 @@
           <a:p>
             <a:fld id="{A99C5B11-6607-4EFE-9B3F-FCF805DD55B2}" type="datetimeFigureOut">
               <a:rPr lang="en-US" smtClean="0"/>
-              <a:t>5/7/2016</a:t>
+              <a:t>5/8/2016</a:t>
             </a:fld>
             <a:endParaRPr lang="en-US"/>
           </a:p>
@@ -5556,7 +5734,7 @@
           <a:p>
             <a:fld id="{A99C5B11-6607-4EFE-9B3F-FCF805DD55B2}" type="datetimeFigureOut">
               <a:rPr lang="en-US" smtClean="0"/>
-              <a:t>5/7/2016</a:t>
+              <a:t>5/8/2016</a:t>
             </a:fld>
             <a:endParaRPr lang="en-US"/>
           </a:p>
@@ -5803,7 +5981,7 @@
           <a:p>
             <a:fld id="{A99C5B11-6607-4EFE-9B3F-FCF805DD55B2}" type="datetimeFigureOut">
               <a:rPr lang="en-US" smtClean="0"/>
-              <a:t>5/7/2016</a:t>
+              <a:t>5/8/2016</a:t>
             </a:fld>
             <a:endParaRPr lang="en-US"/>
           </a:p>
@@ -6035,7 +6213,7 @@
           <a:p>
             <a:fld id="{A99C5B11-6607-4EFE-9B3F-FCF805DD55B2}" type="datetimeFigureOut">
               <a:rPr lang="en-US" smtClean="0"/>
-              <a:t>5/7/2016</a:t>
+              <a:t>5/8/2016</a:t>
             </a:fld>
             <a:endParaRPr lang="en-US"/>
           </a:p>
@@ -6414,7 +6592,7 @@
           <a:p>
             <a:fld id="{A99C5B11-6607-4EFE-9B3F-FCF805DD55B2}" type="datetimeFigureOut">
               <a:rPr lang="en-US" smtClean="0"/>
-              <a:t>5/7/2016</a:t>
+              <a:t>5/8/2016</a:t>
             </a:fld>
             <a:endParaRPr lang="en-US"/>
           </a:p>
@@ -6542,7 +6720,7 @@
           <a:p>
             <a:fld id="{A99C5B11-6607-4EFE-9B3F-FCF805DD55B2}" type="datetimeFigureOut">
               <a:rPr lang="en-US" smtClean="0"/>
-              <a:t>5/7/2016</a:t>
+              <a:t>5/8/2016</a:t>
             </a:fld>
             <a:endParaRPr lang="en-US"/>
           </a:p>
@@ -6637,7 +6815,7 @@
           <a:p>
             <a:fld id="{A99C5B11-6607-4EFE-9B3F-FCF805DD55B2}" type="datetimeFigureOut">
               <a:rPr lang="en-US" smtClean="0"/>
-              <a:t>5/7/2016</a:t>
+              <a:t>5/8/2016</a:t>
             </a:fld>
             <a:endParaRPr lang="en-US"/>
           </a:p>
@@ -6892,7 +7070,7 @@
           <a:p>
             <a:fld id="{A99C5B11-6607-4EFE-9B3F-FCF805DD55B2}" type="datetimeFigureOut">
               <a:rPr lang="en-US" smtClean="0"/>
-              <a:t>5/7/2016</a:t>
+              <a:t>5/8/2016</a:t>
             </a:fld>
             <a:endParaRPr lang="en-US"/>
           </a:p>
@@ -7160,7 +7338,7 @@
           <a:p>
             <a:fld id="{A99C5B11-6607-4EFE-9B3F-FCF805DD55B2}" type="datetimeFigureOut">
               <a:rPr lang="en-US" smtClean="0"/>
-              <a:t>5/7/2016</a:t>
+              <a:t>5/8/2016</a:t>
             </a:fld>
             <a:endParaRPr lang="en-US"/>
           </a:p>
@@ -7903,7 +8081,7 @@
           <a:p>
             <a:fld id="{A99C5B11-6607-4EFE-9B3F-FCF805DD55B2}" type="datetimeFigureOut">
               <a:rPr lang="en-US" smtClean="0"/>
-              <a:t>5/7/2016</a:t>
+              <a:t>5/8/2016</a:t>
             </a:fld>
             <a:endParaRPr lang="en-US"/>
           </a:p>
@@ -11734,7 +11912,6 @@
               <a:rPr lang="en-US" sz="1600" dirty="0" smtClean="0"/>
               <a:t>keyword</a:t>
             </a:r>
-            <a:endParaRPr lang="en-US" sz="1600" dirty="0" smtClean="0"/>
           </a:p>
           <a:p>
             <a:r>
@@ -11814,7 +11991,6 @@
               <a:rPr lang="en-US" sz="1600" dirty="0"/>
               <a:t> method, a case class supports pattern matching. This is especially important when you define an Algebraic Data Type (ADT)</a:t>
             </a:r>
-            <a:endParaRPr lang="en-US" sz="1600" dirty="0"/>
           </a:p>
           <a:p>
             <a:endParaRPr lang="en-US" dirty="0" smtClean="0"/>
@@ -12534,6 +12710,611 @@
         </p:nvSpPr>
         <p:spPr>
           <a:xfrm>
+            <a:off x="677334" y="136264"/>
+            <a:ext cx="8596668" cy="616771"/>
+          </a:xfrm>
+        </p:spPr>
+        <p:txBody>
+          <a:bodyPr>
+            <a:normAutofit fontScale="90000"/>
+          </a:bodyPr>
+          <a:lstStyle/>
+          <a:p>
+            <a:pPr algn="ctr"/>
+            <a:r>
+              <a:rPr lang="en-US" dirty="0" smtClean="0">
+                <a:solidFill>
+                  <a:srgbClr val="7030A0"/>
+                </a:solidFill>
+              </a:rPr>
+              <a:t>Pattern Matching</a:t>
+            </a:r>
+            <a:endParaRPr lang="en-US" dirty="0"/>
+          </a:p>
+        </p:txBody>
+      </p:sp>
+      <p:sp>
+        <p:nvSpPr>
+          <p:cNvPr id="3" name="Content Placeholder 2"/>
+          <p:cNvSpPr>
+            <a:spLocks noGrp="1"/>
+          </p:cNvSpPr>
+          <p:nvPr>
+            <p:ph idx="1"/>
+          </p:nvPr>
+        </p:nvSpPr>
+        <p:spPr>
+          <a:xfrm>
+            <a:off x="677334" y="753035"/>
+            <a:ext cx="8596668" cy="5288327"/>
+          </a:xfrm>
+        </p:spPr>
+        <p:txBody>
+          <a:bodyPr>
+            <a:noAutofit/>
+          </a:bodyPr>
+          <a:lstStyle/>
+          <a:p>
+            <a:pPr marL="182880" lvl="1" indent="0">
+              <a:spcBef>
+                <a:spcPts val="0"/>
+              </a:spcBef>
+              <a:buNone/>
+            </a:pPr>
+            <a:r>
+              <a:rPr lang="en-US" sz="1300" dirty="0"/>
+              <a:t>Syntax  in </a:t>
+            </a:r>
+            <a:r>
+              <a:rPr lang="en-US" sz="1300" dirty="0" smtClean="0"/>
+              <a:t>Java:</a:t>
+            </a:r>
+            <a:endParaRPr lang="en-US" sz="1300" dirty="0"/>
+          </a:p>
+          <a:p>
+            <a:pPr marL="182880" lvl="1" indent="0">
+              <a:spcBef>
+                <a:spcPts val="0"/>
+              </a:spcBef>
+              <a:buNone/>
+            </a:pPr>
+            <a:r>
+              <a:rPr lang="en-US" sz="1300" dirty="0" smtClean="0"/>
+              <a:t>	</a:t>
+            </a:r>
+            <a:r>
+              <a:rPr lang="en-US" sz="1300" dirty="0"/>
+              <a:t>switch (selector) { alternatives }</a:t>
+            </a:r>
+          </a:p>
+          <a:p>
+            <a:pPr marL="182880" lvl="1" indent="0">
+              <a:spcBef>
+                <a:spcPts val="0"/>
+              </a:spcBef>
+              <a:buNone/>
+            </a:pPr>
+            <a:endParaRPr lang="en-US" sz="1300" dirty="0"/>
+          </a:p>
+          <a:p>
+            <a:pPr marL="182880" lvl="1" indent="0">
+              <a:spcBef>
+                <a:spcPts val="0"/>
+              </a:spcBef>
+              <a:buNone/>
+            </a:pPr>
+            <a:r>
+              <a:rPr lang="en-US" sz="1300" dirty="0" smtClean="0"/>
+              <a:t>Syntax in Scala:</a:t>
+            </a:r>
+          </a:p>
+          <a:p>
+            <a:pPr marL="182880" lvl="1" indent="0">
+              <a:spcBef>
+                <a:spcPts val="0"/>
+              </a:spcBef>
+              <a:buNone/>
+            </a:pPr>
+            <a:r>
+              <a:rPr lang="en-US" sz="1300" dirty="0" smtClean="0"/>
+              <a:t>	</a:t>
+            </a:r>
+            <a:r>
+              <a:rPr lang="en-US" sz="1300" dirty="0"/>
+              <a:t>selector match { alternatives </a:t>
+            </a:r>
+            <a:r>
+              <a:rPr lang="en-US" sz="1300" dirty="0" smtClean="0"/>
+              <a:t>}</a:t>
+            </a:r>
+          </a:p>
+          <a:p>
+            <a:pPr marL="182880" lvl="1" indent="0">
+              <a:spcBef>
+                <a:spcPts val="0"/>
+              </a:spcBef>
+              <a:buNone/>
+            </a:pPr>
+            <a:endParaRPr lang="en-US" sz="1300" dirty="0"/>
+          </a:p>
+          <a:p>
+            <a:pPr marL="182880" lvl="1" indent="0">
+              <a:spcBef>
+                <a:spcPts val="0"/>
+              </a:spcBef>
+              <a:buNone/>
+            </a:pPr>
+            <a:r>
+              <a:rPr lang="en-US" sz="1300" dirty="0" smtClean="0"/>
+              <a:t>A Pattern match includes :</a:t>
+            </a:r>
+          </a:p>
+          <a:p>
+            <a:pPr marL="468630" lvl="1">
+              <a:spcBef>
+                <a:spcPts val="0"/>
+              </a:spcBef>
+              <a:buFont typeface="Wingdings" panose="05000000000000000000" pitchFamily="2" charset="2"/>
+              <a:buChar char="§"/>
+            </a:pPr>
+            <a:r>
+              <a:rPr lang="en-US" sz="1300" dirty="0" smtClean="0"/>
+              <a:t>A </a:t>
+            </a:r>
+            <a:r>
+              <a:rPr lang="en-US" sz="1300" dirty="0"/>
+              <a:t>sequence of </a:t>
+            </a:r>
+            <a:r>
+              <a:rPr lang="en-US" sz="1300" dirty="0">
+                <a:solidFill>
+                  <a:srgbClr val="FF0000"/>
+                </a:solidFill>
+              </a:rPr>
+              <a:t>alternatives</a:t>
+            </a:r>
+            <a:r>
+              <a:rPr lang="en-US" sz="1300" dirty="0"/>
+              <a:t>, each starting with the keyword </a:t>
+            </a:r>
+            <a:r>
+              <a:rPr lang="en-US" sz="1300" dirty="0" smtClean="0"/>
+              <a:t>case</a:t>
+            </a:r>
+          </a:p>
+          <a:p>
+            <a:pPr marL="468630" lvl="1">
+              <a:spcBef>
+                <a:spcPts val="0"/>
+              </a:spcBef>
+              <a:buFont typeface="Wingdings" panose="05000000000000000000" pitchFamily="2" charset="2"/>
+              <a:buChar char="§"/>
+            </a:pPr>
+            <a:r>
+              <a:rPr lang="en-US" sz="1300" dirty="0" smtClean="0"/>
+              <a:t>Each </a:t>
+            </a:r>
+            <a:r>
+              <a:rPr lang="en-US" sz="1300" dirty="0"/>
+              <a:t>alternative includes a pattern and one or more </a:t>
+            </a:r>
+            <a:r>
+              <a:rPr lang="en-US" sz="1300" dirty="0" smtClean="0"/>
+              <a:t>expressions</a:t>
+            </a:r>
+          </a:p>
+          <a:p>
+            <a:pPr marL="468630" lvl="1">
+              <a:spcBef>
+                <a:spcPts val="0"/>
+              </a:spcBef>
+              <a:buFont typeface="Wingdings" panose="05000000000000000000" pitchFamily="2" charset="2"/>
+              <a:buChar char="§"/>
+            </a:pPr>
+            <a:r>
+              <a:rPr lang="en-US" sz="1300" dirty="0" smtClean="0"/>
+              <a:t>An expression is evaluated when there is a pattern match</a:t>
+            </a:r>
+          </a:p>
+          <a:p>
+            <a:pPr marL="468630" lvl="1">
+              <a:spcBef>
+                <a:spcPts val="0"/>
+              </a:spcBef>
+              <a:buFont typeface="Wingdings" panose="05000000000000000000" pitchFamily="2" charset="2"/>
+              <a:buChar char="§"/>
+            </a:pPr>
+            <a:r>
+              <a:rPr lang="en-US" sz="1300" dirty="0" smtClean="0"/>
+              <a:t>‘=&gt;’ separates the pattern from expression</a:t>
+            </a:r>
+          </a:p>
+          <a:p>
+            <a:pPr marL="468630" lvl="1">
+              <a:spcBef>
+                <a:spcPts val="0"/>
+              </a:spcBef>
+              <a:buFont typeface="Wingdings" panose="05000000000000000000" pitchFamily="2" charset="2"/>
+              <a:buChar char="§"/>
+            </a:pPr>
+            <a:r>
+              <a:rPr lang="en-US" sz="1300" dirty="0"/>
+              <a:t>A match expression is evaluated by trying each of the patterns in the order they are written</a:t>
+            </a:r>
+            <a:r>
+              <a:rPr lang="en-US" sz="1300" dirty="0" smtClean="0"/>
+              <a:t>.</a:t>
+            </a:r>
+          </a:p>
+          <a:p>
+            <a:pPr marL="468630" lvl="1">
+              <a:spcBef>
+                <a:spcPts val="0"/>
+              </a:spcBef>
+              <a:buFont typeface="Wingdings" panose="05000000000000000000" pitchFamily="2" charset="2"/>
+              <a:buChar char="§"/>
+            </a:pPr>
+            <a:r>
+              <a:rPr lang="en-US" sz="1300" dirty="0"/>
+              <a:t>The first pattern that matches is selected, and the part following the arrow is selected and </a:t>
+            </a:r>
+            <a:r>
+              <a:rPr lang="en-US" sz="1300" dirty="0" smtClean="0"/>
+              <a:t>executed</a:t>
+            </a:r>
+          </a:p>
+          <a:p>
+            <a:pPr marL="468630" lvl="1">
+              <a:spcBef>
+                <a:spcPts val="0"/>
+              </a:spcBef>
+              <a:buFont typeface="Wingdings" panose="05000000000000000000" pitchFamily="2" charset="2"/>
+              <a:buChar char="§"/>
+            </a:pPr>
+            <a:endParaRPr lang="en-US" sz="1300" dirty="0"/>
+          </a:p>
+          <a:p>
+            <a:pPr marL="182880" lvl="1" indent="0">
+              <a:spcBef>
+                <a:spcPts val="0"/>
+              </a:spcBef>
+              <a:buNone/>
+            </a:pPr>
+            <a:endParaRPr lang="en-US" sz="1300" dirty="0" smtClean="0"/>
+          </a:p>
+          <a:p>
+            <a:pPr marL="182880" lvl="1" indent="0">
+              <a:spcBef>
+                <a:spcPts val="0"/>
+              </a:spcBef>
+              <a:buNone/>
+            </a:pPr>
+            <a:endParaRPr lang="en-US" sz="1300" dirty="0"/>
+          </a:p>
+          <a:p>
+            <a:pPr marL="182880" lvl="1" indent="0">
+              <a:spcBef>
+                <a:spcPts val="0"/>
+              </a:spcBef>
+              <a:buNone/>
+            </a:pPr>
+            <a:endParaRPr lang="en-US" sz="1300" dirty="0" smtClean="0"/>
+          </a:p>
+          <a:p>
+            <a:pPr marL="182880" lvl="1" indent="0">
+              <a:spcBef>
+                <a:spcPts val="0"/>
+              </a:spcBef>
+              <a:buNone/>
+            </a:pPr>
+            <a:r>
+              <a:rPr lang="en-US" sz="1300" i="1" dirty="0" smtClean="0"/>
+              <a:t>Match</a:t>
+            </a:r>
+            <a:r>
+              <a:rPr lang="en-US" sz="1300" dirty="0" smtClean="0"/>
+              <a:t> </a:t>
+            </a:r>
+            <a:r>
+              <a:rPr lang="en-US" sz="1300" dirty="0"/>
+              <a:t>compared to </a:t>
+            </a:r>
+            <a:r>
+              <a:rPr lang="en-US" sz="1300" i="1" dirty="0"/>
+              <a:t>S</a:t>
+            </a:r>
+            <a:r>
+              <a:rPr lang="en-US" sz="1300" i="1" dirty="0" smtClean="0"/>
+              <a:t>witch</a:t>
+            </a:r>
+          </a:p>
+          <a:p>
+            <a:pPr marL="468630" lvl="1">
+              <a:spcBef>
+                <a:spcPts val="0"/>
+              </a:spcBef>
+              <a:buFont typeface="Wingdings" panose="05000000000000000000" pitchFamily="2" charset="2"/>
+              <a:buChar char="§"/>
+            </a:pPr>
+            <a:r>
+              <a:rPr lang="en-US" sz="1300" dirty="0" smtClean="0"/>
+              <a:t>match </a:t>
+            </a:r>
+            <a:r>
+              <a:rPr lang="en-US" sz="1300" dirty="0"/>
+              <a:t>is an expression in Scala, i.e., it always results in a </a:t>
+            </a:r>
+            <a:r>
+              <a:rPr lang="en-US" sz="1300" dirty="0"/>
+              <a:t>value</a:t>
+            </a:r>
+          </a:p>
+          <a:p>
+            <a:pPr marL="468630" lvl="1">
+              <a:spcBef>
+                <a:spcPts val="0"/>
+              </a:spcBef>
+              <a:buFont typeface="Wingdings" panose="05000000000000000000" pitchFamily="2" charset="2"/>
+              <a:buChar char="§"/>
+            </a:pPr>
+            <a:r>
+              <a:rPr lang="en-US" sz="1300" dirty="0" smtClean="0"/>
+              <a:t>Scala's </a:t>
+            </a:r>
+            <a:r>
+              <a:rPr lang="en-US" sz="1300" dirty="0"/>
+              <a:t>alternative expressions never "fall through" into the next </a:t>
+            </a:r>
+            <a:r>
+              <a:rPr lang="en-US" sz="1300" dirty="0" smtClean="0"/>
+              <a:t>case</a:t>
+            </a:r>
+          </a:p>
+          <a:p>
+            <a:pPr marL="468630" lvl="1">
+              <a:spcBef>
+                <a:spcPts val="0"/>
+              </a:spcBef>
+              <a:buFont typeface="Wingdings" panose="05000000000000000000" pitchFamily="2" charset="2"/>
+              <a:buChar char="§"/>
+            </a:pPr>
+            <a:r>
+              <a:rPr lang="en-US" sz="1300" dirty="0"/>
+              <a:t>if none of the patterns match, an exception named </a:t>
+            </a:r>
+            <a:r>
+              <a:rPr lang="en-US" sz="1300" dirty="0" err="1"/>
+              <a:t>MatchError</a:t>
+            </a:r>
+            <a:r>
+              <a:rPr lang="en-US" sz="1300" dirty="0"/>
+              <a:t> is thrown. This means you always have to make sure that all cases are covered, even if it means adding a default case where there's nothing to do</a:t>
+            </a:r>
+            <a:endParaRPr lang="en-US" sz="1300" dirty="0"/>
+          </a:p>
+        </p:txBody>
+      </p:sp>
+    </p:spTree>
+    <p:extLst>
+      <p:ext uri="{BB962C8B-B14F-4D97-AF65-F5344CB8AC3E}">
+        <p14:creationId xmlns:p14="http://schemas.microsoft.com/office/powerpoint/2010/main" val="2394486674"/>
+      </p:ext>
+    </p:extLst>
+  </p:cSld>
+  <p:clrMapOvr>
+    <a:masterClrMapping/>
+  </p:clrMapOvr>
+</p:sld>
+</file>
+
+<file path=ppt/slides/slide24.xml><?xml version="1.0" encoding="utf-8"?>
+<p:sld xmlns:a="http://schemas.openxmlformats.org/drawingml/2006/main" xmlns:r="http://schemas.openxmlformats.org/officeDocument/2006/relationships" xmlns:p="http://schemas.openxmlformats.org/presentationml/2006/main">
+  <p:cSld>
+    <p:spTree>
+      <p:nvGrpSpPr>
+        <p:cNvPr id="1" name=""/>
+        <p:cNvGrpSpPr/>
+        <p:nvPr/>
+      </p:nvGrpSpPr>
+      <p:grpSpPr>
+        <a:xfrm>
+          <a:off x="0" y="0"/>
+          <a:ext cx="0" cy="0"/>
+          <a:chOff x="0" y="0"/>
+          <a:chExt cx="0" cy="0"/>
+        </a:xfrm>
+      </p:grpSpPr>
+      <p:sp>
+        <p:nvSpPr>
+          <p:cNvPr id="2" name="Title 1"/>
+          <p:cNvSpPr>
+            <a:spLocks noGrp="1"/>
+          </p:cNvSpPr>
+          <p:nvPr>
+            <p:ph type="title"/>
+          </p:nvPr>
+        </p:nvSpPr>
+        <p:spPr>
+          <a:xfrm>
+            <a:off x="677334" y="136264"/>
+            <a:ext cx="8596668" cy="616771"/>
+          </a:xfrm>
+        </p:spPr>
+        <p:txBody>
+          <a:bodyPr>
+            <a:normAutofit fontScale="90000"/>
+          </a:bodyPr>
+          <a:lstStyle/>
+          <a:p>
+            <a:pPr algn="ctr"/>
+            <a:r>
+              <a:rPr lang="en-US" dirty="0" smtClean="0">
+                <a:solidFill>
+                  <a:srgbClr val="7030A0"/>
+                </a:solidFill>
+              </a:rPr>
+              <a:t>Pattern Matching</a:t>
+            </a:r>
+            <a:endParaRPr lang="en-US" dirty="0"/>
+          </a:p>
+        </p:txBody>
+      </p:sp>
+      <p:sp>
+        <p:nvSpPr>
+          <p:cNvPr id="3" name="Content Placeholder 2"/>
+          <p:cNvSpPr>
+            <a:spLocks noGrp="1"/>
+          </p:cNvSpPr>
+          <p:nvPr>
+            <p:ph idx="1"/>
+          </p:nvPr>
+        </p:nvSpPr>
+        <p:spPr>
+          <a:xfrm>
+            <a:off x="677334" y="753035"/>
+            <a:ext cx="8596668" cy="5288327"/>
+          </a:xfrm>
+        </p:spPr>
+        <p:txBody>
+          <a:bodyPr>
+            <a:noAutofit/>
+          </a:bodyPr>
+          <a:lstStyle/>
+          <a:p>
+            <a:pPr marL="468630" lvl="1">
+              <a:spcBef>
+                <a:spcPts val="0"/>
+              </a:spcBef>
+              <a:buFont typeface="Wingdings" panose="05000000000000000000" pitchFamily="2" charset="2"/>
+              <a:buChar char="Ø"/>
+            </a:pPr>
+            <a:r>
+              <a:rPr lang="en-US" sz="1300" dirty="0"/>
+              <a:t>Typed patterns</a:t>
+            </a:r>
+          </a:p>
+          <a:p>
+            <a:pPr marL="468630" lvl="1">
+              <a:spcBef>
+                <a:spcPts val="0"/>
+              </a:spcBef>
+              <a:buFont typeface="Wingdings" panose="05000000000000000000" pitchFamily="2" charset="2"/>
+              <a:buChar char="Ø"/>
+            </a:pPr>
+            <a:r>
+              <a:rPr lang="en-US" sz="1300" dirty="0" smtClean="0"/>
+              <a:t>Variable patterns</a:t>
+            </a:r>
+          </a:p>
+          <a:p>
+            <a:pPr marL="468630" lvl="1">
+              <a:spcBef>
+                <a:spcPts val="0"/>
+              </a:spcBef>
+              <a:buFont typeface="Wingdings" panose="05000000000000000000" pitchFamily="2" charset="2"/>
+              <a:buChar char="Ø"/>
+            </a:pPr>
+            <a:r>
+              <a:rPr lang="en-US" sz="1300" dirty="0"/>
+              <a:t>Constructor </a:t>
+            </a:r>
+            <a:r>
+              <a:rPr lang="en-US" sz="1300" dirty="0" smtClean="0"/>
+              <a:t>patterns</a:t>
+            </a:r>
+          </a:p>
+          <a:p>
+            <a:pPr marL="468630" lvl="1">
+              <a:spcBef>
+                <a:spcPts val="0"/>
+              </a:spcBef>
+              <a:buFont typeface="Wingdings" panose="05000000000000000000" pitchFamily="2" charset="2"/>
+              <a:buChar char="Ø"/>
+            </a:pPr>
+            <a:r>
+              <a:rPr lang="en-US" sz="1300" dirty="0"/>
+              <a:t>Sequence </a:t>
+            </a:r>
+            <a:r>
+              <a:rPr lang="en-US" sz="1300" dirty="0" smtClean="0"/>
+              <a:t>patterns</a:t>
+            </a:r>
+          </a:p>
+          <a:p>
+            <a:pPr marL="468630" lvl="1">
+              <a:spcBef>
+                <a:spcPts val="0"/>
+              </a:spcBef>
+              <a:buFont typeface="Wingdings" panose="05000000000000000000" pitchFamily="2" charset="2"/>
+              <a:buChar char="Ø"/>
+            </a:pPr>
+            <a:r>
+              <a:rPr lang="en-US" sz="1300" dirty="0"/>
+              <a:t>Tuple </a:t>
+            </a:r>
+            <a:r>
+              <a:rPr lang="en-US" sz="1300" dirty="0" smtClean="0"/>
+              <a:t>patterns</a:t>
+            </a:r>
+          </a:p>
+          <a:p>
+            <a:pPr marL="468630" lvl="1">
+              <a:spcBef>
+                <a:spcPts val="0"/>
+              </a:spcBef>
+              <a:buFont typeface="Wingdings" panose="05000000000000000000" pitchFamily="2" charset="2"/>
+              <a:buChar char="Ø"/>
+            </a:pPr>
+            <a:r>
+              <a:rPr lang="en-US" sz="1300" dirty="0"/>
+              <a:t>Typed patterns</a:t>
+            </a:r>
+            <a:endParaRPr lang="en-US" sz="1300" dirty="0"/>
+          </a:p>
+        </p:txBody>
+      </p:sp>
+    </p:spTree>
+    <p:extLst>
+      <p:ext uri="{BB962C8B-B14F-4D97-AF65-F5344CB8AC3E}">
+        <p14:creationId xmlns:p14="http://schemas.microsoft.com/office/powerpoint/2010/main" val="547015402"/>
+      </p:ext>
+    </p:extLst>
+  </p:cSld>
+  <p:clrMapOvr>
+    <a:masterClrMapping/>
+  </p:clrMapOvr>
+</p:sld>
+</file>
+
+<file path=ppt/slides/slide25.xml><?xml version="1.0" encoding="utf-8"?>
+<p:sld xmlns:a="http://schemas.openxmlformats.org/drawingml/2006/main" xmlns:r="http://schemas.openxmlformats.org/officeDocument/2006/relationships" xmlns:p="http://schemas.openxmlformats.org/presentationml/2006/main">
+  <p:cSld>
+    <p:spTree>
+      <p:nvGrpSpPr>
+        <p:cNvPr id="1" name=""/>
+        <p:cNvGrpSpPr/>
+        <p:nvPr/>
+      </p:nvGrpSpPr>
+      <p:grpSpPr>
+        <a:xfrm>
+          <a:off x="0" y="0"/>
+          <a:ext cx="0" cy="0"/>
+          <a:chOff x="0" y="0"/>
+          <a:chExt cx="0" cy="0"/>
+        </a:xfrm>
+      </p:grpSpPr>
+      <p:sp>
+        <p:nvSpPr>
+          <p:cNvPr id="2" name="Title 1"/>
+          <p:cNvSpPr>
+            <a:spLocks noGrp="1"/>
+          </p:cNvSpPr>
+          <p:nvPr>
+            <p:ph type="title"/>
+          </p:nvPr>
+        </p:nvSpPr>
+        <p:spPr>
+          <a:xfrm>
             <a:off x="677334" y="168536"/>
             <a:ext cx="8596668" cy="530711"/>
           </a:xfrm>
@@ -12666,6 +13447,54 @@
               </a:rPr>
               <a:t>stackoverflow.com/questions/218025/what-is-the-difference-between-currying-and-partial-application</a:t>
             </a:r>
+            <a:endParaRPr lang="en-US" sz="1200" dirty="0" smtClean="0"/>
+          </a:p>
+          <a:p>
+            <a:pPr marL="0" indent="0">
+              <a:buNone/>
+            </a:pPr>
+            <a:r>
+              <a:rPr lang="en-US" sz="1200" dirty="0">
+                <a:hlinkClick r:id="rId6"/>
+              </a:rPr>
+              <a:t>http://www.alessandrolacava.com/blog/scala-case-classes-in-depth</a:t>
+            </a:r>
+            <a:r>
+              <a:rPr lang="en-US" sz="1200" dirty="0" smtClean="0">
+                <a:hlinkClick r:id="rId6"/>
+              </a:rPr>
+              <a:t>/</a:t>
+            </a:r>
+            <a:endParaRPr lang="en-US" sz="1200" dirty="0" smtClean="0"/>
+          </a:p>
+          <a:p>
+            <a:pPr marL="0" indent="0">
+              <a:buNone/>
+            </a:pPr>
+            <a:r>
+              <a:rPr lang="en-US" sz="1200" dirty="0">
+                <a:hlinkClick r:id="rId7"/>
+              </a:rPr>
+              <a:t>http://</a:t>
+            </a:r>
+            <a:r>
+              <a:rPr lang="en-US" sz="1200" dirty="0" smtClean="0">
+                <a:hlinkClick r:id="rId7"/>
+              </a:rPr>
+              <a:t>www.artima.com/pins1ed/case-classes-and-pattern-matching.html</a:t>
+            </a:r>
+            <a:endParaRPr lang="en-US" sz="1200" dirty="0" smtClean="0"/>
+          </a:p>
+          <a:p>
+            <a:pPr marL="0" indent="0">
+              <a:buNone/>
+            </a:pPr>
+            <a:endParaRPr lang="en-US" sz="1200" dirty="0" smtClean="0"/>
+          </a:p>
+          <a:p>
+            <a:pPr marL="0" indent="0">
+              <a:buNone/>
+            </a:pPr>
             <a:endParaRPr lang="en-US" sz="1200" dirty="0" smtClean="0"/>
           </a:p>
           <a:p>
